--- a/Advances in quantitative genetics.pptx
+++ b/Advances in quantitative genetics.pptx
@@ -5,7 +5,7 @@
     <p:sldMasterId id="2147483648" r:id="rId1"/>
   </p:sldMasterIdLst>
   <p:notesMasterIdLst>
-    <p:notesMasterId r:id="rId18"/>
+    <p:notesMasterId r:id="rId22"/>
   </p:notesMasterIdLst>
   <p:sldIdLst>
     <p:sldId id="256" r:id="rId2"/>
@@ -21,9 +21,13 @@
     <p:sldId id="276" r:id="rId12"/>
     <p:sldId id="277" r:id="rId13"/>
     <p:sldId id="278" r:id="rId14"/>
-    <p:sldId id="273" r:id="rId15"/>
-    <p:sldId id="274" r:id="rId16"/>
-    <p:sldId id="264" r:id="rId17"/>
+    <p:sldId id="279" r:id="rId15"/>
+    <p:sldId id="273" r:id="rId16"/>
+    <p:sldId id="282" r:id="rId17"/>
+    <p:sldId id="280" r:id="rId18"/>
+    <p:sldId id="281" r:id="rId19"/>
+    <p:sldId id="283" r:id="rId20"/>
+    <p:sldId id="264" r:id="rId21"/>
   </p:sldIdLst>
   <p:sldSz cx="12192000" cy="6858000"/>
   <p:notesSz cx="6858000" cy="9144000"/>
@@ -130,7 +134,7 @@
             <a:srgbClr val="A4A3A4"/>
           </p15:clr>
         </p15:guide>
-        <p15:guide id="2" pos="3863" userDrawn="1">
+        <p15:guide id="2" pos="3885" userDrawn="1">
           <p15:clr>
             <a:srgbClr val="A4A3A4"/>
           </p15:clr>
@@ -4374,6 +4378,778 @@
 </p:notes>
 </file>
 
+<file path=ppt/notesSlides/notesSlide4.xml><?xml version="1.0" encoding="utf-8"?>
+<p:notes xmlns:a="http://schemas.openxmlformats.org/drawingml/2006/main" xmlns:r="http://schemas.openxmlformats.org/officeDocument/2006/relationships" xmlns:p="http://schemas.openxmlformats.org/presentationml/2006/main">
+  <p:cSld>
+    <p:spTree>
+      <p:nvGrpSpPr>
+        <p:cNvPr id="1" name=""/>
+        <p:cNvGrpSpPr/>
+        <p:nvPr/>
+      </p:nvGrpSpPr>
+      <p:grpSpPr>
+        <a:xfrm>
+          <a:off x="0" y="0"/>
+          <a:ext cx="0" cy="0"/>
+          <a:chOff x="0" y="0"/>
+          <a:chExt cx="0" cy="0"/>
+        </a:xfrm>
+      </p:grpSpPr>
+      <p:sp>
+        <p:nvSpPr>
+          <p:cNvPr id="2" name="Slide Image Placeholder 1"/>
+          <p:cNvSpPr>
+            <a:spLocks noGrp="1" noRot="1" noChangeAspect="1"/>
+          </p:cNvSpPr>
+          <p:nvPr>
+            <p:ph type="sldImg"/>
+          </p:nvPr>
+        </p:nvSpPr>
+        <p:spPr/>
+      </p:sp>
+      <p:sp>
+        <p:nvSpPr>
+          <p:cNvPr id="3" name="Notes Placeholder 2"/>
+          <p:cNvSpPr>
+            <a:spLocks noGrp="1"/>
+          </p:cNvSpPr>
+          <p:nvPr>
+            <p:ph type="body" idx="1"/>
+          </p:nvPr>
+        </p:nvSpPr>
+        <p:spPr/>
+        <p:txBody>
+          <a:bodyPr/>
+          <a:lstStyle/>
+          <a:p>
+            <a:r>
+              <a:rPr lang="fr-FR" dirty="0"/>
+              <a:t>P-value </a:t>
+            </a:r>
+            <a:r>
+              <a:rPr lang="fr-FR" dirty="0" err="1"/>
+              <a:t>that</a:t>
+            </a:r>
+            <a:r>
+              <a:rPr lang="fr-FR" dirty="0"/>
+              <a:t> </a:t>
+            </a:r>
+            <a:r>
+              <a:rPr lang="fr-FR" dirty="0" err="1"/>
+              <a:t>basically</a:t>
+            </a:r>
+            <a:r>
+              <a:rPr lang="fr-FR" dirty="0"/>
+              <a:t> </a:t>
+            </a:r>
+            <a:r>
+              <a:rPr lang="fr-FR" dirty="0" err="1"/>
+              <a:t>says</a:t>
+            </a:r>
+            <a:r>
+              <a:rPr lang="fr-FR" dirty="0"/>
+              <a:t> </a:t>
+            </a:r>
+            <a:r>
+              <a:rPr lang="fr-FR" dirty="0" err="1"/>
+              <a:t>that</a:t>
+            </a:r>
+            <a:r>
+              <a:rPr lang="fr-FR" dirty="0"/>
+              <a:t> the </a:t>
+            </a:r>
+            <a:r>
+              <a:rPr lang="fr-FR" dirty="0" err="1"/>
+              <a:t>results</a:t>
+            </a:r>
+            <a:r>
+              <a:rPr lang="fr-FR" dirty="0"/>
+              <a:t> </a:t>
+            </a:r>
+            <a:r>
+              <a:rPr lang="fr-FR" dirty="0" err="1"/>
+              <a:t>from</a:t>
+            </a:r>
+            <a:r>
+              <a:rPr lang="fr-FR" dirty="0"/>
+              <a:t> </a:t>
+            </a:r>
+            <a:r>
+              <a:rPr lang="fr-FR" dirty="0" err="1"/>
+              <a:t>gene</a:t>
+            </a:r>
+            <a:r>
+              <a:rPr lang="fr-FR" dirty="0"/>
+              <a:t> A and C are </a:t>
+            </a:r>
+            <a:r>
+              <a:rPr lang="fr-FR" dirty="0" err="1"/>
+              <a:t>two</a:t>
+            </a:r>
+            <a:r>
+              <a:rPr lang="fr-FR" dirty="0"/>
+              <a:t> </a:t>
+            </a:r>
+            <a:r>
+              <a:rPr lang="fr-FR" dirty="0" err="1"/>
+              <a:t>different</a:t>
+            </a:r>
+            <a:r>
+              <a:rPr lang="fr-FR" dirty="0"/>
+              <a:t> </a:t>
+            </a:r>
+            <a:r>
+              <a:rPr lang="fr-FR" dirty="0" err="1"/>
+              <a:t>results</a:t>
+            </a:r>
+            <a:endParaRPr lang="en-GB" dirty="0"/>
+          </a:p>
+        </p:txBody>
+      </p:sp>
+      <p:sp>
+        <p:nvSpPr>
+          <p:cNvPr id="4" name="Slide Number Placeholder 3"/>
+          <p:cNvSpPr>
+            <a:spLocks noGrp="1"/>
+          </p:cNvSpPr>
+          <p:nvPr>
+            <p:ph type="sldNum" sz="quarter" idx="5"/>
+          </p:nvPr>
+        </p:nvSpPr>
+        <p:spPr/>
+        <p:txBody>
+          <a:bodyPr/>
+          <a:lstStyle/>
+          <a:p>
+            <a:fld id="{D20569B2-60DC-4B99-B466-570EC84E754C}" type="slidenum">
+              <a:rPr lang="en-GB" smtClean="0"/>
+              <a:t>11</a:t>
+            </a:fld>
+            <a:endParaRPr lang="en-GB"/>
+          </a:p>
+        </p:txBody>
+      </p:sp>
+    </p:spTree>
+    <p:extLst>
+      <p:ext uri="{BB962C8B-B14F-4D97-AF65-F5344CB8AC3E}">
+        <p14:creationId xmlns:p14="http://schemas.microsoft.com/office/powerpoint/2010/main" val="3113512883"/>
+      </p:ext>
+    </p:extLst>
+  </p:cSld>
+  <p:clrMapOvr>
+    <a:masterClrMapping/>
+  </p:clrMapOvr>
+</p:notes>
+</file>
+
+<file path=ppt/notesSlides/notesSlide5.xml><?xml version="1.0" encoding="utf-8"?>
+<p:notes xmlns:a="http://schemas.openxmlformats.org/drawingml/2006/main" xmlns:r="http://schemas.openxmlformats.org/officeDocument/2006/relationships" xmlns:p="http://schemas.openxmlformats.org/presentationml/2006/main">
+  <p:cSld>
+    <p:spTree>
+      <p:nvGrpSpPr>
+        <p:cNvPr id="1" name=""/>
+        <p:cNvGrpSpPr/>
+        <p:nvPr/>
+      </p:nvGrpSpPr>
+      <p:grpSpPr>
+        <a:xfrm>
+          <a:off x="0" y="0"/>
+          <a:ext cx="0" cy="0"/>
+          <a:chOff x="0" y="0"/>
+          <a:chExt cx="0" cy="0"/>
+        </a:xfrm>
+      </p:grpSpPr>
+      <p:sp>
+        <p:nvSpPr>
+          <p:cNvPr id="2" name="Slide Image Placeholder 1"/>
+          <p:cNvSpPr>
+            <a:spLocks noGrp="1" noRot="1" noChangeAspect="1"/>
+          </p:cNvSpPr>
+          <p:nvPr>
+            <p:ph type="sldImg"/>
+          </p:nvPr>
+        </p:nvSpPr>
+        <p:spPr/>
+      </p:sp>
+      <p:sp>
+        <p:nvSpPr>
+          <p:cNvPr id="3" name="Notes Placeholder 2"/>
+          <p:cNvSpPr>
+            <a:spLocks noGrp="1"/>
+          </p:cNvSpPr>
+          <p:nvPr>
+            <p:ph type="body" idx="1"/>
+          </p:nvPr>
+        </p:nvSpPr>
+        <p:spPr/>
+        <p:txBody>
+          <a:bodyPr/>
+          <a:lstStyle/>
+          <a:p>
+            <a:r>
+              <a:rPr lang="fr-FR" dirty="0" err="1"/>
+              <a:t>We</a:t>
+            </a:r>
+            <a:r>
+              <a:rPr lang="fr-FR" dirty="0"/>
+              <a:t> </a:t>
+            </a:r>
+            <a:r>
+              <a:rPr lang="fr-FR" dirty="0" err="1"/>
+              <a:t>want</a:t>
+            </a:r>
+            <a:r>
+              <a:rPr lang="fr-FR" dirty="0"/>
+              <a:t> to </a:t>
+            </a:r>
+            <a:r>
+              <a:rPr lang="fr-FR" dirty="0" err="1"/>
+              <a:t>see</a:t>
+            </a:r>
+            <a:r>
+              <a:rPr lang="fr-FR" dirty="0"/>
+              <a:t> the fluctuations of the p-values of </a:t>
+            </a:r>
+            <a:r>
+              <a:rPr lang="fr-FR" dirty="0" err="1"/>
+              <a:t>each</a:t>
+            </a:r>
+            <a:r>
+              <a:rPr lang="fr-FR" dirty="0"/>
+              <a:t> model </a:t>
+            </a:r>
+            <a:r>
+              <a:rPr lang="fr-FR" dirty="0" err="1"/>
+              <a:t>because</a:t>
+            </a:r>
+            <a:r>
+              <a:rPr lang="fr-FR" dirty="0"/>
+              <a:t> </a:t>
+            </a:r>
+            <a:r>
+              <a:rPr lang="fr-FR" dirty="0" err="1"/>
+              <a:t>it</a:t>
+            </a:r>
+            <a:r>
+              <a:rPr lang="fr-FR" dirty="0"/>
+              <a:t> </a:t>
+            </a:r>
+            <a:r>
+              <a:rPr lang="fr-FR" dirty="0" err="1"/>
+              <a:t>essentially</a:t>
+            </a:r>
+            <a:r>
+              <a:rPr lang="fr-FR" dirty="0"/>
+              <a:t> tells us if the </a:t>
+            </a:r>
+            <a:r>
+              <a:rPr lang="fr-FR" dirty="0" err="1"/>
+              <a:t>genes</a:t>
+            </a:r>
+            <a:r>
+              <a:rPr lang="fr-FR" dirty="0"/>
+              <a:t> A and C </a:t>
+            </a:r>
+            <a:r>
+              <a:rPr lang="fr-FR" dirty="0" err="1"/>
+              <a:t>yields</a:t>
+            </a:r>
+            <a:r>
+              <a:rPr lang="fr-FR" dirty="0"/>
+              <a:t> to </a:t>
+            </a:r>
+            <a:r>
+              <a:rPr lang="fr-FR" dirty="0" err="1"/>
+              <a:t>different</a:t>
+            </a:r>
+            <a:r>
+              <a:rPr lang="fr-FR" dirty="0"/>
+              <a:t> </a:t>
+            </a:r>
+            <a:r>
+              <a:rPr lang="fr-FR" dirty="0" err="1"/>
+              <a:t>results</a:t>
+            </a:r>
+            <a:endParaRPr lang="en-GB" dirty="0"/>
+          </a:p>
+        </p:txBody>
+      </p:sp>
+      <p:sp>
+        <p:nvSpPr>
+          <p:cNvPr id="4" name="Slide Number Placeholder 3"/>
+          <p:cNvSpPr>
+            <a:spLocks noGrp="1"/>
+          </p:cNvSpPr>
+          <p:nvPr>
+            <p:ph type="sldNum" sz="quarter" idx="5"/>
+          </p:nvPr>
+        </p:nvSpPr>
+        <p:spPr/>
+        <p:txBody>
+          <a:bodyPr/>
+          <a:lstStyle/>
+          <a:p>
+            <a:fld id="{D20569B2-60DC-4B99-B466-570EC84E754C}" type="slidenum">
+              <a:rPr lang="en-GB" smtClean="0"/>
+              <a:t>13</a:t>
+            </a:fld>
+            <a:endParaRPr lang="en-GB"/>
+          </a:p>
+        </p:txBody>
+      </p:sp>
+    </p:spTree>
+    <p:extLst>
+      <p:ext uri="{BB962C8B-B14F-4D97-AF65-F5344CB8AC3E}">
+        <p14:creationId xmlns:p14="http://schemas.microsoft.com/office/powerpoint/2010/main" val="264996755"/>
+      </p:ext>
+    </p:extLst>
+  </p:cSld>
+  <p:clrMapOvr>
+    <a:masterClrMapping/>
+  </p:clrMapOvr>
+</p:notes>
+</file>
+
+<file path=ppt/notesSlides/notesSlide6.xml><?xml version="1.0" encoding="utf-8"?>
+<p:notes xmlns:a="http://schemas.openxmlformats.org/drawingml/2006/main" xmlns:r="http://schemas.openxmlformats.org/officeDocument/2006/relationships" xmlns:p="http://schemas.openxmlformats.org/presentationml/2006/main">
+  <p:cSld>
+    <p:spTree>
+      <p:nvGrpSpPr>
+        <p:cNvPr id="1" name=""/>
+        <p:cNvGrpSpPr/>
+        <p:nvPr/>
+      </p:nvGrpSpPr>
+      <p:grpSpPr>
+        <a:xfrm>
+          <a:off x="0" y="0"/>
+          <a:ext cx="0" cy="0"/>
+          <a:chOff x="0" y="0"/>
+          <a:chExt cx="0" cy="0"/>
+        </a:xfrm>
+      </p:grpSpPr>
+      <p:sp>
+        <p:nvSpPr>
+          <p:cNvPr id="2" name="Slide Image Placeholder 1"/>
+          <p:cNvSpPr>
+            <a:spLocks noGrp="1" noRot="1" noChangeAspect="1"/>
+          </p:cNvSpPr>
+          <p:nvPr>
+            <p:ph type="sldImg"/>
+          </p:nvPr>
+        </p:nvSpPr>
+        <p:spPr/>
+      </p:sp>
+      <p:sp>
+        <p:nvSpPr>
+          <p:cNvPr id="3" name="Notes Placeholder 2"/>
+          <p:cNvSpPr>
+            <a:spLocks noGrp="1"/>
+          </p:cNvSpPr>
+          <p:nvPr>
+            <p:ph type="body" idx="1"/>
+          </p:nvPr>
+        </p:nvSpPr>
+        <p:spPr/>
+        <p:txBody>
+          <a:bodyPr/>
+          <a:lstStyle/>
+          <a:p>
+            <a:r>
+              <a:rPr lang="fr-FR" dirty="0" err="1"/>
+              <a:t>We</a:t>
+            </a:r>
+            <a:r>
+              <a:rPr lang="fr-FR" dirty="0"/>
+              <a:t> </a:t>
+            </a:r>
+            <a:r>
+              <a:rPr lang="fr-FR" dirty="0" err="1"/>
+              <a:t>want</a:t>
+            </a:r>
+            <a:r>
+              <a:rPr lang="fr-FR" dirty="0"/>
+              <a:t> to </a:t>
+            </a:r>
+            <a:r>
+              <a:rPr lang="fr-FR" dirty="0" err="1"/>
+              <a:t>see</a:t>
+            </a:r>
+            <a:r>
+              <a:rPr lang="fr-FR" dirty="0"/>
+              <a:t> the fluctuations of the p-values of </a:t>
+            </a:r>
+            <a:r>
+              <a:rPr lang="fr-FR" dirty="0" err="1"/>
+              <a:t>each</a:t>
+            </a:r>
+            <a:r>
+              <a:rPr lang="fr-FR" dirty="0"/>
+              <a:t> model </a:t>
+            </a:r>
+            <a:r>
+              <a:rPr lang="fr-FR" dirty="0" err="1"/>
+              <a:t>because</a:t>
+            </a:r>
+            <a:r>
+              <a:rPr lang="fr-FR" dirty="0"/>
+              <a:t> </a:t>
+            </a:r>
+            <a:r>
+              <a:rPr lang="fr-FR" dirty="0" err="1"/>
+              <a:t>it</a:t>
+            </a:r>
+            <a:r>
+              <a:rPr lang="fr-FR" dirty="0"/>
+              <a:t> </a:t>
+            </a:r>
+            <a:r>
+              <a:rPr lang="fr-FR" dirty="0" err="1"/>
+              <a:t>essentially</a:t>
+            </a:r>
+            <a:r>
+              <a:rPr lang="fr-FR" dirty="0"/>
+              <a:t> tells us if the </a:t>
+            </a:r>
+            <a:r>
+              <a:rPr lang="fr-FR" dirty="0" err="1"/>
+              <a:t>genes</a:t>
+            </a:r>
+            <a:r>
+              <a:rPr lang="fr-FR" dirty="0"/>
+              <a:t> A and C </a:t>
+            </a:r>
+            <a:r>
+              <a:rPr lang="fr-FR" dirty="0" err="1"/>
+              <a:t>yields</a:t>
+            </a:r>
+            <a:r>
+              <a:rPr lang="fr-FR" dirty="0"/>
+              <a:t> to </a:t>
+            </a:r>
+            <a:r>
+              <a:rPr lang="fr-FR" dirty="0" err="1"/>
+              <a:t>different</a:t>
+            </a:r>
+            <a:r>
+              <a:rPr lang="fr-FR" dirty="0"/>
+              <a:t> </a:t>
+            </a:r>
+            <a:r>
+              <a:rPr lang="fr-FR" dirty="0" err="1"/>
+              <a:t>results</a:t>
+            </a:r>
+            <a:endParaRPr lang="en-GB" dirty="0"/>
+          </a:p>
+        </p:txBody>
+      </p:sp>
+      <p:sp>
+        <p:nvSpPr>
+          <p:cNvPr id="4" name="Slide Number Placeholder 3"/>
+          <p:cNvSpPr>
+            <a:spLocks noGrp="1"/>
+          </p:cNvSpPr>
+          <p:nvPr>
+            <p:ph type="sldNum" sz="quarter" idx="5"/>
+          </p:nvPr>
+        </p:nvSpPr>
+        <p:spPr/>
+        <p:txBody>
+          <a:bodyPr/>
+          <a:lstStyle/>
+          <a:p>
+            <a:fld id="{D20569B2-60DC-4B99-B466-570EC84E754C}" type="slidenum">
+              <a:rPr lang="en-GB" smtClean="0"/>
+              <a:t>14</a:t>
+            </a:fld>
+            <a:endParaRPr lang="en-GB"/>
+          </a:p>
+        </p:txBody>
+      </p:sp>
+    </p:spTree>
+    <p:extLst>
+      <p:ext uri="{BB962C8B-B14F-4D97-AF65-F5344CB8AC3E}">
+        <p14:creationId xmlns:p14="http://schemas.microsoft.com/office/powerpoint/2010/main" val="972956152"/>
+      </p:ext>
+    </p:extLst>
+  </p:cSld>
+  <p:clrMapOvr>
+    <a:masterClrMapping/>
+  </p:clrMapOvr>
+</p:notes>
+</file>
+
+<file path=ppt/notesSlides/notesSlide7.xml><?xml version="1.0" encoding="utf-8"?>
+<p:notes xmlns:a="http://schemas.openxmlformats.org/drawingml/2006/main" xmlns:r="http://schemas.openxmlformats.org/officeDocument/2006/relationships" xmlns:p="http://schemas.openxmlformats.org/presentationml/2006/main">
+  <p:cSld>
+    <p:spTree>
+      <p:nvGrpSpPr>
+        <p:cNvPr id="1" name=""/>
+        <p:cNvGrpSpPr/>
+        <p:nvPr/>
+      </p:nvGrpSpPr>
+      <p:grpSpPr>
+        <a:xfrm>
+          <a:off x="0" y="0"/>
+          <a:ext cx="0" cy="0"/>
+          <a:chOff x="0" y="0"/>
+          <a:chExt cx="0" cy="0"/>
+        </a:xfrm>
+      </p:grpSpPr>
+      <p:sp>
+        <p:nvSpPr>
+          <p:cNvPr id="2" name="Slide Image Placeholder 1"/>
+          <p:cNvSpPr>
+            <a:spLocks noGrp="1" noRot="1" noChangeAspect="1"/>
+          </p:cNvSpPr>
+          <p:nvPr>
+            <p:ph type="sldImg"/>
+          </p:nvPr>
+        </p:nvSpPr>
+        <p:spPr/>
+      </p:sp>
+      <p:sp>
+        <p:nvSpPr>
+          <p:cNvPr id="3" name="Notes Placeholder 2"/>
+          <p:cNvSpPr>
+            <a:spLocks noGrp="1"/>
+          </p:cNvSpPr>
+          <p:nvPr>
+            <p:ph type="body" idx="1"/>
+          </p:nvPr>
+        </p:nvSpPr>
+        <p:spPr/>
+        <p:txBody>
+          <a:bodyPr/>
+          <a:lstStyle/>
+          <a:p>
+            <a:pPr marL="0" marR="0" lvl="0" indent="0" algn="l" defTabSz="914400" rtl="0" eaLnBrk="1" fontAlgn="auto" latinLnBrk="0" hangingPunct="1">
+              <a:lnSpc>
+                <a:spcPct val="100000"/>
+              </a:lnSpc>
+              <a:spcBef>
+                <a:spcPts val="0"/>
+              </a:spcBef>
+              <a:spcAft>
+                <a:spcPts val="0"/>
+              </a:spcAft>
+              <a:buClrTx/>
+              <a:buSzTx/>
+              <a:buFontTx/>
+              <a:buNone/>
+              <a:tabLst/>
+              <a:defRPr/>
+            </a:pPr>
+            <a:r>
+              <a:rPr lang="fr-FR" sz="1200" dirty="0"/>
+              <a:t>Linkage </a:t>
+            </a:r>
+            <a:r>
+              <a:rPr lang="fr-FR" sz="1200" dirty="0" err="1"/>
+              <a:t>disequilibrium</a:t>
+            </a:r>
+            <a:r>
+              <a:rPr lang="fr-FR" sz="1200" dirty="0"/>
+              <a:t> and SNP </a:t>
+            </a:r>
+            <a:r>
+              <a:rPr lang="fr-FR" sz="1200" dirty="0" err="1"/>
+              <a:t>density</a:t>
+            </a:r>
+            <a:r>
+              <a:rPr lang="fr-FR" sz="1200" dirty="0"/>
+              <a:t> are central to the </a:t>
+            </a:r>
+            <a:r>
+              <a:rPr lang="fr-FR" sz="1200" dirty="0" err="1"/>
+              <a:t>reliability</a:t>
+            </a:r>
+            <a:r>
+              <a:rPr lang="fr-FR" sz="1200" dirty="0"/>
+              <a:t> of GWAS </a:t>
+            </a:r>
+            <a:r>
+              <a:rPr lang="fr-FR" sz="1200" dirty="0" err="1"/>
+              <a:t>result</a:t>
+            </a:r>
+            <a:endParaRPr lang="fr-FR" sz="1200" dirty="0"/>
+          </a:p>
+          <a:p>
+            <a:endParaRPr lang="en-GB" dirty="0"/>
+          </a:p>
+        </p:txBody>
+      </p:sp>
+      <p:sp>
+        <p:nvSpPr>
+          <p:cNvPr id="4" name="Slide Number Placeholder 3"/>
+          <p:cNvSpPr>
+            <a:spLocks noGrp="1"/>
+          </p:cNvSpPr>
+          <p:nvPr>
+            <p:ph type="sldNum" sz="quarter" idx="5"/>
+          </p:nvPr>
+        </p:nvSpPr>
+        <p:spPr/>
+        <p:txBody>
+          <a:bodyPr/>
+          <a:lstStyle/>
+          <a:p>
+            <a:fld id="{D20569B2-60DC-4B99-B466-570EC84E754C}" type="slidenum">
+              <a:rPr lang="en-GB" smtClean="0"/>
+              <a:t>15</a:t>
+            </a:fld>
+            <a:endParaRPr lang="en-GB"/>
+          </a:p>
+        </p:txBody>
+      </p:sp>
+    </p:spTree>
+    <p:extLst>
+      <p:ext uri="{BB962C8B-B14F-4D97-AF65-F5344CB8AC3E}">
+        <p14:creationId xmlns:p14="http://schemas.microsoft.com/office/powerpoint/2010/main" val="2101548032"/>
+      </p:ext>
+    </p:extLst>
+  </p:cSld>
+  <p:clrMapOvr>
+    <a:masterClrMapping/>
+  </p:clrMapOvr>
+</p:notes>
+</file>
+
+<file path=ppt/notesSlides/notesSlide8.xml><?xml version="1.0" encoding="utf-8"?>
+<p:notes xmlns:a="http://schemas.openxmlformats.org/drawingml/2006/main" xmlns:r="http://schemas.openxmlformats.org/officeDocument/2006/relationships" xmlns:p="http://schemas.openxmlformats.org/presentationml/2006/main">
+  <p:cSld>
+    <p:spTree>
+      <p:nvGrpSpPr>
+        <p:cNvPr id="1" name=""/>
+        <p:cNvGrpSpPr/>
+        <p:nvPr/>
+      </p:nvGrpSpPr>
+      <p:grpSpPr>
+        <a:xfrm>
+          <a:off x="0" y="0"/>
+          <a:ext cx="0" cy="0"/>
+          <a:chOff x="0" y="0"/>
+          <a:chExt cx="0" cy="0"/>
+        </a:xfrm>
+      </p:grpSpPr>
+      <p:sp>
+        <p:nvSpPr>
+          <p:cNvPr id="2" name="Slide Image Placeholder 1"/>
+          <p:cNvSpPr>
+            <a:spLocks noGrp="1" noRot="1" noChangeAspect="1"/>
+          </p:cNvSpPr>
+          <p:nvPr>
+            <p:ph type="sldImg"/>
+          </p:nvPr>
+        </p:nvSpPr>
+        <p:spPr/>
+      </p:sp>
+      <p:sp>
+        <p:nvSpPr>
+          <p:cNvPr id="3" name="Notes Placeholder 2"/>
+          <p:cNvSpPr>
+            <a:spLocks noGrp="1"/>
+          </p:cNvSpPr>
+          <p:nvPr>
+            <p:ph type="body" idx="1"/>
+          </p:nvPr>
+        </p:nvSpPr>
+        <p:spPr/>
+        <p:txBody>
+          <a:bodyPr/>
+          <a:lstStyle/>
+          <a:p>
+            <a:pPr marL="0" marR="0" lvl="0" indent="0" algn="l" defTabSz="914400" rtl="0" eaLnBrk="1" fontAlgn="auto" latinLnBrk="0" hangingPunct="1">
+              <a:lnSpc>
+                <a:spcPct val="100000"/>
+              </a:lnSpc>
+              <a:spcBef>
+                <a:spcPts val="0"/>
+              </a:spcBef>
+              <a:spcAft>
+                <a:spcPts val="0"/>
+              </a:spcAft>
+              <a:buClrTx/>
+              <a:buSzTx/>
+              <a:buFontTx/>
+              <a:buNone/>
+              <a:tabLst/>
+              <a:defRPr/>
+            </a:pPr>
+            <a:r>
+              <a:rPr lang="fr-FR" sz="1200" dirty="0"/>
+              <a:t>Linkage </a:t>
+            </a:r>
+            <a:r>
+              <a:rPr lang="fr-FR" sz="1200" dirty="0" err="1"/>
+              <a:t>disequilibrium</a:t>
+            </a:r>
+            <a:r>
+              <a:rPr lang="fr-FR" sz="1200" dirty="0"/>
+              <a:t> and SNP </a:t>
+            </a:r>
+            <a:r>
+              <a:rPr lang="fr-FR" sz="1200" dirty="0" err="1"/>
+              <a:t>density</a:t>
+            </a:r>
+            <a:r>
+              <a:rPr lang="fr-FR" sz="1200" dirty="0"/>
+              <a:t> are central to the </a:t>
+            </a:r>
+            <a:r>
+              <a:rPr lang="fr-FR" sz="1200" dirty="0" err="1"/>
+              <a:t>reliability</a:t>
+            </a:r>
+            <a:r>
+              <a:rPr lang="fr-FR" sz="1200" dirty="0"/>
+              <a:t> of GWAS </a:t>
+            </a:r>
+            <a:r>
+              <a:rPr lang="fr-FR" sz="1200" dirty="0" err="1"/>
+              <a:t>result</a:t>
+            </a:r>
+            <a:endParaRPr lang="fr-FR" sz="1200" dirty="0"/>
+          </a:p>
+          <a:p>
+            <a:endParaRPr lang="en-GB" dirty="0"/>
+          </a:p>
+        </p:txBody>
+      </p:sp>
+      <p:sp>
+        <p:nvSpPr>
+          <p:cNvPr id="4" name="Slide Number Placeholder 3"/>
+          <p:cNvSpPr>
+            <a:spLocks noGrp="1"/>
+          </p:cNvSpPr>
+          <p:nvPr>
+            <p:ph type="sldNum" sz="quarter" idx="5"/>
+          </p:nvPr>
+        </p:nvSpPr>
+        <p:spPr/>
+        <p:txBody>
+          <a:bodyPr/>
+          <a:lstStyle/>
+          <a:p>
+            <a:fld id="{D20569B2-60DC-4B99-B466-570EC84E754C}" type="slidenum">
+              <a:rPr lang="en-GB" smtClean="0"/>
+              <a:t>16</a:t>
+            </a:fld>
+            <a:endParaRPr lang="en-GB"/>
+          </a:p>
+        </p:txBody>
+      </p:sp>
+    </p:spTree>
+    <p:extLst>
+      <p:ext uri="{BB962C8B-B14F-4D97-AF65-F5344CB8AC3E}">
+        <p14:creationId xmlns:p14="http://schemas.microsoft.com/office/powerpoint/2010/main" val="3642701456"/>
+      </p:ext>
+    </p:extLst>
+  </p:cSld>
+  <p:clrMapOvr>
+    <a:masterClrMapping/>
+  </p:clrMapOvr>
+</p:notes>
+</file>
+
 <file path=ppt/slideLayouts/slideLayout1.xml><?xml version="1.0" encoding="utf-8"?>
 <p:sldLayout xmlns:a="http://schemas.openxmlformats.org/drawingml/2006/main" xmlns:r="http://schemas.openxmlformats.org/officeDocument/2006/relationships" xmlns:p="http://schemas.openxmlformats.org/presentationml/2006/main" type="title" preserve="1">
   <p:cSld name="Title Slide">
@@ -8316,7 +9092,7 @@
         <p:spPr>
           <a:xfrm>
             <a:off x="822087" y="1691719"/>
-            <a:ext cx="6557819" cy="3693319"/>
+            <a:ext cx="6425021" cy="3693319"/>
           </a:xfrm>
           <a:prstGeom prst="rect">
             <a:avLst/>
@@ -8390,27 +9166,43 @@
             </a:r>
             <a:r>
               <a:rPr lang="fr-FR" dirty="0"/>
-              <a:t> are </a:t>
+              <a:t> </a:t>
+            </a:r>
+            <a:r>
+              <a:rPr lang="fr-FR" b="1" i="1" dirty="0" err="1"/>
+              <a:t>most</a:t>
             </a:r>
             <a:r>
               <a:rPr lang="fr-FR" b="1" i="1" dirty="0"/>
-              <a:t>more </a:t>
+              <a:t> </a:t>
             </a:r>
             <a:r>
               <a:rPr lang="fr-FR" b="1" i="1" dirty="0" err="1"/>
-              <a:t>likely</a:t>
+              <a:t>frequently</a:t>
             </a:r>
             <a:r>
               <a:rPr lang="fr-FR" b="1" i="1" dirty="0"/>
               <a:t> </a:t>
             </a:r>
             <a:r>
-              <a:rPr lang="fr-FR" dirty="0"/>
-              <a:t>to </a:t>
-            </a:r>
-            <a:r>
               <a:rPr lang="fr-FR" dirty="0" err="1"/>
               <a:t>appear</a:t>
+            </a:r>
+            <a:r>
+              <a:rPr lang="fr-FR" dirty="0"/>
+              <a:t> </a:t>
+            </a:r>
+            <a:r>
+              <a:rPr lang="fr-FR" dirty="0" err="1"/>
+              <a:t>across</a:t>
+            </a:r>
+            <a:r>
+              <a:rPr lang="fr-FR" dirty="0"/>
+              <a:t> </a:t>
+            </a:r>
+            <a:r>
+              <a:rPr lang="fr-FR" dirty="0" err="1"/>
+              <a:t>individuals</a:t>
             </a:r>
             <a:r>
               <a:rPr lang="fr-FR" dirty="0"/>
@@ -8661,15 +9453,31 @@
             </a:r>
             <a:r>
               <a:rPr lang="fr-FR" dirty="0"/>
-              <a:t> are more </a:t>
-            </a:r>
-            <a:r>
-              <a:rPr lang="fr-FR" dirty="0" err="1"/>
-              <a:t>likely</a:t>
-            </a:r>
-            <a:r>
-              <a:rPr lang="fr-FR" dirty="0"/>
-              <a:t> to </a:t>
+              <a:t> </a:t>
+            </a:r>
+            <a:r>
+              <a:rPr lang="fr-FR" dirty="0" err="1"/>
+              <a:t>that</a:t>
+            </a:r>
+            <a:r>
+              <a:rPr lang="fr-FR" dirty="0"/>
+              <a:t> </a:t>
+            </a:r>
+            <a:r>
+              <a:rPr lang="fr-FR" dirty="0" err="1"/>
+              <a:t>most</a:t>
+            </a:r>
+            <a:r>
+              <a:rPr lang="fr-FR" dirty="0"/>
+              <a:t> </a:t>
+            </a:r>
+            <a:r>
+              <a:rPr lang="fr-FR" dirty="0" err="1"/>
+              <a:t>frequently</a:t>
+            </a:r>
+            <a:r>
+              <a:rPr lang="fr-FR" dirty="0"/>
+              <a:t> </a:t>
             </a:r>
             <a:r>
               <a:rPr lang="fr-FR" dirty="0" err="1"/>
@@ -11324,7 +12132,7 @@
           <p:nvPr/>
         </p:nvPicPr>
         <p:blipFill>
-          <a:blip r:embed="rId2">
+          <a:blip r:embed="rId3">
             <a:extLst>
               <a:ext uri="{28A0092B-C50C-407E-A947-70E740481C1C}">
                 <a14:useLocalDpi xmlns:a14="http://schemas.microsoft.com/office/drawing/2010/main" val="0"/>
@@ -11360,7 +12168,7 @@
           <p:nvPr/>
         </p:nvPicPr>
         <p:blipFill>
-          <a:blip r:embed="rId3">
+          <a:blip r:embed="rId4">
             <a:extLst>
               <a:ext uri="{28A0092B-C50C-407E-A947-70E740481C1C}">
                 <a14:useLocalDpi xmlns:a14="http://schemas.microsoft.com/office/drawing/2010/main" val="0"/>
@@ -11396,7 +12204,7 @@
           <p:nvPr/>
         </p:nvPicPr>
         <p:blipFill>
-          <a:blip r:embed="rId4">
+          <a:blip r:embed="rId5">
             <a:extLst>
               <a:ext uri="{28A0092B-C50C-407E-A947-70E740481C1C}">
                 <a14:useLocalDpi xmlns:a14="http://schemas.microsoft.com/office/drawing/2010/main" val="0"/>
@@ -12473,14 +13281,6 @@
             </a:r>
             <a:r>
               <a:rPr lang="fr-FR" dirty="0"/>
-              <a:t> </a:t>
-            </a:r>
-            <a:r>
-              <a:rPr lang="fr-FR" dirty="0" err="1"/>
-              <a:t>only</a:t>
-            </a:r>
-            <a:r>
-              <a:rPr lang="fr-FR" dirty="0"/>
               <a:t> 10 </a:t>
             </a:r>
             <a:r>
@@ -13450,31 +14250,7 @@
               <a:rPr lang="fr-FR" sz="2800" b="1" dirty="0">
                 <a:latin typeface="+mn-lt"/>
               </a:rPr>
-              <a:t>: The concept </a:t>
-            </a:r>
-            <a:r>
-              <a:rPr lang="fr-FR" sz="2800" b="1" dirty="0" err="1">
-                <a:latin typeface="+mn-lt"/>
-              </a:rPr>
-              <a:t>behind</a:t>
-            </a:r>
-            <a:r>
-              <a:rPr lang="fr-FR" sz="2800" b="1" dirty="0">
-                <a:latin typeface="+mn-lt"/>
-              </a:rPr>
-              <a:t> GWAS and QTL </a:t>
-            </a:r>
-            <a:r>
-              <a:rPr lang="fr-FR" sz="2800" b="1" dirty="0" err="1">
-                <a:latin typeface="+mn-lt"/>
-              </a:rPr>
-              <a:t>Studies</a:t>
-            </a:r>
-            <a:r>
-              <a:rPr lang="fr-FR" sz="2800" b="1" dirty="0">
-                <a:latin typeface="+mn-lt"/>
-              </a:rPr>
-              <a:t>? </a:t>
+              <a:t>: Manhattan plot</a:t>
             </a:r>
             <a:endParaRPr lang="en-GB" sz="2800" dirty="0">
               <a:latin typeface="+mn-lt"/>
@@ -13531,42 +14307,6 @@
           </a:p>
         </p:txBody>
       </p:sp>
-      <p:pic>
-        <p:nvPicPr>
-          <p:cNvPr id="7" name="Picture 6" descr="Chart, scatter chart&#10;&#10;Description automatically generated">
-            <a:extLst>
-              <a:ext uri="{FF2B5EF4-FFF2-40B4-BE49-F238E27FC236}">
-                <a16:creationId xmlns:a16="http://schemas.microsoft.com/office/drawing/2014/main" id="{CAEE88EC-B612-4B23-B065-CECAB53551C1}"/>
-              </a:ext>
-            </a:extLst>
-          </p:cNvPr>
-          <p:cNvPicPr>
-            <a:picLocks noChangeAspect="1"/>
-          </p:cNvPicPr>
-          <p:nvPr/>
-        </p:nvPicPr>
-        <p:blipFill>
-          <a:blip r:embed="rId2">
-            <a:extLst>
-              <a:ext uri="{28A0092B-C50C-407E-A947-70E740481C1C}">
-                <a14:useLocalDpi xmlns:a14="http://schemas.microsoft.com/office/drawing/2010/main" val="0"/>
-              </a:ext>
-            </a:extLst>
-          </a:blip>
-          <a:stretch>
-            <a:fillRect/>
-          </a:stretch>
-        </p:blipFill>
-        <p:spPr>
-          <a:xfrm>
-            <a:off x="2504574" y="3091974"/>
-            <a:ext cx="7182852" cy="3400900"/>
-          </a:xfrm>
-          <a:prstGeom prst="rect">
-            <a:avLst/>
-          </a:prstGeom>
-        </p:spPr>
-      </p:pic>
       <p:sp>
         <p:nvSpPr>
           <p:cNvPr id="8" name="TextBox 7">
@@ -13729,6 +14469,123 @@
           </a:fontRef>
         </p:style>
       </p:cxnSp>
+      <p:grpSp>
+        <p:nvGrpSpPr>
+          <p:cNvPr id="14" name="Group 13">
+            <a:extLst>
+              <a:ext uri="{FF2B5EF4-FFF2-40B4-BE49-F238E27FC236}">
+                <a16:creationId xmlns:a16="http://schemas.microsoft.com/office/drawing/2014/main" id="{557231BE-3703-4314-9780-B8A3C648E4C4}"/>
+              </a:ext>
+            </a:extLst>
+          </p:cNvPr>
+          <p:cNvGrpSpPr/>
+          <p:nvPr/>
+        </p:nvGrpSpPr>
+        <p:grpSpPr>
+          <a:xfrm>
+            <a:off x="2421506" y="2985953"/>
+            <a:ext cx="7079675" cy="3473413"/>
+            <a:chOff x="6166685" y="1885700"/>
+            <a:chExt cx="5593375" cy="2744208"/>
+          </a:xfrm>
+        </p:grpSpPr>
+        <p:pic>
+          <p:nvPicPr>
+            <p:cNvPr id="16" name="Picture 15" descr="Chart, scatter chart&#10;&#10;Description automatically generated">
+              <a:extLst>
+                <a:ext uri="{FF2B5EF4-FFF2-40B4-BE49-F238E27FC236}">
+                  <a16:creationId xmlns:a16="http://schemas.microsoft.com/office/drawing/2014/main" id="{51094FA1-FBE8-4336-9714-BFAC2FB67D49}"/>
+                </a:ext>
+              </a:extLst>
+            </p:cNvPr>
+            <p:cNvPicPr>
+              <a:picLocks noChangeAspect="1"/>
+            </p:cNvPicPr>
+            <p:nvPr/>
+          </p:nvPicPr>
+          <p:blipFill>
+            <a:blip r:embed="rId3">
+              <a:extLst>
+                <a:ext uri="{28A0092B-C50C-407E-A947-70E740481C1C}">
+                  <a14:useLocalDpi xmlns:a14="http://schemas.microsoft.com/office/drawing/2010/main" val="0"/>
+                </a:ext>
+              </a:extLst>
+            </a:blip>
+            <a:stretch>
+              <a:fillRect/>
+            </a:stretch>
+          </p:blipFill>
+          <p:spPr>
+            <a:xfrm>
+              <a:off x="6166685" y="1981585"/>
+              <a:ext cx="5593375" cy="2648323"/>
+            </a:xfrm>
+            <a:prstGeom prst="rect">
+              <a:avLst/>
+            </a:prstGeom>
+          </p:spPr>
+        </p:pic>
+        <p:sp>
+          <p:nvSpPr>
+            <p:cNvPr id="25" name="TextBox 24">
+              <a:extLst>
+                <a:ext uri="{FF2B5EF4-FFF2-40B4-BE49-F238E27FC236}">
+                  <a16:creationId xmlns:a16="http://schemas.microsoft.com/office/drawing/2014/main" id="{E35C2D03-FDD3-4221-BF4A-14A8A2482231}"/>
+                </a:ext>
+              </a:extLst>
+            </p:cNvPr>
+            <p:cNvSpPr txBox="1"/>
+            <p:nvPr/>
+          </p:nvSpPr>
+          <p:spPr>
+            <a:xfrm>
+              <a:off x="6408819" y="1885700"/>
+              <a:ext cx="1598251" cy="276999"/>
+            </a:xfrm>
+            <a:prstGeom prst="rect">
+              <a:avLst/>
+            </a:prstGeom>
+            <a:ln>
+              <a:noFill/>
+            </a:ln>
+          </p:spPr>
+          <p:style>
+            <a:lnRef idx="2">
+              <a:schemeClr val="accent6"/>
+            </a:lnRef>
+            <a:fillRef idx="1">
+              <a:schemeClr val="lt1"/>
+            </a:fillRef>
+            <a:effectRef idx="0">
+              <a:schemeClr val="accent6"/>
+            </a:effectRef>
+            <a:fontRef idx="minor">
+              <a:schemeClr val="dk1"/>
+            </a:fontRef>
+          </p:style>
+          <p:txBody>
+            <a:bodyPr wrap="square" rtlCol="0">
+              <a:spAutoFit/>
+            </a:bodyPr>
+            <a:lstStyle/>
+            <a:p>
+              <a:r>
+                <a:rPr lang="fr-FR" sz="1200" dirty="0"/>
+                <a:t>Latent </a:t>
+              </a:r>
+              <a:r>
+                <a:rPr lang="fr-FR" sz="1200" dirty="0" err="1"/>
+                <a:t>period</a:t>
+              </a:r>
+              <a:r>
+                <a:rPr lang="fr-FR" sz="1200" dirty="0"/>
+                <a:t> P72</a:t>
+              </a:r>
+              <a:endParaRPr lang="en-GB" sz="1200" dirty="0"/>
+            </a:p>
+          </p:txBody>
+        </p:sp>
+      </p:grpSp>
     </p:spTree>
     <p:extLst>
       <p:ext uri="{BB962C8B-B14F-4D97-AF65-F5344CB8AC3E}">
@@ -13764,7 +14621,7 @@
           <p:cNvPr id="3" name="Content Placeholder 2">
             <a:extLst>
               <a:ext uri="{FF2B5EF4-FFF2-40B4-BE49-F238E27FC236}">
-                <a16:creationId xmlns:a16="http://schemas.microsoft.com/office/drawing/2014/main" id="{25423DFA-9DC8-44AA-ABC0-8E5618E770C7}"/>
+                <a16:creationId xmlns:a16="http://schemas.microsoft.com/office/drawing/2014/main" id="{3BFB382A-6401-46C7-9014-FEC712D39072}"/>
               </a:ext>
             </a:extLst>
           </p:cNvPr>
@@ -13775,49 +14632,1238 @@
             <p:ph idx="1"/>
           </p:nvPr>
         </p:nvSpPr>
-        <p:spPr/>
+        <p:spPr>
+          <a:xfrm>
+            <a:off x="838200" y="1289844"/>
+            <a:ext cx="10515600" cy="4351338"/>
+          </a:xfrm>
+        </p:spPr>
         <p:txBody>
-          <a:bodyPr/>
+          <a:bodyPr>
+            <a:normAutofit/>
+          </a:bodyPr>
           <a:lstStyle/>
           <a:p>
             <a:r>
-              <a:rPr lang="en-US" sz="2400" dirty="0"/>
-              <a:t>Ideally, alleles are in a balanced frequency if individuals are randomly mating (outcrossing)</a:t>
+              <a:rPr lang="fr-FR" sz="1800" dirty="0"/>
+              <a:t>How to </a:t>
+            </a:r>
+            <a:r>
+              <a:rPr lang="fr-FR" sz="1800" dirty="0" err="1"/>
+              <a:t>determine</a:t>
+            </a:r>
+            <a:r>
+              <a:rPr lang="fr-FR" sz="1800" dirty="0"/>
+              <a:t> the candidate </a:t>
+            </a:r>
+            <a:r>
+              <a:rPr lang="fr-FR" sz="1800" dirty="0" err="1"/>
+              <a:t>genes</a:t>
+            </a:r>
+            <a:r>
+              <a:rPr lang="fr-FR" sz="1800" dirty="0"/>
+              <a:t>? </a:t>
+            </a:r>
+          </a:p>
+          <a:p>
+            <a:r>
+              <a:rPr lang="fr-FR" sz="1800" dirty="0" err="1"/>
+              <a:t>Define</a:t>
+            </a:r>
+            <a:r>
+              <a:rPr lang="fr-FR" sz="1800" dirty="0"/>
+              <a:t> a </a:t>
+            </a:r>
+            <a:r>
+              <a:rPr lang="fr-FR" sz="1800" dirty="0" err="1"/>
+              <a:t>threshold</a:t>
+            </a:r>
+            <a:r>
+              <a:rPr lang="fr-FR" sz="1800" dirty="0"/>
+              <a:t>.</a:t>
             </a:r>
           </a:p>
           <a:p>
             <a:pPr lvl="1"/>
             <a:r>
-              <a:rPr lang="en-US" sz="1800" dirty="0"/>
-              <a:t>Example: in a population of 300 individuals, allele A is present in 150 individuals and allele C is present in 150 individuals </a:t>
-            </a:r>
-            <a:r>
-              <a:rPr lang="en-US" sz="1800" dirty="0">
+              <a:rPr lang="fr-FR" sz="1800" dirty="0"/>
+              <a:t>Method: </a:t>
+            </a:r>
+            <a:r>
+              <a:rPr lang="fr-FR" sz="1800" dirty="0" err="1"/>
+              <a:t>Bonferroni</a:t>
+            </a:r>
+            <a:r>
+              <a:rPr lang="fr-FR" sz="1800" dirty="0"/>
+              <a:t>, </a:t>
+            </a:r>
+            <a:r>
+              <a:rPr lang="fr-FR" sz="1800" dirty="0" err="1"/>
+              <a:t>Benjamini-Hochberg</a:t>
+            </a:r>
+            <a:r>
+              <a:rPr lang="fr-FR" sz="1800" dirty="0"/>
+              <a:t>, or Holm </a:t>
+            </a:r>
+            <a:r>
+              <a:rPr lang="fr-FR" sz="1800" dirty="0" err="1"/>
+              <a:t>procedures</a:t>
+            </a:r>
+            <a:r>
+              <a:rPr lang="fr-FR" sz="1800" dirty="0"/>
+              <a:t> </a:t>
+            </a:r>
+          </a:p>
+          <a:p>
+            <a:r>
+              <a:rPr lang="fr-FR" sz="1800" dirty="0"/>
+              <a:t>A </a:t>
+            </a:r>
+            <a:r>
+              <a:rPr lang="fr-FR" sz="1800" dirty="0" err="1"/>
+              <a:t>threshold</a:t>
+            </a:r>
+            <a:r>
+              <a:rPr lang="fr-FR" sz="1800" dirty="0"/>
+              <a:t> </a:t>
+            </a:r>
+            <a:r>
+              <a:rPr lang="fr-FR" sz="1800" dirty="0" err="1"/>
+              <a:t>differentiates</a:t>
+            </a:r>
+            <a:r>
+              <a:rPr lang="fr-FR" sz="1800" dirty="0"/>
+              <a:t> </a:t>
+            </a:r>
+            <a:r>
+              <a:rPr lang="fr-FR" sz="1800" dirty="0" err="1"/>
+              <a:t>which</a:t>
+            </a:r>
+            <a:r>
+              <a:rPr lang="fr-FR" sz="1800" dirty="0"/>
+              <a:t> </a:t>
+            </a:r>
+            <a:r>
+              <a:rPr lang="fr-FR" sz="1800" dirty="0" err="1"/>
+              <a:t>genes</a:t>
+            </a:r>
+            <a:r>
+              <a:rPr lang="fr-FR" sz="1800" dirty="0"/>
+              <a:t> are </a:t>
+            </a:r>
+            <a:r>
+              <a:rPr lang="fr-FR" sz="1800" dirty="0" err="1"/>
+              <a:t>significantly</a:t>
+            </a:r>
+            <a:r>
+              <a:rPr lang="fr-FR" sz="1800" dirty="0"/>
+              <a:t> </a:t>
+            </a:r>
+            <a:r>
+              <a:rPr lang="fr-FR" sz="1800" dirty="0" err="1"/>
+              <a:t>associated</a:t>
+            </a:r>
+            <a:r>
+              <a:rPr lang="fr-FR" sz="1800" dirty="0"/>
+              <a:t> </a:t>
+            </a:r>
+            <a:r>
+              <a:rPr lang="fr-FR" sz="1800" dirty="0" err="1"/>
+              <a:t>with</a:t>
+            </a:r>
+            <a:r>
+              <a:rPr lang="fr-FR" sz="1800" dirty="0"/>
+              <a:t> the </a:t>
+            </a:r>
+            <a:r>
+              <a:rPr lang="fr-FR" sz="1800" dirty="0" err="1"/>
+              <a:t>phenotype</a:t>
+            </a:r>
+            <a:r>
+              <a:rPr lang="fr-FR" sz="1800" dirty="0"/>
+              <a:t> </a:t>
+            </a:r>
+            <a:r>
+              <a:rPr lang="fr-FR" sz="1800" dirty="0">
                 <a:sym typeface="Wingdings" panose="05000000000000000000" pitchFamily="2" charset="2"/>
               </a:rPr>
-              <a:t> linkage equilibrium</a:t>
-            </a:r>
-          </a:p>
-          <a:p>
-            <a:r>
-              <a:rPr lang="en-US" sz="2400" dirty="0">
+              <a:t> </a:t>
+            </a:r>
+            <a:r>
+              <a:rPr lang="fr-FR" sz="1800" dirty="0" err="1">
                 <a:sym typeface="Wingdings" panose="05000000000000000000" pitchFamily="2" charset="2"/>
               </a:rPr>
-              <a:t>However, individuals can be related like brothers and sisters, in this case when they are mating (non-random mating), the allele frequency in the resulted offspring will be unbalanced.</a:t>
-            </a:r>
-          </a:p>
-          <a:p>
-            <a:pPr lvl="1"/>
-            <a:r>
-              <a:rPr lang="en-US" sz="1800" dirty="0">
+              <a:t>they</a:t>
+            </a:r>
+            <a:r>
+              <a:rPr lang="fr-FR" sz="1800" dirty="0">
                 <a:sym typeface="Wingdings" panose="05000000000000000000" pitchFamily="2" charset="2"/>
               </a:rPr>
-              <a:t>Example: in a population of 300 individuals, 200 of them are made of allele A and 100 are made of allele C  linkage disequilibrium</a:t>
-            </a:r>
-            <a:endParaRPr lang="en-US" sz="1800" dirty="0"/>
+              <a:t> are </a:t>
+            </a:r>
+            <a:r>
+              <a:rPr lang="fr-FR" sz="1800" dirty="0" err="1">
+                <a:sym typeface="Wingdings" panose="05000000000000000000" pitchFamily="2" charset="2"/>
+              </a:rPr>
+              <a:t>called</a:t>
+            </a:r>
+            <a:r>
+              <a:rPr lang="fr-FR" sz="1800" dirty="0">
+                <a:sym typeface="Wingdings" panose="05000000000000000000" pitchFamily="2" charset="2"/>
+              </a:rPr>
+              <a:t> </a:t>
+            </a:r>
+            <a:r>
+              <a:rPr lang="fr-FR" sz="1800" dirty="0">
+                <a:highlight>
+                  <a:srgbClr val="FFFF00"/>
+                </a:highlight>
+                <a:sym typeface="Wingdings" panose="05000000000000000000" pitchFamily="2" charset="2"/>
+              </a:rPr>
+              <a:t>candidate </a:t>
+            </a:r>
+            <a:r>
+              <a:rPr lang="fr-FR" sz="1800" dirty="0" err="1">
+                <a:highlight>
+                  <a:srgbClr val="FFFF00"/>
+                </a:highlight>
+                <a:sym typeface="Wingdings" panose="05000000000000000000" pitchFamily="2" charset="2"/>
+              </a:rPr>
+              <a:t>genes</a:t>
+            </a:r>
+            <a:endParaRPr lang="fr-FR" sz="1800" dirty="0">
+              <a:highlight>
+                <a:srgbClr val="FFFF00"/>
+              </a:highlight>
+              <a:sym typeface="Wingdings" panose="05000000000000000000" pitchFamily="2" charset="2"/>
+            </a:endParaRPr>
           </a:p>
         </p:txBody>
       </p:sp>
+      <p:sp>
+        <p:nvSpPr>
+          <p:cNvPr id="4" name="Title 1">
+            <a:extLst>
+              <a:ext uri="{FF2B5EF4-FFF2-40B4-BE49-F238E27FC236}">
+                <a16:creationId xmlns:a16="http://schemas.microsoft.com/office/drawing/2014/main" id="{0DF9DB90-B9B2-47BF-84F7-0B5BE3A115FB}"/>
+              </a:ext>
+            </a:extLst>
+          </p:cNvPr>
+          <p:cNvSpPr txBox="1">
+            <a:spLocks/>
+          </p:cNvSpPr>
+          <p:nvPr/>
+        </p:nvSpPr>
+        <p:spPr>
+          <a:xfrm>
+            <a:off x="838200" y="365126"/>
+            <a:ext cx="10515600" cy="629662"/>
+          </a:xfrm>
+          <a:prstGeom prst="rect">
+            <a:avLst/>
+          </a:prstGeom>
+        </p:spPr>
+        <p:txBody>
+          <a:bodyPr vert="horz" lIns="91440" tIns="45720" rIns="91440" bIns="45720" rtlCol="0" anchor="ctr">
+            <a:normAutofit/>
+          </a:bodyPr>
+          <a:lstStyle>
+            <a:lvl1pPr algn="l" defTabSz="914400" rtl="0" eaLnBrk="1" latinLnBrk="0" hangingPunct="1">
+              <a:lnSpc>
+                <a:spcPct val="90000"/>
+              </a:lnSpc>
+              <a:spcBef>
+                <a:spcPct val="0"/>
+              </a:spcBef>
+              <a:buNone/>
+              <a:defRPr sz="4400" kern="1200">
+                <a:solidFill>
+                  <a:schemeClr val="tx1"/>
+                </a:solidFill>
+                <a:latin typeface="+mj-lt"/>
+                <a:ea typeface="+mj-ea"/>
+                <a:cs typeface="+mj-cs"/>
+              </a:defRPr>
+            </a:lvl1pPr>
+          </a:lstStyle>
+          <a:p>
+            <a:r>
+              <a:rPr lang="fr-FR" sz="2800" b="1" dirty="0">
+                <a:latin typeface="+mn-lt"/>
+              </a:rPr>
+              <a:t>Data </a:t>
+            </a:r>
+            <a:r>
+              <a:rPr lang="fr-FR" sz="2800" b="1" dirty="0" err="1">
+                <a:latin typeface="+mn-lt"/>
+              </a:rPr>
+              <a:t>analysis</a:t>
+            </a:r>
+            <a:r>
+              <a:rPr lang="fr-FR" sz="2800" b="1" dirty="0">
+                <a:latin typeface="+mn-lt"/>
+              </a:rPr>
+              <a:t>: Classification </a:t>
+            </a:r>
+            <a:endParaRPr lang="en-GB" sz="2800" dirty="0">
+              <a:latin typeface="+mn-lt"/>
+            </a:endParaRPr>
+          </a:p>
+        </p:txBody>
+      </p:sp>
+      <p:sp>
+        <p:nvSpPr>
+          <p:cNvPr id="5" name="Rectangle 4">
+            <a:extLst>
+              <a:ext uri="{FF2B5EF4-FFF2-40B4-BE49-F238E27FC236}">
+                <a16:creationId xmlns:a16="http://schemas.microsoft.com/office/drawing/2014/main" id="{50C1BAD3-BE80-4715-A255-C6A6588A9310}"/>
+              </a:ext>
+            </a:extLst>
+          </p:cNvPr>
+          <p:cNvSpPr/>
+          <p:nvPr/>
+        </p:nvSpPr>
+        <p:spPr>
+          <a:xfrm>
+            <a:off x="838200" y="994788"/>
+            <a:ext cx="5925178" cy="170822"/>
+          </a:xfrm>
+          <a:prstGeom prst="rect">
+            <a:avLst/>
+          </a:prstGeom>
+          <a:ln>
+            <a:noFill/>
+          </a:ln>
+        </p:spPr>
+        <p:style>
+          <a:lnRef idx="2">
+            <a:schemeClr val="accent2">
+              <a:shade val="50000"/>
+            </a:schemeClr>
+          </a:lnRef>
+          <a:fillRef idx="1">
+            <a:schemeClr val="accent2"/>
+          </a:fillRef>
+          <a:effectRef idx="0">
+            <a:schemeClr val="accent2"/>
+          </a:effectRef>
+          <a:fontRef idx="minor">
+            <a:schemeClr val="lt1"/>
+          </a:fontRef>
+        </p:style>
+        <p:txBody>
+          <a:bodyPr rtlCol="0" anchor="ctr"/>
+          <a:lstStyle/>
+          <a:p>
+            <a:pPr algn="ctr"/>
+            <a:endParaRPr lang="en-GB"/>
+          </a:p>
+        </p:txBody>
+      </p:sp>
+      <p:sp>
+        <p:nvSpPr>
+          <p:cNvPr id="8" name="TextBox 7">
+            <a:extLst>
+              <a:ext uri="{FF2B5EF4-FFF2-40B4-BE49-F238E27FC236}">
+                <a16:creationId xmlns:a16="http://schemas.microsoft.com/office/drawing/2014/main" id="{10BC1F7B-22BC-477D-9393-8F047340D30D}"/>
+              </a:ext>
+            </a:extLst>
+          </p:cNvPr>
+          <p:cNvSpPr txBox="1"/>
+          <p:nvPr/>
+        </p:nvSpPr>
+        <p:spPr>
+          <a:xfrm>
+            <a:off x="1513245" y="5973183"/>
+            <a:ext cx="1082174" cy="369332"/>
+          </a:xfrm>
+          <a:prstGeom prst="rect">
+            <a:avLst/>
+          </a:prstGeom>
+          <a:noFill/>
+        </p:spPr>
+        <p:txBody>
+          <a:bodyPr wrap="square" rtlCol="0">
+            <a:spAutoFit/>
+          </a:bodyPr>
+          <a:lstStyle/>
+          <a:p>
+            <a:pPr algn="ctr"/>
+            <a:r>
+              <a:rPr lang="fr-FR" dirty="0"/>
+              <a:t>P-value</a:t>
+            </a:r>
+            <a:endParaRPr lang="en-GB" dirty="0"/>
+          </a:p>
+        </p:txBody>
+      </p:sp>
+      <p:sp>
+        <p:nvSpPr>
+          <p:cNvPr id="9" name="TextBox 8">
+            <a:extLst>
+              <a:ext uri="{FF2B5EF4-FFF2-40B4-BE49-F238E27FC236}">
+                <a16:creationId xmlns:a16="http://schemas.microsoft.com/office/drawing/2014/main" id="{F973E4AB-7931-4FDB-B080-7DA5264876C5}"/>
+              </a:ext>
+            </a:extLst>
+          </p:cNvPr>
+          <p:cNvSpPr txBox="1"/>
+          <p:nvPr/>
+        </p:nvSpPr>
+        <p:spPr>
+          <a:xfrm>
+            <a:off x="2386080" y="6367033"/>
+            <a:ext cx="1668683" cy="369332"/>
+          </a:xfrm>
+          <a:prstGeom prst="rect">
+            <a:avLst/>
+          </a:prstGeom>
+          <a:noFill/>
+        </p:spPr>
+        <p:txBody>
+          <a:bodyPr wrap="square" rtlCol="0">
+            <a:spAutoFit/>
+          </a:bodyPr>
+          <a:lstStyle/>
+          <a:p>
+            <a:pPr algn="ctr"/>
+            <a:r>
+              <a:rPr lang="fr-FR" dirty="0"/>
+              <a:t>Chromosomes</a:t>
+            </a:r>
+            <a:endParaRPr lang="en-GB" dirty="0"/>
+          </a:p>
+        </p:txBody>
+      </p:sp>
+      <p:cxnSp>
+        <p:nvCxnSpPr>
+          <p:cNvPr id="13" name="Straight Arrow Connector 12">
+            <a:extLst>
+              <a:ext uri="{FF2B5EF4-FFF2-40B4-BE49-F238E27FC236}">
+                <a16:creationId xmlns:a16="http://schemas.microsoft.com/office/drawing/2014/main" id="{A395D185-1DCB-4B52-BC01-71B862651389}"/>
+              </a:ext>
+            </a:extLst>
+          </p:cNvPr>
+          <p:cNvCxnSpPr>
+            <a:stCxn id="8" idx="0"/>
+          </p:cNvCxnSpPr>
+          <p:nvPr/>
+        </p:nvCxnSpPr>
+        <p:spPr>
+          <a:xfrm flipV="1">
+            <a:off x="2054332" y="3091974"/>
+            <a:ext cx="5377" cy="2881209"/>
+          </a:xfrm>
+          <a:prstGeom prst="straightConnector1">
+            <a:avLst/>
+          </a:prstGeom>
+          <a:ln w="38100">
+            <a:solidFill>
+              <a:schemeClr val="tx1"/>
+            </a:solidFill>
+            <a:tailEnd type="triangle"/>
+          </a:ln>
+        </p:spPr>
+        <p:style>
+          <a:lnRef idx="1">
+            <a:schemeClr val="accent1"/>
+          </a:lnRef>
+          <a:fillRef idx="0">
+            <a:schemeClr val="accent1"/>
+          </a:fillRef>
+          <a:effectRef idx="0">
+            <a:schemeClr val="accent1"/>
+          </a:effectRef>
+          <a:fontRef idx="minor">
+            <a:schemeClr val="tx1"/>
+          </a:fontRef>
+        </p:style>
+      </p:cxnSp>
+      <p:cxnSp>
+        <p:nvCxnSpPr>
+          <p:cNvPr id="15" name="Straight Arrow Connector 14">
+            <a:extLst>
+              <a:ext uri="{FF2B5EF4-FFF2-40B4-BE49-F238E27FC236}">
+                <a16:creationId xmlns:a16="http://schemas.microsoft.com/office/drawing/2014/main" id="{EE2E158F-2A8A-4B59-B38E-CDED14B0C70B}"/>
+              </a:ext>
+            </a:extLst>
+          </p:cNvPr>
+          <p:cNvCxnSpPr>
+            <a:stCxn id="9" idx="3"/>
+          </p:cNvCxnSpPr>
+          <p:nvPr/>
+        </p:nvCxnSpPr>
+        <p:spPr>
+          <a:xfrm>
+            <a:off x="4054763" y="6551699"/>
+            <a:ext cx="5421746" cy="0"/>
+          </a:xfrm>
+          <a:prstGeom prst="straightConnector1">
+            <a:avLst/>
+          </a:prstGeom>
+          <a:ln w="38100">
+            <a:solidFill>
+              <a:schemeClr val="tx1"/>
+            </a:solidFill>
+            <a:tailEnd type="triangle"/>
+          </a:ln>
+        </p:spPr>
+        <p:style>
+          <a:lnRef idx="1">
+            <a:schemeClr val="accent1"/>
+          </a:lnRef>
+          <a:fillRef idx="0">
+            <a:schemeClr val="accent1"/>
+          </a:fillRef>
+          <a:effectRef idx="0">
+            <a:schemeClr val="accent1"/>
+          </a:effectRef>
+          <a:fontRef idx="minor">
+            <a:schemeClr val="tx1"/>
+          </a:fontRef>
+        </p:style>
+      </p:cxnSp>
+      <p:sp>
+        <p:nvSpPr>
+          <p:cNvPr id="10" name="TextBox 9">
+            <a:extLst>
+              <a:ext uri="{FF2B5EF4-FFF2-40B4-BE49-F238E27FC236}">
+                <a16:creationId xmlns:a16="http://schemas.microsoft.com/office/drawing/2014/main" id="{621CDBC0-4007-4F7A-9570-F3E09240899B}"/>
+              </a:ext>
+            </a:extLst>
+          </p:cNvPr>
+          <p:cNvSpPr txBox="1"/>
+          <p:nvPr/>
+        </p:nvSpPr>
+        <p:spPr>
+          <a:xfrm>
+            <a:off x="9536607" y="4414009"/>
+            <a:ext cx="1243660" cy="369332"/>
+          </a:xfrm>
+          <a:prstGeom prst="rect">
+            <a:avLst/>
+          </a:prstGeom>
+          <a:noFill/>
+        </p:spPr>
+        <p:txBody>
+          <a:bodyPr wrap="square" rtlCol="0">
+            <a:spAutoFit/>
+          </a:bodyPr>
+          <a:lstStyle/>
+          <a:p>
+            <a:pPr algn="ctr"/>
+            <a:r>
+              <a:rPr lang="fr-FR" dirty="0" err="1"/>
+              <a:t>Threshold</a:t>
+            </a:r>
+            <a:endParaRPr lang="en-GB" dirty="0"/>
+          </a:p>
+        </p:txBody>
+      </p:sp>
+      <p:grpSp>
+        <p:nvGrpSpPr>
+          <p:cNvPr id="14" name="Group 13">
+            <a:extLst>
+              <a:ext uri="{FF2B5EF4-FFF2-40B4-BE49-F238E27FC236}">
+                <a16:creationId xmlns:a16="http://schemas.microsoft.com/office/drawing/2014/main" id="{2CEDDF4A-D746-4809-9431-7BE41EDE7ADF}"/>
+              </a:ext>
+            </a:extLst>
+          </p:cNvPr>
+          <p:cNvGrpSpPr/>
+          <p:nvPr/>
+        </p:nvGrpSpPr>
+        <p:grpSpPr>
+          <a:xfrm>
+            <a:off x="2421506" y="2985953"/>
+            <a:ext cx="7079675" cy="3473413"/>
+            <a:chOff x="6166685" y="1885700"/>
+            <a:chExt cx="5593375" cy="2744208"/>
+          </a:xfrm>
+        </p:grpSpPr>
+        <p:pic>
+          <p:nvPicPr>
+            <p:cNvPr id="16" name="Picture 15" descr="Chart, scatter chart&#10;&#10;Description automatically generated">
+              <a:extLst>
+                <a:ext uri="{FF2B5EF4-FFF2-40B4-BE49-F238E27FC236}">
+                  <a16:creationId xmlns:a16="http://schemas.microsoft.com/office/drawing/2014/main" id="{BAA817CC-E06F-468F-8429-2FA79A538ADC}"/>
+                </a:ext>
+              </a:extLst>
+            </p:cNvPr>
+            <p:cNvPicPr>
+              <a:picLocks noChangeAspect="1"/>
+            </p:cNvPicPr>
+            <p:nvPr/>
+          </p:nvPicPr>
+          <p:blipFill>
+            <a:blip r:embed="rId3">
+              <a:extLst>
+                <a:ext uri="{28A0092B-C50C-407E-A947-70E740481C1C}">
+                  <a14:useLocalDpi xmlns:a14="http://schemas.microsoft.com/office/drawing/2010/main" val="0"/>
+                </a:ext>
+              </a:extLst>
+            </a:blip>
+            <a:stretch>
+              <a:fillRect/>
+            </a:stretch>
+          </p:blipFill>
+          <p:spPr>
+            <a:xfrm>
+              <a:off x="6166685" y="1981585"/>
+              <a:ext cx="5593375" cy="2648323"/>
+            </a:xfrm>
+            <a:prstGeom prst="rect">
+              <a:avLst/>
+            </a:prstGeom>
+          </p:spPr>
+        </p:pic>
+        <p:sp>
+          <p:nvSpPr>
+            <p:cNvPr id="19" name="TextBox 18">
+              <a:extLst>
+                <a:ext uri="{FF2B5EF4-FFF2-40B4-BE49-F238E27FC236}">
+                  <a16:creationId xmlns:a16="http://schemas.microsoft.com/office/drawing/2014/main" id="{150C9E10-2635-41BE-858A-C79EE01846A7}"/>
+                </a:ext>
+              </a:extLst>
+            </p:cNvPr>
+            <p:cNvSpPr txBox="1"/>
+            <p:nvPr/>
+          </p:nvSpPr>
+          <p:spPr>
+            <a:xfrm>
+              <a:off x="6408819" y="1885700"/>
+              <a:ext cx="1598251" cy="276999"/>
+            </a:xfrm>
+            <a:prstGeom prst="rect">
+              <a:avLst/>
+            </a:prstGeom>
+            <a:ln>
+              <a:noFill/>
+            </a:ln>
+          </p:spPr>
+          <p:style>
+            <a:lnRef idx="2">
+              <a:schemeClr val="accent6"/>
+            </a:lnRef>
+            <a:fillRef idx="1">
+              <a:schemeClr val="lt1"/>
+            </a:fillRef>
+            <a:effectRef idx="0">
+              <a:schemeClr val="accent6"/>
+            </a:effectRef>
+            <a:fontRef idx="minor">
+              <a:schemeClr val="dk1"/>
+            </a:fontRef>
+          </p:style>
+          <p:txBody>
+            <a:bodyPr wrap="square" rtlCol="0">
+              <a:spAutoFit/>
+            </a:bodyPr>
+            <a:lstStyle/>
+            <a:p>
+              <a:r>
+                <a:rPr lang="fr-FR" sz="1200" dirty="0"/>
+                <a:t>Latent </a:t>
+              </a:r>
+              <a:r>
+                <a:rPr lang="fr-FR" sz="1200" dirty="0" err="1"/>
+                <a:t>period</a:t>
+              </a:r>
+              <a:r>
+                <a:rPr lang="fr-FR" sz="1200" dirty="0"/>
+                <a:t> P72</a:t>
+              </a:r>
+              <a:endParaRPr lang="en-GB" sz="1200" dirty="0"/>
+            </a:p>
+          </p:txBody>
+        </p:sp>
+      </p:grpSp>
+      <p:sp>
+        <p:nvSpPr>
+          <p:cNvPr id="6" name="Rectangle 5">
+            <a:extLst>
+              <a:ext uri="{FF2B5EF4-FFF2-40B4-BE49-F238E27FC236}">
+                <a16:creationId xmlns:a16="http://schemas.microsoft.com/office/drawing/2014/main" id="{06E77273-D9E2-4DFE-9BF0-54AAC88F03C5}"/>
+              </a:ext>
+            </a:extLst>
+          </p:cNvPr>
+          <p:cNvSpPr/>
+          <p:nvPr/>
+        </p:nvSpPr>
+        <p:spPr>
+          <a:xfrm>
+            <a:off x="2815805" y="4698461"/>
+            <a:ext cx="6660704" cy="1483908"/>
+          </a:xfrm>
+          <a:prstGeom prst="rect">
+            <a:avLst/>
+          </a:prstGeom>
+          <a:solidFill>
+            <a:schemeClr val="bg2">
+              <a:lumMod val="25000"/>
+              <a:alpha val="75000"/>
+            </a:schemeClr>
+          </a:solidFill>
+          <a:ln>
+            <a:noFill/>
+          </a:ln>
+        </p:spPr>
+        <p:style>
+          <a:lnRef idx="2">
+            <a:schemeClr val="accent1">
+              <a:shade val="50000"/>
+            </a:schemeClr>
+          </a:lnRef>
+          <a:fillRef idx="1">
+            <a:schemeClr val="accent1"/>
+          </a:fillRef>
+          <a:effectRef idx="0">
+            <a:schemeClr val="accent1"/>
+          </a:effectRef>
+          <a:fontRef idx="minor">
+            <a:schemeClr val="lt1"/>
+          </a:fontRef>
+        </p:style>
+        <p:txBody>
+          <a:bodyPr rtlCol="0" anchor="ctr"/>
+          <a:lstStyle/>
+          <a:p>
+            <a:pPr algn="ctr"/>
+            <a:endParaRPr lang="en-GB"/>
+          </a:p>
+        </p:txBody>
+      </p:sp>
+      <p:sp>
+        <p:nvSpPr>
+          <p:cNvPr id="20" name="TextBox 19">
+            <a:extLst>
+              <a:ext uri="{FF2B5EF4-FFF2-40B4-BE49-F238E27FC236}">
+                <a16:creationId xmlns:a16="http://schemas.microsoft.com/office/drawing/2014/main" id="{D97924A3-1005-4E78-BE6D-BD9DEC18863C}"/>
+              </a:ext>
+            </a:extLst>
+          </p:cNvPr>
+          <p:cNvSpPr txBox="1"/>
+          <p:nvPr/>
+        </p:nvSpPr>
+        <p:spPr>
+          <a:xfrm>
+            <a:off x="6095999" y="3524809"/>
+            <a:ext cx="2454613" cy="369332"/>
+          </a:xfrm>
+          <a:prstGeom prst="rect">
+            <a:avLst/>
+          </a:prstGeom>
+          <a:noFill/>
+        </p:spPr>
+        <p:txBody>
+          <a:bodyPr wrap="square" rtlCol="0">
+            <a:spAutoFit/>
+          </a:bodyPr>
+          <a:lstStyle/>
+          <a:p>
+            <a:pPr algn="ctr"/>
+            <a:r>
+              <a:rPr lang="fr-FR" dirty="0"/>
+              <a:t>Candidate </a:t>
+            </a:r>
+            <a:r>
+              <a:rPr lang="fr-FR" dirty="0" err="1"/>
+              <a:t>genes</a:t>
+            </a:r>
+            <a:endParaRPr lang="en-GB" dirty="0"/>
+          </a:p>
+        </p:txBody>
+      </p:sp>
+      <p:sp>
+        <p:nvSpPr>
+          <p:cNvPr id="11" name="Rectangle 10">
+            <a:extLst>
+              <a:ext uri="{FF2B5EF4-FFF2-40B4-BE49-F238E27FC236}">
+                <a16:creationId xmlns:a16="http://schemas.microsoft.com/office/drawing/2014/main" id="{2396B461-0729-4F84-A0C3-5FAD3E4EA2A9}"/>
+              </a:ext>
+            </a:extLst>
+          </p:cNvPr>
+          <p:cNvSpPr/>
+          <p:nvPr/>
+        </p:nvSpPr>
+        <p:spPr>
+          <a:xfrm>
+            <a:off x="3489087" y="3608962"/>
+            <a:ext cx="437745" cy="2573407"/>
+          </a:xfrm>
+          <a:prstGeom prst="rect">
+            <a:avLst/>
+          </a:prstGeom>
+          <a:noFill/>
+          <a:ln w="38100">
+            <a:solidFill>
+              <a:schemeClr val="accent6"/>
+            </a:solidFill>
+          </a:ln>
+        </p:spPr>
+        <p:style>
+          <a:lnRef idx="2">
+            <a:schemeClr val="accent1">
+              <a:shade val="50000"/>
+            </a:schemeClr>
+          </a:lnRef>
+          <a:fillRef idx="1">
+            <a:schemeClr val="accent1"/>
+          </a:fillRef>
+          <a:effectRef idx="0">
+            <a:schemeClr val="accent1"/>
+          </a:effectRef>
+          <a:fontRef idx="minor">
+            <a:schemeClr val="lt1"/>
+          </a:fontRef>
+        </p:style>
+        <p:txBody>
+          <a:bodyPr rtlCol="0" anchor="ctr"/>
+          <a:lstStyle/>
+          <a:p>
+            <a:pPr algn="ctr"/>
+            <a:endParaRPr lang="en-GB"/>
+          </a:p>
+        </p:txBody>
+      </p:sp>
+      <p:sp>
+        <p:nvSpPr>
+          <p:cNvPr id="21" name="Rectangle 20">
+            <a:extLst>
+              <a:ext uri="{FF2B5EF4-FFF2-40B4-BE49-F238E27FC236}">
+                <a16:creationId xmlns:a16="http://schemas.microsoft.com/office/drawing/2014/main" id="{52C90441-BF5F-4C98-AE23-37B6F9AD22F7}"/>
+              </a:ext>
+            </a:extLst>
+          </p:cNvPr>
+          <p:cNvSpPr/>
+          <p:nvPr/>
+        </p:nvSpPr>
+        <p:spPr>
+          <a:xfrm>
+            <a:off x="5329189" y="3621767"/>
+            <a:ext cx="437745" cy="2573407"/>
+          </a:xfrm>
+          <a:prstGeom prst="rect">
+            <a:avLst/>
+          </a:prstGeom>
+          <a:noFill/>
+          <a:ln w="38100">
+            <a:solidFill>
+              <a:schemeClr val="accent6"/>
+            </a:solidFill>
+          </a:ln>
+        </p:spPr>
+        <p:style>
+          <a:lnRef idx="2">
+            <a:schemeClr val="accent1">
+              <a:shade val="50000"/>
+            </a:schemeClr>
+          </a:lnRef>
+          <a:fillRef idx="1">
+            <a:schemeClr val="accent1"/>
+          </a:fillRef>
+          <a:effectRef idx="0">
+            <a:schemeClr val="accent1"/>
+          </a:effectRef>
+          <a:fontRef idx="minor">
+            <a:schemeClr val="lt1"/>
+          </a:fontRef>
+        </p:style>
+        <p:txBody>
+          <a:bodyPr rtlCol="0" anchor="ctr"/>
+          <a:lstStyle/>
+          <a:p>
+            <a:pPr algn="ctr"/>
+            <a:endParaRPr lang="en-GB"/>
+          </a:p>
+        </p:txBody>
+      </p:sp>
+      <p:sp>
+        <p:nvSpPr>
+          <p:cNvPr id="22" name="TextBox 21">
+            <a:extLst>
+              <a:ext uri="{FF2B5EF4-FFF2-40B4-BE49-F238E27FC236}">
+                <a16:creationId xmlns:a16="http://schemas.microsoft.com/office/drawing/2014/main" id="{E7436E9C-5505-4879-B994-FF0B777B6A31}"/>
+              </a:ext>
+            </a:extLst>
+          </p:cNvPr>
+          <p:cNvSpPr txBox="1"/>
+          <p:nvPr/>
+        </p:nvSpPr>
+        <p:spPr>
+          <a:xfrm>
+            <a:off x="4320754" y="3288094"/>
+            <a:ext cx="2454613" cy="369332"/>
+          </a:xfrm>
+          <a:prstGeom prst="rect">
+            <a:avLst/>
+          </a:prstGeom>
+          <a:noFill/>
+        </p:spPr>
+        <p:txBody>
+          <a:bodyPr wrap="square" rtlCol="0">
+            <a:spAutoFit/>
+          </a:bodyPr>
+          <a:lstStyle/>
+          <a:p>
+            <a:pPr algn="ctr"/>
+            <a:r>
+              <a:rPr lang="fr-FR" dirty="0"/>
+              <a:t>QTL</a:t>
+            </a:r>
+            <a:endParaRPr lang="en-GB" dirty="0"/>
+          </a:p>
+        </p:txBody>
+      </p:sp>
+      <p:sp>
+        <p:nvSpPr>
+          <p:cNvPr id="23" name="TextBox 22">
+            <a:extLst>
+              <a:ext uri="{FF2B5EF4-FFF2-40B4-BE49-F238E27FC236}">
+                <a16:creationId xmlns:a16="http://schemas.microsoft.com/office/drawing/2014/main" id="{3E6C15CB-B0C2-423E-8CC2-758745D3D509}"/>
+              </a:ext>
+            </a:extLst>
+          </p:cNvPr>
+          <p:cNvSpPr txBox="1"/>
+          <p:nvPr/>
+        </p:nvSpPr>
+        <p:spPr>
+          <a:xfrm>
+            <a:off x="2480652" y="3244225"/>
+            <a:ext cx="2454613" cy="369332"/>
+          </a:xfrm>
+          <a:prstGeom prst="rect">
+            <a:avLst/>
+          </a:prstGeom>
+          <a:noFill/>
+        </p:spPr>
+        <p:txBody>
+          <a:bodyPr wrap="square" rtlCol="0">
+            <a:spAutoFit/>
+          </a:bodyPr>
+          <a:lstStyle/>
+          <a:p>
+            <a:pPr algn="ctr"/>
+            <a:r>
+              <a:rPr lang="fr-FR" dirty="0"/>
+              <a:t>QTL</a:t>
+            </a:r>
+            <a:endParaRPr lang="en-GB" dirty="0"/>
+          </a:p>
+        </p:txBody>
+      </p:sp>
+    </p:spTree>
+    <p:extLst>
+      <p:ext uri="{BB962C8B-B14F-4D97-AF65-F5344CB8AC3E}">
+        <p14:creationId xmlns:p14="http://schemas.microsoft.com/office/powerpoint/2010/main" val="2291611570"/>
+      </p:ext>
+    </p:extLst>
+  </p:cSld>
+  <p:clrMapOvr>
+    <a:masterClrMapping/>
+  </p:clrMapOvr>
+  <p:timing>
+    <p:tnLst>
+      <p:par>
+        <p:cTn id="1" dur="indefinite" restart="never" nodeType="tmRoot">
+          <p:childTnLst>
+            <p:seq concurrent="1" nextAc="seek">
+              <p:cTn id="2" dur="indefinite" nodeType="mainSeq">
+                <p:childTnLst>
+                  <p:par>
+                    <p:cTn id="3" fill="hold">
+                      <p:stCondLst>
+                        <p:cond delay="indefinite"/>
+                      </p:stCondLst>
+                      <p:childTnLst>
+                        <p:par>
+                          <p:cTn id="4" fill="hold">
+                            <p:stCondLst>
+                              <p:cond delay="0"/>
+                            </p:stCondLst>
+                            <p:childTnLst>
+                              <p:par>
+                                <p:cTn id="5" presetID="22" presetClass="entr" presetSubtype="1" fill="hold" grpId="0" nodeType="clickEffect">
+                                  <p:stCondLst>
+                                    <p:cond delay="0"/>
+                                  </p:stCondLst>
+                                  <p:childTnLst>
+                                    <p:set>
+                                      <p:cBhvr>
+                                        <p:cTn id="6" dur="1" fill="hold">
+                                          <p:stCondLst>
+                                            <p:cond delay="0"/>
+                                          </p:stCondLst>
+                                        </p:cTn>
+                                        <p:tgtEl>
+                                          <p:spTgt spid="6"/>
+                                        </p:tgtEl>
+                                        <p:attrNameLst>
+                                          <p:attrName>style.visibility</p:attrName>
+                                        </p:attrNameLst>
+                                      </p:cBhvr>
+                                      <p:to>
+                                        <p:strVal val="visible"/>
+                                      </p:to>
+                                    </p:set>
+                                    <p:animEffect transition="in" filter="wipe(up)">
+                                      <p:cBhvr>
+                                        <p:cTn id="7" dur="500"/>
+                                        <p:tgtEl>
+                                          <p:spTgt spid="6"/>
+                                        </p:tgtEl>
+                                      </p:cBhvr>
+                                    </p:animEffect>
+                                  </p:childTnLst>
+                                </p:cTn>
+                              </p:par>
+                              <p:par>
+                                <p:cTn id="8" presetID="10" presetClass="entr" presetSubtype="0" fill="hold" grpId="0" nodeType="withEffect">
+                                  <p:stCondLst>
+                                    <p:cond delay="0"/>
+                                  </p:stCondLst>
+                                  <p:childTnLst>
+                                    <p:set>
+                                      <p:cBhvr>
+                                        <p:cTn id="9" dur="1" fill="hold">
+                                          <p:stCondLst>
+                                            <p:cond delay="0"/>
+                                          </p:stCondLst>
+                                        </p:cTn>
+                                        <p:tgtEl>
+                                          <p:spTgt spid="20"/>
+                                        </p:tgtEl>
+                                        <p:attrNameLst>
+                                          <p:attrName>style.visibility</p:attrName>
+                                        </p:attrNameLst>
+                                      </p:cBhvr>
+                                      <p:to>
+                                        <p:strVal val="visible"/>
+                                      </p:to>
+                                    </p:set>
+                                    <p:animEffect transition="in" filter="fade">
+                                      <p:cBhvr>
+                                        <p:cTn id="10" dur="500"/>
+                                        <p:tgtEl>
+                                          <p:spTgt spid="20"/>
+                                        </p:tgtEl>
+                                      </p:cBhvr>
+                                    </p:animEffect>
+                                  </p:childTnLst>
+                                </p:cTn>
+                              </p:par>
+                            </p:childTnLst>
+                          </p:cTn>
+                        </p:par>
+                      </p:childTnLst>
+                    </p:cTn>
+                  </p:par>
+                  <p:par>
+                    <p:cTn id="11" fill="hold">
+                      <p:stCondLst>
+                        <p:cond delay="indefinite"/>
+                      </p:stCondLst>
+                      <p:childTnLst>
+                        <p:par>
+                          <p:cTn id="12" fill="hold">
+                            <p:stCondLst>
+                              <p:cond delay="0"/>
+                            </p:stCondLst>
+                            <p:childTnLst>
+                              <p:par>
+                                <p:cTn id="13" presetID="10" presetClass="entr" presetSubtype="0" fill="hold" grpId="0" nodeType="clickEffect">
+                                  <p:stCondLst>
+                                    <p:cond delay="0"/>
+                                  </p:stCondLst>
+                                  <p:childTnLst>
+                                    <p:set>
+                                      <p:cBhvr>
+                                        <p:cTn id="14" dur="1" fill="hold">
+                                          <p:stCondLst>
+                                            <p:cond delay="0"/>
+                                          </p:stCondLst>
+                                        </p:cTn>
+                                        <p:tgtEl>
+                                          <p:spTgt spid="23"/>
+                                        </p:tgtEl>
+                                        <p:attrNameLst>
+                                          <p:attrName>style.visibility</p:attrName>
+                                        </p:attrNameLst>
+                                      </p:cBhvr>
+                                      <p:to>
+                                        <p:strVal val="visible"/>
+                                      </p:to>
+                                    </p:set>
+                                    <p:animEffect transition="in" filter="fade">
+                                      <p:cBhvr>
+                                        <p:cTn id="15" dur="500"/>
+                                        <p:tgtEl>
+                                          <p:spTgt spid="23"/>
+                                        </p:tgtEl>
+                                      </p:cBhvr>
+                                    </p:animEffect>
+                                  </p:childTnLst>
+                                </p:cTn>
+                              </p:par>
+                              <p:par>
+                                <p:cTn id="16" presetID="10" presetClass="entr" presetSubtype="0" fill="hold" grpId="0" nodeType="withEffect">
+                                  <p:stCondLst>
+                                    <p:cond delay="0"/>
+                                  </p:stCondLst>
+                                  <p:childTnLst>
+                                    <p:set>
+                                      <p:cBhvr>
+                                        <p:cTn id="17" dur="1" fill="hold">
+                                          <p:stCondLst>
+                                            <p:cond delay="0"/>
+                                          </p:stCondLst>
+                                        </p:cTn>
+                                        <p:tgtEl>
+                                          <p:spTgt spid="11"/>
+                                        </p:tgtEl>
+                                        <p:attrNameLst>
+                                          <p:attrName>style.visibility</p:attrName>
+                                        </p:attrNameLst>
+                                      </p:cBhvr>
+                                      <p:to>
+                                        <p:strVal val="visible"/>
+                                      </p:to>
+                                    </p:set>
+                                    <p:animEffect transition="in" filter="fade">
+                                      <p:cBhvr>
+                                        <p:cTn id="18" dur="500"/>
+                                        <p:tgtEl>
+                                          <p:spTgt spid="11"/>
+                                        </p:tgtEl>
+                                      </p:cBhvr>
+                                    </p:animEffect>
+                                  </p:childTnLst>
+                                </p:cTn>
+                              </p:par>
+                              <p:par>
+                                <p:cTn id="19" presetID="10" presetClass="entr" presetSubtype="0" fill="hold" grpId="0" nodeType="withEffect">
+                                  <p:stCondLst>
+                                    <p:cond delay="0"/>
+                                  </p:stCondLst>
+                                  <p:childTnLst>
+                                    <p:set>
+                                      <p:cBhvr>
+                                        <p:cTn id="20" dur="1" fill="hold">
+                                          <p:stCondLst>
+                                            <p:cond delay="0"/>
+                                          </p:stCondLst>
+                                        </p:cTn>
+                                        <p:tgtEl>
+                                          <p:spTgt spid="22"/>
+                                        </p:tgtEl>
+                                        <p:attrNameLst>
+                                          <p:attrName>style.visibility</p:attrName>
+                                        </p:attrNameLst>
+                                      </p:cBhvr>
+                                      <p:to>
+                                        <p:strVal val="visible"/>
+                                      </p:to>
+                                    </p:set>
+                                    <p:animEffect transition="in" filter="fade">
+                                      <p:cBhvr>
+                                        <p:cTn id="21" dur="500"/>
+                                        <p:tgtEl>
+                                          <p:spTgt spid="22"/>
+                                        </p:tgtEl>
+                                      </p:cBhvr>
+                                    </p:animEffect>
+                                  </p:childTnLst>
+                                </p:cTn>
+                              </p:par>
+                              <p:par>
+                                <p:cTn id="22" presetID="10" presetClass="entr" presetSubtype="0" fill="hold" grpId="0" nodeType="withEffect">
+                                  <p:stCondLst>
+                                    <p:cond delay="0"/>
+                                  </p:stCondLst>
+                                  <p:childTnLst>
+                                    <p:set>
+                                      <p:cBhvr>
+                                        <p:cTn id="23" dur="1" fill="hold">
+                                          <p:stCondLst>
+                                            <p:cond delay="0"/>
+                                          </p:stCondLst>
+                                        </p:cTn>
+                                        <p:tgtEl>
+                                          <p:spTgt spid="21"/>
+                                        </p:tgtEl>
+                                        <p:attrNameLst>
+                                          <p:attrName>style.visibility</p:attrName>
+                                        </p:attrNameLst>
+                                      </p:cBhvr>
+                                      <p:to>
+                                        <p:strVal val="visible"/>
+                                      </p:to>
+                                    </p:set>
+                                    <p:animEffect transition="in" filter="fade">
+                                      <p:cBhvr>
+                                        <p:cTn id="24" dur="500"/>
+                                        <p:tgtEl>
+                                          <p:spTgt spid="21"/>
+                                        </p:tgtEl>
+                                      </p:cBhvr>
+                                    </p:animEffect>
+                                  </p:childTnLst>
+                                </p:cTn>
+                              </p:par>
+                            </p:childTnLst>
+                          </p:cTn>
+                        </p:par>
+                      </p:childTnLst>
+                    </p:cTn>
+                  </p:par>
+                </p:childTnLst>
+              </p:cTn>
+              <p:prevCondLst>
+                <p:cond evt="onPrev" delay="0">
+                  <p:tgtEl>
+                    <p:sldTgt/>
+                  </p:tgtEl>
+                </p:cond>
+              </p:prevCondLst>
+              <p:nextCondLst>
+                <p:cond evt="onNext" delay="0">
+                  <p:tgtEl>
+                    <p:sldTgt/>
+                  </p:tgtEl>
+                </p:cond>
+              </p:nextCondLst>
+            </p:seq>
+          </p:childTnLst>
+        </p:cTn>
+      </p:par>
+    </p:tnLst>
+    <p:bldLst>
+      <p:bldP spid="6" grpId="0" animBg="1"/>
+      <p:bldP spid="20" grpId="0"/>
+      <p:bldP spid="11" grpId="0" animBg="1"/>
+      <p:bldP spid="21" grpId="0" animBg="1"/>
+      <p:bldP spid="22" grpId="0"/>
+      <p:bldP spid="23" grpId="0"/>
+    </p:bldLst>
+  </p:timing>
+</p:sld>
+</file>
+
+<file path=ppt/slides/slide15.xml><?xml version="1.0" encoding="utf-8"?>
+<p:sld xmlns:a="http://schemas.openxmlformats.org/drawingml/2006/main" xmlns:r="http://schemas.openxmlformats.org/officeDocument/2006/relationships" xmlns:p="http://schemas.openxmlformats.org/presentationml/2006/main">
+  <p:cSld>
+    <p:spTree>
+      <p:nvGrpSpPr>
+        <p:cNvPr id="1" name=""/>
+        <p:cNvGrpSpPr/>
+        <p:nvPr/>
+      </p:nvGrpSpPr>
+      <p:grpSpPr>
+        <a:xfrm>
+          <a:off x="0" y="0"/>
+          <a:ext cx="0" cy="0"/>
+          <a:chOff x="0" y="0"/>
+          <a:chExt cx="0" cy="0"/>
+        </a:xfrm>
+      </p:grpSpPr>
       <p:sp>
         <p:nvSpPr>
           <p:cNvPr id="4" name="Title 1">
@@ -14027,6 +16073,471 @@
           </a:p>
         </p:txBody>
       </p:sp>
+      <p:sp>
+        <p:nvSpPr>
+          <p:cNvPr id="10" name="Content Placeholder 2">
+            <a:extLst>
+              <a:ext uri="{FF2B5EF4-FFF2-40B4-BE49-F238E27FC236}">
+                <a16:creationId xmlns:a16="http://schemas.microsoft.com/office/drawing/2014/main" id="{1AC77B66-821D-4A68-AFE8-383F6766B946}"/>
+              </a:ext>
+            </a:extLst>
+          </p:cNvPr>
+          <p:cNvSpPr txBox="1">
+            <a:spLocks/>
+          </p:cNvSpPr>
+          <p:nvPr/>
+        </p:nvSpPr>
+        <p:spPr>
+          <a:xfrm>
+            <a:off x="704850" y="1855978"/>
+            <a:ext cx="7462737" cy="2168898"/>
+          </a:xfrm>
+          <a:prstGeom prst="rect">
+            <a:avLst/>
+          </a:prstGeom>
+        </p:spPr>
+        <p:txBody>
+          <a:bodyPr vert="horz" lIns="91440" tIns="45720" rIns="91440" bIns="45720" rtlCol="0">
+            <a:normAutofit/>
+          </a:bodyPr>
+          <a:lstStyle>
+            <a:lvl1pPr marL="228600" indent="-228600" algn="l" defTabSz="914400" rtl="0" eaLnBrk="1" latinLnBrk="0" hangingPunct="1">
+              <a:lnSpc>
+                <a:spcPct val="90000"/>
+              </a:lnSpc>
+              <a:spcBef>
+                <a:spcPts val="1000"/>
+              </a:spcBef>
+              <a:buFont typeface="Arial" panose="020B0604020202020204" pitchFamily="34" charset="0"/>
+              <a:buChar char="•"/>
+              <a:defRPr sz="2800" kern="1200">
+                <a:solidFill>
+                  <a:schemeClr val="tx1"/>
+                </a:solidFill>
+                <a:latin typeface="+mn-lt"/>
+                <a:ea typeface="+mn-ea"/>
+                <a:cs typeface="+mn-cs"/>
+              </a:defRPr>
+            </a:lvl1pPr>
+            <a:lvl2pPr marL="685800" indent="-228600" algn="l" defTabSz="914400" rtl="0" eaLnBrk="1" latinLnBrk="0" hangingPunct="1">
+              <a:lnSpc>
+                <a:spcPct val="90000"/>
+              </a:lnSpc>
+              <a:spcBef>
+                <a:spcPts val="500"/>
+              </a:spcBef>
+              <a:buFont typeface="Arial" panose="020B0604020202020204" pitchFamily="34" charset="0"/>
+              <a:buChar char="•"/>
+              <a:defRPr sz="2400" kern="1200">
+                <a:solidFill>
+                  <a:schemeClr val="tx1"/>
+                </a:solidFill>
+                <a:latin typeface="+mn-lt"/>
+                <a:ea typeface="+mn-ea"/>
+                <a:cs typeface="+mn-cs"/>
+              </a:defRPr>
+            </a:lvl2pPr>
+            <a:lvl3pPr marL="1143000" indent="-228600" algn="l" defTabSz="914400" rtl="0" eaLnBrk="1" latinLnBrk="0" hangingPunct="1">
+              <a:lnSpc>
+                <a:spcPct val="90000"/>
+              </a:lnSpc>
+              <a:spcBef>
+                <a:spcPts val="500"/>
+              </a:spcBef>
+              <a:buFont typeface="Arial" panose="020B0604020202020204" pitchFamily="34" charset="0"/>
+              <a:buChar char="•"/>
+              <a:defRPr sz="2000" kern="1200">
+                <a:solidFill>
+                  <a:schemeClr val="tx1"/>
+                </a:solidFill>
+                <a:latin typeface="+mn-lt"/>
+                <a:ea typeface="+mn-ea"/>
+                <a:cs typeface="+mn-cs"/>
+              </a:defRPr>
+            </a:lvl3pPr>
+            <a:lvl4pPr marL="1600200" indent="-228600" algn="l" defTabSz="914400" rtl="0" eaLnBrk="1" latinLnBrk="0" hangingPunct="1">
+              <a:lnSpc>
+                <a:spcPct val="90000"/>
+              </a:lnSpc>
+              <a:spcBef>
+                <a:spcPts val="500"/>
+              </a:spcBef>
+              <a:buFont typeface="Arial" panose="020B0604020202020204" pitchFamily="34" charset="0"/>
+              <a:buChar char="•"/>
+              <a:defRPr sz="1800" kern="1200">
+                <a:solidFill>
+                  <a:schemeClr val="tx1"/>
+                </a:solidFill>
+                <a:latin typeface="+mn-lt"/>
+                <a:ea typeface="+mn-ea"/>
+                <a:cs typeface="+mn-cs"/>
+              </a:defRPr>
+            </a:lvl4pPr>
+            <a:lvl5pPr marL="2057400" indent="-228600" algn="l" defTabSz="914400" rtl="0" eaLnBrk="1" latinLnBrk="0" hangingPunct="1">
+              <a:lnSpc>
+                <a:spcPct val="90000"/>
+              </a:lnSpc>
+              <a:spcBef>
+                <a:spcPts val="500"/>
+              </a:spcBef>
+              <a:buFont typeface="Arial" panose="020B0604020202020204" pitchFamily="34" charset="0"/>
+              <a:buChar char="•"/>
+              <a:defRPr sz="1800" kern="1200">
+                <a:solidFill>
+                  <a:schemeClr val="tx1"/>
+                </a:solidFill>
+                <a:latin typeface="+mn-lt"/>
+                <a:ea typeface="+mn-ea"/>
+                <a:cs typeface="+mn-cs"/>
+              </a:defRPr>
+            </a:lvl5pPr>
+            <a:lvl6pPr marL="2514600" indent="-228600" algn="l" defTabSz="914400" rtl="0" eaLnBrk="1" latinLnBrk="0" hangingPunct="1">
+              <a:lnSpc>
+                <a:spcPct val="90000"/>
+              </a:lnSpc>
+              <a:spcBef>
+                <a:spcPts val="500"/>
+              </a:spcBef>
+              <a:buFont typeface="Arial" panose="020B0604020202020204" pitchFamily="34" charset="0"/>
+              <a:buChar char="•"/>
+              <a:defRPr sz="1800" kern="1200">
+                <a:solidFill>
+                  <a:schemeClr val="tx1"/>
+                </a:solidFill>
+                <a:latin typeface="+mn-lt"/>
+                <a:ea typeface="+mn-ea"/>
+                <a:cs typeface="+mn-cs"/>
+              </a:defRPr>
+            </a:lvl6pPr>
+            <a:lvl7pPr marL="2971800" indent="-228600" algn="l" defTabSz="914400" rtl="0" eaLnBrk="1" latinLnBrk="0" hangingPunct="1">
+              <a:lnSpc>
+                <a:spcPct val="90000"/>
+              </a:lnSpc>
+              <a:spcBef>
+                <a:spcPts val="500"/>
+              </a:spcBef>
+              <a:buFont typeface="Arial" panose="020B0604020202020204" pitchFamily="34" charset="0"/>
+              <a:buChar char="•"/>
+              <a:defRPr sz="1800" kern="1200">
+                <a:solidFill>
+                  <a:schemeClr val="tx1"/>
+                </a:solidFill>
+                <a:latin typeface="+mn-lt"/>
+                <a:ea typeface="+mn-ea"/>
+                <a:cs typeface="+mn-cs"/>
+              </a:defRPr>
+            </a:lvl7pPr>
+            <a:lvl8pPr marL="3429000" indent="-228600" algn="l" defTabSz="914400" rtl="0" eaLnBrk="1" latinLnBrk="0" hangingPunct="1">
+              <a:lnSpc>
+                <a:spcPct val="90000"/>
+              </a:lnSpc>
+              <a:spcBef>
+                <a:spcPts val="500"/>
+              </a:spcBef>
+              <a:buFont typeface="Arial" panose="020B0604020202020204" pitchFamily="34" charset="0"/>
+              <a:buChar char="•"/>
+              <a:defRPr sz="1800" kern="1200">
+                <a:solidFill>
+                  <a:schemeClr val="tx1"/>
+                </a:solidFill>
+                <a:latin typeface="+mn-lt"/>
+                <a:ea typeface="+mn-ea"/>
+                <a:cs typeface="+mn-cs"/>
+              </a:defRPr>
+            </a:lvl8pPr>
+            <a:lvl9pPr marL="3886200" indent="-228600" algn="l" defTabSz="914400" rtl="0" eaLnBrk="1" latinLnBrk="0" hangingPunct="1">
+              <a:lnSpc>
+                <a:spcPct val="90000"/>
+              </a:lnSpc>
+              <a:spcBef>
+                <a:spcPts val="500"/>
+              </a:spcBef>
+              <a:buFont typeface="Arial" panose="020B0604020202020204" pitchFamily="34" charset="0"/>
+              <a:buChar char="•"/>
+              <a:defRPr sz="1800" kern="1200">
+                <a:solidFill>
+                  <a:schemeClr val="tx1"/>
+                </a:solidFill>
+                <a:latin typeface="+mn-lt"/>
+                <a:ea typeface="+mn-ea"/>
+                <a:cs typeface="+mn-cs"/>
+              </a:defRPr>
+            </a:lvl9pPr>
+          </a:lstStyle>
+          <a:p>
+            <a:r>
+              <a:rPr lang="en-US" sz="1800" dirty="0"/>
+              <a:t>In GWAS and QTL studies, when we find an association, it does not necessarily mean </a:t>
+            </a:r>
+            <a:r>
+              <a:rPr lang="en-US" sz="1800" b="1" i="1" dirty="0"/>
+              <a:t>we find a causal association between the genes and the phenotype</a:t>
+            </a:r>
+          </a:p>
+          <a:p>
+            <a:r>
+              <a:rPr lang="en-US" sz="1800" dirty="0"/>
+              <a:t>This is because we do not know if we have genotyped all the causal genes in the genome</a:t>
+            </a:r>
+          </a:p>
+          <a:p>
+            <a:r>
+              <a:rPr lang="en-US" sz="1800" dirty="0"/>
+              <a:t>Linkage disequilibrium: the imbalance in allele frequency; one allele may appear more than the other</a:t>
+            </a:r>
+          </a:p>
+          <a:p>
+            <a:endParaRPr lang="en-US" sz="1800" dirty="0"/>
+          </a:p>
+        </p:txBody>
+      </p:sp>
+      <p:pic>
+        <p:nvPicPr>
+          <p:cNvPr id="11" name="Picture 10">
+            <a:extLst>
+              <a:ext uri="{FF2B5EF4-FFF2-40B4-BE49-F238E27FC236}">
+                <a16:creationId xmlns:a16="http://schemas.microsoft.com/office/drawing/2014/main" id="{23F74ABA-0E6D-4971-A24B-A29A4E809209}"/>
+              </a:ext>
+            </a:extLst>
+          </p:cNvPr>
+          <p:cNvPicPr>
+            <a:picLocks noChangeAspect="1"/>
+          </p:cNvPicPr>
+          <p:nvPr/>
+        </p:nvPicPr>
+        <p:blipFill rotWithShape="1">
+          <a:blip r:embed="rId3"/>
+          <a:srcRect l="15973"/>
+          <a:stretch/>
+        </p:blipFill>
+        <p:spPr>
+          <a:xfrm>
+            <a:off x="8167587" y="1667840"/>
+            <a:ext cx="3735420" cy="2373467"/>
+          </a:xfrm>
+          <a:prstGeom prst="rect">
+            <a:avLst/>
+          </a:prstGeom>
+        </p:spPr>
+      </p:pic>
+      <p:grpSp>
+        <p:nvGrpSpPr>
+          <p:cNvPr id="13" name="Group 12">
+            <a:extLst>
+              <a:ext uri="{FF2B5EF4-FFF2-40B4-BE49-F238E27FC236}">
+                <a16:creationId xmlns:a16="http://schemas.microsoft.com/office/drawing/2014/main" id="{C3E1ADE1-FD42-4E8D-AA70-F0C1373D7C7E}"/>
+              </a:ext>
+            </a:extLst>
+          </p:cNvPr>
+          <p:cNvGrpSpPr/>
+          <p:nvPr/>
+        </p:nvGrpSpPr>
+        <p:grpSpPr>
+          <a:xfrm>
+            <a:off x="5579192" y="4024876"/>
+            <a:ext cx="5774608" cy="2833124"/>
+            <a:chOff x="6166685" y="1885700"/>
+            <a:chExt cx="5593375" cy="2744208"/>
+          </a:xfrm>
+        </p:grpSpPr>
+        <p:pic>
+          <p:nvPicPr>
+            <p:cNvPr id="14" name="Picture 13" descr="Chart, scatter chart&#10;&#10;Description automatically generated">
+              <a:extLst>
+                <a:ext uri="{FF2B5EF4-FFF2-40B4-BE49-F238E27FC236}">
+                  <a16:creationId xmlns:a16="http://schemas.microsoft.com/office/drawing/2014/main" id="{3DD13A8D-2A9D-431D-A3F2-5FD1034B0BCE}"/>
+                </a:ext>
+              </a:extLst>
+            </p:cNvPr>
+            <p:cNvPicPr>
+              <a:picLocks noChangeAspect="1"/>
+            </p:cNvPicPr>
+            <p:nvPr/>
+          </p:nvPicPr>
+          <p:blipFill>
+            <a:blip r:embed="rId4">
+              <a:extLst>
+                <a:ext uri="{28A0092B-C50C-407E-A947-70E740481C1C}">
+                  <a14:useLocalDpi xmlns:a14="http://schemas.microsoft.com/office/drawing/2010/main" val="0"/>
+                </a:ext>
+              </a:extLst>
+            </a:blip>
+            <a:stretch>
+              <a:fillRect/>
+            </a:stretch>
+          </p:blipFill>
+          <p:spPr>
+            <a:xfrm>
+              <a:off x="6166685" y="1981585"/>
+              <a:ext cx="5593375" cy="2648323"/>
+            </a:xfrm>
+            <a:prstGeom prst="rect">
+              <a:avLst/>
+            </a:prstGeom>
+          </p:spPr>
+        </p:pic>
+        <p:sp>
+          <p:nvSpPr>
+            <p:cNvPr id="15" name="TextBox 14">
+              <a:extLst>
+                <a:ext uri="{FF2B5EF4-FFF2-40B4-BE49-F238E27FC236}">
+                  <a16:creationId xmlns:a16="http://schemas.microsoft.com/office/drawing/2014/main" id="{1BA13EC3-88CE-44C1-961A-1A4324F0ECFB}"/>
+                </a:ext>
+              </a:extLst>
+            </p:cNvPr>
+            <p:cNvSpPr txBox="1"/>
+            <p:nvPr/>
+          </p:nvSpPr>
+          <p:spPr>
+            <a:xfrm>
+              <a:off x="6408819" y="1885700"/>
+              <a:ext cx="1598251" cy="276999"/>
+            </a:xfrm>
+            <a:prstGeom prst="rect">
+              <a:avLst/>
+            </a:prstGeom>
+            <a:ln>
+              <a:noFill/>
+            </a:ln>
+          </p:spPr>
+          <p:style>
+            <a:lnRef idx="2">
+              <a:schemeClr val="accent6"/>
+            </a:lnRef>
+            <a:fillRef idx="1">
+              <a:schemeClr val="lt1"/>
+            </a:fillRef>
+            <a:effectRef idx="0">
+              <a:schemeClr val="accent6"/>
+            </a:effectRef>
+            <a:fontRef idx="minor">
+              <a:schemeClr val="dk1"/>
+            </a:fontRef>
+          </p:style>
+          <p:txBody>
+            <a:bodyPr wrap="square" rtlCol="0">
+              <a:spAutoFit/>
+            </a:bodyPr>
+            <a:lstStyle/>
+            <a:p>
+              <a:r>
+                <a:rPr lang="fr-FR" sz="1200" dirty="0"/>
+                <a:t>Latent </a:t>
+              </a:r>
+              <a:r>
+                <a:rPr lang="fr-FR" sz="1200" dirty="0" err="1"/>
+                <a:t>period</a:t>
+              </a:r>
+              <a:r>
+                <a:rPr lang="fr-FR" sz="1200" dirty="0"/>
+                <a:t> P72</a:t>
+              </a:r>
+              <a:endParaRPr lang="en-GB" sz="1200" dirty="0"/>
+            </a:p>
+          </p:txBody>
+        </p:sp>
+      </p:grpSp>
+      <p:sp>
+        <p:nvSpPr>
+          <p:cNvPr id="16" name="Rectangle 15">
+            <a:extLst>
+              <a:ext uri="{FF2B5EF4-FFF2-40B4-BE49-F238E27FC236}">
+                <a16:creationId xmlns:a16="http://schemas.microsoft.com/office/drawing/2014/main" id="{E1ED9244-FEC9-4C43-B2E1-9C0F626BA6D6}"/>
+              </a:ext>
+            </a:extLst>
+          </p:cNvPr>
+          <p:cNvSpPr/>
+          <p:nvPr/>
+        </p:nvSpPr>
+        <p:spPr>
+          <a:xfrm>
+            <a:off x="8384652" y="4835987"/>
+            <a:ext cx="398834" cy="842910"/>
+          </a:xfrm>
+          <a:prstGeom prst="rect">
+            <a:avLst/>
+          </a:prstGeom>
+          <a:noFill/>
+          <a:ln w="38100">
+            <a:solidFill>
+              <a:schemeClr val="accent6">
+                <a:lumMod val="75000"/>
+              </a:schemeClr>
+            </a:solidFill>
+          </a:ln>
+        </p:spPr>
+        <p:style>
+          <a:lnRef idx="2">
+            <a:schemeClr val="accent1">
+              <a:shade val="50000"/>
+            </a:schemeClr>
+          </a:lnRef>
+          <a:fillRef idx="1">
+            <a:schemeClr val="accent1"/>
+          </a:fillRef>
+          <a:effectRef idx="0">
+            <a:schemeClr val="accent1"/>
+          </a:effectRef>
+          <a:fontRef idx="minor">
+            <a:schemeClr val="lt1"/>
+          </a:fontRef>
+        </p:style>
+        <p:txBody>
+          <a:bodyPr rtlCol="0" anchor="ctr"/>
+          <a:lstStyle/>
+          <a:p>
+            <a:pPr algn="ctr"/>
+            <a:endParaRPr lang="en-GB"/>
+          </a:p>
+        </p:txBody>
+      </p:sp>
+      <p:sp>
+        <p:nvSpPr>
+          <p:cNvPr id="17" name="Content Placeholder 2">
+            <a:extLst>
+              <a:ext uri="{FF2B5EF4-FFF2-40B4-BE49-F238E27FC236}">
+                <a16:creationId xmlns:a16="http://schemas.microsoft.com/office/drawing/2014/main" id="{BC94C3E7-D69A-498B-AB80-9126C91FC1E3}"/>
+              </a:ext>
+            </a:extLst>
+          </p:cNvPr>
+          <p:cNvSpPr>
+            <a:spLocks noGrp="1"/>
+          </p:cNvSpPr>
+          <p:nvPr>
+            <p:ph idx="1"/>
+          </p:nvPr>
+        </p:nvSpPr>
+        <p:spPr>
+          <a:xfrm>
+            <a:off x="704850" y="4009598"/>
+            <a:ext cx="4948077" cy="2833924"/>
+          </a:xfrm>
+        </p:spPr>
+        <p:txBody>
+          <a:bodyPr>
+            <a:normAutofit/>
+          </a:bodyPr>
+          <a:lstStyle/>
+          <a:p>
+            <a:r>
+              <a:rPr lang="en-GB" sz="1800" dirty="0"/>
+              <a:t>Meaning that a certain allele appears most frequently when individuals show phenotypic variability to a certain degree.</a:t>
+            </a:r>
+          </a:p>
+          <a:p>
+            <a:r>
+              <a:rPr lang="en-GB" sz="1800" b="1" dirty="0"/>
+              <a:t>These alleles will be shown repetitively on Manhattan plot in a consistent location.</a:t>
+            </a:r>
+          </a:p>
+          <a:p>
+            <a:r>
+              <a:rPr lang="en-US" sz="1800" b="1" dirty="0"/>
+              <a:t>Linkage disequilibrium between alleles can give us a greater chance to find the causal association</a:t>
+            </a:r>
+          </a:p>
+        </p:txBody>
+      </p:sp>
     </p:spTree>
     <p:extLst>
       <p:ext uri="{BB962C8B-B14F-4D97-AF65-F5344CB8AC3E}">
@@ -14037,10 +16548,350 @@
   <p:clrMapOvr>
     <a:masterClrMapping/>
   </p:clrMapOvr>
+  <p:timing>
+    <p:tnLst>
+      <p:par>
+        <p:cTn id="1" dur="indefinite" restart="never" nodeType="tmRoot">
+          <p:childTnLst>
+            <p:seq concurrent="1" nextAc="seek">
+              <p:cTn id="2" dur="indefinite" nodeType="mainSeq">
+                <p:childTnLst>
+                  <p:par>
+                    <p:cTn id="3" fill="hold">
+                      <p:stCondLst>
+                        <p:cond delay="indefinite"/>
+                      </p:stCondLst>
+                      <p:childTnLst>
+                        <p:par>
+                          <p:cTn id="4" fill="hold">
+                            <p:stCondLst>
+                              <p:cond delay="0"/>
+                            </p:stCondLst>
+                            <p:childTnLst>
+                              <p:par>
+                                <p:cTn id="5" presetID="10" presetClass="entr" presetSubtype="0" fill="hold" grpId="0" nodeType="clickEffect">
+                                  <p:stCondLst>
+                                    <p:cond delay="0"/>
+                                  </p:stCondLst>
+                                  <p:childTnLst>
+                                    <p:set>
+                                      <p:cBhvr>
+                                        <p:cTn id="6" dur="1" fill="hold">
+                                          <p:stCondLst>
+                                            <p:cond delay="0"/>
+                                          </p:stCondLst>
+                                        </p:cTn>
+                                        <p:tgtEl>
+                                          <p:spTgt spid="10"/>
+                                        </p:tgtEl>
+                                        <p:attrNameLst>
+                                          <p:attrName>style.visibility</p:attrName>
+                                        </p:attrNameLst>
+                                      </p:cBhvr>
+                                      <p:to>
+                                        <p:strVal val="visible"/>
+                                      </p:to>
+                                    </p:set>
+                                    <p:animEffect transition="in" filter="fade">
+                                      <p:cBhvr>
+                                        <p:cTn id="7" dur="500"/>
+                                        <p:tgtEl>
+                                          <p:spTgt spid="10"/>
+                                        </p:tgtEl>
+                                      </p:cBhvr>
+                                    </p:animEffect>
+                                  </p:childTnLst>
+                                </p:cTn>
+                              </p:par>
+                              <p:par>
+                                <p:cTn id="8" presetID="10" presetClass="entr" presetSubtype="0" fill="hold" nodeType="withEffect">
+                                  <p:stCondLst>
+                                    <p:cond delay="0"/>
+                                  </p:stCondLst>
+                                  <p:childTnLst>
+                                    <p:set>
+                                      <p:cBhvr>
+                                        <p:cTn id="9" dur="1" fill="hold">
+                                          <p:stCondLst>
+                                            <p:cond delay="0"/>
+                                          </p:stCondLst>
+                                        </p:cTn>
+                                        <p:tgtEl>
+                                          <p:spTgt spid="11"/>
+                                        </p:tgtEl>
+                                        <p:attrNameLst>
+                                          <p:attrName>style.visibility</p:attrName>
+                                        </p:attrNameLst>
+                                      </p:cBhvr>
+                                      <p:to>
+                                        <p:strVal val="visible"/>
+                                      </p:to>
+                                    </p:set>
+                                    <p:animEffect transition="in" filter="fade">
+                                      <p:cBhvr>
+                                        <p:cTn id="10" dur="500"/>
+                                        <p:tgtEl>
+                                          <p:spTgt spid="11"/>
+                                        </p:tgtEl>
+                                      </p:cBhvr>
+                                    </p:animEffect>
+                                  </p:childTnLst>
+                                </p:cTn>
+                              </p:par>
+                            </p:childTnLst>
+                          </p:cTn>
+                        </p:par>
+                      </p:childTnLst>
+                    </p:cTn>
+                  </p:par>
+                  <p:par>
+                    <p:cTn id="11" fill="hold">
+                      <p:stCondLst>
+                        <p:cond delay="indefinite"/>
+                      </p:stCondLst>
+                      <p:childTnLst>
+                        <p:par>
+                          <p:cTn id="12" fill="hold">
+                            <p:stCondLst>
+                              <p:cond delay="0"/>
+                            </p:stCondLst>
+                            <p:childTnLst>
+                              <p:par>
+                                <p:cTn id="13" presetID="10" presetClass="entr" presetSubtype="0" fill="hold" grpId="0" nodeType="clickEffect">
+                                  <p:stCondLst>
+                                    <p:cond delay="0"/>
+                                  </p:stCondLst>
+                                  <p:childTnLst>
+                                    <p:set>
+                                      <p:cBhvr>
+                                        <p:cTn id="14" dur="1" fill="hold">
+                                          <p:stCondLst>
+                                            <p:cond delay="0"/>
+                                          </p:stCondLst>
+                                        </p:cTn>
+                                        <p:tgtEl>
+                                          <p:spTgt spid="17">
+                                            <p:txEl>
+                                              <p:pRg st="0" end="0"/>
+                                            </p:txEl>
+                                          </p:spTgt>
+                                        </p:tgtEl>
+                                        <p:attrNameLst>
+                                          <p:attrName>style.visibility</p:attrName>
+                                        </p:attrNameLst>
+                                      </p:cBhvr>
+                                      <p:to>
+                                        <p:strVal val="visible"/>
+                                      </p:to>
+                                    </p:set>
+                                    <p:animEffect transition="in" filter="fade">
+                                      <p:cBhvr>
+                                        <p:cTn id="15" dur="500"/>
+                                        <p:tgtEl>
+                                          <p:spTgt spid="17">
+                                            <p:txEl>
+                                              <p:pRg st="0" end="0"/>
+                                            </p:txEl>
+                                          </p:spTgt>
+                                        </p:tgtEl>
+                                      </p:cBhvr>
+                                    </p:animEffect>
+                                  </p:childTnLst>
+                                </p:cTn>
+                              </p:par>
+                              <p:par>
+                                <p:cTn id="16" presetID="10" presetClass="entr" presetSubtype="0" fill="hold" grpId="0" nodeType="withEffect">
+                                  <p:stCondLst>
+                                    <p:cond delay="0"/>
+                                  </p:stCondLst>
+                                  <p:childTnLst>
+                                    <p:set>
+                                      <p:cBhvr>
+                                        <p:cTn id="17" dur="1" fill="hold">
+                                          <p:stCondLst>
+                                            <p:cond delay="0"/>
+                                          </p:stCondLst>
+                                        </p:cTn>
+                                        <p:tgtEl>
+                                          <p:spTgt spid="17">
+                                            <p:txEl>
+                                              <p:pRg st="1" end="1"/>
+                                            </p:txEl>
+                                          </p:spTgt>
+                                        </p:tgtEl>
+                                        <p:attrNameLst>
+                                          <p:attrName>style.visibility</p:attrName>
+                                        </p:attrNameLst>
+                                      </p:cBhvr>
+                                      <p:to>
+                                        <p:strVal val="visible"/>
+                                      </p:to>
+                                    </p:set>
+                                    <p:animEffect transition="in" filter="fade">
+                                      <p:cBhvr>
+                                        <p:cTn id="18" dur="500"/>
+                                        <p:tgtEl>
+                                          <p:spTgt spid="17">
+                                            <p:txEl>
+                                              <p:pRg st="1" end="1"/>
+                                            </p:txEl>
+                                          </p:spTgt>
+                                        </p:tgtEl>
+                                      </p:cBhvr>
+                                    </p:animEffect>
+                                  </p:childTnLst>
+                                </p:cTn>
+                              </p:par>
+                              <p:par>
+                                <p:cTn id="19" presetID="10" presetClass="entr" presetSubtype="0" fill="hold" grpId="0" nodeType="withEffect">
+                                  <p:stCondLst>
+                                    <p:cond delay="0"/>
+                                  </p:stCondLst>
+                                  <p:childTnLst>
+                                    <p:set>
+                                      <p:cBhvr>
+                                        <p:cTn id="20" dur="1" fill="hold">
+                                          <p:stCondLst>
+                                            <p:cond delay="0"/>
+                                          </p:stCondLst>
+                                        </p:cTn>
+                                        <p:tgtEl>
+                                          <p:spTgt spid="17">
+                                            <p:txEl>
+                                              <p:pRg st="2" end="2"/>
+                                            </p:txEl>
+                                          </p:spTgt>
+                                        </p:tgtEl>
+                                        <p:attrNameLst>
+                                          <p:attrName>style.visibility</p:attrName>
+                                        </p:attrNameLst>
+                                      </p:cBhvr>
+                                      <p:to>
+                                        <p:strVal val="visible"/>
+                                      </p:to>
+                                    </p:set>
+                                    <p:animEffect transition="in" filter="fade">
+                                      <p:cBhvr>
+                                        <p:cTn id="21" dur="500"/>
+                                        <p:tgtEl>
+                                          <p:spTgt spid="17">
+                                            <p:txEl>
+                                              <p:pRg st="2" end="2"/>
+                                            </p:txEl>
+                                          </p:spTgt>
+                                        </p:tgtEl>
+                                      </p:cBhvr>
+                                    </p:animEffect>
+                                  </p:childTnLst>
+                                </p:cTn>
+                              </p:par>
+                              <p:par>
+                                <p:cTn id="22" presetID="10" presetClass="entr" presetSubtype="0" fill="hold" nodeType="withEffect">
+                                  <p:stCondLst>
+                                    <p:cond delay="0"/>
+                                  </p:stCondLst>
+                                  <p:childTnLst>
+                                    <p:set>
+                                      <p:cBhvr>
+                                        <p:cTn id="23" dur="1" fill="hold">
+                                          <p:stCondLst>
+                                            <p:cond delay="0"/>
+                                          </p:stCondLst>
+                                        </p:cTn>
+                                        <p:tgtEl>
+                                          <p:spTgt spid="13"/>
+                                        </p:tgtEl>
+                                        <p:attrNameLst>
+                                          <p:attrName>style.visibility</p:attrName>
+                                        </p:attrNameLst>
+                                      </p:cBhvr>
+                                      <p:to>
+                                        <p:strVal val="visible"/>
+                                      </p:to>
+                                    </p:set>
+                                    <p:animEffect transition="in" filter="fade">
+                                      <p:cBhvr>
+                                        <p:cTn id="24" dur="500"/>
+                                        <p:tgtEl>
+                                          <p:spTgt spid="13"/>
+                                        </p:tgtEl>
+                                      </p:cBhvr>
+                                    </p:animEffect>
+                                  </p:childTnLst>
+                                </p:cTn>
+                              </p:par>
+                              <p:par>
+                                <p:cTn id="25" presetID="10" presetClass="entr" presetSubtype="0" fill="hold" grpId="0" nodeType="withEffect">
+                                  <p:stCondLst>
+                                    <p:cond delay="0"/>
+                                  </p:stCondLst>
+                                  <p:childTnLst>
+                                    <p:set>
+                                      <p:cBhvr>
+                                        <p:cTn id="26" dur="1" fill="hold">
+                                          <p:stCondLst>
+                                            <p:cond delay="0"/>
+                                          </p:stCondLst>
+                                        </p:cTn>
+                                        <p:tgtEl>
+                                          <p:spTgt spid="16"/>
+                                        </p:tgtEl>
+                                        <p:attrNameLst>
+                                          <p:attrName>style.visibility</p:attrName>
+                                        </p:attrNameLst>
+                                      </p:cBhvr>
+                                      <p:to>
+                                        <p:strVal val="visible"/>
+                                      </p:to>
+                                    </p:set>
+                                    <p:animEffect transition="in" filter="fade">
+                                      <p:cBhvr>
+                                        <p:cTn id="27" dur="500"/>
+                                        <p:tgtEl>
+                                          <p:spTgt spid="16"/>
+                                        </p:tgtEl>
+                                      </p:cBhvr>
+                                    </p:animEffect>
+                                  </p:childTnLst>
+                                </p:cTn>
+                              </p:par>
+                            </p:childTnLst>
+                          </p:cTn>
+                        </p:par>
+                      </p:childTnLst>
+                    </p:cTn>
+                  </p:par>
+                </p:childTnLst>
+              </p:cTn>
+              <p:prevCondLst>
+                <p:cond evt="onPrev" delay="0">
+                  <p:tgtEl>
+                    <p:sldTgt/>
+                  </p:tgtEl>
+                </p:cond>
+              </p:prevCondLst>
+              <p:nextCondLst>
+                <p:cond evt="onNext" delay="0">
+                  <p:tgtEl>
+                    <p:sldTgt/>
+                  </p:tgtEl>
+                </p:cond>
+              </p:nextCondLst>
+            </p:seq>
+          </p:childTnLst>
+        </p:cTn>
+      </p:par>
+    </p:tnLst>
+    <p:bldLst>
+      <p:bldP spid="10" grpId="0"/>
+      <p:bldP spid="16" grpId="0" animBg="1"/>
+      <p:bldP spid="17" grpId="0" uiExpand="1" build="p"/>
+    </p:bldLst>
+  </p:timing>
 </p:sld>
 </file>
 
-<file path=ppt/slides/slide15.xml><?xml version="1.0" encoding="utf-8"?>
+<file path=ppt/slides/slide16.xml><?xml version="1.0" encoding="utf-8"?>
 <p:sld xmlns:a="http://schemas.openxmlformats.org/drawingml/2006/main" xmlns:r="http://schemas.openxmlformats.org/officeDocument/2006/relationships" xmlns:p="http://schemas.openxmlformats.org/presentationml/2006/main">
   <p:cSld>
     <p:spTree>
@@ -14057,31 +16908,6 @@
           <a:chExt cx="0" cy="0"/>
         </a:xfrm>
       </p:grpSpPr>
-      <p:sp>
-        <p:nvSpPr>
-          <p:cNvPr id="3" name="Content Placeholder 2">
-            <a:extLst>
-              <a:ext uri="{FF2B5EF4-FFF2-40B4-BE49-F238E27FC236}">
-                <a16:creationId xmlns:a16="http://schemas.microsoft.com/office/drawing/2014/main" id="{25423DFA-9DC8-44AA-ABC0-8E5618E770C7}"/>
-              </a:ext>
-            </a:extLst>
-          </p:cNvPr>
-          <p:cNvSpPr>
-            <a:spLocks noGrp="1"/>
-          </p:cNvSpPr>
-          <p:nvPr>
-            <p:ph idx="1"/>
-          </p:nvPr>
-        </p:nvSpPr>
-        <p:spPr/>
-        <p:txBody>
-          <a:bodyPr/>
-          <a:lstStyle/>
-          <a:p>
-            <a:endParaRPr lang="en-US" sz="1800" dirty="0"/>
-          </a:p>
-        </p:txBody>
-      </p:sp>
       <p:sp>
         <p:nvSpPr>
           <p:cNvPr id="4" name="Title 1">
@@ -14277,25 +17103,13 @@
               <a:rPr lang="fr-FR" sz="2800" b="1" dirty="0">
                 <a:latin typeface="+mn-lt"/>
               </a:rPr>
-              <a:t>Impact of linkage </a:t>
+              <a:t>SNP </a:t>
             </a:r>
             <a:r>
               <a:rPr lang="fr-FR" sz="2800" b="1" dirty="0" err="1">
                 <a:latin typeface="+mn-lt"/>
               </a:rPr>
-              <a:t>disequilibrium</a:t>
-            </a:r>
-            <a:r>
-              <a:rPr lang="fr-FR" sz="2800" b="1" dirty="0">
-                <a:latin typeface="+mn-lt"/>
-              </a:rPr>
-              <a:t> on GWAS </a:t>
-            </a:r>
-            <a:r>
-              <a:rPr lang="fr-FR" sz="2800" b="1" dirty="0" err="1">
-                <a:latin typeface="+mn-lt"/>
-              </a:rPr>
-              <a:t>result</a:t>
+              <a:t>density</a:t>
             </a:r>
             <a:endParaRPr lang="en-GB" sz="2800" dirty="0">
               <a:latin typeface="+mn-lt"/>
@@ -14303,10 +17117,254 @@
           </a:p>
         </p:txBody>
       </p:sp>
+      <p:sp>
+        <p:nvSpPr>
+          <p:cNvPr id="10" name="Content Placeholder 2">
+            <a:extLst>
+              <a:ext uri="{FF2B5EF4-FFF2-40B4-BE49-F238E27FC236}">
+                <a16:creationId xmlns:a16="http://schemas.microsoft.com/office/drawing/2014/main" id="{1AC77B66-821D-4A68-AFE8-383F6766B946}"/>
+              </a:ext>
+            </a:extLst>
+          </p:cNvPr>
+          <p:cNvSpPr txBox="1">
+            <a:spLocks/>
+          </p:cNvSpPr>
+          <p:nvPr/>
+        </p:nvSpPr>
+        <p:spPr>
+          <a:xfrm>
+            <a:off x="704850" y="1855978"/>
+            <a:ext cx="7462737" cy="2168898"/>
+          </a:xfrm>
+          <a:prstGeom prst="rect">
+            <a:avLst/>
+          </a:prstGeom>
+        </p:spPr>
+        <p:txBody>
+          <a:bodyPr vert="horz" lIns="91440" tIns="45720" rIns="91440" bIns="45720" rtlCol="0">
+            <a:normAutofit/>
+          </a:bodyPr>
+          <a:lstStyle>
+            <a:lvl1pPr marL="228600" indent="-228600" algn="l" defTabSz="914400" rtl="0" eaLnBrk="1" latinLnBrk="0" hangingPunct="1">
+              <a:lnSpc>
+                <a:spcPct val="90000"/>
+              </a:lnSpc>
+              <a:spcBef>
+                <a:spcPts val="1000"/>
+              </a:spcBef>
+              <a:buFont typeface="Arial" panose="020B0604020202020204" pitchFamily="34" charset="0"/>
+              <a:buChar char="•"/>
+              <a:defRPr sz="2800" kern="1200">
+                <a:solidFill>
+                  <a:schemeClr val="tx1"/>
+                </a:solidFill>
+                <a:latin typeface="+mn-lt"/>
+                <a:ea typeface="+mn-ea"/>
+                <a:cs typeface="+mn-cs"/>
+              </a:defRPr>
+            </a:lvl1pPr>
+            <a:lvl2pPr marL="685800" indent="-228600" algn="l" defTabSz="914400" rtl="0" eaLnBrk="1" latinLnBrk="0" hangingPunct="1">
+              <a:lnSpc>
+                <a:spcPct val="90000"/>
+              </a:lnSpc>
+              <a:spcBef>
+                <a:spcPts val="500"/>
+              </a:spcBef>
+              <a:buFont typeface="Arial" panose="020B0604020202020204" pitchFamily="34" charset="0"/>
+              <a:buChar char="•"/>
+              <a:defRPr sz="2400" kern="1200">
+                <a:solidFill>
+                  <a:schemeClr val="tx1"/>
+                </a:solidFill>
+                <a:latin typeface="+mn-lt"/>
+                <a:ea typeface="+mn-ea"/>
+                <a:cs typeface="+mn-cs"/>
+              </a:defRPr>
+            </a:lvl2pPr>
+            <a:lvl3pPr marL="1143000" indent="-228600" algn="l" defTabSz="914400" rtl="0" eaLnBrk="1" latinLnBrk="0" hangingPunct="1">
+              <a:lnSpc>
+                <a:spcPct val="90000"/>
+              </a:lnSpc>
+              <a:spcBef>
+                <a:spcPts val="500"/>
+              </a:spcBef>
+              <a:buFont typeface="Arial" panose="020B0604020202020204" pitchFamily="34" charset="0"/>
+              <a:buChar char="•"/>
+              <a:defRPr sz="2000" kern="1200">
+                <a:solidFill>
+                  <a:schemeClr val="tx1"/>
+                </a:solidFill>
+                <a:latin typeface="+mn-lt"/>
+                <a:ea typeface="+mn-ea"/>
+                <a:cs typeface="+mn-cs"/>
+              </a:defRPr>
+            </a:lvl3pPr>
+            <a:lvl4pPr marL="1600200" indent="-228600" algn="l" defTabSz="914400" rtl="0" eaLnBrk="1" latinLnBrk="0" hangingPunct="1">
+              <a:lnSpc>
+                <a:spcPct val="90000"/>
+              </a:lnSpc>
+              <a:spcBef>
+                <a:spcPts val="500"/>
+              </a:spcBef>
+              <a:buFont typeface="Arial" panose="020B0604020202020204" pitchFamily="34" charset="0"/>
+              <a:buChar char="•"/>
+              <a:defRPr sz="1800" kern="1200">
+                <a:solidFill>
+                  <a:schemeClr val="tx1"/>
+                </a:solidFill>
+                <a:latin typeface="+mn-lt"/>
+                <a:ea typeface="+mn-ea"/>
+                <a:cs typeface="+mn-cs"/>
+              </a:defRPr>
+            </a:lvl4pPr>
+            <a:lvl5pPr marL="2057400" indent="-228600" algn="l" defTabSz="914400" rtl="0" eaLnBrk="1" latinLnBrk="0" hangingPunct="1">
+              <a:lnSpc>
+                <a:spcPct val="90000"/>
+              </a:lnSpc>
+              <a:spcBef>
+                <a:spcPts val="500"/>
+              </a:spcBef>
+              <a:buFont typeface="Arial" panose="020B0604020202020204" pitchFamily="34" charset="0"/>
+              <a:buChar char="•"/>
+              <a:defRPr sz="1800" kern="1200">
+                <a:solidFill>
+                  <a:schemeClr val="tx1"/>
+                </a:solidFill>
+                <a:latin typeface="+mn-lt"/>
+                <a:ea typeface="+mn-ea"/>
+                <a:cs typeface="+mn-cs"/>
+              </a:defRPr>
+            </a:lvl5pPr>
+            <a:lvl6pPr marL="2514600" indent="-228600" algn="l" defTabSz="914400" rtl="0" eaLnBrk="1" latinLnBrk="0" hangingPunct="1">
+              <a:lnSpc>
+                <a:spcPct val="90000"/>
+              </a:lnSpc>
+              <a:spcBef>
+                <a:spcPts val="500"/>
+              </a:spcBef>
+              <a:buFont typeface="Arial" panose="020B0604020202020204" pitchFamily="34" charset="0"/>
+              <a:buChar char="•"/>
+              <a:defRPr sz="1800" kern="1200">
+                <a:solidFill>
+                  <a:schemeClr val="tx1"/>
+                </a:solidFill>
+                <a:latin typeface="+mn-lt"/>
+                <a:ea typeface="+mn-ea"/>
+                <a:cs typeface="+mn-cs"/>
+              </a:defRPr>
+            </a:lvl6pPr>
+            <a:lvl7pPr marL="2971800" indent="-228600" algn="l" defTabSz="914400" rtl="0" eaLnBrk="1" latinLnBrk="0" hangingPunct="1">
+              <a:lnSpc>
+                <a:spcPct val="90000"/>
+              </a:lnSpc>
+              <a:spcBef>
+                <a:spcPts val="500"/>
+              </a:spcBef>
+              <a:buFont typeface="Arial" panose="020B0604020202020204" pitchFamily="34" charset="0"/>
+              <a:buChar char="•"/>
+              <a:defRPr sz="1800" kern="1200">
+                <a:solidFill>
+                  <a:schemeClr val="tx1"/>
+                </a:solidFill>
+                <a:latin typeface="+mn-lt"/>
+                <a:ea typeface="+mn-ea"/>
+                <a:cs typeface="+mn-cs"/>
+              </a:defRPr>
+            </a:lvl7pPr>
+            <a:lvl8pPr marL="3429000" indent="-228600" algn="l" defTabSz="914400" rtl="0" eaLnBrk="1" latinLnBrk="0" hangingPunct="1">
+              <a:lnSpc>
+                <a:spcPct val="90000"/>
+              </a:lnSpc>
+              <a:spcBef>
+                <a:spcPts val="500"/>
+              </a:spcBef>
+              <a:buFont typeface="Arial" panose="020B0604020202020204" pitchFamily="34" charset="0"/>
+              <a:buChar char="•"/>
+              <a:defRPr sz="1800" kern="1200">
+                <a:solidFill>
+                  <a:schemeClr val="tx1"/>
+                </a:solidFill>
+                <a:latin typeface="+mn-lt"/>
+                <a:ea typeface="+mn-ea"/>
+                <a:cs typeface="+mn-cs"/>
+              </a:defRPr>
+            </a:lvl8pPr>
+            <a:lvl9pPr marL="3886200" indent="-228600" algn="l" defTabSz="914400" rtl="0" eaLnBrk="1" latinLnBrk="0" hangingPunct="1">
+              <a:lnSpc>
+                <a:spcPct val="90000"/>
+              </a:lnSpc>
+              <a:spcBef>
+                <a:spcPts val="500"/>
+              </a:spcBef>
+              <a:buFont typeface="Arial" panose="020B0604020202020204" pitchFamily="34" charset="0"/>
+              <a:buChar char="•"/>
+              <a:defRPr sz="1800" kern="1200">
+                <a:solidFill>
+                  <a:schemeClr val="tx1"/>
+                </a:solidFill>
+                <a:latin typeface="+mn-lt"/>
+                <a:ea typeface="+mn-ea"/>
+                <a:cs typeface="+mn-cs"/>
+              </a:defRPr>
+            </a:lvl9pPr>
+          </a:lstStyle>
+          <a:p>
+            <a:r>
+              <a:rPr lang="en-US" sz="1800" dirty="0"/>
+              <a:t>Besides linkage disequilibrium, SNP density is also central in GWAS </a:t>
+            </a:r>
+            <a:r>
+              <a:rPr lang="en-US" sz="1800" dirty="0">
+                <a:sym typeface="Wingdings" panose="05000000000000000000" pitchFamily="2" charset="2"/>
+              </a:rPr>
+              <a:t> </a:t>
+            </a:r>
+            <a:r>
+              <a:rPr lang="en-US" sz="1800" b="1" dirty="0">
+                <a:sym typeface="Wingdings" panose="05000000000000000000" pitchFamily="2" charset="2"/>
+              </a:rPr>
+              <a:t>the more SNPs covering the whole genome, the better the chance to find the causal genes.</a:t>
+            </a:r>
+            <a:endParaRPr lang="en-US" sz="1800" b="1" dirty="0"/>
+          </a:p>
+          <a:p>
+            <a:endParaRPr lang="en-US" sz="1800" dirty="0"/>
+          </a:p>
+        </p:txBody>
+      </p:sp>
+      <p:pic>
+        <p:nvPicPr>
+          <p:cNvPr id="11" name="Picture 10">
+            <a:extLst>
+              <a:ext uri="{FF2B5EF4-FFF2-40B4-BE49-F238E27FC236}">
+                <a16:creationId xmlns:a16="http://schemas.microsoft.com/office/drawing/2014/main" id="{23F74ABA-0E6D-4971-A24B-A29A4E809209}"/>
+              </a:ext>
+            </a:extLst>
+          </p:cNvPr>
+          <p:cNvPicPr>
+            <a:picLocks noChangeAspect="1"/>
+          </p:cNvPicPr>
+          <p:nvPr/>
+        </p:nvPicPr>
+        <p:blipFill rotWithShape="1">
+          <a:blip r:embed="rId3"/>
+          <a:srcRect l="15973"/>
+          <a:stretch/>
+        </p:blipFill>
+        <p:spPr>
+          <a:xfrm>
+            <a:off x="8167587" y="1667840"/>
+            <a:ext cx="3735420" cy="2373467"/>
+          </a:xfrm>
+          <a:prstGeom prst="rect">
+            <a:avLst/>
+          </a:prstGeom>
+        </p:spPr>
+      </p:pic>
     </p:spTree>
     <p:extLst>
       <p:ext uri="{BB962C8B-B14F-4D97-AF65-F5344CB8AC3E}">
-        <p14:creationId xmlns:p14="http://schemas.microsoft.com/office/powerpoint/2010/main" val="1687763498"/>
+        <p14:creationId xmlns:p14="http://schemas.microsoft.com/office/powerpoint/2010/main" val="3404141735"/>
       </p:ext>
     </p:extLst>
   </p:cSld>
@@ -14316,7 +17374,1622 @@
 </p:sld>
 </file>
 
-<file path=ppt/slides/slide16.xml><?xml version="1.0" encoding="utf-8"?>
+<file path=ppt/slides/slide17.xml><?xml version="1.0" encoding="utf-8"?>
+<p:sld xmlns:a="http://schemas.openxmlformats.org/drawingml/2006/main" xmlns:r="http://schemas.openxmlformats.org/officeDocument/2006/relationships" xmlns:p="http://schemas.openxmlformats.org/presentationml/2006/main">
+  <p:cSld>
+    <p:spTree>
+      <p:nvGrpSpPr>
+        <p:cNvPr id="1" name=""/>
+        <p:cNvGrpSpPr/>
+        <p:nvPr/>
+      </p:nvGrpSpPr>
+      <p:grpSpPr>
+        <a:xfrm>
+          <a:off x="0" y="0"/>
+          <a:ext cx="0" cy="0"/>
+          <a:chOff x="0" y="0"/>
+          <a:chExt cx="0" cy="0"/>
+        </a:xfrm>
+      </p:grpSpPr>
+      <p:sp>
+        <p:nvSpPr>
+          <p:cNvPr id="3" name="Content Placeholder 2">
+            <a:extLst>
+              <a:ext uri="{FF2B5EF4-FFF2-40B4-BE49-F238E27FC236}">
+                <a16:creationId xmlns:a16="http://schemas.microsoft.com/office/drawing/2014/main" id="{3A6F2681-48B1-4506-B413-A485A46E62AB}"/>
+              </a:ext>
+            </a:extLst>
+          </p:cNvPr>
+          <p:cNvSpPr>
+            <a:spLocks noGrp="1"/>
+          </p:cNvSpPr>
+          <p:nvPr>
+            <p:ph idx="1"/>
+          </p:nvPr>
+        </p:nvSpPr>
+        <p:spPr/>
+        <p:txBody>
+          <a:bodyPr>
+            <a:normAutofit/>
+          </a:bodyPr>
+          <a:lstStyle/>
+          <a:p>
+            <a:r>
+              <a:rPr lang="fr-FR" sz="2000" dirty="0" err="1"/>
+              <a:t>Phenotype</a:t>
+            </a:r>
+            <a:r>
+              <a:rPr lang="fr-FR" sz="2000" dirty="0"/>
+              <a:t> </a:t>
+            </a:r>
+            <a:r>
+              <a:rPr lang="fr-FR" sz="2000" dirty="0" err="1"/>
+              <a:t>variability</a:t>
+            </a:r>
+            <a:r>
+              <a:rPr lang="fr-FR" sz="2000" dirty="0"/>
+              <a:t> can </a:t>
+            </a:r>
+            <a:r>
+              <a:rPr lang="fr-FR" sz="2000" dirty="0" err="1"/>
+              <a:t>be</a:t>
+            </a:r>
+            <a:r>
+              <a:rPr lang="fr-FR" sz="2000" dirty="0"/>
+              <a:t> due to </a:t>
+            </a:r>
+            <a:r>
+              <a:rPr lang="fr-FR" sz="2000" i="1" dirty="0" err="1"/>
+              <a:t>relationship</a:t>
+            </a:r>
+            <a:r>
+              <a:rPr lang="fr-FR" sz="2000" i="1" dirty="0"/>
+              <a:t> </a:t>
+            </a:r>
+            <a:r>
+              <a:rPr lang="fr-FR" sz="2000" i="1" dirty="0" err="1"/>
+              <a:t>between</a:t>
+            </a:r>
+            <a:r>
+              <a:rPr lang="fr-FR" sz="2000" i="1" dirty="0"/>
+              <a:t> </a:t>
+            </a:r>
+            <a:r>
+              <a:rPr lang="fr-FR" sz="2000" i="1" dirty="0" err="1"/>
+              <a:t>individuals</a:t>
+            </a:r>
+            <a:r>
+              <a:rPr lang="fr-FR" sz="2000" i="1" dirty="0"/>
+              <a:t> </a:t>
+            </a:r>
+            <a:r>
+              <a:rPr lang="fr-FR" sz="2000" dirty="0"/>
+              <a:t>and </a:t>
+            </a:r>
+            <a:r>
+              <a:rPr lang="fr-FR" sz="2000" i="1" dirty="0" err="1"/>
+              <a:t>geographical</a:t>
+            </a:r>
+            <a:r>
+              <a:rPr lang="fr-FR" sz="2000" i="1" dirty="0"/>
+              <a:t> </a:t>
+            </a:r>
+            <a:r>
+              <a:rPr lang="fr-FR" sz="2000" i="1" dirty="0" err="1"/>
+              <a:t>origins</a:t>
+            </a:r>
+            <a:r>
+              <a:rPr lang="fr-FR" sz="2000" i="1" dirty="0"/>
+              <a:t> of the </a:t>
+            </a:r>
+            <a:r>
+              <a:rPr lang="fr-FR" sz="2000" i="1" dirty="0" err="1"/>
+              <a:t>individuals</a:t>
+            </a:r>
+            <a:endParaRPr lang="fr-FR" sz="2000" i="1" dirty="0"/>
+          </a:p>
+          <a:p>
+            <a:pPr lvl="1"/>
+            <a:r>
+              <a:rPr lang="fr-FR" sz="1600" dirty="0" err="1"/>
+              <a:t>Individuals</a:t>
+            </a:r>
+            <a:r>
+              <a:rPr lang="fr-FR" sz="1600" dirty="0"/>
+              <a:t> </a:t>
+            </a:r>
+            <a:r>
+              <a:rPr lang="fr-FR" sz="1600" dirty="0" err="1"/>
+              <a:t>that</a:t>
+            </a:r>
+            <a:r>
+              <a:rPr lang="fr-FR" sz="1600" dirty="0"/>
+              <a:t> are </a:t>
+            </a:r>
+            <a:r>
+              <a:rPr lang="fr-FR" sz="1600" dirty="0" err="1"/>
+              <a:t>related</a:t>
+            </a:r>
+            <a:r>
+              <a:rPr lang="fr-FR" sz="1600" dirty="0"/>
+              <a:t> to </a:t>
+            </a:r>
+            <a:r>
+              <a:rPr lang="fr-FR" sz="1600" dirty="0" err="1"/>
+              <a:t>each</a:t>
+            </a:r>
+            <a:r>
+              <a:rPr lang="fr-FR" sz="1600" dirty="0"/>
+              <a:t> </a:t>
+            </a:r>
+            <a:r>
+              <a:rPr lang="fr-FR" sz="1600" dirty="0" err="1"/>
+              <a:t>other</a:t>
+            </a:r>
+            <a:r>
+              <a:rPr lang="fr-FR" sz="1600" dirty="0"/>
+              <a:t> tend to have </a:t>
+            </a:r>
+            <a:r>
+              <a:rPr lang="fr-FR" sz="1600" dirty="0" err="1"/>
+              <a:t>similar</a:t>
+            </a:r>
+            <a:r>
+              <a:rPr lang="fr-FR" sz="1600" dirty="0"/>
+              <a:t> </a:t>
+            </a:r>
+            <a:r>
+              <a:rPr lang="fr-FR" sz="1600" dirty="0" err="1"/>
+              <a:t>phenotype</a:t>
+            </a:r>
+            <a:r>
+              <a:rPr lang="fr-FR" sz="1600" dirty="0"/>
+              <a:t> </a:t>
+            </a:r>
+            <a:r>
+              <a:rPr lang="fr-FR" sz="1600" dirty="0" err="1"/>
+              <a:t>variability</a:t>
+            </a:r>
+            <a:r>
+              <a:rPr lang="fr-FR" sz="1600" dirty="0"/>
+              <a:t>.</a:t>
+            </a:r>
+          </a:p>
+          <a:p>
+            <a:pPr lvl="1"/>
+            <a:r>
+              <a:rPr lang="fr-FR" sz="1600" dirty="0" err="1"/>
+              <a:t>Individuals</a:t>
+            </a:r>
+            <a:r>
+              <a:rPr lang="fr-FR" sz="1600" dirty="0"/>
+              <a:t> </a:t>
+            </a:r>
+            <a:r>
+              <a:rPr lang="fr-FR" sz="1600" dirty="0" err="1"/>
+              <a:t>that</a:t>
+            </a:r>
+            <a:r>
+              <a:rPr lang="fr-FR" sz="1600" dirty="0"/>
+              <a:t> are </a:t>
+            </a:r>
+            <a:r>
+              <a:rPr lang="fr-FR" sz="1600" dirty="0" err="1"/>
+              <a:t>coming</a:t>
+            </a:r>
+            <a:r>
+              <a:rPr lang="fr-FR" sz="1600" dirty="0"/>
+              <a:t> </a:t>
+            </a:r>
+            <a:r>
+              <a:rPr lang="fr-FR" sz="1600" dirty="0" err="1"/>
+              <a:t>from</a:t>
+            </a:r>
+            <a:r>
+              <a:rPr lang="fr-FR" sz="1600" dirty="0"/>
+              <a:t> the </a:t>
+            </a:r>
+            <a:r>
+              <a:rPr lang="fr-FR" sz="1600" dirty="0" err="1"/>
+              <a:t>same</a:t>
+            </a:r>
+            <a:r>
+              <a:rPr lang="fr-FR" sz="1600" dirty="0"/>
+              <a:t> </a:t>
+            </a:r>
+            <a:r>
+              <a:rPr lang="fr-FR" sz="1600" dirty="0" err="1"/>
+              <a:t>geographical</a:t>
+            </a:r>
+            <a:r>
+              <a:rPr lang="fr-FR" sz="1600" dirty="0"/>
+              <a:t> </a:t>
+            </a:r>
+            <a:r>
+              <a:rPr lang="fr-FR" sz="1600" dirty="0" err="1"/>
+              <a:t>origins</a:t>
+            </a:r>
+            <a:r>
+              <a:rPr lang="fr-FR" sz="1600" dirty="0"/>
+              <a:t> </a:t>
+            </a:r>
+            <a:r>
+              <a:rPr lang="fr-FR" sz="1600" dirty="0" err="1"/>
+              <a:t>also</a:t>
+            </a:r>
+            <a:r>
+              <a:rPr lang="fr-FR" sz="1600" dirty="0"/>
+              <a:t> tend to have </a:t>
+            </a:r>
+            <a:r>
+              <a:rPr lang="fr-FR" sz="1600" dirty="0" err="1"/>
+              <a:t>similar</a:t>
+            </a:r>
+            <a:r>
+              <a:rPr lang="fr-FR" sz="1600" dirty="0"/>
+              <a:t> </a:t>
+            </a:r>
+            <a:r>
+              <a:rPr lang="fr-FR" sz="1600" dirty="0" err="1"/>
+              <a:t>phenotype</a:t>
+            </a:r>
+            <a:r>
+              <a:rPr lang="fr-FR" sz="1600" dirty="0"/>
+              <a:t> </a:t>
+            </a:r>
+            <a:r>
+              <a:rPr lang="fr-FR" sz="1600" dirty="0" err="1"/>
+              <a:t>variability</a:t>
+            </a:r>
+            <a:r>
+              <a:rPr lang="fr-FR" sz="1600" dirty="0"/>
+              <a:t>.</a:t>
+            </a:r>
+          </a:p>
+          <a:p>
+            <a:r>
+              <a:rPr lang="fr-FR" sz="2000" dirty="0" err="1"/>
+              <a:t>We</a:t>
+            </a:r>
+            <a:r>
+              <a:rPr lang="fr-FR" sz="2000" dirty="0"/>
+              <a:t> </a:t>
+            </a:r>
+            <a:r>
+              <a:rPr lang="fr-FR" sz="2000" dirty="0" err="1"/>
+              <a:t>want</a:t>
+            </a:r>
+            <a:r>
+              <a:rPr lang="fr-FR" sz="2000" dirty="0"/>
+              <a:t> to </a:t>
+            </a:r>
+            <a:r>
+              <a:rPr lang="fr-FR" sz="2000" dirty="0" err="1"/>
+              <a:t>eliminate</a:t>
+            </a:r>
+            <a:r>
+              <a:rPr lang="fr-FR" sz="2000" dirty="0"/>
+              <a:t> </a:t>
+            </a:r>
+            <a:r>
+              <a:rPr lang="fr-FR" sz="2000" dirty="0" err="1"/>
+              <a:t>these</a:t>
+            </a:r>
+            <a:r>
+              <a:rPr lang="fr-FR" sz="2000" dirty="0"/>
+              <a:t> </a:t>
+            </a:r>
+            <a:r>
+              <a:rPr lang="fr-FR" sz="2000" dirty="0" err="1"/>
+              <a:t>factors</a:t>
+            </a:r>
+            <a:r>
+              <a:rPr lang="fr-FR" sz="2000" dirty="0"/>
+              <a:t> </a:t>
+            </a:r>
+            <a:r>
+              <a:rPr lang="fr-FR" sz="2000" dirty="0" err="1"/>
+              <a:t>because</a:t>
+            </a:r>
+            <a:r>
+              <a:rPr lang="fr-FR" sz="2000" dirty="0"/>
+              <a:t> </a:t>
+            </a:r>
+            <a:r>
+              <a:rPr lang="fr-FR" sz="2000" dirty="0" err="1"/>
+              <a:t>even</a:t>
+            </a:r>
+            <a:r>
+              <a:rPr lang="fr-FR" sz="2000" dirty="0"/>
+              <a:t> </a:t>
+            </a:r>
+            <a:r>
+              <a:rPr lang="fr-FR" sz="2000" dirty="0" err="1"/>
+              <a:t>though</a:t>
+            </a:r>
+            <a:r>
+              <a:rPr lang="fr-FR" sz="2000" dirty="0"/>
+              <a:t> </a:t>
+            </a:r>
+            <a:r>
+              <a:rPr lang="fr-FR" sz="2000" dirty="0" err="1"/>
+              <a:t>they</a:t>
+            </a:r>
+            <a:r>
+              <a:rPr lang="fr-FR" sz="2000" dirty="0"/>
+              <a:t> </a:t>
+            </a:r>
+            <a:r>
+              <a:rPr lang="fr-FR" sz="2000" dirty="0" err="1"/>
+              <a:t>contribute</a:t>
+            </a:r>
+            <a:r>
+              <a:rPr lang="fr-FR" sz="2000" dirty="0"/>
+              <a:t> to association, </a:t>
+            </a:r>
+            <a:r>
+              <a:rPr lang="fr-FR" sz="2000" dirty="0" err="1"/>
+              <a:t>they</a:t>
+            </a:r>
+            <a:r>
+              <a:rPr lang="fr-FR" sz="2000" dirty="0"/>
+              <a:t> are not the </a:t>
+            </a:r>
+            <a:r>
+              <a:rPr lang="fr-FR" sz="2000" dirty="0" err="1"/>
+              <a:t>factors</a:t>
+            </a:r>
+            <a:r>
+              <a:rPr lang="fr-FR" sz="2000" dirty="0"/>
+              <a:t> </a:t>
+            </a:r>
+            <a:r>
+              <a:rPr lang="fr-FR" sz="2000" dirty="0" err="1"/>
+              <a:t>we</a:t>
+            </a:r>
+            <a:r>
+              <a:rPr lang="fr-FR" sz="2000" dirty="0"/>
+              <a:t> </a:t>
+            </a:r>
+            <a:r>
+              <a:rPr lang="fr-FR" sz="2000" dirty="0" err="1"/>
+              <a:t>want</a:t>
+            </a:r>
+            <a:r>
+              <a:rPr lang="fr-FR" sz="2000" dirty="0"/>
+              <a:t> to </a:t>
+            </a:r>
+            <a:r>
+              <a:rPr lang="fr-FR" sz="2000" dirty="0" err="1"/>
+              <a:t>consider</a:t>
+            </a:r>
+            <a:r>
+              <a:rPr lang="fr-FR" sz="2000" dirty="0"/>
+              <a:t>. </a:t>
+            </a:r>
+          </a:p>
+          <a:p>
+            <a:r>
+              <a:rPr lang="fr-FR" sz="2000" dirty="0" err="1"/>
+              <a:t>We</a:t>
+            </a:r>
+            <a:r>
+              <a:rPr lang="fr-FR" sz="2000" dirty="0"/>
+              <a:t> </a:t>
+            </a:r>
+            <a:r>
+              <a:rPr lang="fr-FR" sz="2000" dirty="0" err="1"/>
+              <a:t>want</a:t>
+            </a:r>
+            <a:r>
+              <a:rPr lang="fr-FR" sz="2000" dirty="0"/>
+              <a:t> to </a:t>
+            </a:r>
+            <a:r>
+              <a:rPr lang="fr-FR" sz="2000" dirty="0" err="1"/>
+              <a:t>consider</a:t>
+            </a:r>
+            <a:r>
+              <a:rPr lang="fr-FR" sz="2000" dirty="0"/>
+              <a:t> the </a:t>
+            </a:r>
+            <a:r>
+              <a:rPr lang="fr-FR" sz="2000" dirty="0" err="1"/>
+              <a:t>genetic</a:t>
+            </a:r>
+            <a:r>
+              <a:rPr lang="fr-FR" sz="2000" dirty="0"/>
+              <a:t> control of </a:t>
+            </a:r>
+            <a:r>
+              <a:rPr lang="fr-FR" sz="2000" dirty="0" err="1"/>
+              <a:t>this</a:t>
+            </a:r>
+            <a:r>
+              <a:rPr lang="fr-FR" sz="2000" dirty="0"/>
+              <a:t> </a:t>
+            </a:r>
+            <a:r>
+              <a:rPr lang="fr-FR" sz="2000" dirty="0" err="1"/>
+              <a:t>variability</a:t>
+            </a:r>
+            <a:r>
+              <a:rPr lang="fr-FR" sz="2000" dirty="0"/>
+              <a:t>.</a:t>
+            </a:r>
+          </a:p>
+          <a:p>
+            <a:r>
+              <a:rPr lang="en-GB" sz="2000" dirty="0"/>
+              <a:t>There is a correction method for these factors.</a:t>
+            </a:r>
+          </a:p>
+        </p:txBody>
+      </p:sp>
+      <p:sp>
+        <p:nvSpPr>
+          <p:cNvPr id="4" name="Title 1">
+            <a:extLst>
+              <a:ext uri="{FF2B5EF4-FFF2-40B4-BE49-F238E27FC236}">
+                <a16:creationId xmlns:a16="http://schemas.microsoft.com/office/drawing/2014/main" id="{828D2EF1-902A-4BA0-99E3-F3DC3B315F43}"/>
+              </a:ext>
+            </a:extLst>
+          </p:cNvPr>
+          <p:cNvSpPr txBox="1">
+            <a:spLocks/>
+          </p:cNvSpPr>
+          <p:nvPr/>
+        </p:nvSpPr>
+        <p:spPr>
+          <a:xfrm>
+            <a:off x="838200" y="365126"/>
+            <a:ext cx="10515600" cy="629662"/>
+          </a:xfrm>
+          <a:prstGeom prst="rect">
+            <a:avLst/>
+          </a:prstGeom>
+        </p:spPr>
+        <p:txBody>
+          <a:bodyPr vert="horz" lIns="91440" tIns="45720" rIns="91440" bIns="45720" rtlCol="0" anchor="ctr">
+            <a:normAutofit/>
+          </a:bodyPr>
+          <a:lstStyle>
+            <a:lvl1pPr algn="l" defTabSz="914400" rtl="0" eaLnBrk="1" latinLnBrk="0" hangingPunct="1">
+              <a:lnSpc>
+                <a:spcPct val="90000"/>
+              </a:lnSpc>
+              <a:spcBef>
+                <a:spcPct val="0"/>
+              </a:spcBef>
+              <a:buNone/>
+              <a:defRPr sz="4400" kern="1200">
+                <a:solidFill>
+                  <a:schemeClr val="tx1"/>
+                </a:solidFill>
+                <a:latin typeface="+mj-lt"/>
+                <a:ea typeface="+mj-ea"/>
+                <a:cs typeface="+mj-cs"/>
+              </a:defRPr>
+            </a:lvl1pPr>
+          </a:lstStyle>
+          <a:p>
+            <a:r>
+              <a:rPr lang="fr-FR" sz="2800" b="1" dirty="0">
+                <a:latin typeface="+mn-lt"/>
+              </a:rPr>
+              <a:t>Data </a:t>
+            </a:r>
+            <a:r>
+              <a:rPr lang="fr-FR" sz="2800" b="1" dirty="0" err="1">
+                <a:latin typeface="+mn-lt"/>
+              </a:rPr>
+              <a:t>analysis</a:t>
+            </a:r>
+            <a:r>
+              <a:rPr lang="fr-FR" sz="2800" b="1" dirty="0">
+                <a:latin typeface="+mn-lt"/>
+              </a:rPr>
+              <a:t>: </a:t>
+            </a:r>
+            <a:r>
+              <a:rPr lang="fr-FR" sz="2800" b="1" dirty="0" err="1">
+                <a:latin typeface="+mn-lt"/>
+              </a:rPr>
+              <a:t>Bias</a:t>
+            </a:r>
+            <a:r>
+              <a:rPr lang="fr-FR" sz="2800" b="1" dirty="0">
+                <a:latin typeface="+mn-lt"/>
+              </a:rPr>
+              <a:t> correction</a:t>
+            </a:r>
+            <a:endParaRPr lang="en-GB" sz="2800" dirty="0">
+              <a:latin typeface="+mn-lt"/>
+            </a:endParaRPr>
+          </a:p>
+        </p:txBody>
+      </p:sp>
+      <p:sp>
+        <p:nvSpPr>
+          <p:cNvPr id="5" name="Rectangle 4">
+            <a:extLst>
+              <a:ext uri="{FF2B5EF4-FFF2-40B4-BE49-F238E27FC236}">
+                <a16:creationId xmlns:a16="http://schemas.microsoft.com/office/drawing/2014/main" id="{E52D5F69-673F-4898-95BA-9F1FF2C6BDD8}"/>
+              </a:ext>
+            </a:extLst>
+          </p:cNvPr>
+          <p:cNvSpPr/>
+          <p:nvPr/>
+        </p:nvSpPr>
+        <p:spPr>
+          <a:xfrm>
+            <a:off x="838200" y="994788"/>
+            <a:ext cx="5925178" cy="170822"/>
+          </a:xfrm>
+          <a:prstGeom prst="rect">
+            <a:avLst/>
+          </a:prstGeom>
+          <a:ln>
+            <a:noFill/>
+          </a:ln>
+        </p:spPr>
+        <p:style>
+          <a:lnRef idx="2">
+            <a:schemeClr val="accent2">
+              <a:shade val="50000"/>
+            </a:schemeClr>
+          </a:lnRef>
+          <a:fillRef idx="1">
+            <a:schemeClr val="accent2"/>
+          </a:fillRef>
+          <a:effectRef idx="0">
+            <a:schemeClr val="accent2"/>
+          </a:effectRef>
+          <a:fontRef idx="minor">
+            <a:schemeClr val="lt1"/>
+          </a:fontRef>
+        </p:style>
+        <p:txBody>
+          <a:bodyPr rtlCol="0" anchor="ctr"/>
+          <a:lstStyle/>
+          <a:p>
+            <a:pPr algn="ctr"/>
+            <a:endParaRPr lang="en-GB"/>
+          </a:p>
+        </p:txBody>
+      </p:sp>
+    </p:spTree>
+    <p:extLst>
+      <p:ext uri="{BB962C8B-B14F-4D97-AF65-F5344CB8AC3E}">
+        <p14:creationId xmlns:p14="http://schemas.microsoft.com/office/powerpoint/2010/main" val="2032119485"/>
+      </p:ext>
+    </p:extLst>
+  </p:cSld>
+  <p:clrMapOvr>
+    <a:masterClrMapping/>
+  </p:clrMapOvr>
+</p:sld>
+</file>
+
+<file path=ppt/slides/slide18.xml><?xml version="1.0" encoding="utf-8"?>
+<p:sld xmlns:a="http://schemas.openxmlformats.org/drawingml/2006/main" xmlns:r="http://schemas.openxmlformats.org/officeDocument/2006/relationships" xmlns:p="http://schemas.openxmlformats.org/presentationml/2006/main">
+  <p:cSld>
+    <p:spTree>
+      <p:nvGrpSpPr>
+        <p:cNvPr id="1" name=""/>
+        <p:cNvGrpSpPr/>
+        <p:nvPr/>
+      </p:nvGrpSpPr>
+      <p:grpSpPr>
+        <a:xfrm>
+          <a:off x="0" y="0"/>
+          <a:ext cx="0" cy="0"/>
+          <a:chOff x="0" y="0"/>
+          <a:chExt cx="0" cy="0"/>
+        </a:xfrm>
+      </p:grpSpPr>
+      <p:sp>
+        <p:nvSpPr>
+          <p:cNvPr id="3" name="Content Placeholder 2">
+            <a:extLst>
+              <a:ext uri="{FF2B5EF4-FFF2-40B4-BE49-F238E27FC236}">
+                <a16:creationId xmlns:a16="http://schemas.microsoft.com/office/drawing/2014/main" id="{3A6F2681-48B1-4506-B413-A485A46E62AB}"/>
+              </a:ext>
+            </a:extLst>
+          </p:cNvPr>
+          <p:cNvSpPr>
+            <a:spLocks noGrp="1"/>
+          </p:cNvSpPr>
+          <p:nvPr>
+            <p:ph idx="1"/>
+          </p:nvPr>
+        </p:nvSpPr>
+        <p:spPr/>
+        <p:txBody>
+          <a:bodyPr>
+            <a:normAutofit/>
+          </a:bodyPr>
+          <a:lstStyle/>
+          <a:p>
+            <a:r>
+              <a:rPr lang="fr-FR" sz="2000" dirty="0" err="1"/>
+              <a:t>Complex</a:t>
+            </a:r>
+            <a:r>
+              <a:rPr lang="fr-FR" sz="2000" dirty="0"/>
+              <a:t> traits are not </a:t>
+            </a:r>
+            <a:r>
+              <a:rPr lang="fr-FR" sz="2000" dirty="0" err="1"/>
+              <a:t>only</a:t>
+            </a:r>
+            <a:r>
+              <a:rPr lang="fr-FR" sz="2000" dirty="0"/>
+              <a:t> </a:t>
+            </a:r>
+            <a:r>
+              <a:rPr lang="fr-FR" sz="2000" dirty="0" err="1"/>
+              <a:t>controlled</a:t>
+            </a:r>
+            <a:r>
+              <a:rPr lang="fr-FR" sz="2000" dirty="0"/>
+              <a:t> by </a:t>
+            </a:r>
+            <a:r>
+              <a:rPr lang="fr-FR" sz="2000" dirty="0" err="1"/>
+              <a:t>genotype</a:t>
+            </a:r>
+            <a:r>
+              <a:rPr lang="fr-FR" sz="2000" dirty="0"/>
+              <a:t> but </a:t>
+            </a:r>
+            <a:r>
+              <a:rPr lang="fr-FR" sz="2000" dirty="0" err="1"/>
+              <a:t>also</a:t>
+            </a:r>
+            <a:r>
+              <a:rPr lang="fr-FR" sz="2000" dirty="0"/>
+              <a:t> by interaction </a:t>
+            </a:r>
+            <a:r>
+              <a:rPr lang="fr-FR" sz="2000" dirty="0" err="1"/>
+              <a:t>between</a:t>
+            </a:r>
+            <a:r>
+              <a:rPr lang="fr-FR" sz="2000" dirty="0"/>
+              <a:t> </a:t>
+            </a:r>
+            <a:r>
+              <a:rPr lang="fr-FR" sz="2000" dirty="0" err="1"/>
+              <a:t>genotype</a:t>
+            </a:r>
+            <a:r>
+              <a:rPr lang="fr-FR" sz="2000" dirty="0"/>
+              <a:t> and </a:t>
+            </a:r>
+            <a:r>
+              <a:rPr lang="fr-FR" sz="2000" dirty="0" err="1"/>
+              <a:t>environment</a:t>
+            </a:r>
+            <a:endParaRPr lang="fr-FR" sz="2000" dirty="0"/>
+          </a:p>
+          <a:p>
+            <a:r>
+              <a:rPr lang="fr-FR" sz="2000" dirty="0" err="1"/>
+              <a:t>Different</a:t>
+            </a:r>
+            <a:r>
+              <a:rPr lang="fr-FR" sz="2000" dirty="0"/>
+              <a:t> </a:t>
+            </a:r>
+            <a:r>
+              <a:rPr lang="fr-FR" sz="2000" dirty="0" err="1"/>
+              <a:t>environment</a:t>
+            </a:r>
+            <a:r>
+              <a:rPr lang="fr-FR" sz="2000" dirty="0"/>
+              <a:t> </a:t>
+            </a:r>
+            <a:r>
+              <a:rPr lang="fr-FR" sz="2000" dirty="0">
+                <a:sym typeface="Wingdings" panose="05000000000000000000" pitchFamily="2" charset="2"/>
+              </a:rPr>
+              <a:t> </a:t>
+            </a:r>
+            <a:r>
+              <a:rPr lang="fr-FR" sz="2000" dirty="0" err="1">
+                <a:sym typeface="Wingdings" panose="05000000000000000000" pitchFamily="2" charset="2"/>
+              </a:rPr>
+              <a:t>different</a:t>
+            </a:r>
+            <a:r>
+              <a:rPr lang="fr-FR" sz="2000" dirty="0">
+                <a:sym typeface="Wingdings" panose="05000000000000000000" pitchFamily="2" charset="2"/>
+              </a:rPr>
+              <a:t> </a:t>
+            </a:r>
+            <a:r>
+              <a:rPr lang="fr-FR" sz="2000" dirty="0" err="1">
+                <a:sym typeface="Wingdings" panose="05000000000000000000" pitchFamily="2" charset="2"/>
+              </a:rPr>
+              <a:t>genes</a:t>
+            </a:r>
+            <a:r>
+              <a:rPr lang="fr-FR" sz="2000" dirty="0">
+                <a:sym typeface="Wingdings" panose="05000000000000000000" pitchFamily="2" charset="2"/>
+              </a:rPr>
+              <a:t> </a:t>
+            </a:r>
+            <a:r>
+              <a:rPr lang="fr-FR" sz="2000" dirty="0" err="1">
+                <a:sym typeface="Wingdings" panose="05000000000000000000" pitchFamily="2" charset="2"/>
+              </a:rPr>
+              <a:t>that</a:t>
+            </a:r>
+            <a:r>
+              <a:rPr lang="fr-FR" sz="2000" dirty="0">
+                <a:sym typeface="Wingdings" panose="05000000000000000000" pitchFamily="2" charset="2"/>
+              </a:rPr>
+              <a:t> are </a:t>
+            </a:r>
+            <a:r>
+              <a:rPr lang="fr-FR" sz="2000" dirty="0" err="1">
+                <a:sym typeface="Wingdings" panose="05000000000000000000" pitchFamily="2" charset="2"/>
+              </a:rPr>
+              <a:t>associated</a:t>
+            </a:r>
+            <a:r>
+              <a:rPr lang="fr-FR" sz="2000" dirty="0">
+                <a:sym typeface="Wingdings" panose="05000000000000000000" pitchFamily="2" charset="2"/>
+              </a:rPr>
+              <a:t> </a:t>
+            </a:r>
+            <a:r>
+              <a:rPr lang="fr-FR" sz="2000" dirty="0" err="1">
+                <a:sym typeface="Wingdings" panose="05000000000000000000" pitchFamily="2" charset="2"/>
+              </a:rPr>
+              <a:t>with</a:t>
+            </a:r>
+            <a:r>
+              <a:rPr lang="fr-FR" sz="2000" dirty="0">
+                <a:sym typeface="Wingdings" panose="05000000000000000000" pitchFamily="2" charset="2"/>
+              </a:rPr>
+              <a:t> the </a:t>
+            </a:r>
+            <a:r>
+              <a:rPr lang="fr-FR" sz="2000" dirty="0" err="1">
+                <a:sym typeface="Wingdings" panose="05000000000000000000" pitchFamily="2" charset="2"/>
+              </a:rPr>
+              <a:t>phenotype</a:t>
+            </a:r>
+            <a:endParaRPr lang="en-GB" sz="2000" dirty="0">
+              <a:sym typeface="Wingdings" panose="05000000000000000000" pitchFamily="2" charset="2"/>
+            </a:endParaRPr>
+          </a:p>
+          <a:p>
+            <a:r>
+              <a:rPr lang="en-GB" sz="2000" dirty="0">
+                <a:sym typeface="Wingdings" panose="05000000000000000000" pitchFamily="2" charset="2"/>
+              </a:rPr>
+              <a:t>In GWAS, you can factor the environment effects by sampling individuals from many locations</a:t>
+            </a:r>
+          </a:p>
+          <a:p>
+            <a:r>
+              <a:rPr lang="fr-FR" sz="2000" dirty="0">
+                <a:sym typeface="Wingdings" panose="05000000000000000000" pitchFamily="2" charset="2"/>
+              </a:rPr>
+              <a:t>It </a:t>
+            </a:r>
+            <a:r>
+              <a:rPr lang="fr-FR" sz="2000" dirty="0" err="1">
+                <a:sym typeface="Wingdings" panose="05000000000000000000" pitchFamily="2" charset="2"/>
+              </a:rPr>
+              <a:t>will</a:t>
+            </a:r>
+            <a:r>
+              <a:rPr lang="fr-FR" sz="2000" dirty="0">
+                <a:sym typeface="Wingdings" panose="05000000000000000000" pitchFamily="2" charset="2"/>
+              </a:rPr>
+              <a:t> </a:t>
+            </a:r>
+            <a:r>
+              <a:rPr lang="fr-FR" sz="2000" dirty="0" err="1">
+                <a:sym typeface="Wingdings" panose="05000000000000000000" pitchFamily="2" charset="2"/>
+              </a:rPr>
+              <a:t>allow</a:t>
+            </a:r>
+            <a:r>
+              <a:rPr lang="fr-FR" sz="2000" dirty="0">
+                <a:sym typeface="Wingdings" panose="05000000000000000000" pitchFamily="2" charset="2"/>
+              </a:rPr>
+              <a:t> </a:t>
+            </a:r>
+            <a:r>
+              <a:rPr lang="fr-FR" sz="2000" dirty="0" err="1">
+                <a:sym typeface="Wingdings" panose="05000000000000000000" pitchFamily="2" charset="2"/>
+              </a:rPr>
+              <a:t>you</a:t>
+            </a:r>
+            <a:r>
+              <a:rPr lang="fr-FR" sz="2000" dirty="0">
+                <a:sym typeface="Wingdings" panose="05000000000000000000" pitchFamily="2" charset="2"/>
+              </a:rPr>
+              <a:t> to </a:t>
+            </a:r>
+            <a:r>
+              <a:rPr lang="fr-FR" sz="2000" dirty="0" err="1">
+                <a:sym typeface="Wingdings" panose="05000000000000000000" pitchFamily="2" charset="2"/>
+              </a:rPr>
+              <a:t>get</a:t>
+            </a:r>
+            <a:r>
+              <a:rPr lang="fr-FR" sz="2000" dirty="0">
+                <a:sym typeface="Wingdings" panose="05000000000000000000" pitchFamily="2" charset="2"/>
+              </a:rPr>
+              <a:t> consistent candidate </a:t>
+            </a:r>
+            <a:r>
+              <a:rPr lang="fr-FR" sz="2000" dirty="0" err="1">
+                <a:sym typeface="Wingdings" panose="05000000000000000000" pitchFamily="2" charset="2"/>
+              </a:rPr>
+              <a:t>genes</a:t>
+            </a:r>
+            <a:r>
+              <a:rPr lang="fr-FR" sz="2000" dirty="0">
+                <a:sym typeface="Wingdings" panose="05000000000000000000" pitchFamily="2" charset="2"/>
+              </a:rPr>
+              <a:t> </a:t>
+            </a:r>
+            <a:r>
+              <a:rPr lang="fr-FR" sz="2000" dirty="0" err="1">
+                <a:sym typeface="Wingdings" panose="05000000000000000000" pitchFamily="2" charset="2"/>
+              </a:rPr>
+              <a:t>across</a:t>
+            </a:r>
+            <a:r>
+              <a:rPr lang="fr-FR" sz="2000" dirty="0">
+                <a:sym typeface="Wingdings" panose="05000000000000000000" pitchFamily="2" charset="2"/>
+              </a:rPr>
+              <a:t> </a:t>
+            </a:r>
+            <a:r>
+              <a:rPr lang="fr-FR" sz="2000" dirty="0" err="1">
+                <a:sym typeface="Wingdings" panose="05000000000000000000" pitchFamily="2" charset="2"/>
+              </a:rPr>
+              <a:t>different</a:t>
+            </a:r>
+            <a:r>
+              <a:rPr lang="fr-FR" sz="2000" dirty="0">
+                <a:sym typeface="Wingdings" panose="05000000000000000000" pitchFamily="2" charset="2"/>
+              </a:rPr>
+              <a:t> </a:t>
+            </a:r>
+            <a:r>
+              <a:rPr lang="fr-FR" sz="2000" dirty="0" err="1">
+                <a:sym typeface="Wingdings" panose="05000000000000000000" pitchFamily="2" charset="2"/>
+              </a:rPr>
+              <a:t>environments</a:t>
+            </a:r>
+            <a:endParaRPr lang="fr-FR" sz="2000" dirty="0">
+              <a:sym typeface="Wingdings" panose="05000000000000000000" pitchFamily="2" charset="2"/>
+            </a:endParaRPr>
+          </a:p>
+        </p:txBody>
+      </p:sp>
+      <p:sp>
+        <p:nvSpPr>
+          <p:cNvPr id="4" name="Title 1">
+            <a:extLst>
+              <a:ext uri="{FF2B5EF4-FFF2-40B4-BE49-F238E27FC236}">
+                <a16:creationId xmlns:a16="http://schemas.microsoft.com/office/drawing/2014/main" id="{828D2EF1-902A-4BA0-99E3-F3DC3B315F43}"/>
+              </a:ext>
+            </a:extLst>
+          </p:cNvPr>
+          <p:cNvSpPr txBox="1">
+            <a:spLocks/>
+          </p:cNvSpPr>
+          <p:nvPr/>
+        </p:nvSpPr>
+        <p:spPr>
+          <a:xfrm>
+            <a:off x="838200" y="365126"/>
+            <a:ext cx="10515600" cy="629662"/>
+          </a:xfrm>
+          <a:prstGeom prst="rect">
+            <a:avLst/>
+          </a:prstGeom>
+        </p:spPr>
+        <p:txBody>
+          <a:bodyPr vert="horz" lIns="91440" tIns="45720" rIns="91440" bIns="45720" rtlCol="0" anchor="ctr">
+            <a:normAutofit/>
+          </a:bodyPr>
+          <a:lstStyle>
+            <a:lvl1pPr algn="l" defTabSz="914400" rtl="0" eaLnBrk="1" latinLnBrk="0" hangingPunct="1">
+              <a:lnSpc>
+                <a:spcPct val="90000"/>
+              </a:lnSpc>
+              <a:spcBef>
+                <a:spcPct val="0"/>
+              </a:spcBef>
+              <a:buNone/>
+              <a:defRPr sz="4400" kern="1200">
+                <a:solidFill>
+                  <a:schemeClr val="tx1"/>
+                </a:solidFill>
+                <a:latin typeface="+mj-lt"/>
+                <a:ea typeface="+mj-ea"/>
+                <a:cs typeface="+mj-cs"/>
+              </a:defRPr>
+            </a:lvl1pPr>
+          </a:lstStyle>
+          <a:p>
+            <a:r>
+              <a:rPr lang="fr-FR" sz="2800" b="1" dirty="0" err="1">
+                <a:latin typeface="+mn-lt"/>
+              </a:rPr>
+              <a:t>Corporating</a:t>
+            </a:r>
+            <a:r>
+              <a:rPr lang="fr-FR" sz="2800" b="1" dirty="0">
+                <a:latin typeface="+mn-lt"/>
+              </a:rPr>
+              <a:t> G x E interaction in GWAS and QTL</a:t>
+            </a:r>
+            <a:endParaRPr lang="en-GB" sz="2800" dirty="0">
+              <a:latin typeface="+mn-lt"/>
+            </a:endParaRPr>
+          </a:p>
+        </p:txBody>
+      </p:sp>
+      <p:sp>
+        <p:nvSpPr>
+          <p:cNvPr id="5" name="Rectangle 4">
+            <a:extLst>
+              <a:ext uri="{FF2B5EF4-FFF2-40B4-BE49-F238E27FC236}">
+                <a16:creationId xmlns:a16="http://schemas.microsoft.com/office/drawing/2014/main" id="{E52D5F69-673F-4898-95BA-9F1FF2C6BDD8}"/>
+              </a:ext>
+            </a:extLst>
+          </p:cNvPr>
+          <p:cNvSpPr/>
+          <p:nvPr/>
+        </p:nvSpPr>
+        <p:spPr>
+          <a:xfrm>
+            <a:off x="838200" y="994788"/>
+            <a:ext cx="5925178" cy="170822"/>
+          </a:xfrm>
+          <a:prstGeom prst="rect">
+            <a:avLst/>
+          </a:prstGeom>
+          <a:ln>
+            <a:noFill/>
+          </a:ln>
+        </p:spPr>
+        <p:style>
+          <a:lnRef idx="2">
+            <a:schemeClr val="accent2">
+              <a:shade val="50000"/>
+            </a:schemeClr>
+          </a:lnRef>
+          <a:fillRef idx="1">
+            <a:schemeClr val="accent2"/>
+          </a:fillRef>
+          <a:effectRef idx="0">
+            <a:schemeClr val="accent2"/>
+          </a:effectRef>
+          <a:fontRef idx="minor">
+            <a:schemeClr val="lt1"/>
+          </a:fontRef>
+        </p:style>
+        <p:txBody>
+          <a:bodyPr rtlCol="0" anchor="ctr"/>
+          <a:lstStyle/>
+          <a:p>
+            <a:pPr algn="ctr"/>
+            <a:endParaRPr lang="en-GB"/>
+          </a:p>
+        </p:txBody>
+      </p:sp>
+    </p:spTree>
+    <p:extLst>
+      <p:ext uri="{BB962C8B-B14F-4D97-AF65-F5344CB8AC3E}">
+        <p14:creationId xmlns:p14="http://schemas.microsoft.com/office/powerpoint/2010/main" val="611733440"/>
+      </p:ext>
+    </p:extLst>
+  </p:cSld>
+  <p:clrMapOvr>
+    <a:masterClrMapping/>
+  </p:clrMapOvr>
+</p:sld>
+</file>
+
+<file path=ppt/slides/slide19.xml><?xml version="1.0" encoding="utf-8"?>
+<p:sld xmlns:a="http://schemas.openxmlformats.org/drawingml/2006/main" xmlns:r="http://schemas.openxmlformats.org/officeDocument/2006/relationships" xmlns:p="http://schemas.openxmlformats.org/presentationml/2006/main">
+  <p:cSld>
+    <p:spTree>
+      <p:nvGrpSpPr>
+        <p:cNvPr id="1" name=""/>
+        <p:cNvGrpSpPr/>
+        <p:nvPr/>
+      </p:nvGrpSpPr>
+      <p:grpSpPr>
+        <a:xfrm>
+          <a:off x="0" y="0"/>
+          <a:ext cx="0" cy="0"/>
+          <a:chOff x="0" y="0"/>
+          <a:chExt cx="0" cy="0"/>
+        </a:xfrm>
+      </p:grpSpPr>
+      <p:sp>
+        <p:nvSpPr>
+          <p:cNvPr id="3" name="Content Placeholder 2">
+            <a:extLst>
+              <a:ext uri="{FF2B5EF4-FFF2-40B4-BE49-F238E27FC236}">
+                <a16:creationId xmlns:a16="http://schemas.microsoft.com/office/drawing/2014/main" id="{3A6F2681-48B1-4506-B413-A485A46E62AB}"/>
+              </a:ext>
+            </a:extLst>
+          </p:cNvPr>
+          <p:cNvSpPr>
+            <a:spLocks noGrp="1"/>
+          </p:cNvSpPr>
+          <p:nvPr>
+            <p:ph idx="1"/>
+          </p:nvPr>
+        </p:nvSpPr>
+        <p:spPr/>
+        <p:txBody>
+          <a:bodyPr>
+            <a:normAutofit/>
+          </a:bodyPr>
+          <a:lstStyle/>
+          <a:p>
+            <a:r>
+              <a:rPr lang="en-US" sz="2000" dirty="0"/>
+              <a:t>GWAS and QTL studies are statistical methods to find the genome region where there is association between genotypes and phenotypes. </a:t>
+            </a:r>
+          </a:p>
+          <a:p>
+            <a:r>
+              <a:rPr lang="en-US" sz="2000" dirty="0">
+                <a:sym typeface="Wingdings" panose="05000000000000000000" pitchFamily="2" charset="2"/>
+              </a:rPr>
+              <a:t>They identify the locations of the alleles that are most frequently appearing in individuals.</a:t>
+            </a:r>
+          </a:p>
+          <a:p>
+            <a:r>
+              <a:rPr lang="en-US" sz="2000" dirty="0">
+                <a:sym typeface="Wingdings" panose="05000000000000000000" pitchFamily="2" charset="2"/>
+              </a:rPr>
+              <a:t>The factors that contribute to GWAS results:</a:t>
+            </a:r>
+          </a:p>
+          <a:p>
+            <a:pPr lvl="1"/>
+            <a:r>
+              <a:rPr lang="en-US" sz="1600" dirty="0">
+                <a:sym typeface="Wingdings" panose="05000000000000000000" pitchFamily="2" charset="2"/>
+              </a:rPr>
+              <a:t>The number of sample individuals</a:t>
+            </a:r>
+          </a:p>
+          <a:p>
+            <a:pPr lvl="1"/>
+            <a:r>
+              <a:rPr lang="en-US" sz="1600" dirty="0">
+                <a:sym typeface="Wingdings" panose="05000000000000000000" pitchFamily="2" charset="2"/>
+              </a:rPr>
+              <a:t>The number and density of the SNPs</a:t>
+            </a:r>
+          </a:p>
+          <a:p>
+            <a:pPr lvl="1"/>
+            <a:r>
+              <a:rPr lang="en-US" sz="1600" dirty="0">
+                <a:sym typeface="Wingdings" panose="05000000000000000000" pitchFamily="2" charset="2"/>
+              </a:rPr>
+              <a:t>Linkage disequilibrium</a:t>
+            </a:r>
+          </a:p>
+          <a:p>
+            <a:pPr lvl="1"/>
+            <a:r>
+              <a:rPr lang="en-US" sz="1600" dirty="0">
+                <a:sym typeface="Wingdings" panose="05000000000000000000" pitchFamily="2" charset="2"/>
+              </a:rPr>
+              <a:t>Population structure </a:t>
+            </a:r>
+          </a:p>
+          <a:p>
+            <a:pPr lvl="1"/>
+            <a:r>
+              <a:rPr lang="en-US" sz="1600" dirty="0">
+                <a:sym typeface="Wingdings" panose="05000000000000000000" pitchFamily="2" charset="2"/>
+              </a:rPr>
+              <a:t>Relationship between individuals (relatives, siblings)</a:t>
+            </a:r>
+          </a:p>
+          <a:p>
+            <a:pPr lvl="1"/>
+            <a:r>
+              <a:rPr lang="en-US" sz="1600" dirty="0">
+                <a:sym typeface="Wingdings" panose="05000000000000000000" pitchFamily="2" charset="2"/>
+              </a:rPr>
+              <a:t>G x E interaction</a:t>
+            </a:r>
+          </a:p>
+        </p:txBody>
+      </p:sp>
+      <p:sp>
+        <p:nvSpPr>
+          <p:cNvPr id="4" name="Title 1">
+            <a:extLst>
+              <a:ext uri="{FF2B5EF4-FFF2-40B4-BE49-F238E27FC236}">
+                <a16:creationId xmlns:a16="http://schemas.microsoft.com/office/drawing/2014/main" id="{828D2EF1-902A-4BA0-99E3-F3DC3B315F43}"/>
+              </a:ext>
+            </a:extLst>
+          </p:cNvPr>
+          <p:cNvSpPr txBox="1">
+            <a:spLocks/>
+          </p:cNvSpPr>
+          <p:nvPr/>
+        </p:nvSpPr>
+        <p:spPr>
+          <a:xfrm>
+            <a:off x="838200" y="365126"/>
+            <a:ext cx="10515600" cy="629662"/>
+          </a:xfrm>
+          <a:prstGeom prst="rect">
+            <a:avLst/>
+          </a:prstGeom>
+        </p:spPr>
+        <p:txBody>
+          <a:bodyPr vert="horz" lIns="91440" tIns="45720" rIns="91440" bIns="45720" rtlCol="0" anchor="ctr">
+            <a:normAutofit/>
+          </a:bodyPr>
+          <a:lstStyle>
+            <a:lvl1pPr algn="l" defTabSz="914400" rtl="0" eaLnBrk="1" latinLnBrk="0" hangingPunct="1">
+              <a:lnSpc>
+                <a:spcPct val="90000"/>
+              </a:lnSpc>
+              <a:spcBef>
+                <a:spcPct val="0"/>
+              </a:spcBef>
+              <a:buNone/>
+              <a:defRPr sz="4400" kern="1200">
+                <a:solidFill>
+                  <a:schemeClr val="tx1"/>
+                </a:solidFill>
+                <a:latin typeface="+mj-lt"/>
+                <a:ea typeface="+mj-ea"/>
+                <a:cs typeface="+mj-cs"/>
+              </a:defRPr>
+            </a:lvl1pPr>
+          </a:lstStyle>
+          <a:p>
+            <a:r>
+              <a:rPr lang="fr-FR" sz="2800" b="1" dirty="0">
+                <a:latin typeface="+mn-lt"/>
+              </a:rPr>
+              <a:t>Key </a:t>
+            </a:r>
+            <a:r>
+              <a:rPr lang="fr-FR" sz="2800" b="1" dirty="0" err="1">
+                <a:latin typeface="+mn-lt"/>
+              </a:rPr>
+              <a:t>takeaways</a:t>
+            </a:r>
+            <a:endParaRPr lang="en-GB" sz="2800" dirty="0">
+              <a:latin typeface="+mn-lt"/>
+            </a:endParaRPr>
+          </a:p>
+        </p:txBody>
+      </p:sp>
+      <p:sp>
+        <p:nvSpPr>
+          <p:cNvPr id="5" name="Rectangle 4">
+            <a:extLst>
+              <a:ext uri="{FF2B5EF4-FFF2-40B4-BE49-F238E27FC236}">
+                <a16:creationId xmlns:a16="http://schemas.microsoft.com/office/drawing/2014/main" id="{E52D5F69-673F-4898-95BA-9F1FF2C6BDD8}"/>
+              </a:ext>
+            </a:extLst>
+          </p:cNvPr>
+          <p:cNvSpPr/>
+          <p:nvPr/>
+        </p:nvSpPr>
+        <p:spPr>
+          <a:xfrm>
+            <a:off x="838200" y="994788"/>
+            <a:ext cx="5925178" cy="170822"/>
+          </a:xfrm>
+          <a:prstGeom prst="rect">
+            <a:avLst/>
+          </a:prstGeom>
+          <a:ln>
+            <a:noFill/>
+          </a:ln>
+        </p:spPr>
+        <p:style>
+          <a:lnRef idx="2">
+            <a:schemeClr val="accent2">
+              <a:shade val="50000"/>
+            </a:schemeClr>
+          </a:lnRef>
+          <a:fillRef idx="1">
+            <a:schemeClr val="accent2"/>
+          </a:fillRef>
+          <a:effectRef idx="0">
+            <a:schemeClr val="accent2"/>
+          </a:effectRef>
+          <a:fontRef idx="minor">
+            <a:schemeClr val="lt1"/>
+          </a:fontRef>
+        </p:style>
+        <p:txBody>
+          <a:bodyPr rtlCol="0" anchor="ctr"/>
+          <a:lstStyle/>
+          <a:p>
+            <a:pPr algn="ctr"/>
+            <a:endParaRPr lang="en-GB"/>
+          </a:p>
+        </p:txBody>
+      </p:sp>
+    </p:spTree>
+    <p:extLst>
+      <p:ext uri="{BB962C8B-B14F-4D97-AF65-F5344CB8AC3E}">
+        <p14:creationId xmlns:p14="http://schemas.microsoft.com/office/powerpoint/2010/main" val="3859114573"/>
+      </p:ext>
+    </p:extLst>
+  </p:cSld>
+  <p:clrMapOvr>
+    <a:masterClrMapping/>
+  </p:clrMapOvr>
+</p:sld>
+</file>
+
+<file path=ppt/slides/slide2.xml><?xml version="1.0" encoding="utf-8"?>
+<p:sld xmlns:a="http://schemas.openxmlformats.org/drawingml/2006/main" xmlns:r="http://schemas.openxmlformats.org/officeDocument/2006/relationships" xmlns:p="http://schemas.openxmlformats.org/presentationml/2006/main">
+  <p:cSld>
+    <p:spTree>
+      <p:nvGrpSpPr>
+        <p:cNvPr id="1" name=""/>
+        <p:cNvGrpSpPr/>
+        <p:nvPr/>
+      </p:nvGrpSpPr>
+      <p:grpSpPr>
+        <a:xfrm>
+          <a:off x="0" y="0"/>
+          <a:ext cx="0" cy="0"/>
+          <a:chOff x="0" y="0"/>
+          <a:chExt cx="0" cy="0"/>
+        </a:xfrm>
+      </p:grpSpPr>
+      <p:sp>
+        <p:nvSpPr>
+          <p:cNvPr id="2" name="Title 1">
+            <a:extLst>
+              <a:ext uri="{FF2B5EF4-FFF2-40B4-BE49-F238E27FC236}">
+                <a16:creationId xmlns:a16="http://schemas.microsoft.com/office/drawing/2014/main" id="{022A4283-7025-47DF-8B0B-7D228F61724D}"/>
+              </a:ext>
+            </a:extLst>
+          </p:cNvPr>
+          <p:cNvSpPr>
+            <a:spLocks noGrp="1"/>
+          </p:cNvSpPr>
+          <p:nvPr>
+            <p:ph type="title"/>
+          </p:nvPr>
+        </p:nvSpPr>
+        <p:spPr>
+          <a:xfrm>
+            <a:off x="838200" y="365126"/>
+            <a:ext cx="10515600" cy="629662"/>
+          </a:xfrm>
+        </p:spPr>
+        <p:txBody>
+          <a:bodyPr>
+            <a:normAutofit/>
+          </a:bodyPr>
+          <a:lstStyle/>
+          <a:p>
+            <a:r>
+              <a:rPr lang="fr-FR" sz="2800" b="1" dirty="0" err="1">
+                <a:latin typeface="+mn-lt"/>
+              </a:rPr>
+              <a:t>Outline</a:t>
+            </a:r>
+            <a:endParaRPr lang="en-GB" sz="2800" dirty="0">
+              <a:latin typeface="+mn-lt"/>
+            </a:endParaRPr>
+          </a:p>
+        </p:txBody>
+      </p:sp>
+      <p:sp>
+        <p:nvSpPr>
+          <p:cNvPr id="3" name="Content Placeholder 2">
+            <a:extLst>
+              <a:ext uri="{FF2B5EF4-FFF2-40B4-BE49-F238E27FC236}">
+                <a16:creationId xmlns:a16="http://schemas.microsoft.com/office/drawing/2014/main" id="{392A4EE1-F9B9-438A-B1D8-29F2F2BCAF74}"/>
+              </a:ext>
+            </a:extLst>
+          </p:cNvPr>
+          <p:cNvSpPr>
+            <a:spLocks noGrp="1"/>
+          </p:cNvSpPr>
+          <p:nvPr>
+            <p:ph idx="1"/>
+          </p:nvPr>
+        </p:nvSpPr>
+        <p:spPr/>
+        <p:txBody>
+          <a:bodyPr>
+            <a:normAutofit/>
+          </a:bodyPr>
+          <a:lstStyle/>
+          <a:p>
+            <a:pPr marL="285750" indent="-285750">
+              <a:buFont typeface="Arial" panose="020B0604020202020204" pitchFamily="34" charset="0"/>
+              <a:buChar char="•"/>
+            </a:pPr>
+            <a:r>
+              <a:rPr lang="fr-FR" sz="1800" dirty="0" err="1"/>
+              <a:t>Classical</a:t>
+            </a:r>
+            <a:r>
+              <a:rPr lang="fr-FR" sz="1800" dirty="0"/>
+              <a:t> vs modern plant </a:t>
+            </a:r>
+            <a:r>
+              <a:rPr lang="fr-FR" sz="1800" dirty="0" err="1"/>
+              <a:t>breeding</a:t>
+            </a:r>
+            <a:r>
+              <a:rPr lang="fr-FR" sz="1800" dirty="0"/>
+              <a:t>.</a:t>
+            </a:r>
+          </a:p>
+          <a:p>
+            <a:pPr marL="285750" indent="-285750">
+              <a:buFont typeface="Arial" panose="020B0604020202020204" pitchFamily="34" charset="0"/>
+              <a:buChar char="•"/>
+            </a:pPr>
+            <a:r>
+              <a:rPr lang="fr-FR" sz="1800" dirty="0"/>
+              <a:t>Marker-</a:t>
+            </a:r>
+            <a:r>
+              <a:rPr lang="fr-FR" sz="1800" dirty="0" err="1"/>
+              <a:t>assisted</a:t>
+            </a:r>
+            <a:r>
+              <a:rPr lang="fr-FR" sz="1800" dirty="0"/>
+              <a:t> </a:t>
+            </a:r>
+            <a:r>
+              <a:rPr lang="fr-FR" sz="1800" dirty="0" err="1"/>
+              <a:t>selection</a:t>
+            </a:r>
+            <a:r>
+              <a:rPr lang="fr-FR" sz="1800" dirty="0"/>
+              <a:t>: GWAS, QTL, </a:t>
+            </a:r>
+            <a:r>
+              <a:rPr lang="fr-FR" sz="1800" dirty="0" err="1"/>
+              <a:t>working</a:t>
+            </a:r>
+            <a:r>
+              <a:rPr lang="fr-FR" sz="1800" dirty="0"/>
+              <a:t> pipeline</a:t>
+            </a:r>
+          </a:p>
+          <a:p>
+            <a:pPr marL="285750" indent="-285750">
+              <a:buFont typeface="Arial" panose="020B0604020202020204" pitchFamily="34" charset="0"/>
+              <a:buChar char="•"/>
+            </a:pPr>
+            <a:r>
+              <a:rPr lang="fr-FR" sz="1800" dirty="0"/>
+              <a:t>The concept </a:t>
+            </a:r>
+            <a:r>
+              <a:rPr lang="fr-FR" sz="1800" dirty="0" err="1"/>
+              <a:t>behind</a:t>
+            </a:r>
+            <a:r>
+              <a:rPr lang="fr-FR" sz="1800" dirty="0"/>
+              <a:t> GWAS and QTL </a:t>
+            </a:r>
+            <a:r>
+              <a:rPr lang="fr-FR" sz="1800" dirty="0" err="1"/>
+              <a:t>Studies</a:t>
+            </a:r>
+            <a:endParaRPr lang="fr-FR" sz="1800" dirty="0"/>
+          </a:p>
+          <a:p>
+            <a:pPr marL="285750" indent="-285750">
+              <a:buFont typeface="Arial" panose="020B0604020202020204" pitchFamily="34" charset="0"/>
+              <a:buChar char="•"/>
+            </a:pPr>
+            <a:r>
+              <a:rPr lang="fr-FR" sz="1800" dirty="0" err="1"/>
+              <a:t>Bias</a:t>
+            </a:r>
+            <a:r>
+              <a:rPr lang="fr-FR" sz="1800" dirty="0"/>
+              <a:t> correction</a:t>
+            </a:r>
+          </a:p>
+          <a:p>
+            <a:pPr marL="285750" indent="-285750">
+              <a:buFont typeface="Arial" panose="020B0604020202020204" pitchFamily="34" charset="0"/>
+              <a:buChar char="•"/>
+            </a:pPr>
+            <a:r>
+              <a:rPr lang="fr-FR" sz="1800" dirty="0" err="1"/>
+              <a:t>Corporating</a:t>
+            </a:r>
+            <a:r>
+              <a:rPr lang="fr-FR" sz="1800" dirty="0"/>
+              <a:t> </a:t>
+            </a:r>
+            <a:r>
+              <a:rPr lang="fr-FR" sz="1800" dirty="0" err="1"/>
+              <a:t>genetic</a:t>
+            </a:r>
+            <a:r>
+              <a:rPr lang="fr-FR" sz="1800" dirty="0"/>
+              <a:t> x </a:t>
+            </a:r>
+            <a:r>
+              <a:rPr lang="fr-FR" sz="1800" dirty="0" err="1"/>
+              <a:t>environment</a:t>
+            </a:r>
+            <a:r>
+              <a:rPr lang="fr-FR" sz="1800" dirty="0"/>
+              <a:t> interaction (</a:t>
+            </a:r>
+            <a:r>
+              <a:rPr lang="fr-FR" sz="1800" dirty="0" err="1"/>
+              <a:t>GxE</a:t>
+            </a:r>
+            <a:r>
+              <a:rPr lang="fr-FR" sz="1800" dirty="0"/>
+              <a:t>) in association </a:t>
+            </a:r>
+            <a:r>
+              <a:rPr lang="fr-FR" sz="1800" dirty="0" err="1"/>
+              <a:t>studies</a:t>
+            </a:r>
+            <a:endParaRPr lang="fr-FR" sz="1800" dirty="0"/>
+          </a:p>
+          <a:p>
+            <a:pPr marL="285750" indent="-285750">
+              <a:buFont typeface="Arial" panose="020B0604020202020204" pitchFamily="34" charset="0"/>
+              <a:buChar char="•"/>
+            </a:pPr>
+            <a:r>
+              <a:rPr lang="fr-FR" sz="1800" dirty="0" err="1"/>
+              <a:t>Implementation</a:t>
+            </a:r>
+            <a:r>
+              <a:rPr lang="fr-FR" sz="1800" dirty="0"/>
+              <a:t> of association </a:t>
+            </a:r>
+            <a:r>
+              <a:rPr lang="fr-FR" sz="1800" dirty="0" err="1"/>
+              <a:t>studies</a:t>
+            </a:r>
+            <a:r>
+              <a:rPr lang="fr-FR" sz="1800" dirty="0"/>
+              <a:t>: </a:t>
+            </a:r>
+            <a:r>
+              <a:rPr lang="fr-FR" sz="1800" dirty="0" err="1"/>
+              <a:t>Genetic</a:t>
+            </a:r>
+            <a:r>
+              <a:rPr lang="fr-FR" sz="1800" dirty="0"/>
+              <a:t> control of </a:t>
+            </a:r>
+            <a:r>
+              <a:rPr lang="fr-FR" sz="1800" dirty="0" err="1"/>
+              <a:t>resistance</a:t>
+            </a:r>
+            <a:r>
+              <a:rPr lang="fr-FR" sz="1800" dirty="0"/>
+              <a:t> in black </a:t>
+            </a:r>
+            <a:r>
+              <a:rPr lang="fr-FR" sz="1800" dirty="0" err="1"/>
+              <a:t>poplar</a:t>
+            </a:r>
+            <a:r>
+              <a:rPr lang="fr-FR" sz="1800" dirty="0"/>
+              <a:t> (</a:t>
+            </a:r>
+            <a:r>
+              <a:rPr lang="fr-FR" sz="1800" i="1" dirty="0" err="1"/>
+              <a:t>Populus</a:t>
+            </a:r>
+            <a:r>
+              <a:rPr lang="fr-FR" sz="1800" i="1" dirty="0"/>
+              <a:t> </a:t>
+            </a:r>
+            <a:r>
+              <a:rPr lang="fr-FR" sz="1800" i="1" dirty="0" err="1"/>
+              <a:t>nigra</a:t>
+            </a:r>
+            <a:r>
+              <a:rPr lang="fr-FR" sz="1800" dirty="0"/>
+              <a:t>)</a:t>
+            </a:r>
+          </a:p>
+        </p:txBody>
+      </p:sp>
+      <p:sp>
+        <p:nvSpPr>
+          <p:cNvPr id="4" name="Rectangle 3">
+            <a:extLst>
+              <a:ext uri="{FF2B5EF4-FFF2-40B4-BE49-F238E27FC236}">
+                <a16:creationId xmlns:a16="http://schemas.microsoft.com/office/drawing/2014/main" id="{29410CAB-8DE6-4CE4-816E-C6BE66F8DF0D}"/>
+              </a:ext>
+            </a:extLst>
+          </p:cNvPr>
+          <p:cNvSpPr/>
+          <p:nvPr/>
+        </p:nvSpPr>
+        <p:spPr>
+          <a:xfrm>
+            <a:off x="838200" y="994788"/>
+            <a:ext cx="5925178" cy="170822"/>
+          </a:xfrm>
+          <a:prstGeom prst="rect">
+            <a:avLst/>
+          </a:prstGeom>
+          <a:ln>
+            <a:noFill/>
+          </a:ln>
+        </p:spPr>
+        <p:style>
+          <a:lnRef idx="2">
+            <a:schemeClr val="accent2">
+              <a:shade val="50000"/>
+            </a:schemeClr>
+          </a:lnRef>
+          <a:fillRef idx="1">
+            <a:schemeClr val="accent2"/>
+          </a:fillRef>
+          <a:effectRef idx="0">
+            <a:schemeClr val="accent2"/>
+          </a:effectRef>
+          <a:fontRef idx="minor">
+            <a:schemeClr val="lt1"/>
+          </a:fontRef>
+        </p:style>
+        <p:txBody>
+          <a:bodyPr rtlCol="0" anchor="ctr"/>
+          <a:lstStyle/>
+          <a:p>
+            <a:pPr algn="ctr"/>
+            <a:endParaRPr lang="en-GB"/>
+          </a:p>
+        </p:txBody>
+      </p:sp>
+    </p:spTree>
+    <p:extLst>
+      <p:ext uri="{BB962C8B-B14F-4D97-AF65-F5344CB8AC3E}">
+        <p14:creationId xmlns:p14="http://schemas.microsoft.com/office/powerpoint/2010/main" val="494819931"/>
+      </p:ext>
+    </p:extLst>
+  </p:cSld>
+  <p:clrMapOvr>
+    <a:masterClrMapping/>
+  </p:clrMapOvr>
+</p:sld>
+</file>
+
+<file path=ppt/slides/slide20.xml><?xml version="1.0" encoding="utf-8"?>
 <p:sld xmlns:a="http://schemas.openxmlformats.org/drawingml/2006/main" xmlns:r="http://schemas.openxmlformats.org/officeDocument/2006/relationships" xmlns:p="http://schemas.openxmlformats.org/presentationml/2006/main">
   <p:cSld>
     <p:spTree>
@@ -14434,367 +19107,6 @@
     <p:extLst>
       <p:ext uri="{BB962C8B-B14F-4D97-AF65-F5344CB8AC3E}">
         <p14:creationId xmlns:p14="http://schemas.microsoft.com/office/powerpoint/2010/main" val="2156855"/>
-      </p:ext>
-    </p:extLst>
-  </p:cSld>
-  <p:clrMapOvr>
-    <a:masterClrMapping/>
-  </p:clrMapOvr>
-</p:sld>
-</file>
-
-<file path=ppt/slides/slide2.xml><?xml version="1.0" encoding="utf-8"?>
-<p:sld xmlns:a="http://schemas.openxmlformats.org/drawingml/2006/main" xmlns:r="http://schemas.openxmlformats.org/officeDocument/2006/relationships" xmlns:p="http://schemas.openxmlformats.org/presentationml/2006/main">
-  <p:cSld>
-    <p:spTree>
-      <p:nvGrpSpPr>
-        <p:cNvPr id="1" name=""/>
-        <p:cNvGrpSpPr/>
-        <p:nvPr/>
-      </p:nvGrpSpPr>
-      <p:grpSpPr>
-        <a:xfrm>
-          <a:off x="0" y="0"/>
-          <a:ext cx="0" cy="0"/>
-          <a:chOff x="0" y="0"/>
-          <a:chExt cx="0" cy="0"/>
-        </a:xfrm>
-      </p:grpSpPr>
-      <p:sp>
-        <p:nvSpPr>
-          <p:cNvPr id="2" name="Title 1">
-            <a:extLst>
-              <a:ext uri="{FF2B5EF4-FFF2-40B4-BE49-F238E27FC236}">
-                <a16:creationId xmlns:a16="http://schemas.microsoft.com/office/drawing/2014/main" id="{022A4283-7025-47DF-8B0B-7D228F61724D}"/>
-              </a:ext>
-            </a:extLst>
-          </p:cNvPr>
-          <p:cNvSpPr>
-            <a:spLocks noGrp="1"/>
-          </p:cNvSpPr>
-          <p:nvPr>
-            <p:ph type="title"/>
-          </p:nvPr>
-        </p:nvSpPr>
-        <p:spPr>
-          <a:xfrm>
-            <a:off x="838200" y="365126"/>
-            <a:ext cx="10515600" cy="629662"/>
-          </a:xfrm>
-        </p:spPr>
-        <p:txBody>
-          <a:bodyPr>
-            <a:normAutofit/>
-          </a:bodyPr>
-          <a:lstStyle/>
-          <a:p>
-            <a:r>
-              <a:rPr lang="fr-FR" sz="2800" b="1" dirty="0" err="1">
-                <a:latin typeface="+mn-lt"/>
-              </a:rPr>
-              <a:t>Outline</a:t>
-            </a:r>
-            <a:endParaRPr lang="en-GB" sz="2800" dirty="0">
-              <a:latin typeface="+mn-lt"/>
-            </a:endParaRPr>
-          </a:p>
-        </p:txBody>
-      </p:sp>
-      <p:sp>
-        <p:nvSpPr>
-          <p:cNvPr id="3" name="Content Placeholder 2">
-            <a:extLst>
-              <a:ext uri="{FF2B5EF4-FFF2-40B4-BE49-F238E27FC236}">
-                <a16:creationId xmlns:a16="http://schemas.microsoft.com/office/drawing/2014/main" id="{392A4EE1-F9B9-438A-B1D8-29F2F2BCAF74}"/>
-              </a:ext>
-            </a:extLst>
-          </p:cNvPr>
-          <p:cNvSpPr>
-            <a:spLocks noGrp="1"/>
-          </p:cNvSpPr>
-          <p:nvPr>
-            <p:ph idx="1"/>
-          </p:nvPr>
-        </p:nvSpPr>
-        <p:spPr/>
-        <p:txBody>
-          <a:bodyPr>
-            <a:normAutofit/>
-          </a:bodyPr>
-          <a:lstStyle/>
-          <a:p>
-            <a:pPr marL="285750" indent="-285750">
-              <a:buFont typeface="Arial" panose="020B0604020202020204" pitchFamily="34" charset="0"/>
-              <a:buChar char="•"/>
-            </a:pPr>
-            <a:r>
-              <a:rPr lang="fr-FR" sz="1800" dirty="0" err="1"/>
-              <a:t>Classical</a:t>
-            </a:r>
-            <a:r>
-              <a:rPr lang="fr-FR" sz="1800" dirty="0"/>
-              <a:t> vs modern plant </a:t>
-            </a:r>
-            <a:r>
-              <a:rPr lang="fr-FR" sz="1800" dirty="0" err="1"/>
-              <a:t>breeding</a:t>
-            </a:r>
-            <a:r>
-              <a:rPr lang="fr-FR" sz="1800" dirty="0"/>
-              <a:t>.</a:t>
-            </a:r>
-          </a:p>
-          <a:p>
-            <a:pPr marL="285750" indent="-285750">
-              <a:buFont typeface="Arial" panose="020B0604020202020204" pitchFamily="34" charset="0"/>
-              <a:buChar char="•"/>
-            </a:pPr>
-            <a:r>
-              <a:rPr lang="fr-FR" sz="1800" dirty="0"/>
-              <a:t>Marker-</a:t>
-            </a:r>
-            <a:r>
-              <a:rPr lang="fr-FR" sz="1800" dirty="0" err="1"/>
-              <a:t>assisted</a:t>
-            </a:r>
-            <a:r>
-              <a:rPr lang="fr-FR" sz="1800" dirty="0"/>
-              <a:t> </a:t>
-            </a:r>
-            <a:r>
-              <a:rPr lang="fr-FR" sz="1800" dirty="0" err="1"/>
-              <a:t>selection</a:t>
-            </a:r>
-            <a:r>
-              <a:rPr lang="fr-FR" sz="1800" dirty="0"/>
-              <a:t>: GWAS, QTL, </a:t>
-            </a:r>
-            <a:r>
-              <a:rPr lang="fr-FR" sz="1800" dirty="0" err="1"/>
-              <a:t>working</a:t>
-            </a:r>
-            <a:r>
-              <a:rPr lang="fr-FR" sz="1800" dirty="0"/>
-              <a:t> pipeline</a:t>
-            </a:r>
-          </a:p>
-          <a:p>
-            <a:pPr marL="285750" indent="-285750">
-              <a:buFont typeface="Arial" panose="020B0604020202020204" pitchFamily="34" charset="0"/>
-              <a:buChar char="•"/>
-            </a:pPr>
-            <a:r>
-              <a:rPr lang="fr-FR" sz="1800" dirty="0"/>
-              <a:t>The concept of GWAS and QTL </a:t>
-            </a:r>
-            <a:r>
-              <a:rPr lang="fr-FR" sz="1800" dirty="0" err="1"/>
-              <a:t>Studies</a:t>
-            </a:r>
-            <a:endParaRPr lang="fr-FR" sz="1800" dirty="0"/>
-          </a:p>
-          <a:p>
-            <a:pPr marL="285750" indent="-285750">
-              <a:buFont typeface="Arial" panose="020B0604020202020204" pitchFamily="34" charset="0"/>
-              <a:buChar char="•"/>
-            </a:pPr>
-            <a:r>
-              <a:rPr lang="fr-FR" sz="1800" dirty="0"/>
-              <a:t>How to </a:t>
-            </a:r>
-            <a:r>
-              <a:rPr lang="fr-FR" sz="1800" dirty="0" err="1"/>
-              <a:t>interpret</a:t>
-            </a:r>
-            <a:r>
-              <a:rPr lang="fr-FR" sz="1800" dirty="0"/>
-              <a:t> the </a:t>
-            </a:r>
-            <a:r>
-              <a:rPr lang="fr-FR" sz="1800" dirty="0" err="1"/>
-              <a:t>results</a:t>
-            </a:r>
-            <a:r>
-              <a:rPr lang="fr-FR" sz="1800" dirty="0"/>
-              <a:t> </a:t>
-            </a:r>
-            <a:r>
-              <a:rPr lang="fr-FR" sz="1800" dirty="0" err="1"/>
-              <a:t>from</a:t>
-            </a:r>
-            <a:r>
-              <a:rPr lang="fr-FR" sz="1800" dirty="0"/>
-              <a:t> association </a:t>
-            </a:r>
-            <a:r>
-              <a:rPr lang="fr-FR" sz="1800" dirty="0" err="1"/>
-              <a:t>studies</a:t>
-            </a:r>
-            <a:r>
-              <a:rPr lang="fr-FR" sz="1800" dirty="0"/>
-              <a:t>?</a:t>
-            </a:r>
-          </a:p>
-          <a:p>
-            <a:pPr marL="285750" indent="-285750">
-              <a:buFont typeface="Arial" panose="020B0604020202020204" pitchFamily="34" charset="0"/>
-              <a:buChar char="•"/>
-            </a:pPr>
-            <a:r>
-              <a:rPr lang="fr-FR" sz="1800" dirty="0" err="1"/>
-              <a:t>Corporating</a:t>
-            </a:r>
-            <a:r>
-              <a:rPr lang="fr-FR" sz="1800" dirty="0"/>
-              <a:t> </a:t>
-            </a:r>
-            <a:r>
-              <a:rPr lang="fr-FR" sz="1800" dirty="0" err="1"/>
-              <a:t>genetic</a:t>
-            </a:r>
-            <a:r>
-              <a:rPr lang="fr-FR" sz="1800" dirty="0"/>
-              <a:t> x </a:t>
-            </a:r>
-            <a:r>
-              <a:rPr lang="fr-FR" sz="1800" dirty="0" err="1"/>
-              <a:t>environment</a:t>
-            </a:r>
-            <a:r>
-              <a:rPr lang="fr-FR" sz="1800" dirty="0"/>
-              <a:t> interaction (</a:t>
-            </a:r>
-            <a:r>
-              <a:rPr lang="fr-FR" sz="1800" dirty="0" err="1"/>
-              <a:t>GxE</a:t>
-            </a:r>
-            <a:r>
-              <a:rPr lang="fr-FR" sz="1800" dirty="0"/>
-              <a:t>) in association </a:t>
-            </a:r>
-            <a:r>
-              <a:rPr lang="fr-FR" sz="1800" dirty="0" err="1"/>
-              <a:t>studies</a:t>
-            </a:r>
-            <a:endParaRPr lang="fr-FR" sz="1800" dirty="0"/>
-          </a:p>
-          <a:p>
-            <a:pPr marL="285750" indent="-285750">
-              <a:buFont typeface="Arial" panose="020B0604020202020204" pitchFamily="34" charset="0"/>
-              <a:buChar char="•"/>
-            </a:pPr>
-            <a:r>
-              <a:rPr lang="fr-FR" sz="1800" dirty="0" err="1"/>
-              <a:t>Implementation</a:t>
-            </a:r>
-            <a:r>
-              <a:rPr lang="fr-FR" sz="1800" dirty="0"/>
-              <a:t> of association </a:t>
-            </a:r>
-            <a:r>
-              <a:rPr lang="fr-FR" sz="1800" dirty="0" err="1"/>
-              <a:t>studies</a:t>
-            </a:r>
-            <a:r>
-              <a:rPr lang="fr-FR" sz="1800" dirty="0"/>
-              <a:t>: </a:t>
-            </a:r>
-            <a:r>
-              <a:rPr lang="fr-FR" sz="1800" dirty="0" err="1"/>
-              <a:t>Genetic</a:t>
-            </a:r>
-            <a:r>
-              <a:rPr lang="fr-FR" sz="1800" dirty="0"/>
-              <a:t> control of </a:t>
-            </a:r>
-            <a:r>
-              <a:rPr lang="fr-FR" sz="1800" dirty="0" err="1"/>
-              <a:t>resistance</a:t>
-            </a:r>
-            <a:r>
-              <a:rPr lang="fr-FR" sz="1800" dirty="0"/>
-              <a:t> in black </a:t>
-            </a:r>
-            <a:r>
-              <a:rPr lang="fr-FR" sz="1800" dirty="0" err="1"/>
-              <a:t>poplar</a:t>
-            </a:r>
-            <a:r>
-              <a:rPr lang="fr-FR" sz="1800" dirty="0"/>
-              <a:t> (</a:t>
-            </a:r>
-            <a:r>
-              <a:rPr lang="fr-FR" sz="1800" i="1" dirty="0" err="1"/>
-              <a:t>Populus</a:t>
-            </a:r>
-            <a:r>
-              <a:rPr lang="fr-FR" sz="1800" i="1" dirty="0"/>
-              <a:t> </a:t>
-            </a:r>
-            <a:r>
-              <a:rPr lang="fr-FR" sz="1800" i="1" dirty="0" err="1"/>
-              <a:t>nigra</a:t>
-            </a:r>
-            <a:r>
-              <a:rPr lang="fr-FR" sz="1800" dirty="0"/>
-              <a:t>)</a:t>
-            </a:r>
-          </a:p>
-        </p:txBody>
-      </p:sp>
-      <p:sp>
-        <p:nvSpPr>
-          <p:cNvPr id="4" name="Rectangle 3">
-            <a:extLst>
-              <a:ext uri="{FF2B5EF4-FFF2-40B4-BE49-F238E27FC236}">
-                <a16:creationId xmlns:a16="http://schemas.microsoft.com/office/drawing/2014/main" id="{29410CAB-8DE6-4CE4-816E-C6BE66F8DF0D}"/>
-              </a:ext>
-            </a:extLst>
-          </p:cNvPr>
-          <p:cNvSpPr/>
-          <p:nvPr/>
-        </p:nvSpPr>
-        <p:spPr>
-          <a:xfrm>
-            <a:off x="838200" y="994788"/>
-            <a:ext cx="5925178" cy="170822"/>
-          </a:xfrm>
-          <a:prstGeom prst="rect">
-            <a:avLst/>
-          </a:prstGeom>
-          <a:ln>
-            <a:noFill/>
-          </a:ln>
-        </p:spPr>
-        <p:style>
-          <a:lnRef idx="2">
-            <a:schemeClr val="accent2">
-              <a:shade val="50000"/>
-            </a:schemeClr>
-          </a:lnRef>
-          <a:fillRef idx="1">
-            <a:schemeClr val="accent2"/>
-          </a:fillRef>
-          <a:effectRef idx="0">
-            <a:schemeClr val="accent2"/>
-          </a:effectRef>
-          <a:fontRef idx="minor">
-            <a:schemeClr val="lt1"/>
-          </a:fontRef>
-        </p:style>
-        <p:txBody>
-          <a:bodyPr rtlCol="0" anchor="ctr"/>
-          <a:lstStyle/>
-          <a:p>
-            <a:pPr algn="ctr"/>
-            <a:endParaRPr lang="en-GB"/>
-          </a:p>
-        </p:txBody>
-      </p:sp>
-    </p:spTree>
-    <p:extLst>
-      <p:ext uri="{BB962C8B-B14F-4D97-AF65-F5344CB8AC3E}">
-        <p14:creationId xmlns:p14="http://schemas.microsoft.com/office/powerpoint/2010/main" val="494819931"/>
       </p:ext>
     </p:extLst>
   </p:cSld>
@@ -15520,15 +19832,6 @@
             <a:r>
               <a:rPr lang="en-GB" sz="1800" dirty="0"/>
               <a:t>: Crossing plants with themselves</a:t>
-            </a:r>
-          </a:p>
-          <a:p>
-            <a:pPr marL="0" indent="0" algn="just">
-              <a:buNone/>
-            </a:pPr>
-            <a:r>
-              <a:rPr lang="en-GB" sz="1800" dirty="0"/>
-              <a:t>Reference: </a:t>
             </a:r>
           </a:p>
         </p:txBody>
@@ -20537,6 +24840,168 @@
           </a:p>
         </p:txBody>
       </p:sp>
+      <p:sp>
+        <p:nvSpPr>
+          <p:cNvPr id="6" name="Rectangle 5">
+            <a:extLst>
+              <a:ext uri="{FF2B5EF4-FFF2-40B4-BE49-F238E27FC236}">
+                <a16:creationId xmlns:a16="http://schemas.microsoft.com/office/drawing/2014/main" id="{19B4F1D1-63F9-424D-85C5-EAB21E0F017D}"/>
+              </a:ext>
+            </a:extLst>
+          </p:cNvPr>
+          <p:cNvSpPr/>
+          <p:nvPr/>
+        </p:nvSpPr>
+        <p:spPr>
+          <a:xfrm>
+            <a:off x="180975" y="4682077"/>
+            <a:ext cx="12011025" cy="1494886"/>
+          </a:xfrm>
+          <a:prstGeom prst="rect">
+            <a:avLst/>
+          </a:prstGeom>
+          <a:solidFill>
+            <a:schemeClr val="bg1">
+              <a:alpha val="81000"/>
+            </a:schemeClr>
+          </a:solidFill>
+          <a:ln>
+            <a:noFill/>
+          </a:ln>
+        </p:spPr>
+        <p:style>
+          <a:lnRef idx="2">
+            <a:schemeClr val="accent1">
+              <a:shade val="50000"/>
+            </a:schemeClr>
+          </a:lnRef>
+          <a:fillRef idx="1">
+            <a:schemeClr val="accent1"/>
+          </a:fillRef>
+          <a:effectRef idx="0">
+            <a:schemeClr val="accent1"/>
+          </a:effectRef>
+          <a:fontRef idx="minor">
+            <a:schemeClr val="lt1"/>
+          </a:fontRef>
+        </p:style>
+        <p:txBody>
+          <a:bodyPr rtlCol="0" anchor="ctr"/>
+          <a:lstStyle/>
+          <a:p>
+            <a:pPr algn="ctr"/>
+            <a:endParaRPr lang="en-GB"/>
+          </a:p>
+        </p:txBody>
+      </p:sp>
+      <p:sp>
+        <p:nvSpPr>
+          <p:cNvPr id="8" name="Rectangle 7">
+            <a:extLst>
+              <a:ext uri="{FF2B5EF4-FFF2-40B4-BE49-F238E27FC236}">
+                <a16:creationId xmlns:a16="http://schemas.microsoft.com/office/drawing/2014/main" id="{036542B8-EC62-41A6-967B-96AF363BCEDF}"/>
+              </a:ext>
+            </a:extLst>
+          </p:cNvPr>
+          <p:cNvSpPr/>
+          <p:nvPr/>
+        </p:nvSpPr>
+        <p:spPr>
+          <a:xfrm>
+            <a:off x="180975" y="3550425"/>
+            <a:ext cx="12011025" cy="2490451"/>
+          </a:xfrm>
+          <a:prstGeom prst="rect">
+            <a:avLst/>
+          </a:prstGeom>
+          <a:solidFill>
+            <a:schemeClr val="bg1">
+              <a:alpha val="81000"/>
+            </a:schemeClr>
+          </a:solidFill>
+          <a:ln>
+            <a:noFill/>
+          </a:ln>
+        </p:spPr>
+        <p:style>
+          <a:lnRef idx="2">
+            <a:schemeClr val="accent1">
+              <a:shade val="50000"/>
+            </a:schemeClr>
+          </a:lnRef>
+          <a:fillRef idx="1">
+            <a:schemeClr val="accent1"/>
+          </a:fillRef>
+          <a:effectRef idx="0">
+            <a:schemeClr val="accent1"/>
+          </a:effectRef>
+          <a:fontRef idx="minor">
+            <a:schemeClr val="lt1"/>
+          </a:fontRef>
+        </p:style>
+        <p:txBody>
+          <a:bodyPr rtlCol="0" anchor="ctr"/>
+          <a:lstStyle/>
+          <a:p>
+            <a:pPr algn="ctr"/>
+            <a:endParaRPr lang="en-GB"/>
+          </a:p>
+        </p:txBody>
+      </p:sp>
+      <p:sp>
+        <p:nvSpPr>
+          <p:cNvPr id="9" name="Rectangle 8">
+            <a:extLst>
+              <a:ext uri="{FF2B5EF4-FFF2-40B4-BE49-F238E27FC236}">
+                <a16:creationId xmlns:a16="http://schemas.microsoft.com/office/drawing/2014/main" id="{81F72B1E-BA50-4836-90F4-4FE5D93DC586}"/>
+              </a:ext>
+            </a:extLst>
+          </p:cNvPr>
+          <p:cNvSpPr/>
+          <p:nvPr/>
+        </p:nvSpPr>
+        <p:spPr>
+          <a:xfrm>
+            <a:off x="180975" y="2522796"/>
+            <a:ext cx="12011025" cy="2490451"/>
+          </a:xfrm>
+          <a:prstGeom prst="rect">
+            <a:avLst/>
+          </a:prstGeom>
+          <a:solidFill>
+            <a:schemeClr val="bg1">
+              <a:alpha val="81000"/>
+            </a:schemeClr>
+          </a:solidFill>
+          <a:ln>
+            <a:noFill/>
+          </a:ln>
+        </p:spPr>
+        <p:style>
+          <a:lnRef idx="2">
+            <a:schemeClr val="accent1">
+              <a:shade val="50000"/>
+            </a:schemeClr>
+          </a:lnRef>
+          <a:fillRef idx="1">
+            <a:schemeClr val="accent1"/>
+          </a:fillRef>
+          <a:effectRef idx="0">
+            <a:schemeClr val="accent1"/>
+          </a:effectRef>
+          <a:fontRef idx="minor">
+            <a:schemeClr val="lt1"/>
+          </a:fontRef>
+        </p:style>
+        <p:txBody>
+          <a:bodyPr rtlCol="0" anchor="ctr"/>
+          <a:lstStyle/>
+          <a:p>
+            <a:pPr algn="ctr"/>
+            <a:endParaRPr lang="en-GB"/>
+          </a:p>
+        </p:txBody>
+      </p:sp>
     </p:spTree>
     <p:extLst>
       <p:ext uri="{BB962C8B-B14F-4D97-AF65-F5344CB8AC3E}">
@@ -20547,6 +25012,200 @@
   <p:clrMapOvr>
     <a:masterClrMapping/>
   </p:clrMapOvr>
+  <p:timing>
+    <p:tnLst>
+      <p:par>
+        <p:cTn id="1" dur="indefinite" restart="never" nodeType="tmRoot">
+          <p:childTnLst>
+            <p:seq concurrent="1" nextAc="seek">
+              <p:cTn id="2" dur="indefinite" nodeType="mainSeq">
+                <p:childTnLst>
+                  <p:par>
+                    <p:cTn id="3" fill="hold">
+                      <p:stCondLst>
+                        <p:cond delay="indefinite"/>
+                      </p:stCondLst>
+                      <p:childTnLst>
+                        <p:par>
+                          <p:cTn id="4" fill="hold">
+                            <p:stCondLst>
+                              <p:cond delay="0"/>
+                            </p:stCondLst>
+                            <p:childTnLst>
+                              <p:par>
+                                <p:cTn id="5" presetID="22" presetClass="exit" presetSubtype="1" fill="hold" grpId="0" nodeType="clickEffect">
+                                  <p:stCondLst>
+                                    <p:cond delay="0"/>
+                                  </p:stCondLst>
+                                  <p:childTnLst>
+                                    <p:animEffect transition="out" filter="wipe(up)">
+                                      <p:cBhvr>
+                                        <p:cTn id="6" dur="500"/>
+                                        <p:tgtEl>
+                                          <p:spTgt spid="9"/>
+                                        </p:tgtEl>
+                                      </p:cBhvr>
+                                    </p:animEffect>
+                                    <p:set>
+                                      <p:cBhvr>
+                                        <p:cTn id="7" dur="1" fill="hold">
+                                          <p:stCondLst>
+                                            <p:cond delay="499"/>
+                                          </p:stCondLst>
+                                        </p:cTn>
+                                        <p:tgtEl>
+                                          <p:spTgt spid="9"/>
+                                        </p:tgtEl>
+                                        <p:attrNameLst>
+                                          <p:attrName>style.visibility</p:attrName>
+                                        </p:attrNameLst>
+                                      </p:cBhvr>
+                                      <p:to>
+                                        <p:strVal val="hidden"/>
+                                      </p:to>
+                                    </p:set>
+                                  </p:childTnLst>
+                                </p:cTn>
+                              </p:par>
+                            </p:childTnLst>
+                          </p:cTn>
+                        </p:par>
+                      </p:childTnLst>
+                    </p:cTn>
+                  </p:par>
+                  <p:par>
+                    <p:cTn id="8" fill="hold">
+                      <p:stCondLst>
+                        <p:cond delay="indefinite"/>
+                      </p:stCondLst>
+                      <p:childTnLst>
+                        <p:par>
+                          <p:cTn id="9" fill="hold">
+                            <p:stCondLst>
+                              <p:cond delay="0"/>
+                            </p:stCondLst>
+                            <p:childTnLst>
+                              <p:par>
+                                <p:cTn id="10" presetID="22" presetClass="exit" presetSubtype="1" fill="hold" grpId="0" nodeType="clickEffect">
+                                  <p:stCondLst>
+                                    <p:cond delay="0"/>
+                                  </p:stCondLst>
+                                  <p:childTnLst>
+                                    <p:animEffect transition="out" filter="wipe(up)">
+                                      <p:cBhvr>
+                                        <p:cTn id="11" dur="500"/>
+                                        <p:tgtEl>
+                                          <p:spTgt spid="8"/>
+                                        </p:tgtEl>
+                                      </p:cBhvr>
+                                    </p:animEffect>
+                                    <p:set>
+                                      <p:cBhvr>
+                                        <p:cTn id="12" dur="1" fill="hold">
+                                          <p:stCondLst>
+                                            <p:cond delay="499"/>
+                                          </p:stCondLst>
+                                        </p:cTn>
+                                        <p:tgtEl>
+                                          <p:spTgt spid="8"/>
+                                        </p:tgtEl>
+                                        <p:attrNameLst>
+                                          <p:attrName>style.visibility</p:attrName>
+                                        </p:attrNameLst>
+                                      </p:cBhvr>
+                                      <p:to>
+                                        <p:strVal val="hidden"/>
+                                      </p:to>
+                                    </p:set>
+                                  </p:childTnLst>
+                                </p:cTn>
+                              </p:par>
+                            </p:childTnLst>
+                          </p:cTn>
+                        </p:par>
+                      </p:childTnLst>
+                    </p:cTn>
+                  </p:par>
+                  <p:par>
+                    <p:cTn id="13" fill="hold">
+                      <p:stCondLst>
+                        <p:cond delay="indefinite"/>
+                      </p:stCondLst>
+                      <p:childTnLst>
+                        <p:par>
+                          <p:cTn id="14" fill="hold">
+                            <p:stCondLst>
+                              <p:cond delay="0"/>
+                            </p:stCondLst>
+                            <p:childTnLst>
+                              <p:par>
+                                <p:cTn id="15" presetID="22" presetClass="exit" presetSubtype="1" fill="hold" grpId="0" nodeType="clickEffect">
+                                  <p:stCondLst>
+                                    <p:cond delay="0"/>
+                                  </p:stCondLst>
+                                  <p:childTnLst>
+                                    <p:animEffect transition="out" filter="wipe(up)">
+                                      <p:cBhvr>
+                                        <p:cTn id="16" dur="500"/>
+                                        <p:tgtEl>
+                                          <p:spTgt spid="6"/>
+                                        </p:tgtEl>
+                                      </p:cBhvr>
+                                    </p:animEffect>
+                                    <p:set>
+                                      <p:cBhvr>
+                                        <p:cTn id="17" dur="1" fill="hold">
+                                          <p:stCondLst>
+                                            <p:cond delay="499"/>
+                                          </p:stCondLst>
+                                        </p:cTn>
+                                        <p:tgtEl>
+                                          <p:spTgt spid="6"/>
+                                        </p:tgtEl>
+                                        <p:attrNameLst>
+                                          <p:attrName>style.visibility</p:attrName>
+                                        </p:attrNameLst>
+                                      </p:cBhvr>
+                                      <p:to>
+                                        <p:strVal val="hidden"/>
+                                      </p:to>
+                                    </p:set>
+                                  </p:childTnLst>
+                                </p:cTn>
+                              </p:par>
+                            </p:childTnLst>
+                          </p:cTn>
+                        </p:par>
+                      </p:childTnLst>
+                    </p:cTn>
+                  </p:par>
+                </p:childTnLst>
+              </p:cTn>
+              <p:prevCondLst>
+                <p:cond evt="onPrev" delay="0">
+                  <p:tgtEl>
+                    <p:sldTgt/>
+                  </p:tgtEl>
+                </p:cond>
+              </p:prevCondLst>
+              <p:nextCondLst>
+                <p:cond evt="onNext" delay="0">
+                  <p:tgtEl>
+                    <p:sldTgt/>
+                  </p:tgtEl>
+                </p:cond>
+              </p:nextCondLst>
+            </p:seq>
+          </p:childTnLst>
+        </p:cTn>
+      </p:par>
+    </p:tnLst>
+    <p:bldLst>
+      <p:bldP spid="6" grpId="0" animBg="1"/>
+      <p:bldP spid="8" grpId="0" animBg="1"/>
+      <p:bldP spid="9" grpId="0" animBg="1"/>
+    </p:bldLst>
+  </p:timing>
 </p:sld>
 </file>
 
@@ -20591,7 +25250,7 @@
         </p:spPr>
         <p:txBody>
           <a:bodyPr>
-            <a:normAutofit lnSpcReduction="10000"/>
+            <a:normAutofit/>
           </a:bodyPr>
           <a:lstStyle/>
           <a:p>
@@ -20756,286 +25415,6 @@
               <a:t>resistance</a:t>
             </a:r>
             <a:endParaRPr lang="fr-FR" sz="1800" dirty="0"/>
-          </a:p>
-          <a:p>
-            <a:r>
-              <a:rPr lang="fr-FR" sz="1800" dirty="0" err="1"/>
-              <a:t>Individuals</a:t>
-            </a:r>
-            <a:r>
-              <a:rPr lang="fr-FR" sz="1800" dirty="0"/>
-              <a:t> </a:t>
-            </a:r>
-            <a:r>
-              <a:rPr lang="fr-FR" sz="1800" dirty="0" err="1"/>
-              <a:t>created</a:t>
-            </a:r>
-            <a:r>
-              <a:rPr lang="fr-FR" sz="1800" dirty="0"/>
-              <a:t> </a:t>
-            </a:r>
-            <a:r>
-              <a:rPr lang="fr-FR" sz="1800" dirty="0" err="1"/>
-              <a:t>through</a:t>
-            </a:r>
-            <a:r>
-              <a:rPr lang="fr-FR" sz="1800" dirty="0"/>
-              <a:t> </a:t>
-            </a:r>
-            <a:r>
-              <a:rPr lang="fr-FR" sz="1800" dirty="0" err="1"/>
-              <a:t>crossing</a:t>
-            </a:r>
-            <a:r>
-              <a:rPr lang="fr-FR" sz="1800" dirty="0"/>
-              <a:t> (non-</a:t>
-            </a:r>
-            <a:r>
-              <a:rPr lang="fr-FR" sz="1800" dirty="0" err="1"/>
-              <a:t>random</a:t>
-            </a:r>
-            <a:r>
-              <a:rPr lang="fr-FR" sz="1800" dirty="0"/>
-              <a:t> </a:t>
-            </a:r>
-            <a:r>
-              <a:rPr lang="fr-FR" sz="1800" dirty="0" err="1"/>
-              <a:t>mating</a:t>
-            </a:r>
-            <a:r>
-              <a:rPr lang="fr-FR" sz="1800" dirty="0"/>
-              <a:t>) are like relatives </a:t>
-            </a:r>
-            <a:r>
-              <a:rPr lang="fr-FR" sz="1800" dirty="0">
-                <a:sym typeface="Wingdings" panose="05000000000000000000" pitchFamily="2" charset="2"/>
-              </a:rPr>
-              <a:t> </a:t>
-            </a:r>
-            <a:r>
-              <a:rPr lang="fr-FR" sz="1800" dirty="0" err="1">
-                <a:sym typeface="Wingdings" panose="05000000000000000000" pitchFamily="2" charset="2"/>
-              </a:rPr>
-              <a:t>they</a:t>
-            </a:r>
-            <a:r>
-              <a:rPr lang="fr-FR" sz="1800" dirty="0">
-                <a:sym typeface="Wingdings" panose="05000000000000000000" pitchFamily="2" charset="2"/>
-              </a:rPr>
-              <a:t> have </a:t>
-            </a:r>
-            <a:r>
-              <a:rPr lang="fr-FR" sz="1800" dirty="0" err="1">
-                <a:sym typeface="Wingdings" panose="05000000000000000000" pitchFamily="2" charset="2"/>
-              </a:rPr>
-              <a:t>phenotypic</a:t>
-            </a:r>
-            <a:r>
-              <a:rPr lang="fr-FR" sz="1800" dirty="0">
-                <a:sym typeface="Wingdings" panose="05000000000000000000" pitchFamily="2" charset="2"/>
-              </a:rPr>
-              <a:t> </a:t>
-            </a:r>
-            <a:r>
-              <a:rPr lang="fr-FR" sz="1800" dirty="0" err="1">
-                <a:sym typeface="Wingdings" panose="05000000000000000000" pitchFamily="2" charset="2"/>
-              </a:rPr>
-              <a:t>resemblance</a:t>
-            </a:r>
-            <a:endParaRPr lang="fr-FR" sz="1800" dirty="0">
-              <a:sym typeface="Wingdings" panose="05000000000000000000" pitchFamily="2" charset="2"/>
-            </a:endParaRPr>
-          </a:p>
-          <a:p>
-            <a:r>
-              <a:rPr lang="fr-FR" sz="1800" dirty="0" err="1">
-                <a:sym typeface="Wingdings" panose="05000000000000000000" pitchFamily="2" charset="2"/>
-              </a:rPr>
-              <a:t>Phenotypic</a:t>
-            </a:r>
-            <a:r>
-              <a:rPr lang="fr-FR" sz="1800" dirty="0">
-                <a:sym typeface="Wingdings" panose="05000000000000000000" pitchFamily="2" charset="2"/>
-              </a:rPr>
-              <a:t> </a:t>
-            </a:r>
-            <a:r>
-              <a:rPr lang="fr-FR" sz="1800" dirty="0" err="1">
-                <a:sym typeface="Wingdings" panose="05000000000000000000" pitchFamily="2" charset="2"/>
-              </a:rPr>
-              <a:t>resemblance</a:t>
-            </a:r>
-            <a:r>
-              <a:rPr lang="fr-FR" sz="1800" dirty="0">
-                <a:sym typeface="Wingdings" panose="05000000000000000000" pitchFamily="2" charset="2"/>
-              </a:rPr>
-              <a:t> </a:t>
-            </a:r>
-            <a:r>
-              <a:rPr lang="fr-FR" sz="1800" dirty="0" err="1">
-                <a:sym typeface="Wingdings" panose="05000000000000000000" pitchFamily="2" charset="2"/>
-              </a:rPr>
-              <a:t>comes</a:t>
-            </a:r>
-            <a:r>
-              <a:rPr lang="fr-FR" sz="1800" dirty="0">
-                <a:sym typeface="Wingdings" panose="05000000000000000000" pitchFamily="2" charset="2"/>
-              </a:rPr>
-              <a:t> </a:t>
-            </a:r>
-            <a:r>
-              <a:rPr lang="fr-FR" sz="1800" dirty="0" err="1">
-                <a:sym typeface="Wingdings" panose="05000000000000000000" pitchFamily="2" charset="2"/>
-              </a:rPr>
-              <a:t>from</a:t>
-            </a:r>
-            <a:r>
-              <a:rPr lang="fr-FR" sz="1800" dirty="0">
-                <a:sym typeface="Wingdings" panose="05000000000000000000" pitchFamily="2" charset="2"/>
-              </a:rPr>
-              <a:t> </a:t>
-            </a:r>
-            <a:r>
-              <a:rPr lang="fr-FR" sz="1800" dirty="0" err="1">
-                <a:sym typeface="Wingdings" panose="05000000000000000000" pitchFamily="2" charset="2"/>
-              </a:rPr>
-              <a:t>genotypic</a:t>
-            </a:r>
-            <a:r>
-              <a:rPr lang="fr-FR" sz="1800" dirty="0">
-                <a:sym typeface="Wingdings" panose="05000000000000000000" pitchFamily="2" charset="2"/>
-              </a:rPr>
-              <a:t> </a:t>
-            </a:r>
-            <a:r>
-              <a:rPr lang="fr-FR" sz="1800" dirty="0" err="1">
-                <a:sym typeface="Wingdings" panose="05000000000000000000" pitchFamily="2" charset="2"/>
-              </a:rPr>
-              <a:t>resemblance</a:t>
-            </a:r>
-            <a:endParaRPr lang="fr-FR" sz="1800" dirty="0">
-              <a:sym typeface="Wingdings" panose="05000000000000000000" pitchFamily="2" charset="2"/>
-            </a:endParaRPr>
-          </a:p>
-          <a:p>
-            <a:r>
-              <a:rPr lang="fr-FR" sz="1800" dirty="0" err="1">
-                <a:sym typeface="Wingdings" panose="05000000000000000000" pitchFamily="2" charset="2"/>
-              </a:rPr>
-              <a:t>Another</a:t>
-            </a:r>
-            <a:r>
-              <a:rPr lang="fr-FR" sz="1800" dirty="0">
-                <a:sym typeface="Wingdings" panose="05000000000000000000" pitchFamily="2" charset="2"/>
-              </a:rPr>
-              <a:t> </a:t>
-            </a:r>
-            <a:r>
-              <a:rPr lang="fr-FR" sz="1800" dirty="0" err="1">
-                <a:sym typeface="Wingdings" panose="05000000000000000000" pitchFamily="2" charset="2"/>
-              </a:rPr>
-              <a:t>characteristic</a:t>
-            </a:r>
-            <a:r>
-              <a:rPr lang="fr-FR" sz="1800" dirty="0">
-                <a:sym typeface="Wingdings" panose="05000000000000000000" pitchFamily="2" charset="2"/>
-              </a:rPr>
-              <a:t>: </a:t>
-            </a:r>
-            <a:r>
-              <a:rPr lang="fr-FR" sz="1800" dirty="0" err="1">
-                <a:sym typeface="Wingdings" panose="05000000000000000000" pitchFamily="2" charset="2"/>
-              </a:rPr>
-              <a:t>they</a:t>
-            </a:r>
-            <a:r>
-              <a:rPr lang="fr-FR" sz="1800" dirty="0">
-                <a:sym typeface="Wingdings" panose="05000000000000000000" pitchFamily="2" charset="2"/>
-              </a:rPr>
-              <a:t> have </a:t>
-            </a:r>
-            <a:r>
-              <a:rPr lang="fr-FR" sz="1800" dirty="0" err="1">
-                <a:sym typeface="Wingdings" panose="05000000000000000000" pitchFamily="2" charset="2"/>
-              </a:rPr>
-              <a:t>low</a:t>
-            </a:r>
-            <a:r>
-              <a:rPr lang="fr-FR" sz="1800" dirty="0">
-                <a:sym typeface="Wingdings" panose="05000000000000000000" pitchFamily="2" charset="2"/>
-              </a:rPr>
-              <a:t> </a:t>
-            </a:r>
-            <a:r>
-              <a:rPr lang="fr-FR" sz="1800" dirty="0" err="1">
-                <a:sym typeface="Wingdings" panose="05000000000000000000" pitchFamily="2" charset="2"/>
-              </a:rPr>
-              <a:t>degree</a:t>
-            </a:r>
-            <a:r>
-              <a:rPr lang="fr-FR" sz="1800" dirty="0">
-                <a:sym typeface="Wingdings" panose="05000000000000000000" pitchFamily="2" charset="2"/>
-              </a:rPr>
-              <a:t> of </a:t>
-            </a:r>
-            <a:r>
-              <a:rPr lang="fr-FR" sz="1800" dirty="0" err="1">
-                <a:sym typeface="Wingdings" panose="05000000000000000000" pitchFamily="2" charset="2"/>
-              </a:rPr>
-              <a:t>recombination</a:t>
-            </a:r>
-            <a:r>
-              <a:rPr lang="fr-FR" sz="1800" dirty="0">
-                <a:sym typeface="Wingdings" panose="05000000000000000000" pitchFamily="2" charset="2"/>
-              </a:rPr>
-              <a:t>  </a:t>
-            </a:r>
-            <a:r>
-              <a:rPr lang="fr-FR" sz="1800" dirty="0" err="1">
-                <a:sym typeface="Wingdings" panose="05000000000000000000" pitchFamily="2" charset="2"/>
-              </a:rPr>
-              <a:t>this</a:t>
-            </a:r>
-            <a:r>
-              <a:rPr lang="fr-FR" sz="1800" dirty="0">
-                <a:sym typeface="Wingdings" panose="05000000000000000000" pitchFamily="2" charset="2"/>
-              </a:rPr>
-              <a:t> </a:t>
-            </a:r>
-            <a:r>
-              <a:rPr lang="fr-FR" sz="1800" dirty="0" err="1">
-                <a:sym typeface="Wingdings" panose="05000000000000000000" pitchFamily="2" charset="2"/>
-              </a:rPr>
-              <a:t>is</a:t>
-            </a:r>
-            <a:r>
-              <a:rPr lang="fr-FR" sz="1800" dirty="0">
-                <a:sym typeface="Wingdings" panose="05000000000000000000" pitchFamily="2" charset="2"/>
-              </a:rPr>
-              <a:t> the factor of </a:t>
-            </a:r>
-            <a:r>
-              <a:rPr lang="fr-FR" sz="1800" dirty="0" err="1">
-                <a:sym typeface="Wingdings" panose="05000000000000000000" pitchFamily="2" charset="2"/>
-              </a:rPr>
-              <a:t>their</a:t>
-            </a:r>
-            <a:r>
-              <a:rPr lang="fr-FR" sz="1800" dirty="0">
-                <a:sym typeface="Wingdings" panose="05000000000000000000" pitchFamily="2" charset="2"/>
-              </a:rPr>
-              <a:t> </a:t>
-            </a:r>
-            <a:r>
-              <a:rPr lang="fr-FR" sz="1800" dirty="0" err="1">
-                <a:sym typeface="Wingdings" panose="05000000000000000000" pitchFamily="2" charset="2"/>
-              </a:rPr>
-              <a:t>resemblance</a:t>
-            </a:r>
-            <a:endParaRPr lang="fr-FR" sz="1800" dirty="0"/>
-          </a:p>
-          <a:p>
-            <a:endParaRPr lang="en-GB" sz="1800" b="1" dirty="0"/>
           </a:p>
         </p:txBody>
       </p:sp>
@@ -21063,7 +25442,7 @@
         </p:spPr>
         <p:txBody>
           <a:bodyPr>
-            <a:normAutofit lnSpcReduction="10000"/>
+            <a:normAutofit/>
           </a:bodyPr>
           <a:lstStyle/>
           <a:p>
@@ -21282,250 +25661,6 @@
               <a:rPr lang="fr-FR" sz="1800" dirty="0"/>
               <a:t>. </a:t>
             </a:r>
-          </a:p>
-          <a:p>
-            <a:r>
-              <a:rPr lang="fr-FR" sz="1800" dirty="0" err="1"/>
-              <a:t>Individuals</a:t>
-            </a:r>
-            <a:r>
-              <a:rPr lang="fr-FR" sz="1800" dirty="0"/>
-              <a:t> </a:t>
-            </a:r>
-            <a:r>
-              <a:rPr lang="fr-FR" sz="1800" dirty="0" err="1"/>
-              <a:t>collected</a:t>
-            </a:r>
-            <a:r>
-              <a:rPr lang="fr-FR" sz="1800" dirty="0"/>
-              <a:t> </a:t>
-            </a:r>
-            <a:r>
-              <a:rPr lang="fr-FR" sz="1800" dirty="0" err="1"/>
-              <a:t>from</a:t>
-            </a:r>
-            <a:r>
-              <a:rPr lang="fr-FR" sz="1800" dirty="0"/>
-              <a:t> </a:t>
-            </a:r>
-            <a:r>
-              <a:rPr lang="fr-FR" sz="1800" dirty="0" err="1"/>
-              <a:t>natural</a:t>
-            </a:r>
-            <a:r>
-              <a:rPr lang="fr-FR" sz="1800" dirty="0"/>
-              <a:t> populations are </a:t>
-            </a:r>
-            <a:r>
-              <a:rPr lang="fr-FR" sz="1800" dirty="0" err="1"/>
-              <a:t>created</a:t>
-            </a:r>
-            <a:r>
-              <a:rPr lang="fr-FR" sz="1800" dirty="0"/>
-              <a:t> </a:t>
-            </a:r>
-            <a:r>
-              <a:rPr lang="fr-FR" sz="1800" dirty="0" err="1"/>
-              <a:t>through</a:t>
-            </a:r>
-            <a:r>
-              <a:rPr lang="fr-FR" sz="1800" dirty="0"/>
-              <a:t> </a:t>
-            </a:r>
-            <a:r>
-              <a:rPr lang="fr-FR" sz="1800" dirty="0" err="1"/>
-              <a:t>outcrossing</a:t>
-            </a:r>
-            <a:r>
-              <a:rPr lang="fr-FR" sz="1800" dirty="0"/>
-              <a:t> (</a:t>
-            </a:r>
-            <a:r>
-              <a:rPr lang="fr-FR" sz="1800" dirty="0" err="1"/>
-              <a:t>random</a:t>
-            </a:r>
-            <a:r>
-              <a:rPr lang="fr-FR" sz="1800" dirty="0"/>
-              <a:t> </a:t>
-            </a:r>
-            <a:r>
-              <a:rPr lang="fr-FR" sz="1800" dirty="0" err="1"/>
-              <a:t>mating</a:t>
-            </a:r>
-            <a:r>
-              <a:rPr lang="fr-FR" sz="1800" dirty="0"/>
-              <a:t>)</a:t>
-            </a:r>
-          </a:p>
-          <a:p>
-            <a:r>
-              <a:rPr lang="fr-FR" sz="1800" dirty="0" err="1"/>
-              <a:t>They</a:t>
-            </a:r>
-            <a:r>
-              <a:rPr lang="fr-FR" sz="1800" dirty="0"/>
-              <a:t> </a:t>
-            </a:r>
-            <a:r>
-              <a:rPr lang="fr-FR" sz="1800" dirty="0" err="1"/>
-              <a:t>may</a:t>
-            </a:r>
-            <a:r>
-              <a:rPr lang="fr-FR" sz="1800" dirty="0"/>
-              <a:t> have </a:t>
-            </a:r>
-            <a:r>
-              <a:rPr lang="fr-FR" sz="1800" dirty="0" err="1"/>
-              <a:t>phenotypic</a:t>
-            </a:r>
-            <a:r>
-              <a:rPr lang="fr-FR" sz="1800" dirty="0"/>
-              <a:t> </a:t>
-            </a:r>
-            <a:r>
-              <a:rPr lang="fr-FR" sz="1800" dirty="0" err="1"/>
-              <a:t>resemblance</a:t>
-            </a:r>
-            <a:r>
-              <a:rPr lang="fr-FR" sz="1800" dirty="0"/>
-              <a:t> </a:t>
-            </a:r>
-            <a:r>
-              <a:rPr lang="fr-FR" sz="1800" dirty="0" err="1"/>
-              <a:t>that</a:t>
-            </a:r>
-            <a:r>
-              <a:rPr lang="fr-FR" sz="1800" dirty="0"/>
-              <a:t> </a:t>
-            </a:r>
-            <a:r>
-              <a:rPr lang="fr-FR" sz="1800" dirty="0" err="1"/>
-              <a:t>comes</a:t>
-            </a:r>
-            <a:r>
-              <a:rPr lang="fr-FR" sz="1800" dirty="0"/>
-              <a:t> </a:t>
-            </a:r>
-            <a:r>
-              <a:rPr lang="fr-FR" sz="1800" dirty="0" err="1"/>
-              <a:t>from</a:t>
-            </a:r>
-            <a:r>
-              <a:rPr lang="fr-FR" sz="1800" dirty="0"/>
-              <a:t> interactions </a:t>
-            </a:r>
-            <a:r>
-              <a:rPr lang="fr-FR" sz="1800" dirty="0" err="1"/>
-              <a:t>between</a:t>
-            </a:r>
-            <a:r>
-              <a:rPr lang="fr-FR" sz="1800" dirty="0"/>
-              <a:t> </a:t>
-            </a:r>
-            <a:r>
-              <a:rPr lang="fr-FR" sz="1800" dirty="0" err="1"/>
-              <a:t>different</a:t>
-            </a:r>
-            <a:r>
-              <a:rPr lang="fr-FR" sz="1800" dirty="0"/>
-              <a:t> </a:t>
-            </a:r>
-            <a:r>
-              <a:rPr lang="fr-FR" sz="1800" dirty="0" err="1"/>
-              <a:t>gene</a:t>
-            </a:r>
-            <a:r>
-              <a:rPr lang="fr-FR" sz="1800" dirty="0"/>
-              <a:t> variants or </a:t>
-            </a:r>
-            <a:r>
-              <a:rPr lang="fr-FR" sz="1800" dirty="0" err="1"/>
-              <a:t>from</a:t>
-            </a:r>
-            <a:r>
-              <a:rPr lang="fr-FR" sz="1800" dirty="0"/>
-              <a:t> </a:t>
-            </a:r>
-            <a:r>
-              <a:rPr lang="fr-FR" sz="1800" dirty="0" err="1"/>
-              <a:t>genotypic</a:t>
-            </a:r>
-            <a:r>
-              <a:rPr lang="fr-FR" sz="1800" dirty="0"/>
-              <a:t> </a:t>
-            </a:r>
-            <a:r>
-              <a:rPr lang="fr-FR" sz="1800" dirty="0" err="1"/>
-              <a:t>resemblance</a:t>
-            </a:r>
-            <a:endParaRPr lang="fr-FR" sz="1800" dirty="0"/>
-          </a:p>
-          <a:p>
-            <a:r>
-              <a:rPr lang="fr-FR" sz="1800" dirty="0" err="1"/>
-              <a:t>Another</a:t>
-            </a:r>
-            <a:r>
-              <a:rPr lang="fr-FR" sz="1800" dirty="0"/>
-              <a:t> </a:t>
-            </a:r>
-            <a:r>
-              <a:rPr lang="fr-FR" sz="1800" dirty="0" err="1"/>
-              <a:t>characteristic</a:t>
-            </a:r>
-            <a:r>
-              <a:rPr lang="fr-FR" sz="1800" dirty="0"/>
-              <a:t>: </a:t>
-            </a:r>
-            <a:r>
-              <a:rPr lang="fr-FR" sz="1800" dirty="0" err="1"/>
-              <a:t>they</a:t>
-            </a:r>
-            <a:r>
-              <a:rPr lang="fr-FR" sz="1800" dirty="0"/>
-              <a:t> have high </a:t>
-            </a:r>
-            <a:r>
-              <a:rPr lang="fr-FR" sz="1800" dirty="0" err="1"/>
-              <a:t>degree</a:t>
-            </a:r>
-            <a:r>
-              <a:rPr lang="fr-FR" sz="1800" dirty="0"/>
-              <a:t> of </a:t>
-            </a:r>
-            <a:r>
-              <a:rPr lang="fr-FR" sz="1800" dirty="0" err="1"/>
-              <a:t>recombination</a:t>
-            </a:r>
-            <a:r>
-              <a:rPr lang="fr-FR" sz="1800" dirty="0"/>
-              <a:t> </a:t>
-            </a:r>
-            <a:r>
-              <a:rPr lang="fr-FR" sz="1800" dirty="0">
-                <a:sym typeface="Wingdings" panose="05000000000000000000" pitchFamily="2" charset="2"/>
-              </a:rPr>
-              <a:t> the factor of </a:t>
-            </a:r>
-            <a:r>
-              <a:rPr lang="fr-FR" sz="1800" dirty="0" err="1">
-                <a:sym typeface="Wingdings" panose="05000000000000000000" pitchFamily="2" charset="2"/>
-              </a:rPr>
-              <a:t>their</a:t>
-            </a:r>
-            <a:r>
-              <a:rPr lang="fr-FR" sz="1800" dirty="0">
-                <a:sym typeface="Wingdings" panose="05000000000000000000" pitchFamily="2" charset="2"/>
-              </a:rPr>
-              <a:t> </a:t>
-            </a:r>
-            <a:r>
-              <a:rPr lang="fr-FR" sz="1800" dirty="0" err="1">
-                <a:sym typeface="Wingdings" panose="05000000000000000000" pitchFamily="2" charset="2"/>
-              </a:rPr>
-              <a:t>resemblance</a:t>
-            </a:r>
-            <a:endParaRPr lang="en-GB" sz="1800" dirty="0"/>
           </a:p>
         </p:txBody>
       </p:sp>
@@ -21639,168 +25774,6 @@
       </p:sp>
       <p:sp>
         <p:nvSpPr>
-          <p:cNvPr id="7" name="Rectangle 6">
-            <a:extLst>
-              <a:ext uri="{FF2B5EF4-FFF2-40B4-BE49-F238E27FC236}">
-                <a16:creationId xmlns:a16="http://schemas.microsoft.com/office/drawing/2014/main" id="{4162C921-5102-4AE5-B72F-EB7A5B55C3FD}"/>
-              </a:ext>
-            </a:extLst>
-          </p:cNvPr>
-          <p:cNvSpPr/>
-          <p:nvPr/>
-        </p:nvSpPr>
-        <p:spPr>
-          <a:xfrm>
-            <a:off x="180975" y="5005894"/>
-            <a:ext cx="12011025" cy="1062038"/>
-          </a:xfrm>
-          <a:prstGeom prst="rect">
-            <a:avLst/>
-          </a:prstGeom>
-          <a:solidFill>
-            <a:schemeClr val="bg1">
-              <a:alpha val="81000"/>
-            </a:schemeClr>
-          </a:solidFill>
-          <a:ln>
-            <a:noFill/>
-          </a:ln>
-        </p:spPr>
-        <p:style>
-          <a:lnRef idx="2">
-            <a:schemeClr val="accent1">
-              <a:shade val="50000"/>
-            </a:schemeClr>
-          </a:lnRef>
-          <a:fillRef idx="1">
-            <a:schemeClr val="accent1"/>
-          </a:fillRef>
-          <a:effectRef idx="0">
-            <a:schemeClr val="accent1"/>
-          </a:effectRef>
-          <a:fontRef idx="minor">
-            <a:schemeClr val="lt1"/>
-          </a:fontRef>
-        </p:style>
-        <p:txBody>
-          <a:bodyPr rtlCol="0" anchor="ctr"/>
-          <a:lstStyle/>
-          <a:p>
-            <a:pPr algn="ctr"/>
-            <a:endParaRPr lang="en-GB"/>
-          </a:p>
-        </p:txBody>
-      </p:sp>
-      <p:sp>
-        <p:nvSpPr>
-          <p:cNvPr id="11" name="Rectangle 10">
-            <a:extLst>
-              <a:ext uri="{FF2B5EF4-FFF2-40B4-BE49-F238E27FC236}">
-                <a16:creationId xmlns:a16="http://schemas.microsoft.com/office/drawing/2014/main" id="{C9F4B57F-F877-4511-9BC8-BC1F1175BB88}"/>
-              </a:ext>
-            </a:extLst>
-          </p:cNvPr>
-          <p:cNvSpPr/>
-          <p:nvPr/>
-        </p:nvSpPr>
-        <p:spPr>
-          <a:xfrm>
-            <a:off x="90487" y="4205410"/>
-            <a:ext cx="12011025" cy="1547690"/>
-          </a:xfrm>
-          <a:prstGeom prst="rect">
-            <a:avLst/>
-          </a:prstGeom>
-          <a:solidFill>
-            <a:schemeClr val="bg1">
-              <a:alpha val="81000"/>
-            </a:schemeClr>
-          </a:solidFill>
-          <a:ln>
-            <a:noFill/>
-          </a:ln>
-        </p:spPr>
-        <p:style>
-          <a:lnRef idx="2">
-            <a:schemeClr val="accent1">
-              <a:shade val="50000"/>
-            </a:schemeClr>
-          </a:lnRef>
-          <a:fillRef idx="1">
-            <a:schemeClr val="accent1"/>
-          </a:fillRef>
-          <a:effectRef idx="0">
-            <a:schemeClr val="accent1"/>
-          </a:effectRef>
-          <a:fontRef idx="minor">
-            <a:schemeClr val="lt1"/>
-          </a:fontRef>
-        </p:style>
-        <p:txBody>
-          <a:bodyPr rtlCol="0" anchor="ctr"/>
-          <a:lstStyle/>
-          <a:p>
-            <a:pPr algn="ctr"/>
-            <a:endParaRPr lang="en-GB"/>
-          </a:p>
-        </p:txBody>
-      </p:sp>
-      <p:sp>
-        <p:nvSpPr>
-          <p:cNvPr id="12" name="Rectangle 11">
-            <a:extLst>
-              <a:ext uri="{FF2B5EF4-FFF2-40B4-BE49-F238E27FC236}">
-                <a16:creationId xmlns:a16="http://schemas.microsoft.com/office/drawing/2014/main" id="{64A4AC78-F2F0-45BE-A2C3-450EE287C5BA}"/>
-              </a:ext>
-            </a:extLst>
-          </p:cNvPr>
-          <p:cNvSpPr/>
-          <p:nvPr/>
-        </p:nvSpPr>
-        <p:spPr>
-          <a:xfrm>
-            <a:off x="0" y="3629025"/>
-            <a:ext cx="12011025" cy="1866900"/>
-          </a:xfrm>
-          <a:prstGeom prst="rect">
-            <a:avLst/>
-          </a:prstGeom>
-          <a:solidFill>
-            <a:schemeClr val="bg1">
-              <a:alpha val="81000"/>
-            </a:schemeClr>
-          </a:solidFill>
-          <a:ln>
-            <a:noFill/>
-          </a:ln>
-        </p:spPr>
-        <p:style>
-          <a:lnRef idx="2">
-            <a:schemeClr val="accent1">
-              <a:shade val="50000"/>
-            </a:schemeClr>
-          </a:lnRef>
-          <a:fillRef idx="1">
-            <a:schemeClr val="accent1"/>
-          </a:fillRef>
-          <a:effectRef idx="0">
-            <a:schemeClr val="accent1"/>
-          </a:effectRef>
-          <a:fontRef idx="minor">
-            <a:schemeClr val="lt1"/>
-          </a:fontRef>
-        </p:style>
-        <p:txBody>
-          <a:bodyPr rtlCol="0" anchor="ctr"/>
-          <a:lstStyle/>
-          <a:p>
-            <a:pPr algn="ctr"/>
-            <a:endParaRPr lang="en-GB"/>
-          </a:p>
-        </p:txBody>
-      </p:sp>
-      <p:sp>
-        <p:nvSpPr>
           <p:cNvPr id="13" name="Rectangle 12">
             <a:extLst>
               <a:ext uri="{FF2B5EF4-FFF2-40B4-BE49-F238E27FC236}">
@@ -21813,7 +25786,7 @@
         </p:nvSpPr>
         <p:spPr>
           <a:xfrm>
-            <a:off x="90486" y="2743130"/>
+            <a:off x="180975" y="2789806"/>
             <a:ext cx="12011025" cy="2362270"/>
           </a:xfrm>
           <a:prstGeom prst="rect">
@@ -21924,165 +25897,6 @@
                       </p:childTnLst>
                     </p:cTn>
                   </p:par>
-                  <p:par>
-                    <p:cTn id="8" fill="hold">
-                      <p:stCondLst>
-                        <p:cond delay="indefinite"/>
-                      </p:stCondLst>
-                      <p:childTnLst>
-                        <p:par>
-                          <p:cTn id="9" fill="hold">
-                            <p:stCondLst>
-                              <p:cond delay="0"/>
-                            </p:stCondLst>
-                            <p:childTnLst>
-                              <p:par>
-                                <p:cTn id="10" presetID="22" presetClass="exit" presetSubtype="1" fill="hold" grpId="0" nodeType="clickEffect">
-                                  <p:stCondLst>
-                                    <p:cond delay="0"/>
-                                  </p:stCondLst>
-                                  <p:childTnLst>
-                                    <p:animEffect transition="out" filter="wipe(up)">
-                                      <p:cBhvr>
-                                        <p:cTn id="11" dur="500"/>
-                                        <p:tgtEl>
-                                          <p:spTgt spid="12"/>
-                                        </p:tgtEl>
-                                      </p:cBhvr>
-                                    </p:animEffect>
-                                    <p:set>
-                                      <p:cBhvr>
-                                        <p:cTn id="12" dur="1" fill="hold">
-                                          <p:stCondLst>
-                                            <p:cond delay="499"/>
-                                          </p:stCondLst>
-                                        </p:cTn>
-                                        <p:tgtEl>
-                                          <p:spTgt spid="12"/>
-                                        </p:tgtEl>
-                                        <p:attrNameLst>
-                                          <p:attrName>style.visibility</p:attrName>
-                                        </p:attrNameLst>
-                                      </p:cBhvr>
-                                      <p:to>
-                                        <p:strVal val="hidden"/>
-                                      </p:to>
-                                    </p:set>
-                                  </p:childTnLst>
-                                </p:cTn>
-                              </p:par>
-                            </p:childTnLst>
-                          </p:cTn>
-                        </p:par>
-                      </p:childTnLst>
-                    </p:cTn>
-                  </p:par>
-                  <p:par>
-                    <p:cTn id="13" fill="hold">
-                      <p:stCondLst>
-                        <p:cond delay="indefinite"/>
-                      </p:stCondLst>
-                      <p:childTnLst>
-                        <p:par>
-                          <p:cTn id="14" fill="hold">
-                            <p:stCondLst>
-                              <p:cond delay="0"/>
-                            </p:stCondLst>
-                            <p:childTnLst>
-                              <p:par>
-                                <p:cTn id="15" presetID="22" presetClass="exit" presetSubtype="1" fill="hold" grpId="0" nodeType="clickEffect">
-                                  <p:stCondLst>
-                                    <p:cond delay="0"/>
-                                  </p:stCondLst>
-                                  <p:childTnLst>
-                                    <p:animEffect transition="out" filter="wipe(up)">
-                                      <p:cBhvr>
-                                        <p:cTn id="16" dur="500"/>
-                                        <p:tgtEl>
-                                          <p:spTgt spid="11"/>
-                                        </p:tgtEl>
-                                      </p:cBhvr>
-                                    </p:animEffect>
-                                    <p:set>
-                                      <p:cBhvr>
-                                        <p:cTn id="17" dur="1" fill="hold">
-                                          <p:stCondLst>
-                                            <p:cond delay="499"/>
-                                          </p:stCondLst>
-                                        </p:cTn>
-                                        <p:tgtEl>
-                                          <p:spTgt spid="11"/>
-                                        </p:tgtEl>
-                                        <p:attrNameLst>
-                                          <p:attrName>style.visibility</p:attrName>
-                                        </p:attrNameLst>
-                                      </p:cBhvr>
-                                      <p:to>
-                                        <p:strVal val="hidden"/>
-                                      </p:to>
-                                    </p:set>
-                                  </p:childTnLst>
-                                </p:cTn>
-                              </p:par>
-                            </p:childTnLst>
-                          </p:cTn>
-                        </p:par>
-                      </p:childTnLst>
-                    </p:cTn>
-                  </p:par>
-                  <p:par>
-                    <p:cTn id="18" fill="hold">
-                      <p:stCondLst>
-                        <p:cond delay="indefinite"/>
-                      </p:stCondLst>
-                      <p:childTnLst>
-                        <p:par>
-                          <p:cTn id="19" fill="hold">
-                            <p:stCondLst>
-                              <p:cond delay="0"/>
-                            </p:stCondLst>
-                            <p:childTnLst>
-                              <p:par>
-                                <p:cTn id="20" presetID="22" presetClass="exit" presetSubtype="1" fill="hold" grpId="0" nodeType="clickEffect">
-                                  <p:stCondLst>
-                                    <p:cond delay="0"/>
-                                  </p:stCondLst>
-                                  <p:childTnLst>
-                                    <p:animEffect transition="out" filter="wipe(up)">
-                                      <p:cBhvr>
-                                        <p:cTn id="21" dur="500"/>
-                                        <p:tgtEl>
-                                          <p:spTgt spid="7"/>
-                                        </p:tgtEl>
-                                      </p:cBhvr>
-                                    </p:animEffect>
-                                    <p:set>
-                                      <p:cBhvr>
-                                        <p:cTn id="22" dur="1" fill="hold">
-                                          <p:stCondLst>
-                                            <p:cond delay="499"/>
-                                          </p:stCondLst>
-                                        </p:cTn>
-                                        <p:tgtEl>
-                                          <p:spTgt spid="7"/>
-                                        </p:tgtEl>
-                                        <p:attrNameLst>
-                                          <p:attrName>style.visibility</p:attrName>
-                                        </p:attrNameLst>
-                                      </p:cBhvr>
-                                      <p:to>
-                                        <p:strVal val="hidden"/>
-                                      </p:to>
-                                    </p:set>
-                                  </p:childTnLst>
-                                </p:cTn>
-                              </p:par>
-                            </p:childTnLst>
-                          </p:cTn>
-                        </p:par>
-                      </p:childTnLst>
-                    </p:cTn>
-                  </p:par>
                 </p:childTnLst>
               </p:cTn>
               <p:prevCondLst>
@@ -22105,9 +25919,6 @@
       </p:par>
     </p:tnLst>
     <p:bldLst>
-      <p:bldP spid="7" grpId="0" animBg="1"/>
-      <p:bldP spid="11" grpId="0" animBg="1"/>
-      <p:bldP spid="12" grpId="0" animBg="1"/>
       <p:bldP spid="13" grpId="0" animBg="1"/>
     </p:bldLst>
   </p:timing>

--- a/Advances in quantitative genetics.pptx
+++ b/Advances in quantitative genetics.pptx
@@ -5,7 +5,7 @@
     <p:sldMasterId id="2147483648" r:id="rId1"/>
   </p:sldMasterIdLst>
   <p:notesMasterIdLst>
-    <p:notesMasterId r:id="rId22"/>
+    <p:notesMasterId r:id="rId26"/>
   </p:notesMasterIdLst>
   <p:sldIdLst>
     <p:sldId id="256" r:id="rId2"/>
@@ -26,8 +26,12 @@
     <p:sldId id="282" r:id="rId17"/>
     <p:sldId id="280" r:id="rId18"/>
     <p:sldId id="281" r:id="rId19"/>
-    <p:sldId id="283" r:id="rId20"/>
-    <p:sldId id="264" r:id="rId21"/>
+    <p:sldId id="288" r:id="rId20"/>
+    <p:sldId id="284" r:id="rId21"/>
+    <p:sldId id="286" r:id="rId22"/>
+    <p:sldId id="285" r:id="rId23"/>
+    <p:sldId id="287" r:id="rId24"/>
+    <p:sldId id="264" r:id="rId25"/>
   </p:sldIdLst>
   <p:sldSz cx="12192000" cy="6858000"/>
   <p:notesSz cx="6858000" cy="9144000"/>
@@ -2797,7 +2801,7 @@
           <a:p>
             <a:fld id="{5382A8B2-E83E-421A-999B-534A250DDAC6}" type="datetimeFigureOut">
               <a:rPr lang="en-GB" smtClean="0"/>
-              <a:t>09/03/2021</a:t>
+              <a:t>10/03/2021</a:t>
             </a:fld>
             <a:endParaRPr lang="en-GB"/>
           </a:p>
@@ -5299,7 +5303,7 @@
           <a:p>
             <a:fld id="{DB0AD8E7-CDBE-49D3-AC71-02E6DDC9CACC}" type="datetimeFigureOut">
               <a:rPr lang="en-GB" smtClean="0"/>
-              <a:t>09/03/2021</a:t>
+              <a:t>10/03/2021</a:t>
             </a:fld>
             <a:endParaRPr lang="en-GB"/>
           </a:p>
@@ -5499,7 +5503,7 @@
           <a:p>
             <a:fld id="{DB0AD8E7-CDBE-49D3-AC71-02E6DDC9CACC}" type="datetimeFigureOut">
               <a:rPr lang="en-GB" smtClean="0"/>
-              <a:t>09/03/2021</a:t>
+              <a:t>10/03/2021</a:t>
             </a:fld>
             <a:endParaRPr lang="en-GB"/>
           </a:p>
@@ -5709,7 +5713,7 @@
           <a:p>
             <a:fld id="{DB0AD8E7-CDBE-49D3-AC71-02E6DDC9CACC}" type="datetimeFigureOut">
               <a:rPr lang="en-GB" smtClean="0"/>
-              <a:t>09/03/2021</a:t>
+              <a:t>10/03/2021</a:t>
             </a:fld>
             <a:endParaRPr lang="en-GB"/>
           </a:p>
@@ -5909,7 +5913,7 @@
           <a:p>
             <a:fld id="{DB0AD8E7-CDBE-49D3-AC71-02E6DDC9CACC}" type="datetimeFigureOut">
               <a:rPr lang="en-GB" smtClean="0"/>
-              <a:t>09/03/2021</a:t>
+              <a:t>10/03/2021</a:t>
             </a:fld>
             <a:endParaRPr lang="en-GB"/>
           </a:p>
@@ -6185,7 +6189,7 @@
           <a:p>
             <a:fld id="{DB0AD8E7-CDBE-49D3-AC71-02E6DDC9CACC}" type="datetimeFigureOut">
               <a:rPr lang="en-GB" smtClean="0"/>
-              <a:t>09/03/2021</a:t>
+              <a:t>10/03/2021</a:t>
             </a:fld>
             <a:endParaRPr lang="en-GB"/>
           </a:p>
@@ -6453,7 +6457,7 @@
           <a:p>
             <a:fld id="{DB0AD8E7-CDBE-49D3-AC71-02E6DDC9CACC}" type="datetimeFigureOut">
               <a:rPr lang="en-GB" smtClean="0"/>
-              <a:t>09/03/2021</a:t>
+              <a:t>10/03/2021</a:t>
             </a:fld>
             <a:endParaRPr lang="en-GB"/>
           </a:p>
@@ -6868,7 +6872,7 @@
           <a:p>
             <a:fld id="{DB0AD8E7-CDBE-49D3-AC71-02E6DDC9CACC}" type="datetimeFigureOut">
               <a:rPr lang="en-GB" smtClean="0"/>
-              <a:t>09/03/2021</a:t>
+              <a:t>10/03/2021</a:t>
             </a:fld>
             <a:endParaRPr lang="en-GB"/>
           </a:p>
@@ -7010,7 +7014,7 @@
           <a:p>
             <a:fld id="{DB0AD8E7-CDBE-49D3-AC71-02E6DDC9CACC}" type="datetimeFigureOut">
               <a:rPr lang="en-GB" smtClean="0"/>
-              <a:t>09/03/2021</a:t>
+              <a:t>10/03/2021</a:t>
             </a:fld>
             <a:endParaRPr lang="en-GB"/>
           </a:p>
@@ -7123,7 +7127,7 @@
           <a:p>
             <a:fld id="{DB0AD8E7-CDBE-49D3-AC71-02E6DDC9CACC}" type="datetimeFigureOut">
               <a:rPr lang="en-GB" smtClean="0"/>
-              <a:t>09/03/2021</a:t>
+              <a:t>10/03/2021</a:t>
             </a:fld>
             <a:endParaRPr lang="en-GB"/>
           </a:p>
@@ -7436,7 +7440,7 @@
           <a:p>
             <a:fld id="{DB0AD8E7-CDBE-49D3-AC71-02E6DDC9CACC}" type="datetimeFigureOut">
               <a:rPr lang="en-GB" smtClean="0"/>
-              <a:t>09/03/2021</a:t>
+              <a:t>10/03/2021</a:t>
             </a:fld>
             <a:endParaRPr lang="en-GB"/>
           </a:p>
@@ -7725,7 +7729,7 @@
           <a:p>
             <a:fld id="{DB0AD8E7-CDBE-49D3-AC71-02E6DDC9CACC}" type="datetimeFigureOut">
               <a:rPr lang="en-GB" smtClean="0"/>
-              <a:t>09/03/2021</a:t>
+              <a:t>10/03/2021</a:t>
             </a:fld>
             <a:endParaRPr lang="en-GB"/>
           </a:p>
@@ -7968,7 +7972,7 @@
           <a:p>
             <a:fld id="{DB0AD8E7-CDBE-49D3-AC71-02E6DDC9CACC}" type="datetimeFigureOut">
               <a:rPr lang="en-GB" smtClean="0"/>
-              <a:t>09/03/2021</a:t>
+              <a:t>10/03/2021</a:t>
             </a:fld>
             <a:endParaRPr lang="en-GB"/>
           </a:p>
@@ -8667,20 +8671,6 @@
             </a:r>
             <a:endParaRPr lang="en-GB" sz="1600" dirty="0"/>
           </a:p>
-          <a:p>
-            <a:pPr algn="l"/>
-            <a:r>
-              <a:rPr lang="en-GB" sz="1600" dirty="0"/>
-              <a:t>LinkedIn: </a:t>
-            </a:r>
-            <a:r>
-              <a:rPr lang="en-GB" sz="1600" dirty="0">
-                <a:hlinkClick r:id="rId5"/>
-              </a:rPr>
-              <a:t>Firza Riany | LinkedIn</a:t>
-            </a:r>
-            <a:endParaRPr lang="fr-FR" sz="1600" dirty="0"/>
-          </a:p>
         </p:txBody>
       </p:sp>
       <p:sp>
@@ -9092,7 +9082,7 @@
         <p:spPr>
           <a:xfrm>
             <a:off x="822087" y="1691719"/>
-            <a:ext cx="6425021" cy="3693319"/>
+            <a:ext cx="6425021" cy="4247317"/>
           </a:xfrm>
           <a:prstGeom prst="rect">
             <a:avLst/>
@@ -9142,11 +9132,17 @@
           <a:p>
             <a:r>
               <a:rPr lang="fr-FR" dirty="0"/>
-              <a:t>Intuition: </a:t>
-            </a:r>
+              <a:t>Intuition:</a:t>
+            </a:r>
+          </a:p>
+          <a:p>
+            <a:pPr marL="285750" indent="-285750">
+              <a:buFont typeface="Arial" panose="020B0604020202020204" pitchFamily="34" charset="0"/>
+              <a:buChar char="•"/>
+            </a:pPr>
             <a:r>
               <a:rPr lang="fr-FR" dirty="0" err="1"/>
-              <a:t>find</a:t>
+              <a:t>Take</a:t>
             </a:r>
             <a:r>
               <a:rPr lang="fr-FR" dirty="0"/>
@@ -9238,7 +9234,52 @@
             </a:r>
             <a:r>
               <a:rPr lang="fr-FR" dirty="0"/>
-              <a:t> in question and </a:t>
+              <a:t> in question</a:t>
+            </a:r>
+          </a:p>
+          <a:p>
+            <a:pPr marL="285750" indent="-285750">
+              <a:buFont typeface="Arial" panose="020B0604020202020204" pitchFamily="34" charset="0"/>
+              <a:buChar char="•"/>
+            </a:pPr>
+            <a:r>
+              <a:rPr lang="fr-FR" b="1" i="1" dirty="0"/>
+              <a:t>How the </a:t>
+            </a:r>
+            <a:r>
+              <a:rPr lang="fr-FR" b="1" i="1" dirty="0" err="1"/>
+              <a:t>genes</a:t>
+            </a:r>
+            <a:r>
+              <a:rPr lang="fr-FR" b="1" i="1" dirty="0"/>
+              <a:t> are </a:t>
+            </a:r>
+            <a:r>
+              <a:rPr lang="fr-FR" b="1" i="1" dirty="0" err="1"/>
+              <a:t>related</a:t>
+            </a:r>
+            <a:r>
+              <a:rPr lang="fr-FR" b="1" i="1" dirty="0"/>
+              <a:t> </a:t>
+            </a:r>
+            <a:r>
+              <a:rPr lang="fr-FR" dirty="0"/>
+              <a:t>to the </a:t>
+            </a:r>
+            <a:r>
+              <a:rPr lang="fr-FR" dirty="0" err="1"/>
+              <a:t>phenotype</a:t>
+            </a:r>
+            <a:endParaRPr lang="fr-FR" dirty="0"/>
+          </a:p>
+          <a:p>
+            <a:pPr marL="285750" indent="-285750">
+              <a:buFont typeface="Arial" panose="020B0604020202020204" pitchFamily="34" charset="0"/>
+              <a:buChar char="•"/>
+            </a:pPr>
+            <a:r>
+              <a:rPr lang="fr-FR" dirty="0"/>
+              <a:t>And </a:t>
             </a:r>
             <a:r>
               <a:rPr lang="fr-FR" b="1" i="1" dirty="0" err="1"/>
@@ -10480,7 +10521,7 @@
                     <a:p>
                       <a:pPr algn="r" fontAlgn="b"/>
                       <a:r>
-                        <a:rPr lang="en-GB" sz="1600" b="0" i="0" u="none" strike="noStrike">
+                        <a:rPr lang="en-GB" sz="1600" b="0" i="0" u="none" strike="noStrike" dirty="0">
                           <a:solidFill>
                             <a:srgbClr val="000000"/>
                           </a:solidFill>
@@ -10582,7 +10623,7 @@
                     <a:p>
                       <a:pPr algn="r" fontAlgn="b"/>
                       <a:r>
-                        <a:rPr lang="en-GB" sz="1600" b="0" i="0" u="none" strike="noStrike">
+                        <a:rPr lang="en-GB" sz="1600" b="0" i="0" u="none" strike="noStrike" dirty="0">
                           <a:solidFill>
                             <a:srgbClr val="000000"/>
                           </a:solidFill>
@@ -10707,6 +10748,60 @@
           </a:graphicData>
         </a:graphic>
       </p:graphicFrame>
+      <p:sp>
+        <p:nvSpPr>
+          <p:cNvPr id="7" name="Rectangle 6">
+            <a:extLst>
+              <a:ext uri="{FF2B5EF4-FFF2-40B4-BE49-F238E27FC236}">
+                <a16:creationId xmlns:a16="http://schemas.microsoft.com/office/drawing/2014/main" id="{1BEA1C68-967D-4313-8A77-EE9930955B09}"/>
+              </a:ext>
+            </a:extLst>
+          </p:cNvPr>
+          <p:cNvSpPr/>
+          <p:nvPr/>
+        </p:nvSpPr>
+        <p:spPr>
+          <a:xfrm>
+            <a:off x="180975" y="3851241"/>
+            <a:ext cx="7066133" cy="2362270"/>
+          </a:xfrm>
+          <a:prstGeom prst="rect">
+            <a:avLst/>
+          </a:prstGeom>
+          <a:solidFill>
+            <a:schemeClr val="bg1">
+              <a:alpha val="81000"/>
+            </a:schemeClr>
+          </a:solidFill>
+          <a:ln>
+            <a:noFill/>
+          </a:ln>
+        </p:spPr>
+        <p:style>
+          <a:lnRef idx="2">
+            <a:schemeClr val="accent1">
+              <a:shade val="50000"/>
+            </a:schemeClr>
+          </a:lnRef>
+          <a:fillRef idx="1">
+            <a:schemeClr val="accent1"/>
+          </a:fillRef>
+          <a:effectRef idx="0">
+            <a:schemeClr val="accent1"/>
+          </a:effectRef>
+          <a:fontRef idx="minor">
+            <a:schemeClr val="lt1"/>
+          </a:fontRef>
+        </p:style>
+        <p:txBody>
+          <a:bodyPr rtlCol="0" anchor="ctr"/>
+          <a:lstStyle/>
+          <a:p>
+            <a:pPr algn="ctr"/>
+            <a:endParaRPr lang="en-GB"/>
+          </a:p>
+        </p:txBody>
+      </p:sp>
     </p:spTree>
     <p:extLst>
       <p:ext uri="{BB962C8B-B14F-4D97-AF65-F5344CB8AC3E}">
@@ -10717,6 +10812,92 @@
   <p:clrMapOvr>
     <a:masterClrMapping/>
   </p:clrMapOvr>
+  <p:timing>
+    <p:tnLst>
+      <p:par>
+        <p:cTn id="1" dur="indefinite" restart="never" nodeType="tmRoot">
+          <p:childTnLst>
+            <p:seq concurrent="1" nextAc="seek">
+              <p:cTn id="2" dur="indefinite" nodeType="mainSeq">
+                <p:childTnLst>
+                  <p:par>
+                    <p:cTn id="3" fill="hold">
+                      <p:stCondLst>
+                        <p:cond delay="indefinite"/>
+                      </p:stCondLst>
+                      <p:childTnLst>
+                        <p:par>
+                          <p:cTn id="4" fill="hold">
+                            <p:stCondLst>
+                              <p:cond delay="0"/>
+                            </p:stCondLst>
+                            <p:childTnLst>
+                              <p:par>
+                                <p:cTn id="5" presetID="22" presetClass="exit" presetSubtype="1" fill="hold" grpId="0" nodeType="clickEffect">
+                                  <p:stCondLst>
+                                    <p:cond delay="0"/>
+                                  </p:stCondLst>
+                                  <p:childTnLst>
+                                    <p:animEffect transition="out" filter="wipe(up)">
+                                      <p:cBhvr>
+                                        <p:cTn id="6" dur="500"/>
+                                        <p:tgtEl>
+                                          <p:spTgt spid="7"/>
+                                        </p:tgtEl>
+                                      </p:cBhvr>
+                                    </p:animEffect>
+                                    <p:set>
+                                      <p:cBhvr>
+                                        <p:cTn id="7" dur="1" fill="hold">
+                                          <p:stCondLst>
+                                            <p:cond delay="499"/>
+                                          </p:stCondLst>
+                                        </p:cTn>
+                                        <p:tgtEl>
+                                          <p:spTgt spid="7"/>
+                                        </p:tgtEl>
+                                        <p:attrNameLst>
+                                          <p:attrName>style.visibility</p:attrName>
+                                        </p:attrNameLst>
+                                      </p:cBhvr>
+                                      <p:to>
+                                        <p:strVal val="hidden"/>
+                                      </p:to>
+                                    </p:set>
+                                  </p:childTnLst>
+                                </p:cTn>
+                              </p:par>
+                            </p:childTnLst>
+                          </p:cTn>
+                        </p:par>
+                      </p:childTnLst>
+                    </p:cTn>
+                  </p:par>
+                </p:childTnLst>
+              </p:cTn>
+              <p:prevCondLst>
+                <p:cond evt="onPrev" delay="0">
+                  <p:tgtEl>
+                    <p:sldTgt/>
+                  </p:tgtEl>
+                </p:cond>
+              </p:prevCondLst>
+              <p:nextCondLst>
+                <p:cond evt="onNext" delay="0">
+                  <p:tgtEl>
+                    <p:sldTgt/>
+                  </p:tgtEl>
+                </p:cond>
+              </p:nextCondLst>
+            </p:seq>
+          </p:childTnLst>
+        </p:cTn>
+      </p:par>
+    </p:tnLst>
+    <p:bldLst>
+      <p:bldP spid="7" grpId="0" animBg="1"/>
+    </p:bldLst>
+  </p:timing>
 </p:sld>
 </file>
 
@@ -18437,24 +18618,49 @@
             <p:ph idx="1"/>
           </p:nvPr>
         </p:nvSpPr>
-        <p:spPr/>
+        <p:spPr>
+          <a:xfrm>
+            <a:off x="838200" y="1795272"/>
+            <a:ext cx="10515600" cy="4351338"/>
+          </a:xfrm>
+        </p:spPr>
         <p:txBody>
           <a:bodyPr>
-            <a:normAutofit/>
+            <a:normAutofit lnSpcReduction="10000"/>
           </a:bodyPr>
           <a:lstStyle/>
-          <a:p>
-            <a:r>
-              <a:rPr lang="en-US" sz="2000" dirty="0"/>
-              <a:t>GWAS and QTL studies are statistical methods to find the genome region where there is association between genotypes and phenotypes. </a:t>
-            </a:r>
-          </a:p>
           <a:p>
             <a:r>
               <a:rPr lang="en-US" sz="2000" dirty="0">
                 <a:sym typeface="Wingdings" panose="05000000000000000000" pitchFamily="2" charset="2"/>
               </a:rPr>
-              <a:t>They identify the locations of the alleles that are most frequently appearing in individuals.</a:t>
+              <a:t>Climate  change poses challenges to natural and human systems, such as food insecurity and social vulnerability. Innovations in plant breeding are made to produce individuals that can adapt to these challenges.</a:t>
+            </a:r>
+          </a:p>
+          <a:p>
+            <a:r>
+              <a:rPr lang="en-US" sz="2000" dirty="0">
+                <a:sym typeface="Wingdings" panose="05000000000000000000" pitchFamily="2" charset="2"/>
+              </a:rPr>
+              <a:t>GWAS and QTL studies are </a:t>
+            </a:r>
+            <a:r>
+              <a:rPr lang="en-US" sz="2000" dirty="0"/>
+              <a:t>statistical methods to find the genome region where there is association between genotypes and phenotypes. </a:t>
+            </a:r>
+          </a:p>
+          <a:p>
+            <a:r>
+              <a:rPr lang="en-US" sz="2000" dirty="0"/>
+              <a:t>The methods evaluate the association at the gene level, one by one. The genes with significant association (evaluated using P-value) are called candidate genes. </a:t>
+            </a:r>
+          </a:p>
+          <a:p>
+            <a:r>
+              <a:rPr lang="en-US" sz="2000" dirty="0">
+                <a:sym typeface="Wingdings" panose="05000000000000000000" pitchFamily="2" charset="2"/>
+              </a:rPr>
+              <a:t>The methods also identify the locations of these candidate genes in the individual’s genome.</a:t>
             </a:r>
           </a:p>
           <a:p>
@@ -18518,6 +18724,12 @@
               </a:rPr>
               <a:t>G x E interaction</a:t>
             </a:r>
+          </a:p>
+          <a:p>
+            <a:endParaRPr lang="en-US" sz="1600" dirty="0"/>
+          </a:p>
+          <a:p>
+            <a:endParaRPr lang="en-US" sz="2000" dirty="0"/>
           </a:p>
         </p:txBody>
       </p:sp>
@@ -18578,7 +18790,7 @@
               <a:rPr lang="fr-FR" sz="2800" b="1" dirty="0" err="1">
                 <a:latin typeface="+mn-lt"/>
               </a:rPr>
-              <a:t>takeaways</a:t>
+              <a:t>takeways</a:t>
             </a:r>
             <a:endParaRPr lang="en-GB" sz="2800" dirty="0">
               <a:latin typeface="+mn-lt"/>
@@ -18638,7 +18850,7 @@
     </p:spTree>
     <p:extLst>
       <p:ext uri="{BB962C8B-B14F-4D97-AF65-F5344CB8AC3E}">
-        <p14:creationId xmlns:p14="http://schemas.microsoft.com/office/powerpoint/2010/main" val="3859114573"/>
+        <p14:creationId xmlns:p14="http://schemas.microsoft.com/office/powerpoint/2010/main" val="1888012677"/>
       </p:ext>
     </p:extLst>
   </p:cSld>
@@ -18721,7 +18933,12 @@
             <p:ph idx="1"/>
           </p:nvPr>
         </p:nvSpPr>
-        <p:spPr/>
+        <p:spPr>
+          <a:xfrm>
+            <a:off x="838200" y="1381742"/>
+            <a:ext cx="10515600" cy="2453411"/>
+          </a:xfrm>
+        </p:spPr>
         <p:txBody>
           <a:bodyPr>
             <a:normAutofit/>
@@ -18976,6 +19193,518 @@
           </a:p>
         </p:txBody>
       </p:sp>
+      <p:sp>
+        <p:nvSpPr>
+          <p:cNvPr id="5" name="Title 1">
+            <a:extLst>
+              <a:ext uri="{FF2B5EF4-FFF2-40B4-BE49-F238E27FC236}">
+                <a16:creationId xmlns:a16="http://schemas.microsoft.com/office/drawing/2014/main" id="{EAEA4DD8-FEA0-40AC-9E29-CEABB44ADC3E}"/>
+              </a:ext>
+            </a:extLst>
+          </p:cNvPr>
+          <p:cNvSpPr txBox="1">
+            <a:spLocks/>
+          </p:cNvSpPr>
+          <p:nvPr/>
+        </p:nvSpPr>
+        <p:spPr>
+          <a:xfrm>
+            <a:off x="838200" y="3736454"/>
+            <a:ext cx="10515600" cy="629662"/>
+          </a:xfrm>
+          <a:prstGeom prst="rect">
+            <a:avLst/>
+          </a:prstGeom>
+        </p:spPr>
+        <p:txBody>
+          <a:bodyPr vert="horz" lIns="91440" tIns="45720" rIns="91440" bIns="45720" rtlCol="0" anchor="ctr">
+            <a:normAutofit/>
+          </a:bodyPr>
+          <a:lstStyle>
+            <a:lvl1pPr algn="l" defTabSz="914400" rtl="0" eaLnBrk="1" latinLnBrk="0" hangingPunct="1">
+              <a:lnSpc>
+                <a:spcPct val="90000"/>
+              </a:lnSpc>
+              <a:spcBef>
+                <a:spcPct val="0"/>
+              </a:spcBef>
+              <a:buNone/>
+              <a:defRPr sz="4400" kern="1200">
+                <a:solidFill>
+                  <a:schemeClr val="tx1"/>
+                </a:solidFill>
+                <a:latin typeface="+mj-lt"/>
+                <a:ea typeface="+mj-ea"/>
+                <a:cs typeface="+mj-cs"/>
+              </a:defRPr>
+            </a:lvl1pPr>
+          </a:lstStyle>
+          <a:p>
+            <a:r>
+              <a:rPr lang="fr-FR" sz="2800" b="1" dirty="0" err="1">
+                <a:latin typeface="+mn-lt"/>
+              </a:rPr>
+              <a:t>What</a:t>
+            </a:r>
+            <a:r>
+              <a:rPr lang="fr-FR" sz="2800" b="1" dirty="0">
+                <a:latin typeface="+mn-lt"/>
+              </a:rPr>
+              <a:t> </a:t>
+            </a:r>
+            <a:r>
+              <a:rPr lang="fr-FR" sz="2800" b="1" dirty="0" err="1">
+                <a:latin typeface="+mn-lt"/>
+              </a:rPr>
+              <a:t>you</a:t>
+            </a:r>
+            <a:r>
+              <a:rPr lang="fr-FR" sz="2800" b="1" dirty="0">
+                <a:latin typeface="+mn-lt"/>
+              </a:rPr>
+              <a:t> </a:t>
+            </a:r>
+            <a:r>
+              <a:rPr lang="fr-FR" sz="2800" b="1" dirty="0" err="1">
+                <a:latin typeface="+mn-lt"/>
+              </a:rPr>
+              <a:t>need</a:t>
+            </a:r>
+            <a:r>
+              <a:rPr lang="fr-FR" sz="2800" b="1" dirty="0">
+                <a:latin typeface="+mn-lt"/>
+              </a:rPr>
+              <a:t> to </a:t>
+            </a:r>
+            <a:r>
+              <a:rPr lang="fr-FR" sz="2800" b="1" dirty="0" err="1">
+                <a:latin typeface="+mn-lt"/>
+              </a:rPr>
+              <a:t>understand</a:t>
+            </a:r>
+            <a:endParaRPr lang="en-GB" sz="2800" dirty="0">
+              <a:latin typeface="+mn-lt"/>
+            </a:endParaRPr>
+          </a:p>
+        </p:txBody>
+      </p:sp>
+      <p:sp>
+        <p:nvSpPr>
+          <p:cNvPr id="6" name="Rectangle 5">
+            <a:extLst>
+              <a:ext uri="{FF2B5EF4-FFF2-40B4-BE49-F238E27FC236}">
+                <a16:creationId xmlns:a16="http://schemas.microsoft.com/office/drawing/2014/main" id="{668E1FF7-F5FE-4D24-A056-792289D0A25A}"/>
+              </a:ext>
+            </a:extLst>
+          </p:cNvPr>
+          <p:cNvSpPr/>
+          <p:nvPr/>
+        </p:nvSpPr>
+        <p:spPr>
+          <a:xfrm>
+            <a:off x="838200" y="4366116"/>
+            <a:ext cx="5925178" cy="170822"/>
+          </a:xfrm>
+          <a:prstGeom prst="rect">
+            <a:avLst/>
+          </a:prstGeom>
+          <a:ln>
+            <a:noFill/>
+          </a:ln>
+        </p:spPr>
+        <p:style>
+          <a:lnRef idx="2">
+            <a:schemeClr val="accent2">
+              <a:shade val="50000"/>
+            </a:schemeClr>
+          </a:lnRef>
+          <a:fillRef idx="1">
+            <a:schemeClr val="accent2"/>
+          </a:fillRef>
+          <a:effectRef idx="0">
+            <a:schemeClr val="accent2"/>
+          </a:effectRef>
+          <a:fontRef idx="minor">
+            <a:schemeClr val="lt1"/>
+          </a:fontRef>
+        </p:style>
+        <p:txBody>
+          <a:bodyPr rtlCol="0" anchor="ctr"/>
+          <a:lstStyle/>
+          <a:p>
+            <a:pPr algn="ctr"/>
+            <a:endParaRPr lang="en-GB"/>
+          </a:p>
+        </p:txBody>
+      </p:sp>
+      <p:sp>
+        <p:nvSpPr>
+          <p:cNvPr id="7" name="Content Placeholder 2">
+            <a:extLst>
+              <a:ext uri="{FF2B5EF4-FFF2-40B4-BE49-F238E27FC236}">
+                <a16:creationId xmlns:a16="http://schemas.microsoft.com/office/drawing/2014/main" id="{4A03029F-150E-420C-8D7A-80F1D4332855}"/>
+              </a:ext>
+            </a:extLst>
+          </p:cNvPr>
+          <p:cNvSpPr txBox="1">
+            <a:spLocks/>
+          </p:cNvSpPr>
+          <p:nvPr/>
+        </p:nvSpPr>
+        <p:spPr>
+          <a:xfrm>
+            <a:off x="838200" y="4636507"/>
+            <a:ext cx="10515600" cy="2084322"/>
+          </a:xfrm>
+          <a:prstGeom prst="rect">
+            <a:avLst/>
+          </a:prstGeom>
+        </p:spPr>
+        <p:txBody>
+          <a:bodyPr vert="horz" lIns="91440" tIns="45720" rIns="91440" bIns="45720" rtlCol="0">
+            <a:normAutofit/>
+          </a:bodyPr>
+          <a:lstStyle>
+            <a:lvl1pPr marL="228600" indent="-228600" algn="l" defTabSz="914400" rtl="0" eaLnBrk="1" latinLnBrk="0" hangingPunct="1">
+              <a:lnSpc>
+                <a:spcPct val="90000"/>
+              </a:lnSpc>
+              <a:spcBef>
+                <a:spcPts val="1000"/>
+              </a:spcBef>
+              <a:buFont typeface="Arial" panose="020B0604020202020204" pitchFamily="34" charset="0"/>
+              <a:buChar char="•"/>
+              <a:defRPr sz="2800" kern="1200">
+                <a:solidFill>
+                  <a:schemeClr val="tx1"/>
+                </a:solidFill>
+                <a:latin typeface="+mn-lt"/>
+                <a:ea typeface="+mn-ea"/>
+                <a:cs typeface="+mn-cs"/>
+              </a:defRPr>
+            </a:lvl1pPr>
+            <a:lvl2pPr marL="685800" indent="-228600" algn="l" defTabSz="914400" rtl="0" eaLnBrk="1" latinLnBrk="0" hangingPunct="1">
+              <a:lnSpc>
+                <a:spcPct val="90000"/>
+              </a:lnSpc>
+              <a:spcBef>
+                <a:spcPts val="500"/>
+              </a:spcBef>
+              <a:buFont typeface="Arial" panose="020B0604020202020204" pitchFamily="34" charset="0"/>
+              <a:buChar char="•"/>
+              <a:defRPr sz="2400" kern="1200">
+                <a:solidFill>
+                  <a:schemeClr val="tx1"/>
+                </a:solidFill>
+                <a:latin typeface="+mn-lt"/>
+                <a:ea typeface="+mn-ea"/>
+                <a:cs typeface="+mn-cs"/>
+              </a:defRPr>
+            </a:lvl2pPr>
+            <a:lvl3pPr marL="1143000" indent="-228600" algn="l" defTabSz="914400" rtl="0" eaLnBrk="1" latinLnBrk="0" hangingPunct="1">
+              <a:lnSpc>
+                <a:spcPct val="90000"/>
+              </a:lnSpc>
+              <a:spcBef>
+                <a:spcPts val="500"/>
+              </a:spcBef>
+              <a:buFont typeface="Arial" panose="020B0604020202020204" pitchFamily="34" charset="0"/>
+              <a:buChar char="•"/>
+              <a:defRPr sz="2000" kern="1200">
+                <a:solidFill>
+                  <a:schemeClr val="tx1"/>
+                </a:solidFill>
+                <a:latin typeface="+mn-lt"/>
+                <a:ea typeface="+mn-ea"/>
+                <a:cs typeface="+mn-cs"/>
+              </a:defRPr>
+            </a:lvl3pPr>
+            <a:lvl4pPr marL="1600200" indent="-228600" algn="l" defTabSz="914400" rtl="0" eaLnBrk="1" latinLnBrk="0" hangingPunct="1">
+              <a:lnSpc>
+                <a:spcPct val="90000"/>
+              </a:lnSpc>
+              <a:spcBef>
+                <a:spcPts val="500"/>
+              </a:spcBef>
+              <a:buFont typeface="Arial" panose="020B0604020202020204" pitchFamily="34" charset="0"/>
+              <a:buChar char="•"/>
+              <a:defRPr sz="1800" kern="1200">
+                <a:solidFill>
+                  <a:schemeClr val="tx1"/>
+                </a:solidFill>
+                <a:latin typeface="+mn-lt"/>
+                <a:ea typeface="+mn-ea"/>
+                <a:cs typeface="+mn-cs"/>
+              </a:defRPr>
+            </a:lvl4pPr>
+            <a:lvl5pPr marL="2057400" indent="-228600" algn="l" defTabSz="914400" rtl="0" eaLnBrk="1" latinLnBrk="0" hangingPunct="1">
+              <a:lnSpc>
+                <a:spcPct val="90000"/>
+              </a:lnSpc>
+              <a:spcBef>
+                <a:spcPts val="500"/>
+              </a:spcBef>
+              <a:buFont typeface="Arial" panose="020B0604020202020204" pitchFamily="34" charset="0"/>
+              <a:buChar char="•"/>
+              <a:defRPr sz="1800" kern="1200">
+                <a:solidFill>
+                  <a:schemeClr val="tx1"/>
+                </a:solidFill>
+                <a:latin typeface="+mn-lt"/>
+                <a:ea typeface="+mn-ea"/>
+                <a:cs typeface="+mn-cs"/>
+              </a:defRPr>
+            </a:lvl5pPr>
+            <a:lvl6pPr marL="2514600" indent="-228600" algn="l" defTabSz="914400" rtl="0" eaLnBrk="1" latinLnBrk="0" hangingPunct="1">
+              <a:lnSpc>
+                <a:spcPct val="90000"/>
+              </a:lnSpc>
+              <a:spcBef>
+                <a:spcPts val="500"/>
+              </a:spcBef>
+              <a:buFont typeface="Arial" panose="020B0604020202020204" pitchFamily="34" charset="0"/>
+              <a:buChar char="•"/>
+              <a:defRPr sz="1800" kern="1200">
+                <a:solidFill>
+                  <a:schemeClr val="tx1"/>
+                </a:solidFill>
+                <a:latin typeface="+mn-lt"/>
+                <a:ea typeface="+mn-ea"/>
+                <a:cs typeface="+mn-cs"/>
+              </a:defRPr>
+            </a:lvl6pPr>
+            <a:lvl7pPr marL="2971800" indent="-228600" algn="l" defTabSz="914400" rtl="0" eaLnBrk="1" latinLnBrk="0" hangingPunct="1">
+              <a:lnSpc>
+                <a:spcPct val="90000"/>
+              </a:lnSpc>
+              <a:spcBef>
+                <a:spcPts val="500"/>
+              </a:spcBef>
+              <a:buFont typeface="Arial" panose="020B0604020202020204" pitchFamily="34" charset="0"/>
+              <a:buChar char="•"/>
+              <a:defRPr sz="1800" kern="1200">
+                <a:solidFill>
+                  <a:schemeClr val="tx1"/>
+                </a:solidFill>
+                <a:latin typeface="+mn-lt"/>
+                <a:ea typeface="+mn-ea"/>
+                <a:cs typeface="+mn-cs"/>
+              </a:defRPr>
+            </a:lvl7pPr>
+            <a:lvl8pPr marL="3429000" indent="-228600" algn="l" defTabSz="914400" rtl="0" eaLnBrk="1" latinLnBrk="0" hangingPunct="1">
+              <a:lnSpc>
+                <a:spcPct val="90000"/>
+              </a:lnSpc>
+              <a:spcBef>
+                <a:spcPts val="500"/>
+              </a:spcBef>
+              <a:buFont typeface="Arial" panose="020B0604020202020204" pitchFamily="34" charset="0"/>
+              <a:buChar char="•"/>
+              <a:defRPr sz="1800" kern="1200">
+                <a:solidFill>
+                  <a:schemeClr val="tx1"/>
+                </a:solidFill>
+                <a:latin typeface="+mn-lt"/>
+                <a:ea typeface="+mn-ea"/>
+                <a:cs typeface="+mn-cs"/>
+              </a:defRPr>
+            </a:lvl8pPr>
+            <a:lvl9pPr marL="3886200" indent="-228600" algn="l" defTabSz="914400" rtl="0" eaLnBrk="1" latinLnBrk="0" hangingPunct="1">
+              <a:lnSpc>
+                <a:spcPct val="90000"/>
+              </a:lnSpc>
+              <a:spcBef>
+                <a:spcPts val="500"/>
+              </a:spcBef>
+              <a:buFont typeface="Arial" panose="020B0604020202020204" pitchFamily="34" charset="0"/>
+              <a:buChar char="•"/>
+              <a:defRPr sz="1800" kern="1200">
+                <a:solidFill>
+                  <a:schemeClr val="tx1"/>
+                </a:solidFill>
+                <a:latin typeface="+mn-lt"/>
+                <a:ea typeface="+mn-ea"/>
+                <a:cs typeface="+mn-cs"/>
+              </a:defRPr>
+            </a:lvl9pPr>
+          </a:lstStyle>
+          <a:p>
+            <a:pPr marL="285750" indent="-285750"/>
+            <a:r>
+              <a:rPr lang="fr-FR" sz="1800" dirty="0" err="1"/>
+              <a:t>What</a:t>
+            </a:r>
+            <a:r>
+              <a:rPr lang="fr-FR" sz="1800" dirty="0"/>
+              <a:t> drives the innovation in quantitative </a:t>
+            </a:r>
+            <a:r>
+              <a:rPr lang="fr-FR" sz="1800" dirty="0" err="1"/>
+              <a:t>genetics</a:t>
+            </a:r>
+            <a:r>
+              <a:rPr lang="fr-FR" sz="1800" dirty="0"/>
+              <a:t>?</a:t>
+            </a:r>
+          </a:p>
+          <a:p>
+            <a:pPr marL="285750" indent="-285750"/>
+            <a:r>
+              <a:rPr lang="fr-FR" sz="1800" dirty="0" err="1"/>
+              <a:t>What</a:t>
+            </a:r>
+            <a:r>
+              <a:rPr lang="fr-FR" sz="1800" dirty="0"/>
+              <a:t> are the </a:t>
+            </a:r>
+            <a:r>
+              <a:rPr lang="fr-FR" sz="1800" dirty="0" err="1"/>
+              <a:t>aims</a:t>
+            </a:r>
+            <a:r>
+              <a:rPr lang="fr-FR" sz="1800" dirty="0"/>
+              <a:t> of GWAS and QTL </a:t>
+            </a:r>
+            <a:r>
+              <a:rPr lang="fr-FR" sz="1800" dirty="0" err="1"/>
+              <a:t>studies</a:t>
+            </a:r>
+            <a:r>
+              <a:rPr lang="fr-FR" sz="1800" dirty="0"/>
+              <a:t>?</a:t>
+            </a:r>
+          </a:p>
+          <a:p>
+            <a:pPr marL="285750" indent="-285750"/>
+            <a:r>
+              <a:rPr lang="fr-FR" sz="1800" dirty="0"/>
+              <a:t>How do </a:t>
+            </a:r>
+            <a:r>
+              <a:rPr lang="fr-FR" sz="1800" dirty="0" err="1"/>
+              <a:t>we</a:t>
+            </a:r>
+            <a:r>
+              <a:rPr lang="fr-FR" sz="1800" dirty="0"/>
+              <a:t> </a:t>
+            </a:r>
+            <a:r>
+              <a:rPr lang="fr-FR" sz="1800" dirty="0" err="1"/>
+              <a:t>get</a:t>
+            </a:r>
+            <a:r>
+              <a:rPr lang="fr-FR" sz="1800" dirty="0"/>
+              <a:t> </a:t>
+            </a:r>
+            <a:r>
+              <a:rPr lang="fr-FR" sz="1800" dirty="0" err="1"/>
+              <a:t>from</a:t>
+            </a:r>
+            <a:r>
+              <a:rPr lang="fr-FR" sz="1800" dirty="0"/>
+              <a:t> </a:t>
+            </a:r>
+            <a:r>
+              <a:rPr lang="fr-FR" sz="1800" dirty="0" err="1"/>
+              <a:t>sequencing</a:t>
+            </a:r>
+            <a:r>
+              <a:rPr lang="fr-FR" sz="1800" dirty="0"/>
+              <a:t> the </a:t>
+            </a:r>
+            <a:r>
+              <a:rPr lang="fr-FR" sz="1800" dirty="0" err="1"/>
+              <a:t>genotypes</a:t>
+            </a:r>
+            <a:r>
+              <a:rPr lang="fr-FR" sz="1800" dirty="0"/>
+              <a:t> to </a:t>
+            </a:r>
+            <a:r>
+              <a:rPr lang="fr-FR" sz="1800" dirty="0" err="1"/>
+              <a:t>selecting</a:t>
+            </a:r>
+            <a:r>
+              <a:rPr lang="fr-FR" sz="1800" dirty="0"/>
+              <a:t> the </a:t>
+            </a:r>
+            <a:r>
+              <a:rPr lang="fr-FR" sz="1800" dirty="0" err="1"/>
+              <a:t>genotypes</a:t>
+            </a:r>
+            <a:r>
+              <a:rPr lang="fr-FR" sz="1800" dirty="0"/>
+              <a:t>?</a:t>
+            </a:r>
+          </a:p>
+          <a:p>
+            <a:pPr marL="285750" indent="-285750"/>
+            <a:r>
+              <a:rPr lang="fr-FR" sz="1800" dirty="0"/>
+              <a:t>How </a:t>
+            </a:r>
+            <a:r>
+              <a:rPr lang="fr-FR" sz="1800" dirty="0" err="1"/>
+              <a:t>does</a:t>
+            </a:r>
+            <a:r>
+              <a:rPr lang="fr-FR" sz="1800" dirty="0"/>
+              <a:t> the association modeling </a:t>
+            </a:r>
+            <a:r>
+              <a:rPr lang="fr-FR" sz="1800" dirty="0" err="1"/>
+              <a:t>work</a:t>
+            </a:r>
+            <a:r>
+              <a:rPr lang="fr-FR" sz="1800" dirty="0"/>
+              <a:t>?</a:t>
+            </a:r>
+          </a:p>
+          <a:p>
+            <a:pPr marL="285750" indent="-285750"/>
+            <a:r>
+              <a:rPr lang="fr-FR" sz="1800" dirty="0" err="1"/>
+              <a:t>What</a:t>
+            </a:r>
+            <a:r>
+              <a:rPr lang="fr-FR" sz="1800" dirty="0"/>
+              <a:t> are the </a:t>
+            </a:r>
+            <a:r>
+              <a:rPr lang="fr-FR" sz="1800" dirty="0" err="1"/>
+              <a:t>factors</a:t>
+            </a:r>
+            <a:r>
+              <a:rPr lang="fr-FR" sz="1800" dirty="0"/>
+              <a:t> </a:t>
+            </a:r>
+            <a:r>
+              <a:rPr lang="fr-FR" sz="1800" dirty="0" err="1"/>
+              <a:t>that</a:t>
+            </a:r>
+            <a:r>
+              <a:rPr lang="fr-FR" sz="1800" dirty="0"/>
+              <a:t> </a:t>
+            </a:r>
+            <a:r>
+              <a:rPr lang="fr-FR" sz="1800" dirty="0" err="1"/>
+              <a:t>contribute</a:t>
+            </a:r>
+            <a:r>
+              <a:rPr lang="fr-FR" sz="1800" dirty="0"/>
+              <a:t> to GWAS and QTL </a:t>
+            </a:r>
+            <a:r>
+              <a:rPr lang="fr-FR" sz="1800" dirty="0" err="1"/>
+              <a:t>studies</a:t>
+            </a:r>
+            <a:r>
+              <a:rPr lang="fr-FR" sz="1800" dirty="0"/>
+              <a:t>?</a:t>
+            </a:r>
+          </a:p>
+        </p:txBody>
+      </p:sp>
     </p:spTree>
     <p:extLst>
       <p:ext uri="{BB962C8B-B14F-4D97-AF65-F5344CB8AC3E}">
@@ -19008,6 +19737,5204 @@
       </p:grpSpPr>
       <p:sp>
         <p:nvSpPr>
+          <p:cNvPr id="4" name="Title 1">
+            <a:extLst>
+              <a:ext uri="{FF2B5EF4-FFF2-40B4-BE49-F238E27FC236}">
+                <a16:creationId xmlns:a16="http://schemas.microsoft.com/office/drawing/2014/main" id="{828D2EF1-902A-4BA0-99E3-F3DC3B315F43}"/>
+              </a:ext>
+            </a:extLst>
+          </p:cNvPr>
+          <p:cNvSpPr txBox="1">
+            <a:spLocks/>
+          </p:cNvSpPr>
+          <p:nvPr/>
+        </p:nvSpPr>
+        <p:spPr>
+          <a:xfrm>
+            <a:off x="838200" y="365126"/>
+            <a:ext cx="10515600" cy="629662"/>
+          </a:xfrm>
+          <a:prstGeom prst="rect">
+            <a:avLst/>
+          </a:prstGeom>
+        </p:spPr>
+        <p:txBody>
+          <a:bodyPr vert="horz" lIns="91440" tIns="45720" rIns="91440" bIns="45720" rtlCol="0" anchor="ctr">
+            <a:normAutofit/>
+          </a:bodyPr>
+          <a:lstStyle>
+            <a:lvl1pPr algn="l" defTabSz="914400" rtl="0" eaLnBrk="1" latinLnBrk="0" hangingPunct="1">
+              <a:lnSpc>
+                <a:spcPct val="90000"/>
+              </a:lnSpc>
+              <a:spcBef>
+                <a:spcPct val="0"/>
+              </a:spcBef>
+              <a:buNone/>
+              <a:defRPr sz="4400" kern="1200">
+                <a:solidFill>
+                  <a:schemeClr val="tx1"/>
+                </a:solidFill>
+                <a:latin typeface="+mj-lt"/>
+                <a:ea typeface="+mj-ea"/>
+                <a:cs typeface="+mj-cs"/>
+              </a:defRPr>
+            </a:lvl1pPr>
+          </a:lstStyle>
+          <a:p>
+            <a:r>
+              <a:rPr lang="fr-FR" sz="2800" b="1" dirty="0">
+                <a:latin typeface="+mn-lt"/>
+              </a:rPr>
+              <a:t>GWAS </a:t>
+            </a:r>
+            <a:r>
+              <a:rPr lang="fr-FR" sz="2800" b="1" dirty="0" err="1">
+                <a:latin typeface="+mn-lt"/>
+              </a:rPr>
+              <a:t>implementation</a:t>
+            </a:r>
+            <a:endParaRPr lang="en-GB" sz="2800" dirty="0">
+              <a:latin typeface="+mn-lt"/>
+            </a:endParaRPr>
+          </a:p>
+        </p:txBody>
+      </p:sp>
+      <p:sp>
+        <p:nvSpPr>
+          <p:cNvPr id="5" name="Rectangle 4">
+            <a:extLst>
+              <a:ext uri="{FF2B5EF4-FFF2-40B4-BE49-F238E27FC236}">
+                <a16:creationId xmlns:a16="http://schemas.microsoft.com/office/drawing/2014/main" id="{E52D5F69-673F-4898-95BA-9F1FF2C6BDD8}"/>
+              </a:ext>
+            </a:extLst>
+          </p:cNvPr>
+          <p:cNvSpPr/>
+          <p:nvPr/>
+        </p:nvSpPr>
+        <p:spPr>
+          <a:xfrm>
+            <a:off x="838200" y="994788"/>
+            <a:ext cx="5925178" cy="170822"/>
+          </a:xfrm>
+          <a:prstGeom prst="rect">
+            <a:avLst/>
+          </a:prstGeom>
+          <a:ln>
+            <a:noFill/>
+          </a:ln>
+        </p:spPr>
+        <p:style>
+          <a:lnRef idx="2">
+            <a:schemeClr val="accent2">
+              <a:shade val="50000"/>
+            </a:schemeClr>
+          </a:lnRef>
+          <a:fillRef idx="1">
+            <a:schemeClr val="accent2"/>
+          </a:fillRef>
+          <a:effectRef idx="0">
+            <a:schemeClr val="accent2"/>
+          </a:effectRef>
+          <a:fontRef idx="minor">
+            <a:schemeClr val="lt1"/>
+          </a:fontRef>
+        </p:style>
+        <p:txBody>
+          <a:bodyPr rtlCol="0" anchor="ctr"/>
+          <a:lstStyle/>
+          <a:p>
+            <a:pPr algn="ctr"/>
+            <a:endParaRPr lang="en-GB"/>
+          </a:p>
+        </p:txBody>
+      </p:sp>
+      <p:sp>
+        <p:nvSpPr>
+          <p:cNvPr id="10" name="TextBox 9">
+            <a:extLst>
+              <a:ext uri="{FF2B5EF4-FFF2-40B4-BE49-F238E27FC236}">
+                <a16:creationId xmlns:a16="http://schemas.microsoft.com/office/drawing/2014/main" id="{DFE7873F-2C52-42DD-A8DE-20574585C0E6}"/>
+              </a:ext>
+            </a:extLst>
+          </p:cNvPr>
+          <p:cNvSpPr txBox="1"/>
+          <p:nvPr/>
+        </p:nvSpPr>
+        <p:spPr>
+          <a:xfrm>
+            <a:off x="1002240" y="3286426"/>
+            <a:ext cx="2035194" cy="677108"/>
+          </a:xfrm>
+          <a:prstGeom prst="rect">
+            <a:avLst/>
+          </a:prstGeom>
+          <a:noFill/>
+        </p:spPr>
+        <p:txBody>
+          <a:bodyPr wrap="square" rtlCol="0">
+            <a:spAutoFit/>
+          </a:bodyPr>
+          <a:lstStyle/>
+          <a:p>
+            <a:r>
+              <a:rPr lang="en-GB" sz="2400" b="1" dirty="0"/>
+              <a:t>09AX27</a:t>
+            </a:r>
+          </a:p>
+          <a:p>
+            <a:r>
+              <a:rPr lang="en-GB" sz="1400" dirty="0" err="1"/>
+              <a:t>Inoc</a:t>
+            </a:r>
+            <a:r>
+              <a:rPr lang="en-GB" sz="1400" dirty="0"/>
+              <a:t>. Press: 564 (40%)</a:t>
+            </a:r>
+            <a:endParaRPr lang="fr-FR" sz="1400" dirty="0"/>
+          </a:p>
+        </p:txBody>
+      </p:sp>
+      <p:grpSp>
+        <p:nvGrpSpPr>
+          <p:cNvPr id="55" name="Group 54">
+            <a:extLst>
+              <a:ext uri="{FF2B5EF4-FFF2-40B4-BE49-F238E27FC236}">
+                <a16:creationId xmlns:a16="http://schemas.microsoft.com/office/drawing/2014/main" id="{D14FBEC4-0809-4C87-88DE-01735ECDE7EE}"/>
+              </a:ext>
+            </a:extLst>
+          </p:cNvPr>
+          <p:cNvGrpSpPr/>
+          <p:nvPr/>
+        </p:nvGrpSpPr>
+        <p:grpSpPr>
+          <a:xfrm>
+            <a:off x="6871813" y="4024964"/>
+            <a:ext cx="5050048" cy="2554237"/>
+            <a:chOff x="6871813" y="4024964"/>
+            <a:chExt cx="5050048" cy="2554237"/>
+          </a:xfrm>
+        </p:grpSpPr>
+        <p:pic>
+          <p:nvPicPr>
+            <p:cNvPr id="42" name="Picture 41" descr="Map&#10;&#10;Description automatically generated">
+              <a:extLst>
+                <a:ext uri="{FF2B5EF4-FFF2-40B4-BE49-F238E27FC236}">
+                  <a16:creationId xmlns:a16="http://schemas.microsoft.com/office/drawing/2014/main" id="{F0759A8A-086D-4832-99F1-A47790F95898}"/>
+                </a:ext>
+              </a:extLst>
+            </p:cNvPr>
+            <p:cNvPicPr>
+              <a:picLocks noChangeAspect="1"/>
+            </p:cNvPicPr>
+            <p:nvPr/>
+          </p:nvPicPr>
+          <p:blipFill rotWithShape="1">
+            <a:blip r:embed="rId2">
+              <a:extLst>
+                <a:ext uri="{28A0092B-C50C-407E-A947-70E740481C1C}">
+                  <a14:useLocalDpi xmlns:a14="http://schemas.microsoft.com/office/drawing/2010/main" val="0"/>
+                </a:ext>
+              </a:extLst>
+            </a:blip>
+            <a:srcRect b="31835"/>
+            <a:stretch/>
+          </p:blipFill>
+          <p:spPr>
+            <a:xfrm>
+              <a:off x="6871813" y="4024964"/>
+              <a:ext cx="5050048" cy="2554237"/>
+            </a:xfrm>
+            <a:prstGeom prst="rect">
+              <a:avLst/>
+            </a:prstGeom>
+          </p:spPr>
+        </p:pic>
+        <p:sp>
+          <p:nvSpPr>
+            <p:cNvPr id="44" name="TextBox 43">
+              <a:extLst>
+                <a:ext uri="{FF2B5EF4-FFF2-40B4-BE49-F238E27FC236}">
+                  <a16:creationId xmlns:a16="http://schemas.microsoft.com/office/drawing/2014/main" id="{576DB1E4-A969-4E1C-B0FB-A8CF42D18F05}"/>
+                </a:ext>
+              </a:extLst>
+            </p:cNvPr>
+            <p:cNvSpPr txBox="1"/>
+            <p:nvPr/>
+          </p:nvSpPr>
+          <p:spPr>
+            <a:xfrm>
+              <a:off x="7042228" y="4185091"/>
+              <a:ext cx="1822324" cy="276999"/>
+            </a:xfrm>
+            <a:prstGeom prst="rect">
+              <a:avLst/>
+            </a:prstGeom>
+            <a:noFill/>
+            <a:ln w="28575">
+              <a:solidFill>
+                <a:schemeClr val="accent4"/>
+              </a:solidFill>
+            </a:ln>
+          </p:spPr>
+          <p:txBody>
+            <a:bodyPr wrap="square" rtlCol="0">
+              <a:spAutoFit/>
+            </a:bodyPr>
+            <a:lstStyle/>
+            <a:p>
+              <a:pPr algn="ctr"/>
+              <a:r>
+                <a:rPr lang="fr-FR" sz="1200" dirty="0" err="1"/>
+                <a:t>Mostly</a:t>
+              </a:r>
+              <a:r>
+                <a:rPr lang="fr-FR" sz="1200" dirty="0"/>
+                <a:t> are </a:t>
+              </a:r>
+              <a:r>
+                <a:rPr lang="fr-FR" sz="1200" dirty="0" err="1"/>
+                <a:t>from</a:t>
+              </a:r>
+              <a:r>
+                <a:rPr lang="fr-FR" sz="1200" dirty="0"/>
+                <a:t> France</a:t>
+              </a:r>
+              <a:endParaRPr lang="en-GB" sz="1200" dirty="0"/>
+            </a:p>
+          </p:txBody>
+        </p:sp>
+        <p:sp>
+          <p:nvSpPr>
+            <p:cNvPr id="45" name="Oval 44">
+              <a:extLst>
+                <a:ext uri="{FF2B5EF4-FFF2-40B4-BE49-F238E27FC236}">
+                  <a16:creationId xmlns:a16="http://schemas.microsoft.com/office/drawing/2014/main" id="{237012EB-34D0-4888-94B3-02318BA6E2B1}"/>
+                </a:ext>
+              </a:extLst>
+            </p:cNvPr>
+            <p:cNvSpPr/>
+            <p:nvPr/>
+          </p:nvSpPr>
+          <p:spPr>
+            <a:xfrm>
+              <a:off x="9586398" y="4251960"/>
+              <a:ext cx="1125952" cy="325576"/>
+            </a:xfrm>
+            <a:prstGeom prst="ellipse">
+              <a:avLst/>
+            </a:prstGeom>
+            <a:noFill/>
+            <a:ln w="28575">
+              <a:solidFill>
+                <a:schemeClr val="accent4"/>
+              </a:solidFill>
+            </a:ln>
+          </p:spPr>
+          <p:style>
+            <a:lnRef idx="2">
+              <a:schemeClr val="accent1">
+                <a:shade val="50000"/>
+              </a:schemeClr>
+            </a:lnRef>
+            <a:fillRef idx="1">
+              <a:schemeClr val="accent1"/>
+            </a:fillRef>
+            <a:effectRef idx="0">
+              <a:schemeClr val="accent1"/>
+            </a:effectRef>
+            <a:fontRef idx="minor">
+              <a:schemeClr val="lt1"/>
+            </a:fontRef>
+          </p:style>
+          <p:txBody>
+            <a:bodyPr rtlCol="0" anchor="ctr"/>
+            <a:lstStyle/>
+            <a:p>
+              <a:pPr algn="ctr"/>
+              <a:endParaRPr lang="en-GB"/>
+            </a:p>
+          </p:txBody>
+        </p:sp>
+        <p:sp>
+          <p:nvSpPr>
+            <p:cNvPr id="46" name="Oval 45">
+              <a:extLst>
+                <a:ext uri="{FF2B5EF4-FFF2-40B4-BE49-F238E27FC236}">
+                  <a16:creationId xmlns:a16="http://schemas.microsoft.com/office/drawing/2014/main" id="{F94F44C7-0BCF-4D63-AA6F-FFE056C5DEA2}"/>
+                </a:ext>
+              </a:extLst>
+            </p:cNvPr>
+            <p:cNvSpPr/>
+            <p:nvPr/>
+          </p:nvSpPr>
+          <p:spPr>
+            <a:xfrm>
+              <a:off x="9867667" y="4738695"/>
+              <a:ext cx="839756" cy="325576"/>
+            </a:xfrm>
+            <a:prstGeom prst="ellipse">
+              <a:avLst/>
+            </a:prstGeom>
+            <a:noFill/>
+            <a:ln w="28575">
+              <a:solidFill>
+                <a:schemeClr val="accent4"/>
+              </a:solidFill>
+            </a:ln>
+          </p:spPr>
+          <p:style>
+            <a:lnRef idx="2">
+              <a:schemeClr val="accent1">
+                <a:shade val="50000"/>
+              </a:schemeClr>
+            </a:lnRef>
+            <a:fillRef idx="1">
+              <a:schemeClr val="accent1"/>
+            </a:fillRef>
+            <a:effectRef idx="0">
+              <a:schemeClr val="accent1"/>
+            </a:effectRef>
+            <a:fontRef idx="minor">
+              <a:schemeClr val="lt1"/>
+            </a:fontRef>
+          </p:style>
+          <p:txBody>
+            <a:bodyPr rtlCol="0" anchor="ctr"/>
+            <a:lstStyle/>
+            <a:p>
+              <a:pPr algn="ctr"/>
+              <a:endParaRPr lang="en-GB"/>
+            </a:p>
+          </p:txBody>
+        </p:sp>
+        <p:sp>
+          <p:nvSpPr>
+            <p:cNvPr id="47" name="Oval 46">
+              <a:extLst>
+                <a:ext uri="{FF2B5EF4-FFF2-40B4-BE49-F238E27FC236}">
+                  <a16:creationId xmlns:a16="http://schemas.microsoft.com/office/drawing/2014/main" id="{B593920E-50EC-45D4-AD3F-E18DF3E7BE85}"/>
+                </a:ext>
+              </a:extLst>
+            </p:cNvPr>
+            <p:cNvSpPr/>
+            <p:nvPr/>
+          </p:nvSpPr>
+          <p:spPr>
+            <a:xfrm>
+              <a:off x="10053455" y="5658948"/>
+              <a:ext cx="777766" cy="325576"/>
+            </a:xfrm>
+            <a:prstGeom prst="ellipse">
+              <a:avLst/>
+            </a:prstGeom>
+            <a:noFill/>
+            <a:ln w="28575">
+              <a:solidFill>
+                <a:schemeClr val="accent4"/>
+              </a:solidFill>
+            </a:ln>
+          </p:spPr>
+          <p:style>
+            <a:lnRef idx="2">
+              <a:schemeClr val="accent1">
+                <a:shade val="50000"/>
+              </a:schemeClr>
+            </a:lnRef>
+            <a:fillRef idx="1">
+              <a:schemeClr val="accent1"/>
+            </a:fillRef>
+            <a:effectRef idx="0">
+              <a:schemeClr val="accent1"/>
+            </a:effectRef>
+            <a:fontRef idx="minor">
+              <a:schemeClr val="lt1"/>
+            </a:fontRef>
+          </p:style>
+          <p:txBody>
+            <a:bodyPr rtlCol="0" anchor="ctr"/>
+            <a:lstStyle/>
+            <a:p>
+              <a:pPr algn="ctr"/>
+              <a:endParaRPr lang="en-GB"/>
+            </a:p>
+          </p:txBody>
+        </p:sp>
+      </p:grpSp>
+      <p:sp>
+        <p:nvSpPr>
+          <p:cNvPr id="43" name="TextBox 42">
+            <a:extLst>
+              <a:ext uri="{FF2B5EF4-FFF2-40B4-BE49-F238E27FC236}">
+                <a16:creationId xmlns:a16="http://schemas.microsoft.com/office/drawing/2014/main" id="{3A823132-5688-4A7C-A572-548E906AEE38}"/>
+              </a:ext>
+            </a:extLst>
+          </p:cNvPr>
+          <p:cNvSpPr txBox="1"/>
+          <p:nvPr/>
+        </p:nvSpPr>
+        <p:spPr>
+          <a:xfrm>
+            <a:off x="838200" y="4154524"/>
+            <a:ext cx="5050048" cy="1384995"/>
+          </a:xfrm>
+          <a:prstGeom prst="rect">
+            <a:avLst/>
+          </a:prstGeom>
+          <a:noFill/>
+        </p:spPr>
+        <p:txBody>
+          <a:bodyPr wrap="square" rtlCol="0">
+            <a:spAutoFit/>
+          </a:bodyPr>
+          <a:lstStyle/>
+          <a:p>
+            <a:r>
+              <a:rPr lang="fr-FR" sz="1400" b="1" dirty="0"/>
+              <a:t>Data collection</a:t>
+            </a:r>
+          </a:p>
+          <a:p>
+            <a:pPr marL="285750" indent="-285750">
+              <a:buFont typeface="Arial" panose="020B0604020202020204" pitchFamily="34" charset="0"/>
+              <a:buChar char="•"/>
+            </a:pPr>
+            <a:r>
+              <a:rPr lang="fr-FR" sz="1400" dirty="0"/>
+              <a:t>154 </a:t>
+            </a:r>
+            <a:r>
+              <a:rPr lang="fr-FR" sz="1400" i="1" dirty="0"/>
+              <a:t>P. </a:t>
+            </a:r>
+            <a:r>
+              <a:rPr lang="fr-FR" sz="1400" i="1" dirty="0" err="1"/>
+              <a:t>nigra</a:t>
+            </a:r>
+            <a:r>
+              <a:rPr lang="fr-FR" sz="1400" i="1" dirty="0"/>
+              <a:t> </a:t>
+            </a:r>
+            <a:r>
+              <a:rPr lang="fr-FR" sz="1400" dirty="0" err="1"/>
+              <a:t>genotypes</a:t>
+            </a:r>
+            <a:r>
+              <a:rPr lang="fr-FR" sz="1400" dirty="0"/>
+              <a:t> </a:t>
+            </a:r>
+            <a:r>
+              <a:rPr lang="fr-FR" sz="1400" dirty="0" err="1"/>
+              <a:t>collected</a:t>
+            </a:r>
+            <a:r>
+              <a:rPr lang="fr-FR" sz="1400" dirty="0"/>
+              <a:t> </a:t>
+            </a:r>
+            <a:r>
+              <a:rPr lang="fr-FR" sz="1400" dirty="0" err="1"/>
+              <a:t>from</a:t>
+            </a:r>
+            <a:r>
+              <a:rPr lang="fr-FR" sz="1400" dirty="0"/>
+              <a:t> 12 </a:t>
+            </a:r>
+            <a:r>
+              <a:rPr lang="fr-FR" sz="1400" dirty="0" err="1"/>
+              <a:t>natural</a:t>
+            </a:r>
+            <a:r>
+              <a:rPr lang="fr-FR" sz="1400" dirty="0"/>
+              <a:t> populations in Western Europe</a:t>
+            </a:r>
+          </a:p>
+          <a:p>
+            <a:pPr marL="285750" indent="-285750">
+              <a:buFont typeface="Arial" panose="020B0604020202020204" pitchFamily="34" charset="0"/>
+              <a:buChar char="•"/>
+            </a:pPr>
+            <a:r>
+              <a:rPr lang="fr-FR" sz="1400" dirty="0"/>
+              <a:t>3 </a:t>
+            </a:r>
+            <a:r>
+              <a:rPr lang="fr-FR" sz="1400" dirty="0" err="1"/>
+              <a:t>rust</a:t>
+            </a:r>
+            <a:r>
+              <a:rPr lang="fr-FR" sz="1400" dirty="0"/>
+              <a:t> </a:t>
+            </a:r>
+            <a:r>
+              <a:rPr lang="fr-FR" sz="1400" dirty="0" err="1"/>
+              <a:t>pathogens</a:t>
+            </a:r>
+            <a:r>
+              <a:rPr lang="fr-FR" sz="1400" dirty="0"/>
+              <a:t> </a:t>
+            </a:r>
+            <a:r>
+              <a:rPr lang="fr-FR" sz="1400" dirty="0" err="1"/>
+              <a:t>isolated</a:t>
+            </a:r>
+            <a:r>
+              <a:rPr lang="fr-FR" sz="1400" dirty="0"/>
+              <a:t> </a:t>
+            </a:r>
+            <a:r>
+              <a:rPr lang="fr-FR" sz="1400" dirty="0" err="1"/>
+              <a:t>from</a:t>
+            </a:r>
+            <a:r>
+              <a:rPr lang="fr-FR" sz="1400" dirty="0"/>
+              <a:t> </a:t>
+            </a:r>
+            <a:r>
+              <a:rPr lang="fr-FR" sz="1400" dirty="0" err="1"/>
+              <a:t>their</a:t>
+            </a:r>
+            <a:r>
+              <a:rPr lang="fr-FR" sz="1400" dirty="0"/>
+              <a:t> populations</a:t>
+            </a:r>
+          </a:p>
+          <a:p>
+            <a:pPr marL="285750" indent="-285750">
+              <a:buFont typeface="Arial" panose="020B0604020202020204" pitchFamily="34" charset="0"/>
+              <a:buChar char="•"/>
+            </a:pPr>
+            <a:r>
+              <a:rPr lang="fr-FR" sz="1400" dirty="0"/>
+              <a:t>3 </a:t>
+            </a:r>
+            <a:r>
+              <a:rPr lang="fr-FR" sz="1400" dirty="0" err="1"/>
+              <a:t>resistance</a:t>
+            </a:r>
+            <a:r>
+              <a:rPr lang="fr-FR" sz="1400" dirty="0"/>
+              <a:t> components: latent </a:t>
+            </a:r>
+            <a:r>
+              <a:rPr lang="fr-FR" sz="1400" dirty="0" err="1"/>
+              <a:t>period</a:t>
+            </a:r>
+            <a:r>
+              <a:rPr lang="fr-FR" sz="1400" dirty="0"/>
+              <a:t>, </a:t>
+            </a:r>
+            <a:r>
+              <a:rPr lang="fr-FR" sz="1400" dirty="0" err="1"/>
+              <a:t>uredinia</a:t>
+            </a:r>
+            <a:r>
+              <a:rPr lang="fr-FR" sz="1400" dirty="0"/>
+              <a:t> </a:t>
+            </a:r>
+            <a:r>
+              <a:rPr lang="fr-FR" sz="1400" dirty="0" err="1"/>
+              <a:t>number</a:t>
+            </a:r>
+            <a:r>
+              <a:rPr lang="fr-FR" sz="1400" dirty="0"/>
+              <a:t> and </a:t>
+            </a:r>
+            <a:r>
+              <a:rPr lang="fr-FR" sz="1400" dirty="0" err="1"/>
+              <a:t>uredinia</a:t>
+            </a:r>
+            <a:r>
+              <a:rPr lang="fr-FR" sz="1400" dirty="0"/>
+              <a:t> size</a:t>
+            </a:r>
+            <a:endParaRPr lang="en-GB" sz="1400" dirty="0"/>
+          </a:p>
+        </p:txBody>
+      </p:sp>
+      <p:sp>
+        <p:nvSpPr>
+          <p:cNvPr id="49" name="TextBox 48">
+            <a:extLst>
+              <a:ext uri="{FF2B5EF4-FFF2-40B4-BE49-F238E27FC236}">
+                <a16:creationId xmlns:a16="http://schemas.microsoft.com/office/drawing/2014/main" id="{177C57FD-5912-43C4-B848-EB539A39E8A7}"/>
+              </a:ext>
+            </a:extLst>
+          </p:cNvPr>
+          <p:cNvSpPr txBox="1"/>
+          <p:nvPr/>
+        </p:nvSpPr>
+        <p:spPr>
+          <a:xfrm>
+            <a:off x="6266822" y="1796656"/>
+            <a:ext cx="5925178" cy="1723549"/>
+          </a:xfrm>
+          <a:prstGeom prst="rect">
+            <a:avLst/>
+          </a:prstGeom>
+          <a:noFill/>
+        </p:spPr>
+        <p:txBody>
+          <a:bodyPr wrap="square" rtlCol="0">
+            <a:spAutoFit/>
+          </a:bodyPr>
+          <a:lstStyle/>
+          <a:p>
+            <a:r>
+              <a:rPr lang="fr-FR" b="1" dirty="0"/>
+              <a:t>Topic: </a:t>
+            </a:r>
+            <a:r>
+              <a:rPr lang="fr-FR" b="1" dirty="0" err="1"/>
+              <a:t>Genetic</a:t>
+            </a:r>
+            <a:r>
+              <a:rPr lang="fr-FR" b="1" dirty="0"/>
+              <a:t> control of </a:t>
+            </a:r>
+            <a:r>
+              <a:rPr lang="fr-FR" b="1" dirty="0" err="1"/>
+              <a:t>resistance</a:t>
+            </a:r>
+            <a:r>
+              <a:rPr lang="fr-FR" b="1" dirty="0"/>
+              <a:t> in black </a:t>
+            </a:r>
+            <a:r>
+              <a:rPr lang="fr-FR" b="1" dirty="0" err="1"/>
+              <a:t>poplar</a:t>
+            </a:r>
+            <a:r>
+              <a:rPr lang="fr-FR" b="1" dirty="0"/>
+              <a:t> (</a:t>
+            </a:r>
+            <a:r>
+              <a:rPr lang="fr-FR" b="1" i="1" dirty="0" err="1"/>
+              <a:t>Populus</a:t>
+            </a:r>
+            <a:r>
+              <a:rPr lang="fr-FR" b="1" i="1" dirty="0"/>
+              <a:t> </a:t>
+            </a:r>
+            <a:r>
+              <a:rPr lang="fr-FR" b="1" i="1" dirty="0" err="1"/>
+              <a:t>nigra</a:t>
+            </a:r>
+            <a:r>
+              <a:rPr lang="fr-FR" b="1" dirty="0"/>
+              <a:t>)</a:t>
+            </a:r>
+          </a:p>
+          <a:p>
+            <a:pPr marL="285750" indent="-285750">
+              <a:buFont typeface="Arial" panose="020B0604020202020204" pitchFamily="34" charset="0"/>
+              <a:buChar char="•"/>
+            </a:pPr>
+            <a:r>
+              <a:rPr lang="fr-FR" sz="1400" dirty="0"/>
+              <a:t>Background: black </a:t>
+            </a:r>
+            <a:r>
+              <a:rPr lang="fr-FR" sz="1400" dirty="0" err="1"/>
+              <a:t>poplar</a:t>
+            </a:r>
+            <a:r>
+              <a:rPr lang="fr-FR" sz="1400" dirty="0"/>
+              <a:t> has been </a:t>
+            </a:r>
+            <a:r>
+              <a:rPr lang="fr-FR" sz="1400" dirty="0" err="1"/>
+              <a:t>attacked</a:t>
+            </a:r>
+            <a:r>
+              <a:rPr lang="fr-FR" sz="1400" dirty="0"/>
+              <a:t> by </a:t>
+            </a:r>
+            <a:r>
+              <a:rPr lang="fr-FR" sz="1400" dirty="0" err="1"/>
+              <a:t>rust</a:t>
+            </a:r>
+            <a:r>
+              <a:rPr lang="fr-FR" sz="1400" dirty="0"/>
+              <a:t> fungi </a:t>
+            </a:r>
+            <a:r>
+              <a:rPr lang="fr-FR" sz="1400" dirty="0">
+                <a:sym typeface="Wingdings" panose="05000000000000000000" pitchFamily="2" charset="2"/>
+              </a:rPr>
+              <a:t> lead to </a:t>
+            </a:r>
+            <a:r>
+              <a:rPr lang="fr-FR" sz="1400" dirty="0" err="1">
+                <a:sym typeface="Wingdings" panose="05000000000000000000" pitchFamily="2" charset="2"/>
+              </a:rPr>
+              <a:t>economic</a:t>
+            </a:r>
+            <a:r>
+              <a:rPr lang="fr-FR" sz="1400" dirty="0">
+                <a:sym typeface="Wingdings" panose="05000000000000000000" pitchFamily="2" charset="2"/>
+              </a:rPr>
+              <a:t> </a:t>
+            </a:r>
+            <a:r>
+              <a:rPr lang="fr-FR" sz="1400" dirty="0" err="1">
+                <a:sym typeface="Wingdings" panose="05000000000000000000" pitchFamily="2" charset="2"/>
+              </a:rPr>
+              <a:t>losses</a:t>
+            </a:r>
+            <a:endParaRPr lang="fr-FR" sz="1400" dirty="0">
+              <a:sym typeface="Wingdings" panose="05000000000000000000" pitchFamily="2" charset="2"/>
+            </a:endParaRPr>
+          </a:p>
+          <a:p>
+            <a:pPr marL="285750" indent="-285750">
+              <a:buFont typeface="Arial" panose="020B0604020202020204" pitchFamily="34" charset="0"/>
+              <a:buChar char="•"/>
+            </a:pPr>
+            <a:r>
+              <a:rPr lang="fr-FR" sz="1400" dirty="0" err="1">
+                <a:sym typeface="Wingdings" panose="05000000000000000000" pitchFamily="2" charset="2"/>
+              </a:rPr>
+              <a:t>Aims</a:t>
+            </a:r>
+            <a:r>
+              <a:rPr lang="fr-FR" sz="1400" dirty="0">
+                <a:sym typeface="Wingdings" panose="05000000000000000000" pitchFamily="2" charset="2"/>
+              </a:rPr>
+              <a:t> of the </a:t>
+            </a:r>
+            <a:r>
+              <a:rPr lang="fr-FR" sz="1400" dirty="0" err="1">
+                <a:sym typeface="Wingdings" panose="05000000000000000000" pitchFamily="2" charset="2"/>
+              </a:rPr>
+              <a:t>study</a:t>
+            </a:r>
+            <a:r>
+              <a:rPr lang="fr-FR" sz="1400" dirty="0">
+                <a:sym typeface="Wingdings" panose="05000000000000000000" pitchFamily="2" charset="2"/>
+              </a:rPr>
+              <a:t>:</a:t>
+            </a:r>
+          </a:p>
+          <a:p>
+            <a:pPr marL="742950" lvl="1" indent="-285750">
+              <a:buFont typeface="Arial" panose="020B0604020202020204" pitchFamily="34" charset="0"/>
+              <a:buChar char="•"/>
+            </a:pPr>
+            <a:r>
+              <a:rPr lang="fr-FR" sz="1400" dirty="0" err="1">
+                <a:sym typeface="Wingdings" panose="05000000000000000000" pitchFamily="2" charset="2"/>
+              </a:rPr>
+              <a:t>Observing</a:t>
+            </a:r>
+            <a:r>
+              <a:rPr lang="fr-FR" sz="1400" dirty="0">
+                <a:sym typeface="Wingdings" panose="05000000000000000000" pitchFamily="2" charset="2"/>
+              </a:rPr>
+              <a:t> the </a:t>
+            </a:r>
+            <a:r>
+              <a:rPr lang="fr-FR" sz="1400" dirty="0" err="1">
+                <a:sym typeface="Wingdings" panose="05000000000000000000" pitchFamily="2" charset="2"/>
+              </a:rPr>
+              <a:t>resistance</a:t>
+            </a:r>
+            <a:r>
+              <a:rPr lang="fr-FR" sz="1400" dirty="0">
+                <a:sym typeface="Wingdings" panose="05000000000000000000" pitchFamily="2" charset="2"/>
+              </a:rPr>
+              <a:t> in black </a:t>
+            </a:r>
+            <a:r>
+              <a:rPr lang="fr-FR" sz="1400" dirty="0" err="1">
+                <a:sym typeface="Wingdings" panose="05000000000000000000" pitchFamily="2" charset="2"/>
+              </a:rPr>
+              <a:t>poplar</a:t>
+            </a:r>
+            <a:endParaRPr lang="fr-FR" sz="1400" dirty="0">
+              <a:sym typeface="Wingdings" panose="05000000000000000000" pitchFamily="2" charset="2"/>
+            </a:endParaRPr>
+          </a:p>
+          <a:p>
+            <a:pPr marL="742950" lvl="1" indent="-285750">
+              <a:buFont typeface="Arial" panose="020B0604020202020204" pitchFamily="34" charset="0"/>
+              <a:buChar char="•"/>
+            </a:pPr>
+            <a:r>
+              <a:rPr lang="fr-FR" sz="1400" dirty="0" err="1">
+                <a:sym typeface="Wingdings" panose="05000000000000000000" pitchFamily="2" charset="2"/>
+              </a:rPr>
+              <a:t>Depicting</a:t>
+            </a:r>
+            <a:r>
+              <a:rPr lang="fr-FR" sz="1400" dirty="0">
+                <a:sym typeface="Wingdings" panose="05000000000000000000" pitchFamily="2" charset="2"/>
+              </a:rPr>
+              <a:t> the </a:t>
+            </a:r>
+            <a:r>
+              <a:rPr lang="fr-FR" sz="1400" dirty="0" err="1">
+                <a:sym typeface="Wingdings" panose="05000000000000000000" pitchFamily="2" charset="2"/>
+              </a:rPr>
+              <a:t>genetic</a:t>
+            </a:r>
+            <a:r>
+              <a:rPr lang="fr-FR" sz="1400" dirty="0">
+                <a:sym typeface="Wingdings" panose="05000000000000000000" pitchFamily="2" charset="2"/>
+              </a:rPr>
+              <a:t> control of </a:t>
+            </a:r>
+            <a:r>
+              <a:rPr lang="fr-FR" sz="1400" dirty="0" err="1">
+                <a:sym typeface="Wingdings" panose="05000000000000000000" pitchFamily="2" charset="2"/>
+              </a:rPr>
+              <a:t>resistance</a:t>
+            </a:r>
+            <a:endParaRPr lang="fr-FR" sz="1400" dirty="0">
+              <a:sym typeface="Wingdings" panose="05000000000000000000" pitchFamily="2" charset="2"/>
+            </a:endParaRPr>
+          </a:p>
+        </p:txBody>
+      </p:sp>
+      <p:pic>
+        <p:nvPicPr>
+          <p:cNvPr id="50" name="Picture 49">
+            <a:extLst>
+              <a:ext uri="{FF2B5EF4-FFF2-40B4-BE49-F238E27FC236}">
+                <a16:creationId xmlns:a16="http://schemas.microsoft.com/office/drawing/2014/main" id="{75E887E7-AA95-446E-B121-9B26661FF85C}"/>
+              </a:ext>
+            </a:extLst>
+          </p:cNvPr>
+          <p:cNvPicPr>
+            <a:picLocks noChangeAspect="1"/>
+          </p:cNvPicPr>
+          <p:nvPr/>
+        </p:nvPicPr>
+        <p:blipFill rotWithShape="1">
+          <a:blip r:embed="rId3">
+            <a:extLst>
+              <a:ext uri="{28A0092B-C50C-407E-A947-70E740481C1C}">
+                <a14:useLocalDpi xmlns:a14="http://schemas.microsoft.com/office/drawing/2010/main" val="0"/>
+              </a:ext>
+            </a:extLst>
+          </a:blip>
+          <a:srcRect b="7106"/>
+          <a:stretch/>
+        </p:blipFill>
+        <p:spPr>
+          <a:xfrm>
+            <a:off x="844332" y="1261179"/>
+            <a:ext cx="3966973" cy="2763785"/>
+          </a:xfrm>
+          <a:prstGeom prst="rect">
+            <a:avLst/>
+          </a:prstGeom>
+        </p:spPr>
+      </p:pic>
+      <p:sp>
+        <p:nvSpPr>
+          <p:cNvPr id="51" name="Callout: Line with Accent Bar 50">
+            <a:extLst>
+              <a:ext uri="{FF2B5EF4-FFF2-40B4-BE49-F238E27FC236}">
+                <a16:creationId xmlns:a16="http://schemas.microsoft.com/office/drawing/2014/main" id="{8E456CC9-A439-4B15-ACE8-F751DA13CB82}"/>
+              </a:ext>
+            </a:extLst>
+          </p:cNvPr>
+          <p:cNvSpPr/>
+          <p:nvPr/>
+        </p:nvSpPr>
+        <p:spPr>
+          <a:xfrm>
+            <a:off x="3019555" y="1781140"/>
+            <a:ext cx="2592934" cy="1607717"/>
+          </a:xfrm>
+          <a:prstGeom prst="accentCallout1">
+            <a:avLst>
+              <a:gd name="adj1" fmla="val 53634"/>
+              <a:gd name="adj2" fmla="val -7628"/>
+              <a:gd name="adj3" fmla="val 76479"/>
+              <a:gd name="adj4" fmla="val -21876"/>
+            </a:avLst>
+          </a:prstGeom>
+          <a:blipFill>
+            <a:blip r:embed="rId4"/>
+            <a:stretch>
+              <a:fillRect/>
+            </a:stretch>
+          </a:blipFill>
+          <a:ln w="28575">
+            <a:solidFill>
+              <a:schemeClr val="bg1"/>
+            </a:solidFill>
+          </a:ln>
+        </p:spPr>
+        <p:style>
+          <a:lnRef idx="2">
+            <a:schemeClr val="accent1">
+              <a:shade val="50000"/>
+            </a:schemeClr>
+          </a:lnRef>
+          <a:fillRef idx="1">
+            <a:schemeClr val="accent1"/>
+          </a:fillRef>
+          <a:effectRef idx="0">
+            <a:schemeClr val="accent1"/>
+          </a:effectRef>
+          <a:fontRef idx="minor">
+            <a:schemeClr val="lt1"/>
+          </a:fontRef>
+        </p:style>
+        <p:txBody>
+          <a:bodyPr rtlCol="0" anchor="ctr"/>
+          <a:lstStyle/>
+          <a:p>
+            <a:pPr algn="ctr"/>
+            <a:endParaRPr lang="en-GB" u="sng" dirty="0"/>
+          </a:p>
+        </p:txBody>
+      </p:sp>
+      <p:sp>
+        <p:nvSpPr>
+          <p:cNvPr id="52" name="Callout: Bent Line with Accent Bar 51">
+            <a:extLst>
+              <a:ext uri="{FF2B5EF4-FFF2-40B4-BE49-F238E27FC236}">
+                <a16:creationId xmlns:a16="http://schemas.microsoft.com/office/drawing/2014/main" id="{63D2FE9E-3D3F-4CF6-A66F-8086859AF657}"/>
+              </a:ext>
+            </a:extLst>
+          </p:cNvPr>
+          <p:cNvSpPr/>
+          <p:nvPr/>
+        </p:nvSpPr>
+        <p:spPr>
+          <a:xfrm>
+            <a:off x="4207585" y="1439567"/>
+            <a:ext cx="1812217" cy="1179663"/>
+          </a:xfrm>
+          <a:prstGeom prst="accentCallout2">
+            <a:avLst/>
+          </a:prstGeom>
+          <a:blipFill>
+            <a:blip r:embed="rId5"/>
+            <a:stretch>
+              <a:fillRect b="-19902"/>
+            </a:stretch>
+          </a:blipFill>
+          <a:ln w="28575">
+            <a:solidFill>
+              <a:schemeClr val="bg1"/>
+            </a:solidFill>
+          </a:ln>
+        </p:spPr>
+        <p:style>
+          <a:lnRef idx="2">
+            <a:schemeClr val="accent1">
+              <a:shade val="50000"/>
+            </a:schemeClr>
+          </a:lnRef>
+          <a:fillRef idx="1">
+            <a:schemeClr val="accent1"/>
+          </a:fillRef>
+          <a:effectRef idx="0">
+            <a:schemeClr val="accent1"/>
+          </a:effectRef>
+          <a:fontRef idx="minor">
+            <a:schemeClr val="lt1"/>
+          </a:fontRef>
+        </p:style>
+        <p:txBody>
+          <a:bodyPr rtlCol="0" anchor="ctr"/>
+          <a:lstStyle/>
+          <a:p>
+            <a:pPr algn="ctr"/>
+            <a:endParaRPr lang="en-GB"/>
+          </a:p>
+        </p:txBody>
+      </p:sp>
+      <p:sp>
+        <p:nvSpPr>
+          <p:cNvPr id="53" name="TextBox 52">
+            <a:extLst>
+              <a:ext uri="{FF2B5EF4-FFF2-40B4-BE49-F238E27FC236}">
+                <a16:creationId xmlns:a16="http://schemas.microsoft.com/office/drawing/2014/main" id="{CAD2DEB5-63F9-4882-B9BD-D2A8F6A31628}"/>
+              </a:ext>
+            </a:extLst>
+          </p:cNvPr>
+          <p:cNvSpPr txBox="1"/>
+          <p:nvPr/>
+        </p:nvSpPr>
+        <p:spPr>
+          <a:xfrm>
+            <a:off x="4175555" y="2167689"/>
+            <a:ext cx="2046818" cy="461665"/>
+          </a:xfrm>
+          <a:prstGeom prst="rect">
+            <a:avLst/>
+          </a:prstGeom>
+          <a:noFill/>
+        </p:spPr>
+        <p:txBody>
+          <a:bodyPr wrap="square" rtlCol="0">
+            <a:spAutoFit/>
+          </a:bodyPr>
+          <a:lstStyle/>
+          <a:p>
+            <a:r>
+              <a:rPr lang="fr-FR" sz="1200" dirty="0" err="1">
+                <a:solidFill>
+                  <a:schemeClr val="bg1"/>
+                </a:solidFill>
+                <a:cs typeface="Aharoni" panose="02010803020104030203" pitchFamily="2" charset="-79"/>
+              </a:rPr>
+              <a:t>Melampsora</a:t>
+            </a:r>
+            <a:r>
+              <a:rPr lang="fr-FR" sz="1200" dirty="0">
+                <a:solidFill>
+                  <a:schemeClr val="bg1"/>
+                </a:solidFill>
+                <a:cs typeface="Aharoni" panose="02010803020104030203" pitchFamily="2" charset="-79"/>
+              </a:rPr>
+              <a:t> </a:t>
+            </a:r>
+            <a:r>
+              <a:rPr lang="fr-FR" sz="1200" dirty="0" err="1">
+                <a:solidFill>
+                  <a:schemeClr val="bg1"/>
+                </a:solidFill>
+                <a:cs typeface="Aharoni" panose="02010803020104030203" pitchFamily="2" charset="-79"/>
+              </a:rPr>
+              <a:t>laricii-populina</a:t>
+            </a:r>
+            <a:endParaRPr lang="fr-FR" sz="1200" dirty="0">
+              <a:solidFill>
+                <a:schemeClr val="bg1"/>
+              </a:solidFill>
+              <a:cs typeface="Aharoni" panose="02010803020104030203" pitchFamily="2" charset="-79"/>
+            </a:endParaRPr>
+          </a:p>
+          <a:p>
+            <a:r>
+              <a:rPr lang="fr-FR" sz="1200" dirty="0">
+                <a:solidFill>
+                  <a:schemeClr val="bg1"/>
+                </a:solidFill>
+                <a:cs typeface="Aharoni" panose="02010803020104030203" pitchFamily="2" charset="-79"/>
+              </a:rPr>
+              <a:t> (</a:t>
+            </a:r>
+            <a:r>
+              <a:rPr lang="fr-FR" sz="1200" dirty="0" err="1">
+                <a:solidFill>
+                  <a:schemeClr val="bg1"/>
+                </a:solidFill>
+                <a:cs typeface="Aharoni" panose="02010803020104030203" pitchFamily="2" charset="-79"/>
+              </a:rPr>
+              <a:t>rust</a:t>
+            </a:r>
+            <a:r>
+              <a:rPr lang="fr-FR" sz="1200" dirty="0">
+                <a:solidFill>
+                  <a:schemeClr val="bg1"/>
+                </a:solidFill>
+                <a:cs typeface="Aharoni" panose="02010803020104030203" pitchFamily="2" charset="-79"/>
+              </a:rPr>
+              <a:t>)</a:t>
+            </a:r>
+            <a:endParaRPr lang="en-GB" sz="1200" dirty="0">
+              <a:solidFill>
+                <a:schemeClr val="bg1"/>
+              </a:solidFill>
+              <a:cs typeface="Aharoni" panose="02010803020104030203" pitchFamily="2" charset="-79"/>
+            </a:endParaRPr>
+          </a:p>
+        </p:txBody>
+      </p:sp>
+      <p:sp>
+        <p:nvSpPr>
+          <p:cNvPr id="54" name="TextBox 53">
+            <a:extLst>
+              <a:ext uri="{FF2B5EF4-FFF2-40B4-BE49-F238E27FC236}">
+                <a16:creationId xmlns:a16="http://schemas.microsoft.com/office/drawing/2014/main" id="{3F6A8B1B-8A26-4ED5-965F-96D912E0A8F7}"/>
+              </a:ext>
+            </a:extLst>
+          </p:cNvPr>
+          <p:cNvSpPr txBox="1"/>
+          <p:nvPr/>
+        </p:nvSpPr>
+        <p:spPr>
+          <a:xfrm>
+            <a:off x="837211" y="5539519"/>
+            <a:ext cx="5050048" cy="1169551"/>
+          </a:xfrm>
+          <a:prstGeom prst="rect">
+            <a:avLst/>
+          </a:prstGeom>
+          <a:noFill/>
+        </p:spPr>
+        <p:txBody>
+          <a:bodyPr wrap="square" rtlCol="0">
+            <a:spAutoFit/>
+          </a:bodyPr>
+          <a:lstStyle/>
+          <a:p>
+            <a:r>
+              <a:rPr lang="fr-FR" sz="1400" b="1" dirty="0"/>
+              <a:t>Data </a:t>
+            </a:r>
+            <a:r>
+              <a:rPr lang="fr-FR" sz="1400" b="1" dirty="0" err="1"/>
+              <a:t>measurements</a:t>
+            </a:r>
+            <a:endParaRPr lang="fr-FR" sz="1400" b="1" dirty="0"/>
+          </a:p>
+          <a:p>
+            <a:pPr marL="285750" indent="-285750">
+              <a:buFont typeface="Arial" panose="020B0604020202020204" pitchFamily="34" charset="0"/>
+              <a:buChar char="•"/>
+            </a:pPr>
+            <a:r>
+              <a:rPr lang="fr-FR" sz="1400" dirty="0" err="1"/>
+              <a:t>Phenotype</a:t>
+            </a:r>
+            <a:r>
+              <a:rPr lang="fr-FR" sz="1400" dirty="0"/>
+              <a:t>: </a:t>
+            </a:r>
+            <a:r>
+              <a:rPr lang="fr-FR" sz="1400" dirty="0" err="1"/>
+              <a:t>samples</a:t>
+            </a:r>
+            <a:r>
+              <a:rPr lang="fr-FR" sz="1400" dirty="0"/>
+              <a:t> are </a:t>
+            </a:r>
+            <a:r>
+              <a:rPr lang="fr-FR" sz="1400" dirty="0" err="1"/>
+              <a:t>taken</a:t>
+            </a:r>
+            <a:r>
+              <a:rPr lang="fr-FR" sz="1400" dirty="0"/>
+              <a:t> to the </a:t>
+            </a:r>
+            <a:r>
+              <a:rPr lang="fr-FR" sz="1400" dirty="0" err="1"/>
+              <a:t>lab</a:t>
+            </a:r>
+            <a:r>
+              <a:rPr lang="fr-FR" sz="1400" dirty="0"/>
+              <a:t> </a:t>
+            </a:r>
+            <a:r>
+              <a:rPr lang="fr-FR" sz="1400" dirty="0">
+                <a:sym typeface="Wingdings" panose="05000000000000000000" pitchFamily="2" charset="2"/>
+              </a:rPr>
+              <a:t> </a:t>
+            </a:r>
+            <a:r>
+              <a:rPr lang="fr-FR" sz="1400" dirty="0" err="1">
+                <a:sym typeface="Wingdings" panose="05000000000000000000" pitchFamily="2" charset="2"/>
+              </a:rPr>
+              <a:t>inoculated</a:t>
+            </a:r>
+            <a:r>
+              <a:rPr lang="fr-FR" sz="1400" dirty="0">
+                <a:sym typeface="Wingdings" panose="05000000000000000000" pitchFamily="2" charset="2"/>
+              </a:rPr>
+              <a:t> </a:t>
+            </a:r>
+            <a:r>
+              <a:rPr lang="fr-FR" sz="1400" dirty="0" err="1">
+                <a:sym typeface="Wingdings" panose="05000000000000000000" pitchFamily="2" charset="2"/>
+              </a:rPr>
+              <a:t>with</a:t>
+            </a:r>
+            <a:r>
+              <a:rPr lang="fr-FR" sz="1400" dirty="0">
+                <a:sym typeface="Wingdings" panose="05000000000000000000" pitchFamily="2" charset="2"/>
+              </a:rPr>
+              <a:t> 3 </a:t>
+            </a:r>
+            <a:r>
+              <a:rPr lang="fr-FR" sz="1400" dirty="0" err="1">
+                <a:sym typeface="Wingdings" panose="05000000000000000000" pitchFamily="2" charset="2"/>
+              </a:rPr>
+              <a:t>pathogens</a:t>
+            </a:r>
+            <a:r>
+              <a:rPr lang="fr-FR" sz="1400" dirty="0">
+                <a:sym typeface="Wingdings" panose="05000000000000000000" pitchFamily="2" charset="2"/>
+              </a:rPr>
+              <a:t>  </a:t>
+            </a:r>
+            <a:r>
+              <a:rPr lang="fr-FR" sz="1400" dirty="0" err="1">
+                <a:sym typeface="Wingdings" panose="05000000000000000000" pitchFamily="2" charset="2"/>
+              </a:rPr>
+              <a:t>resistance</a:t>
+            </a:r>
+            <a:r>
+              <a:rPr lang="fr-FR" sz="1400" dirty="0">
+                <a:sym typeface="Wingdings" panose="05000000000000000000" pitchFamily="2" charset="2"/>
+              </a:rPr>
+              <a:t> components are </a:t>
+            </a:r>
+            <a:r>
+              <a:rPr lang="fr-FR" sz="1400" dirty="0" err="1">
+                <a:sym typeface="Wingdings" panose="05000000000000000000" pitchFamily="2" charset="2"/>
+              </a:rPr>
+              <a:t>measured</a:t>
+            </a:r>
+            <a:r>
+              <a:rPr lang="fr-FR" sz="1400" dirty="0">
+                <a:sym typeface="Wingdings" panose="05000000000000000000" pitchFamily="2" charset="2"/>
+              </a:rPr>
+              <a:t> in the </a:t>
+            </a:r>
+            <a:r>
+              <a:rPr lang="fr-FR" sz="1400" dirty="0" err="1">
+                <a:sym typeface="Wingdings" panose="05000000000000000000" pitchFamily="2" charset="2"/>
+              </a:rPr>
+              <a:t>lab</a:t>
+            </a:r>
+            <a:endParaRPr lang="fr-FR" sz="1400" dirty="0">
+              <a:sym typeface="Wingdings" panose="05000000000000000000" pitchFamily="2" charset="2"/>
+            </a:endParaRPr>
+          </a:p>
+          <a:p>
+            <a:pPr marL="285750" indent="-285750">
+              <a:buFont typeface="Arial" panose="020B0604020202020204" pitchFamily="34" charset="0"/>
+              <a:buChar char="•"/>
+            </a:pPr>
+            <a:r>
+              <a:rPr lang="fr-FR" sz="1400" dirty="0" err="1">
+                <a:sym typeface="Wingdings" panose="05000000000000000000" pitchFamily="2" charset="2"/>
+              </a:rPr>
+              <a:t>Genotype</a:t>
+            </a:r>
+            <a:r>
+              <a:rPr lang="fr-FR" sz="1400" dirty="0">
+                <a:sym typeface="Wingdings" panose="05000000000000000000" pitchFamily="2" charset="2"/>
+              </a:rPr>
+              <a:t>: </a:t>
+            </a:r>
+            <a:r>
+              <a:rPr lang="fr-FR" sz="1400" dirty="0" err="1">
+                <a:sym typeface="Wingdings" panose="05000000000000000000" pitchFamily="2" charset="2"/>
+              </a:rPr>
+              <a:t>Genomic</a:t>
+            </a:r>
+            <a:r>
+              <a:rPr lang="fr-FR" sz="1400" dirty="0">
+                <a:sym typeface="Wingdings" panose="05000000000000000000" pitchFamily="2" charset="2"/>
+              </a:rPr>
+              <a:t> </a:t>
+            </a:r>
+            <a:r>
+              <a:rPr lang="fr-FR" sz="1400" dirty="0" err="1">
+                <a:sym typeface="Wingdings" panose="05000000000000000000" pitchFamily="2" charset="2"/>
+              </a:rPr>
+              <a:t>sequencing</a:t>
+            </a:r>
+            <a:r>
+              <a:rPr lang="fr-FR" sz="1400" dirty="0">
+                <a:sym typeface="Wingdings" panose="05000000000000000000" pitchFamily="2" charset="2"/>
+              </a:rPr>
+              <a:t> </a:t>
+            </a:r>
+            <a:r>
+              <a:rPr lang="fr-FR" sz="1400" dirty="0" err="1">
+                <a:sym typeface="Wingdings" panose="05000000000000000000" pitchFamily="2" charset="2"/>
+              </a:rPr>
+              <a:t>with</a:t>
+            </a:r>
+            <a:r>
+              <a:rPr lang="fr-FR" sz="1400" dirty="0">
+                <a:sym typeface="Wingdings" panose="05000000000000000000" pitchFamily="2" charset="2"/>
+              </a:rPr>
+              <a:t> high-</a:t>
+            </a:r>
+            <a:r>
+              <a:rPr lang="fr-FR" sz="1400" dirty="0" err="1">
+                <a:sym typeface="Wingdings" panose="05000000000000000000" pitchFamily="2" charset="2"/>
+              </a:rPr>
+              <a:t>resolution</a:t>
+            </a:r>
+            <a:r>
+              <a:rPr lang="fr-FR" sz="1400" dirty="0">
+                <a:sym typeface="Wingdings" panose="05000000000000000000" pitchFamily="2" charset="2"/>
+              </a:rPr>
+              <a:t> </a:t>
+            </a:r>
+            <a:r>
+              <a:rPr lang="fr-FR" sz="1400" dirty="0" err="1">
+                <a:sym typeface="Wingdings" panose="05000000000000000000" pitchFamily="2" charset="2"/>
+              </a:rPr>
+              <a:t>SNPs</a:t>
+            </a:r>
+            <a:r>
+              <a:rPr lang="fr-FR" sz="1400" dirty="0">
+                <a:sym typeface="Wingdings" panose="05000000000000000000" pitchFamily="2" charset="2"/>
+              </a:rPr>
+              <a:t>. Total </a:t>
+            </a:r>
+            <a:r>
+              <a:rPr lang="fr-FR" sz="1400" dirty="0" err="1">
+                <a:sym typeface="Wingdings" panose="05000000000000000000" pitchFamily="2" charset="2"/>
+              </a:rPr>
+              <a:t>SNPs</a:t>
+            </a:r>
+            <a:r>
+              <a:rPr lang="fr-FR" sz="1400" dirty="0">
+                <a:sym typeface="Wingdings" panose="05000000000000000000" pitchFamily="2" charset="2"/>
+              </a:rPr>
+              <a:t> </a:t>
+            </a:r>
+            <a:r>
+              <a:rPr lang="fr-FR" sz="1400" dirty="0" err="1">
+                <a:sym typeface="Wingdings" panose="05000000000000000000" pitchFamily="2" charset="2"/>
+              </a:rPr>
+              <a:t>used</a:t>
+            </a:r>
+            <a:r>
+              <a:rPr lang="fr-FR" sz="1400" dirty="0">
+                <a:sym typeface="Wingdings" panose="05000000000000000000" pitchFamily="2" charset="2"/>
+              </a:rPr>
+              <a:t> </a:t>
+            </a:r>
+            <a:r>
+              <a:rPr lang="fr-FR" sz="1400" dirty="0" err="1">
+                <a:sym typeface="Wingdings" panose="05000000000000000000" pitchFamily="2" charset="2"/>
+              </a:rPr>
+              <a:t>were</a:t>
+            </a:r>
+            <a:r>
+              <a:rPr lang="fr-FR" sz="1400" dirty="0">
+                <a:sym typeface="Wingdings" panose="05000000000000000000" pitchFamily="2" charset="2"/>
+              </a:rPr>
+              <a:t> 7.800</a:t>
+            </a:r>
+            <a:endParaRPr lang="fr-FR" sz="1400" dirty="0"/>
+          </a:p>
+        </p:txBody>
+      </p:sp>
+    </p:spTree>
+    <p:extLst>
+      <p:ext uri="{BB962C8B-B14F-4D97-AF65-F5344CB8AC3E}">
+        <p14:creationId xmlns:p14="http://schemas.microsoft.com/office/powerpoint/2010/main" val="3904701737"/>
+      </p:ext>
+    </p:extLst>
+  </p:cSld>
+  <p:clrMapOvr>
+    <a:masterClrMapping/>
+  </p:clrMapOvr>
+  <p:timing>
+    <p:tnLst>
+      <p:par>
+        <p:cTn id="1" dur="indefinite" restart="never" nodeType="tmRoot">
+          <p:childTnLst>
+            <p:seq concurrent="1" nextAc="seek">
+              <p:cTn id="2" dur="indefinite" nodeType="mainSeq">
+                <p:childTnLst>
+                  <p:par>
+                    <p:cTn id="3" fill="hold">
+                      <p:stCondLst>
+                        <p:cond delay="indefinite"/>
+                        <p:cond evt="onBegin" delay="0">
+                          <p:tn val="2"/>
+                        </p:cond>
+                      </p:stCondLst>
+                      <p:childTnLst>
+                        <p:par>
+                          <p:cTn id="4" fill="hold">
+                            <p:stCondLst>
+                              <p:cond delay="0"/>
+                            </p:stCondLst>
+                            <p:childTnLst>
+                              <p:par>
+                                <p:cTn id="5" presetID="1" presetClass="entr" presetSubtype="0" fill="hold" grpId="0" nodeType="withEffect">
+                                  <p:stCondLst>
+                                    <p:cond delay="0"/>
+                                  </p:stCondLst>
+                                  <p:childTnLst>
+                                    <p:set>
+                                      <p:cBhvr>
+                                        <p:cTn id="6" dur="1" fill="hold">
+                                          <p:stCondLst>
+                                            <p:cond delay="0"/>
+                                          </p:stCondLst>
+                                        </p:cTn>
+                                        <p:tgtEl>
+                                          <p:spTgt spid="10"/>
+                                        </p:tgtEl>
+                                        <p:attrNameLst>
+                                          <p:attrName>style.visibility</p:attrName>
+                                        </p:attrNameLst>
+                                      </p:cBhvr>
+                                      <p:to>
+                                        <p:strVal val="visible"/>
+                                      </p:to>
+                                    </p:set>
+                                  </p:childTnLst>
+                                </p:cTn>
+                              </p:par>
+                              <p:par>
+                                <p:cTn id="7" presetID="10" presetClass="entr" presetSubtype="0" fill="hold" grpId="0" nodeType="withEffect">
+                                  <p:stCondLst>
+                                    <p:cond delay="0"/>
+                                  </p:stCondLst>
+                                  <p:childTnLst>
+                                    <p:set>
+                                      <p:cBhvr>
+                                        <p:cTn id="8" dur="1" fill="hold">
+                                          <p:stCondLst>
+                                            <p:cond delay="0"/>
+                                          </p:stCondLst>
+                                        </p:cTn>
+                                        <p:tgtEl>
+                                          <p:spTgt spid="49"/>
+                                        </p:tgtEl>
+                                        <p:attrNameLst>
+                                          <p:attrName>style.visibility</p:attrName>
+                                        </p:attrNameLst>
+                                      </p:cBhvr>
+                                      <p:to>
+                                        <p:strVal val="visible"/>
+                                      </p:to>
+                                    </p:set>
+                                    <p:animEffect transition="in" filter="fade">
+                                      <p:cBhvr>
+                                        <p:cTn id="9" dur="500"/>
+                                        <p:tgtEl>
+                                          <p:spTgt spid="49"/>
+                                        </p:tgtEl>
+                                      </p:cBhvr>
+                                    </p:animEffect>
+                                  </p:childTnLst>
+                                </p:cTn>
+                              </p:par>
+                            </p:childTnLst>
+                          </p:cTn>
+                        </p:par>
+                      </p:childTnLst>
+                    </p:cTn>
+                  </p:par>
+                  <p:par>
+                    <p:cTn id="10" fill="hold">
+                      <p:stCondLst>
+                        <p:cond delay="indefinite"/>
+                      </p:stCondLst>
+                      <p:childTnLst>
+                        <p:par>
+                          <p:cTn id="11" fill="hold">
+                            <p:stCondLst>
+                              <p:cond delay="0"/>
+                            </p:stCondLst>
+                            <p:childTnLst>
+                              <p:par>
+                                <p:cTn id="12" presetID="22" presetClass="entr" presetSubtype="8" fill="hold" grpId="0" nodeType="clickEffect">
+                                  <p:stCondLst>
+                                    <p:cond delay="0"/>
+                                  </p:stCondLst>
+                                  <p:childTnLst>
+                                    <p:set>
+                                      <p:cBhvr>
+                                        <p:cTn id="13" dur="1" fill="hold">
+                                          <p:stCondLst>
+                                            <p:cond delay="0"/>
+                                          </p:stCondLst>
+                                        </p:cTn>
+                                        <p:tgtEl>
+                                          <p:spTgt spid="51"/>
+                                        </p:tgtEl>
+                                        <p:attrNameLst>
+                                          <p:attrName>style.visibility</p:attrName>
+                                        </p:attrNameLst>
+                                      </p:cBhvr>
+                                      <p:to>
+                                        <p:strVal val="visible"/>
+                                      </p:to>
+                                    </p:set>
+                                    <p:animEffect transition="in" filter="wipe(left)">
+                                      <p:cBhvr>
+                                        <p:cTn id="14" dur="1000"/>
+                                        <p:tgtEl>
+                                          <p:spTgt spid="51"/>
+                                        </p:tgtEl>
+                                      </p:cBhvr>
+                                    </p:animEffect>
+                                  </p:childTnLst>
+                                </p:cTn>
+                              </p:par>
+                            </p:childTnLst>
+                          </p:cTn>
+                        </p:par>
+                      </p:childTnLst>
+                    </p:cTn>
+                  </p:par>
+                  <p:par>
+                    <p:cTn id="15" fill="hold">
+                      <p:stCondLst>
+                        <p:cond delay="indefinite"/>
+                      </p:stCondLst>
+                      <p:childTnLst>
+                        <p:par>
+                          <p:cTn id="16" fill="hold">
+                            <p:stCondLst>
+                              <p:cond delay="0"/>
+                            </p:stCondLst>
+                            <p:childTnLst>
+                              <p:par>
+                                <p:cTn id="17" presetID="22" presetClass="entr" presetSubtype="8" fill="hold" grpId="0" nodeType="clickEffect">
+                                  <p:stCondLst>
+                                    <p:cond delay="0"/>
+                                  </p:stCondLst>
+                                  <p:childTnLst>
+                                    <p:set>
+                                      <p:cBhvr>
+                                        <p:cTn id="18" dur="1" fill="hold">
+                                          <p:stCondLst>
+                                            <p:cond delay="0"/>
+                                          </p:stCondLst>
+                                        </p:cTn>
+                                        <p:tgtEl>
+                                          <p:spTgt spid="52"/>
+                                        </p:tgtEl>
+                                        <p:attrNameLst>
+                                          <p:attrName>style.visibility</p:attrName>
+                                        </p:attrNameLst>
+                                      </p:cBhvr>
+                                      <p:to>
+                                        <p:strVal val="visible"/>
+                                      </p:to>
+                                    </p:set>
+                                    <p:animEffect transition="in" filter="wipe(left)">
+                                      <p:cBhvr>
+                                        <p:cTn id="19" dur="1000"/>
+                                        <p:tgtEl>
+                                          <p:spTgt spid="52"/>
+                                        </p:tgtEl>
+                                      </p:cBhvr>
+                                    </p:animEffect>
+                                  </p:childTnLst>
+                                </p:cTn>
+                              </p:par>
+                              <p:par>
+                                <p:cTn id="20" presetID="22" presetClass="entr" presetSubtype="8" fill="hold" grpId="0" nodeType="withEffect">
+                                  <p:stCondLst>
+                                    <p:cond delay="100"/>
+                                  </p:stCondLst>
+                                  <p:childTnLst>
+                                    <p:set>
+                                      <p:cBhvr>
+                                        <p:cTn id="21" dur="1" fill="hold">
+                                          <p:stCondLst>
+                                            <p:cond delay="0"/>
+                                          </p:stCondLst>
+                                        </p:cTn>
+                                        <p:tgtEl>
+                                          <p:spTgt spid="53"/>
+                                        </p:tgtEl>
+                                        <p:attrNameLst>
+                                          <p:attrName>style.visibility</p:attrName>
+                                        </p:attrNameLst>
+                                      </p:cBhvr>
+                                      <p:to>
+                                        <p:strVal val="visible"/>
+                                      </p:to>
+                                    </p:set>
+                                    <p:animEffect transition="in" filter="wipe(left)">
+                                      <p:cBhvr>
+                                        <p:cTn id="22" dur="1000"/>
+                                        <p:tgtEl>
+                                          <p:spTgt spid="53"/>
+                                        </p:tgtEl>
+                                      </p:cBhvr>
+                                    </p:animEffect>
+                                  </p:childTnLst>
+                                </p:cTn>
+                              </p:par>
+                            </p:childTnLst>
+                          </p:cTn>
+                        </p:par>
+                      </p:childTnLst>
+                    </p:cTn>
+                  </p:par>
+                  <p:par>
+                    <p:cTn id="23" fill="hold">
+                      <p:stCondLst>
+                        <p:cond delay="indefinite"/>
+                      </p:stCondLst>
+                      <p:childTnLst>
+                        <p:par>
+                          <p:cTn id="24" fill="hold">
+                            <p:stCondLst>
+                              <p:cond delay="0"/>
+                            </p:stCondLst>
+                            <p:childTnLst>
+                              <p:par>
+                                <p:cTn id="25" presetID="10" presetClass="entr" presetSubtype="0" fill="hold" grpId="0" nodeType="clickEffect">
+                                  <p:stCondLst>
+                                    <p:cond delay="0"/>
+                                  </p:stCondLst>
+                                  <p:childTnLst>
+                                    <p:set>
+                                      <p:cBhvr>
+                                        <p:cTn id="26" dur="1" fill="hold">
+                                          <p:stCondLst>
+                                            <p:cond delay="0"/>
+                                          </p:stCondLst>
+                                        </p:cTn>
+                                        <p:tgtEl>
+                                          <p:spTgt spid="43"/>
+                                        </p:tgtEl>
+                                        <p:attrNameLst>
+                                          <p:attrName>style.visibility</p:attrName>
+                                        </p:attrNameLst>
+                                      </p:cBhvr>
+                                      <p:to>
+                                        <p:strVal val="visible"/>
+                                      </p:to>
+                                    </p:set>
+                                    <p:animEffect transition="in" filter="fade">
+                                      <p:cBhvr>
+                                        <p:cTn id="27" dur="250"/>
+                                        <p:tgtEl>
+                                          <p:spTgt spid="43"/>
+                                        </p:tgtEl>
+                                      </p:cBhvr>
+                                    </p:animEffect>
+                                  </p:childTnLst>
+                                </p:cTn>
+                              </p:par>
+                              <p:par>
+                                <p:cTn id="28" presetID="10" presetClass="entr" presetSubtype="0" fill="hold" nodeType="withEffect">
+                                  <p:stCondLst>
+                                    <p:cond delay="0"/>
+                                  </p:stCondLst>
+                                  <p:childTnLst>
+                                    <p:set>
+                                      <p:cBhvr>
+                                        <p:cTn id="29" dur="1" fill="hold">
+                                          <p:stCondLst>
+                                            <p:cond delay="0"/>
+                                          </p:stCondLst>
+                                        </p:cTn>
+                                        <p:tgtEl>
+                                          <p:spTgt spid="55"/>
+                                        </p:tgtEl>
+                                        <p:attrNameLst>
+                                          <p:attrName>style.visibility</p:attrName>
+                                        </p:attrNameLst>
+                                      </p:cBhvr>
+                                      <p:to>
+                                        <p:strVal val="visible"/>
+                                      </p:to>
+                                    </p:set>
+                                    <p:animEffect transition="in" filter="fade">
+                                      <p:cBhvr>
+                                        <p:cTn id="30" dur="500"/>
+                                        <p:tgtEl>
+                                          <p:spTgt spid="55"/>
+                                        </p:tgtEl>
+                                      </p:cBhvr>
+                                    </p:animEffect>
+                                  </p:childTnLst>
+                                </p:cTn>
+                              </p:par>
+                            </p:childTnLst>
+                          </p:cTn>
+                        </p:par>
+                      </p:childTnLst>
+                    </p:cTn>
+                  </p:par>
+                  <p:par>
+                    <p:cTn id="31" fill="hold">
+                      <p:stCondLst>
+                        <p:cond delay="indefinite"/>
+                      </p:stCondLst>
+                      <p:childTnLst>
+                        <p:par>
+                          <p:cTn id="32" fill="hold">
+                            <p:stCondLst>
+                              <p:cond delay="0"/>
+                            </p:stCondLst>
+                            <p:childTnLst>
+                              <p:par>
+                                <p:cTn id="33" presetID="10" presetClass="entr" presetSubtype="0" fill="hold" grpId="0" nodeType="clickEffect">
+                                  <p:stCondLst>
+                                    <p:cond delay="0"/>
+                                  </p:stCondLst>
+                                  <p:childTnLst>
+                                    <p:set>
+                                      <p:cBhvr>
+                                        <p:cTn id="34" dur="1" fill="hold">
+                                          <p:stCondLst>
+                                            <p:cond delay="0"/>
+                                          </p:stCondLst>
+                                        </p:cTn>
+                                        <p:tgtEl>
+                                          <p:spTgt spid="54"/>
+                                        </p:tgtEl>
+                                        <p:attrNameLst>
+                                          <p:attrName>style.visibility</p:attrName>
+                                        </p:attrNameLst>
+                                      </p:cBhvr>
+                                      <p:to>
+                                        <p:strVal val="visible"/>
+                                      </p:to>
+                                    </p:set>
+                                    <p:animEffect transition="in" filter="fade">
+                                      <p:cBhvr>
+                                        <p:cTn id="35" dur="250"/>
+                                        <p:tgtEl>
+                                          <p:spTgt spid="54"/>
+                                        </p:tgtEl>
+                                      </p:cBhvr>
+                                    </p:animEffect>
+                                  </p:childTnLst>
+                                </p:cTn>
+                              </p:par>
+                            </p:childTnLst>
+                          </p:cTn>
+                        </p:par>
+                      </p:childTnLst>
+                    </p:cTn>
+                  </p:par>
+                </p:childTnLst>
+              </p:cTn>
+              <p:prevCondLst>
+                <p:cond evt="onPrev" delay="0">
+                  <p:tgtEl>
+                    <p:sldTgt/>
+                  </p:tgtEl>
+                </p:cond>
+              </p:prevCondLst>
+              <p:nextCondLst>
+                <p:cond evt="onNext" delay="0">
+                  <p:tgtEl>
+                    <p:sldTgt/>
+                  </p:tgtEl>
+                </p:cond>
+              </p:nextCondLst>
+            </p:seq>
+          </p:childTnLst>
+        </p:cTn>
+      </p:par>
+    </p:tnLst>
+    <p:bldLst>
+      <p:bldP spid="10" grpId="0"/>
+      <p:bldP spid="43" grpId="0"/>
+      <p:bldP spid="49" grpId="0"/>
+      <p:bldP spid="51" grpId="0" animBg="1"/>
+      <p:bldP spid="52" grpId="0" animBg="1"/>
+      <p:bldP spid="53" grpId="0"/>
+      <p:bldP spid="54" grpId="0"/>
+    </p:bldLst>
+  </p:timing>
+</p:sld>
+</file>
+
+<file path=ppt/slides/slide21.xml><?xml version="1.0" encoding="utf-8"?>
+<p:sld xmlns:a="http://schemas.openxmlformats.org/drawingml/2006/main" xmlns:r="http://schemas.openxmlformats.org/officeDocument/2006/relationships" xmlns:p="http://schemas.openxmlformats.org/presentationml/2006/main">
+  <p:cSld>
+    <p:spTree>
+      <p:nvGrpSpPr>
+        <p:cNvPr id="1" name=""/>
+        <p:cNvGrpSpPr/>
+        <p:nvPr/>
+      </p:nvGrpSpPr>
+      <p:grpSpPr>
+        <a:xfrm>
+          <a:off x="0" y="0"/>
+          <a:ext cx="0" cy="0"/>
+          <a:chOff x="0" y="0"/>
+          <a:chExt cx="0" cy="0"/>
+        </a:xfrm>
+      </p:grpSpPr>
+      <p:sp>
+        <p:nvSpPr>
+          <p:cNvPr id="54" name="TextBox 53">
+            <a:extLst>
+              <a:ext uri="{FF2B5EF4-FFF2-40B4-BE49-F238E27FC236}">
+                <a16:creationId xmlns:a16="http://schemas.microsoft.com/office/drawing/2014/main" id="{9A85B723-A876-4A51-8300-6C549AEE2300}"/>
+              </a:ext>
+            </a:extLst>
+          </p:cNvPr>
+          <p:cNvSpPr txBox="1"/>
+          <p:nvPr/>
+        </p:nvSpPr>
+        <p:spPr>
+          <a:xfrm>
+            <a:off x="668879" y="1945557"/>
+            <a:ext cx="4367814" cy="338554"/>
+          </a:xfrm>
+          <a:prstGeom prst="rect">
+            <a:avLst/>
+          </a:prstGeom>
+          <a:noFill/>
+        </p:spPr>
+        <p:txBody>
+          <a:bodyPr wrap="square" rtlCol="0">
+            <a:spAutoFit/>
+          </a:bodyPr>
+          <a:lstStyle/>
+          <a:p>
+            <a:pPr marL="285750" indent="-285750">
+              <a:buFont typeface="Wingdings" panose="05000000000000000000" pitchFamily="2" charset="2"/>
+              <a:buChar char="q"/>
+            </a:pPr>
+            <a:r>
+              <a:rPr lang="en-GB" sz="1600" dirty="0"/>
+              <a:t>Genomic matrix: 154 genotypes x 7 800 SNPs </a:t>
+            </a:r>
+          </a:p>
+        </p:txBody>
+      </p:sp>
+      <p:sp>
+        <p:nvSpPr>
+          <p:cNvPr id="55" name="TextBox 54">
+            <a:extLst>
+              <a:ext uri="{FF2B5EF4-FFF2-40B4-BE49-F238E27FC236}">
+                <a16:creationId xmlns:a16="http://schemas.microsoft.com/office/drawing/2014/main" id="{423FC630-E6B3-494C-BEF1-7E7EC0A5BF8B}"/>
+              </a:ext>
+            </a:extLst>
+          </p:cNvPr>
+          <p:cNvSpPr txBox="1"/>
+          <p:nvPr/>
+        </p:nvSpPr>
+        <p:spPr>
+          <a:xfrm>
+            <a:off x="668880" y="1543685"/>
+            <a:ext cx="4367814" cy="338554"/>
+          </a:xfrm>
+          <a:prstGeom prst="rect">
+            <a:avLst/>
+          </a:prstGeom>
+          <a:solidFill>
+            <a:schemeClr val="tx2">
+              <a:lumMod val="75000"/>
+            </a:schemeClr>
+          </a:solidFill>
+        </p:spPr>
+        <p:txBody>
+          <a:bodyPr wrap="square" rtlCol="0">
+            <a:spAutoFit/>
+          </a:bodyPr>
+          <a:lstStyle/>
+          <a:p>
+            <a:r>
+              <a:rPr lang="fr-FR" sz="1600" dirty="0">
+                <a:solidFill>
+                  <a:schemeClr val="bg1"/>
+                </a:solidFill>
+                <a:latin typeface="Aharoni" panose="02010803020104030203" pitchFamily="2" charset="-79"/>
+                <a:cs typeface="Aharoni" panose="02010803020104030203" pitchFamily="2" charset="-79"/>
+              </a:rPr>
+              <a:t>The </a:t>
+            </a:r>
+            <a:r>
+              <a:rPr lang="fr-FR" sz="1600" dirty="0" err="1">
+                <a:solidFill>
+                  <a:schemeClr val="bg1"/>
+                </a:solidFill>
+                <a:latin typeface="Aharoni" panose="02010803020104030203" pitchFamily="2" charset="-79"/>
+                <a:cs typeface="Aharoni" panose="02010803020104030203" pitchFamily="2" charset="-79"/>
+              </a:rPr>
+              <a:t>materials</a:t>
+            </a:r>
+            <a:endParaRPr lang="en-GB" sz="1600" dirty="0">
+              <a:solidFill>
+                <a:schemeClr val="bg1"/>
+              </a:solidFill>
+              <a:latin typeface="Aharoni" panose="02010803020104030203" pitchFamily="2" charset="-79"/>
+              <a:cs typeface="Aharoni" panose="02010803020104030203" pitchFamily="2" charset="-79"/>
+            </a:endParaRPr>
+          </a:p>
+        </p:txBody>
+      </p:sp>
+      <p:sp>
+        <p:nvSpPr>
+          <p:cNvPr id="56" name="TextBox 55">
+            <a:extLst>
+              <a:ext uri="{FF2B5EF4-FFF2-40B4-BE49-F238E27FC236}">
+                <a16:creationId xmlns:a16="http://schemas.microsoft.com/office/drawing/2014/main" id="{015452FC-A43E-41EB-846E-1688A976FE48}"/>
+              </a:ext>
+            </a:extLst>
+          </p:cNvPr>
+          <p:cNvSpPr txBox="1"/>
+          <p:nvPr/>
+        </p:nvSpPr>
+        <p:spPr>
+          <a:xfrm>
+            <a:off x="6648988" y="1543685"/>
+            <a:ext cx="4367814" cy="338554"/>
+          </a:xfrm>
+          <a:prstGeom prst="rect">
+            <a:avLst/>
+          </a:prstGeom>
+          <a:solidFill>
+            <a:schemeClr val="tx2">
+              <a:lumMod val="75000"/>
+            </a:schemeClr>
+          </a:solidFill>
+        </p:spPr>
+        <p:txBody>
+          <a:bodyPr wrap="square" rtlCol="0">
+            <a:spAutoFit/>
+          </a:bodyPr>
+          <a:lstStyle/>
+          <a:p>
+            <a:r>
+              <a:rPr lang="fr-FR" sz="1600" dirty="0">
+                <a:solidFill>
+                  <a:schemeClr val="bg1"/>
+                </a:solidFill>
+                <a:latin typeface="Aharoni" panose="02010803020104030203" pitchFamily="2" charset="-79"/>
+                <a:cs typeface="Aharoni" panose="02010803020104030203" pitchFamily="2" charset="-79"/>
+              </a:rPr>
+              <a:t>The model</a:t>
+            </a:r>
+            <a:endParaRPr lang="en-GB" sz="1600" dirty="0">
+              <a:solidFill>
+                <a:schemeClr val="bg1"/>
+              </a:solidFill>
+              <a:latin typeface="Aharoni" panose="02010803020104030203" pitchFamily="2" charset="-79"/>
+              <a:cs typeface="Aharoni" panose="02010803020104030203" pitchFamily="2" charset="-79"/>
+            </a:endParaRPr>
+          </a:p>
+        </p:txBody>
+      </p:sp>
+      <mc:AlternateContent xmlns:mc="http://schemas.openxmlformats.org/markup-compatibility/2006">
+        <mc:Choice xmlns:a14="http://schemas.microsoft.com/office/drawing/2010/main" Requires="a14">
+          <p:sp>
+            <p:nvSpPr>
+              <p:cNvPr id="57" name="TextBox 56">
+                <a:extLst>
+                  <a:ext uri="{FF2B5EF4-FFF2-40B4-BE49-F238E27FC236}">
+                    <a16:creationId xmlns:a16="http://schemas.microsoft.com/office/drawing/2014/main" id="{BE74FC50-F5AF-4B41-B868-87913E2FC816}"/>
+                  </a:ext>
+                </a:extLst>
+              </p:cNvPr>
+              <p:cNvSpPr txBox="1"/>
+              <p:nvPr/>
+            </p:nvSpPr>
+            <p:spPr>
+              <a:xfrm>
+                <a:off x="6648987" y="1980491"/>
+                <a:ext cx="4550863" cy="1354217"/>
+              </a:xfrm>
+              <a:prstGeom prst="rect">
+                <a:avLst/>
+              </a:prstGeom>
+              <a:noFill/>
+            </p:spPr>
+            <p:txBody>
+              <a:bodyPr wrap="square" rtlCol="0">
+                <a:spAutoFit/>
+              </a:bodyPr>
+              <a:lstStyle/>
+              <a:p>
+                <a:pPr marL="285750" indent="-285750">
+                  <a:buFont typeface="Wingdings" panose="05000000000000000000" pitchFamily="2" charset="2"/>
+                  <a:buChar char="q"/>
+                </a:pPr>
+                <a:r>
+                  <a:rPr lang="en-GB" sz="1600" dirty="0"/>
+                  <a:t>Generalized linear mixed model</a:t>
+                </a:r>
+              </a:p>
+              <a:p>
+                <a:pPr marL="285750" indent="-285750">
+                  <a:buFont typeface="Wingdings" panose="05000000000000000000" pitchFamily="2" charset="2"/>
+                  <a:buChar char="q"/>
+                </a:pPr>
+                <a14:m>
+                  <m:oMath xmlns:m="http://schemas.openxmlformats.org/officeDocument/2006/math">
+                    <m:r>
+                      <a:rPr lang="en-GB" sz="1800" i="1" smtClean="0">
+                        <a:effectLst/>
+                        <a:latin typeface="Cambria Math" panose="02040503050406030204" pitchFamily="18" charset="0"/>
+                        <a:ea typeface="Calibri" panose="020F0502020204030204" pitchFamily="34" charset="0"/>
+                        <a:cs typeface="Arial" panose="020B0604020202020204" pitchFamily="34" charset="0"/>
+                      </a:rPr>
+                      <m:t>𝑌</m:t>
+                    </m:r>
+                    <m:r>
+                      <a:rPr lang="en-GB" sz="1800" i="1" smtClean="0">
+                        <a:effectLst/>
+                        <a:latin typeface="Cambria Math" panose="02040503050406030204" pitchFamily="18" charset="0"/>
+                        <a:ea typeface="Calibri" panose="020F0502020204030204" pitchFamily="34" charset="0"/>
+                        <a:cs typeface="Arial" panose="020B0604020202020204" pitchFamily="34" charset="0"/>
+                      </a:rPr>
+                      <m:t>=</m:t>
+                    </m:r>
+                    <m:r>
+                      <a:rPr lang="en-GB" sz="1800" i="1" smtClean="0">
+                        <a:effectLst/>
+                        <a:latin typeface="Cambria Math" panose="02040503050406030204" pitchFamily="18" charset="0"/>
+                        <a:ea typeface="Calibri" panose="020F0502020204030204" pitchFamily="34" charset="0"/>
+                        <a:cs typeface="Arial" panose="020B0604020202020204" pitchFamily="34" charset="0"/>
+                      </a:rPr>
+                      <m:t>𝑍</m:t>
+                    </m:r>
+                    <m:sSub>
+                      <m:sSubPr>
+                        <m:ctrlPr>
+                          <a:rPr lang="en-GB" sz="1800" i="1">
+                            <a:effectLst/>
+                            <a:latin typeface="Cambria Math" panose="02040503050406030204" pitchFamily="18" charset="0"/>
+                            <a:ea typeface="Calibri" panose="020F0502020204030204" pitchFamily="34" charset="0"/>
+                            <a:cs typeface="Arial" panose="020B0604020202020204" pitchFamily="34" charset="0"/>
+                          </a:rPr>
+                        </m:ctrlPr>
+                      </m:sSubPr>
+                      <m:e>
+                        <m:r>
+                          <a:rPr lang="en-GB" sz="1800" i="1">
+                            <a:effectLst/>
+                            <a:latin typeface="Cambria Math" panose="02040503050406030204" pitchFamily="18" charset="0"/>
+                            <a:ea typeface="Calibri" panose="020F0502020204030204" pitchFamily="34" charset="0"/>
+                            <a:cs typeface="Arial" panose="020B0604020202020204" pitchFamily="34" charset="0"/>
+                          </a:rPr>
+                          <m:t>𝛽</m:t>
+                        </m:r>
+                      </m:e>
+                      <m:sub>
+                        <m:r>
+                          <a:rPr lang="en-GB" sz="1800" i="1">
+                            <a:effectLst/>
+                            <a:latin typeface="Cambria Math" panose="02040503050406030204" pitchFamily="18" charset="0"/>
+                            <a:ea typeface="Calibri" panose="020F0502020204030204" pitchFamily="34" charset="0"/>
+                            <a:cs typeface="Arial" panose="020B0604020202020204" pitchFamily="34" charset="0"/>
+                          </a:rPr>
+                          <m:t>1</m:t>
+                        </m:r>
+                      </m:sub>
+                    </m:sSub>
+                    <m:r>
+                      <a:rPr lang="en-GB" sz="1800" i="1">
+                        <a:effectLst/>
+                        <a:latin typeface="Cambria Math" panose="02040503050406030204" pitchFamily="18" charset="0"/>
+                        <a:ea typeface="Calibri" panose="020F0502020204030204" pitchFamily="34" charset="0"/>
+                        <a:cs typeface="Arial" panose="020B0604020202020204" pitchFamily="34" charset="0"/>
+                      </a:rPr>
+                      <m:t>+</m:t>
+                    </m:r>
+                    <m:r>
+                      <a:rPr lang="en-GB" sz="1800" i="1">
+                        <a:effectLst/>
+                        <a:latin typeface="Cambria Math" panose="02040503050406030204" pitchFamily="18" charset="0"/>
+                        <a:ea typeface="Calibri" panose="020F0502020204030204" pitchFamily="34" charset="0"/>
+                        <a:cs typeface="Arial" panose="020B0604020202020204" pitchFamily="34" charset="0"/>
+                      </a:rPr>
+                      <m:t>𝑋</m:t>
+                    </m:r>
+                    <m:sSub>
+                      <m:sSubPr>
+                        <m:ctrlPr>
+                          <a:rPr lang="en-GB" sz="1800" i="1">
+                            <a:effectLst/>
+                            <a:latin typeface="Cambria Math" panose="02040503050406030204" pitchFamily="18" charset="0"/>
+                            <a:ea typeface="Calibri" panose="020F0502020204030204" pitchFamily="34" charset="0"/>
+                            <a:cs typeface="Arial" panose="020B0604020202020204" pitchFamily="34" charset="0"/>
+                          </a:rPr>
+                        </m:ctrlPr>
+                      </m:sSubPr>
+                      <m:e>
+                        <m:r>
+                          <a:rPr lang="en-GB" sz="1800" i="1">
+                            <a:effectLst/>
+                            <a:latin typeface="Cambria Math" panose="02040503050406030204" pitchFamily="18" charset="0"/>
+                            <a:ea typeface="Calibri" panose="020F0502020204030204" pitchFamily="34" charset="0"/>
+                            <a:cs typeface="Arial" panose="020B0604020202020204" pitchFamily="34" charset="0"/>
+                          </a:rPr>
+                          <m:t>𝛽</m:t>
+                        </m:r>
+                      </m:e>
+                      <m:sub>
+                        <m:r>
+                          <a:rPr lang="en-GB" sz="1800" i="1">
+                            <a:effectLst/>
+                            <a:latin typeface="Cambria Math" panose="02040503050406030204" pitchFamily="18" charset="0"/>
+                            <a:ea typeface="Calibri" panose="020F0502020204030204" pitchFamily="34" charset="0"/>
+                            <a:cs typeface="Arial" panose="020B0604020202020204" pitchFamily="34" charset="0"/>
+                          </a:rPr>
+                          <m:t>2</m:t>
+                        </m:r>
+                      </m:sub>
+                    </m:sSub>
+                    <m:r>
+                      <a:rPr lang="en-GB" sz="1800" i="1">
+                        <a:effectLst/>
+                        <a:latin typeface="Cambria Math" panose="02040503050406030204" pitchFamily="18" charset="0"/>
+                        <a:ea typeface="Calibri" panose="020F0502020204030204" pitchFamily="34" charset="0"/>
+                        <a:cs typeface="Arial" panose="020B0604020202020204" pitchFamily="34" charset="0"/>
+                      </a:rPr>
+                      <m:t>+ </m:t>
+                    </m:r>
+                    <m:r>
+                      <a:rPr lang="en-GB" sz="1800" i="1">
+                        <a:effectLst/>
+                        <a:latin typeface="Cambria Math" panose="02040503050406030204" pitchFamily="18" charset="0"/>
+                        <a:ea typeface="Calibri" panose="020F0502020204030204" pitchFamily="34" charset="0"/>
+                        <a:cs typeface="Arial" panose="020B0604020202020204" pitchFamily="34" charset="0"/>
+                      </a:rPr>
+                      <m:t>𝜀</m:t>
+                    </m:r>
+                  </m:oMath>
+                </a14:m>
+                <a:endParaRPr lang="en-GB" sz="1800" dirty="0">
+                  <a:effectLst/>
+                  <a:latin typeface="Calibri" panose="020F0502020204030204" pitchFamily="34" charset="0"/>
+                  <a:ea typeface="Calibri" panose="020F0502020204030204" pitchFamily="34" charset="0"/>
+                  <a:cs typeface="Times New Roman" panose="02020603050405020304" pitchFamily="18" charset="0"/>
+                </a:endParaRPr>
+              </a:p>
+              <a:p>
+                <a:pPr marL="285750" indent="-285750">
+                  <a:buFont typeface="Wingdings" panose="05000000000000000000" pitchFamily="2" charset="2"/>
+                  <a:buChar char="q"/>
+                </a:pPr>
+                <a:r>
+                  <a:rPr lang="en-GB" sz="1600" dirty="0"/>
+                  <a:t>Correcting noise variation using kinship matrix and population structure (K = 6)</a:t>
+                </a:r>
+              </a:p>
+              <a:p>
+                <a:pPr marL="285750" indent="-285750">
+                  <a:buFont typeface="Wingdings" panose="05000000000000000000" pitchFamily="2" charset="2"/>
+                  <a:buChar char="q"/>
+                </a:pPr>
+                <a:r>
+                  <a:rPr lang="en-GB" sz="1600" dirty="0"/>
+                  <a:t>Evaluation of candidate genes: using P-values</a:t>
+                </a:r>
+              </a:p>
+            </p:txBody>
+          </p:sp>
+        </mc:Choice>
+        <mc:Fallback>
+          <p:sp>
+            <p:nvSpPr>
+              <p:cNvPr id="57" name="TextBox 56">
+                <a:extLst>
+                  <a:ext uri="{FF2B5EF4-FFF2-40B4-BE49-F238E27FC236}">
+                    <a16:creationId xmlns:a16="http://schemas.microsoft.com/office/drawing/2014/main" id="{BE74FC50-F5AF-4B41-B868-87913E2FC816}"/>
+                  </a:ext>
+                </a:extLst>
+              </p:cNvPr>
+              <p:cNvSpPr txBox="1">
+                <a:spLocks noRot="1" noChangeAspect="1" noMove="1" noResize="1" noEditPoints="1" noAdjustHandles="1" noChangeArrowheads="1" noChangeShapeType="1" noTextEdit="1"/>
+              </p:cNvSpPr>
+              <p:nvPr/>
+            </p:nvSpPr>
+            <p:spPr>
+              <a:xfrm>
+                <a:off x="6648987" y="1980491"/>
+                <a:ext cx="4550863" cy="1354217"/>
+              </a:xfrm>
+              <a:prstGeom prst="rect">
+                <a:avLst/>
+              </a:prstGeom>
+              <a:blipFill>
+                <a:blip r:embed="rId2"/>
+                <a:stretch>
+                  <a:fillRect l="-938" t="-1351" b="-4955"/>
+                </a:stretch>
+              </a:blipFill>
+            </p:spPr>
+            <p:txBody>
+              <a:bodyPr/>
+              <a:lstStyle/>
+              <a:p>
+                <a:r>
+                  <a:rPr lang="en-GB">
+                    <a:noFill/>
+                  </a:rPr>
+                  <a:t> </a:t>
+                </a:r>
+              </a:p>
+            </p:txBody>
+          </p:sp>
+        </mc:Fallback>
+      </mc:AlternateContent>
+      <p:pic>
+        <p:nvPicPr>
+          <p:cNvPr id="58" name="Picture 57" descr="Population structure chart. Individuals tend to group with the individuals that come from the same location">
+            <a:extLst>
+              <a:ext uri="{FF2B5EF4-FFF2-40B4-BE49-F238E27FC236}">
+                <a16:creationId xmlns:a16="http://schemas.microsoft.com/office/drawing/2014/main" id="{CF6A19BD-AE93-4215-BBCA-F362852444C3}"/>
+              </a:ext>
+            </a:extLst>
+          </p:cNvPr>
+          <p:cNvPicPr>
+            <a:picLocks noChangeAspect="1"/>
+          </p:cNvPicPr>
+          <p:nvPr/>
+        </p:nvPicPr>
+        <p:blipFill>
+          <a:blip r:embed="rId3">
+            <a:extLst>
+              <a:ext uri="{28A0092B-C50C-407E-A947-70E740481C1C}">
+                <a14:useLocalDpi xmlns:a14="http://schemas.microsoft.com/office/drawing/2010/main" val="0"/>
+              </a:ext>
+            </a:extLst>
+          </a:blip>
+          <a:stretch>
+            <a:fillRect/>
+          </a:stretch>
+        </p:blipFill>
+        <p:spPr>
+          <a:xfrm>
+            <a:off x="802351" y="3465513"/>
+            <a:ext cx="10374230" cy="2593558"/>
+          </a:xfrm>
+          <a:prstGeom prst="rect">
+            <a:avLst/>
+          </a:prstGeom>
+        </p:spPr>
+      </p:pic>
+      <p:sp>
+        <p:nvSpPr>
+          <p:cNvPr id="2" name="TextBox 1">
+            <a:extLst>
+              <a:ext uri="{FF2B5EF4-FFF2-40B4-BE49-F238E27FC236}">
+                <a16:creationId xmlns:a16="http://schemas.microsoft.com/office/drawing/2014/main" id="{5E4A9F42-DA8A-4187-8FAA-6A4C3B54D7C7}"/>
+              </a:ext>
+            </a:extLst>
+          </p:cNvPr>
+          <p:cNvSpPr txBox="1"/>
+          <p:nvPr/>
+        </p:nvSpPr>
+        <p:spPr>
+          <a:xfrm>
+            <a:off x="802351" y="5928266"/>
+            <a:ext cx="6542843" cy="261610"/>
+          </a:xfrm>
+          <a:prstGeom prst="rect">
+            <a:avLst/>
+          </a:prstGeom>
+          <a:noFill/>
+        </p:spPr>
+        <p:txBody>
+          <a:bodyPr wrap="square" rtlCol="0">
+            <a:spAutoFit/>
+          </a:bodyPr>
+          <a:lstStyle/>
+          <a:p>
+            <a:r>
+              <a:rPr lang="en-GB" sz="1100" dirty="0"/>
+              <a:t>Population structure chart. Individuals tend to group with the individuals that come from the same location</a:t>
+            </a:r>
+          </a:p>
+        </p:txBody>
+      </p:sp>
+      <p:sp>
+        <p:nvSpPr>
+          <p:cNvPr id="74" name="TextBox 73">
+            <a:extLst>
+              <a:ext uri="{FF2B5EF4-FFF2-40B4-BE49-F238E27FC236}">
+                <a16:creationId xmlns:a16="http://schemas.microsoft.com/office/drawing/2014/main" id="{2E4E486C-8DA3-4499-9F05-3347AC1318E9}"/>
+              </a:ext>
+            </a:extLst>
+          </p:cNvPr>
+          <p:cNvSpPr txBox="1"/>
+          <p:nvPr/>
+        </p:nvSpPr>
+        <p:spPr>
+          <a:xfrm>
+            <a:off x="584589" y="356961"/>
+            <a:ext cx="4367814" cy="338554"/>
+          </a:xfrm>
+          <a:prstGeom prst="rect">
+            <a:avLst/>
+          </a:prstGeom>
+          <a:noFill/>
+        </p:spPr>
+        <p:txBody>
+          <a:bodyPr wrap="square" rtlCol="0">
+            <a:spAutoFit/>
+          </a:bodyPr>
+          <a:lstStyle/>
+          <a:p>
+            <a:r>
+              <a:rPr lang="en-US" sz="1600" dirty="0">
+                <a:solidFill>
+                  <a:schemeClr val="tx1">
+                    <a:lumMod val="65000"/>
+                    <a:lumOff val="35000"/>
+                  </a:schemeClr>
+                </a:solidFill>
+                <a:latin typeface="Aharoni" panose="02010803020104030203" pitchFamily="2" charset="-79"/>
+                <a:cs typeface="Aharoni" panose="02010803020104030203" pitchFamily="2" charset="-79"/>
+              </a:rPr>
+              <a:t>Analyses and Results</a:t>
+            </a:r>
+          </a:p>
+        </p:txBody>
+      </p:sp>
+      <p:sp>
+        <p:nvSpPr>
+          <p:cNvPr id="75" name="TextBox 74">
+            <a:extLst>
+              <a:ext uri="{FF2B5EF4-FFF2-40B4-BE49-F238E27FC236}">
+                <a16:creationId xmlns:a16="http://schemas.microsoft.com/office/drawing/2014/main" id="{87B8979B-E965-43B4-B091-49AC4DB4C5D1}"/>
+              </a:ext>
+            </a:extLst>
+          </p:cNvPr>
+          <p:cNvSpPr txBox="1"/>
+          <p:nvPr/>
+        </p:nvSpPr>
+        <p:spPr>
+          <a:xfrm>
+            <a:off x="584588" y="712173"/>
+            <a:ext cx="4550864" cy="707886"/>
+          </a:xfrm>
+          <a:prstGeom prst="rect">
+            <a:avLst/>
+          </a:prstGeom>
+          <a:noFill/>
+        </p:spPr>
+        <p:txBody>
+          <a:bodyPr wrap="square" rtlCol="0">
+            <a:spAutoFit/>
+          </a:bodyPr>
+          <a:lstStyle/>
+          <a:p>
+            <a:pPr algn="just"/>
+            <a:r>
+              <a:rPr lang="fr-FR" sz="2000" dirty="0">
+                <a:solidFill>
+                  <a:schemeClr val="tx2">
+                    <a:lumMod val="75000"/>
+                  </a:schemeClr>
+                </a:solidFill>
+                <a:latin typeface="Arial Black" panose="020B0A04020102020204" pitchFamily="34" charset="0"/>
+              </a:rPr>
+              <a:t>DEPICTING THE GENETICS OF RESISTANCE USING GWAS</a:t>
+            </a:r>
+          </a:p>
+        </p:txBody>
+      </p:sp>
+      <p:cxnSp>
+        <p:nvCxnSpPr>
+          <p:cNvPr id="76" name="Straight Connector 75">
+            <a:extLst>
+              <a:ext uri="{FF2B5EF4-FFF2-40B4-BE49-F238E27FC236}">
+                <a16:creationId xmlns:a16="http://schemas.microsoft.com/office/drawing/2014/main" id="{73DD5456-3EFA-4225-AB54-55BD9DA9194F}"/>
+              </a:ext>
+            </a:extLst>
+          </p:cNvPr>
+          <p:cNvCxnSpPr>
+            <a:cxnSpLocks/>
+          </p:cNvCxnSpPr>
+          <p:nvPr/>
+        </p:nvCxnSpPr>
+        <p:spPr>
+          <a:xfrm flipH="1">
+            <a:off x="668879" y="695515"/>
+            <a:ext cx="1430224" cy="9765"/>
+          </a:xfrm>
+          <a:prstGeom prst="line">
+            <a:avLst/>
+          </a:prstGeom>
+          <a:ln w="57150">
+            <a:solidFill>
+              <a:srgbClr val="00CC99"/>
+            </a:solidFill>
+          </a:ln>
+        </p:spPr>
+        <p:style>
+          <a:lnRef idx="1">
+            <a:schemeClr val="accent1"/>
+          </a:lnRef>
+          <a:fillRef idx="0">
+            <a:schemeClr val="accent1"/>
+          </a:fillRef>
+          <a:effectRef idx="0">
+            <a:schemeClr val="accent1"/>
+          </a:effectRef>
+          <a:fontRef idx="minor">
+            <a:schemeClr val="tx1"/>
+          </a:fontRef>
+        </p:style>
+      </p:cxnSp>
+    </p:spTree>
+    <p:extLst>
+      <p:ext uri="{BB962C8B-B14F-4D97-AF65-F5344CB8AC3E}">
+        <p14:creationId xmlns:p14="http://schemas.microsoft.com/office/powerpoint/2010/main" val="4291751923"/>
+      </p:ext>
+    </p:extLst>
+  </p:cSld>
+  <p:clrMapOvr>
+    <a:masterClrMapping/>
+  </p:clrMapOvr>
+  <p:timing>
+    <p:tnLst>
+      <p:par>
+        <p:cTn id="1" dur="indefinite" restart="never" nodeType="tmRoot">
+          <p:childTnLst>
+            <p:seq concurrent="1" nextAc="seek">
+              <p:cTn id="2" dur="indefinite" nodeType="mainSeq">
+                <p:childTnLst>
+                  <p:par>
+                    <p:cTn id="3" fill="hold">
+                      <p:stCondLst>
+                        <p:cond delay="indefinite"/>
+                      </p:stCondLst>
+                      <p:childTnLst>
+                        <p:par>
+                          <p:cTn id="4" fill="hold">
+                            <p:stCondLst>
+                              <p:cond delay="0"/>
+                            </p:stCondLst>
+                            <p:childTnLst>
+                              <p:par>
+                                <p:cTn id="5" presetID="10" presetClass="entr" presetSubtype="0" fill="hold" grpId="0" nodeType="clickEffect">
+                                  <p:stCondLst>
+                                    <p:cond delay="0"/>
+                                  </p:stCondLst>
+                                  <p:childTnLst>
+                                    <p:set>
+                                      <p:cBhvr>
+                                        <p:cTn id="6" dur="1" fill="hold">
+                                          <p:stCondLst>
+                                            <p:cond delay="0"/>
+                                          </p:stCondLst>
+                                        </p:cTn>
+                                        <p:tgtEl>
+                                          <p:spTgt spid="55"/>
+                                        </p:tgtEl>
+                                        <p:attrNameLst>
+                                          <p:attrName>style.visibility</p:attrName>
+                                        </p:attrNameLst>
+                                      </p:cBhvr>
+                                      <p:to>
+                                        <p:strVal val="visible"/>
+                                      </p:to>
+                                    </p:set>
+                                    <p:animEffect transition="in" filter="fade">
+                                      <p:cBhvr>
+                                        <p:cTn id="7" dur="250"/>
+                                        <p:tgtEl>
+                                          <p:spTgt spid="55"/>
+                                        </p:tgtEl>
+                                      </p:cBhvr>
+                                    </p:animEffect>
+                                  </p:childTnLst>
+                                </p:cTn>
+                              </p:par>
+                              <p:par>
+                                <p:cTn id="8" presetID="10" presetClass="entr" presetSubtype="0" fill="hold" grpId="0" nodeType="withEffect">
+                                  <p:stCondLst>
+                                    <p:cond delay="0"/>
+                                  </p:stCondLst>
+                                  <p:childTnLst>
+                                    <p:set>
+                                      <p:cBhvr>
+                                        <p:cTn id="9" dur="1" fill="hold">
+                                          <p:stCondLst>
+                                            <p:cond delay="0"/>
+                                          </p:stCondLst>
+                                        </p:cTn>
+                                        <p:tgtEl>
+                                          <p:spTgt spid="54"/>
+                                        </p:tgtEl>
+                                        <p:attrNameLst>
+                                          <p:attrName>style.visibility</p:attrName>
+                                        </p:attrNameLst>
+                                      </p:cBhvr>
+                                      <p:to>
+                                        <p:strVal val="visible"/>
+                                      </p:to>
+                                    </p:set>
+                                    <p:animEffect transition="in" filter="fade">
+                                      <p:cBhvr>
+                                        <p:cTn id="10" dur="250"/>
+                                        <p:tgtEl>
+                                          <p:spTgt spid="54"/>
+                                        </p:tgtEl>
+                                      </p:cBhvr>
+                                    </p:animEffect>
+                                  </p:childTnLst>
+                                </p:cTn>
+                              </p:par>
+                            </p:childTnLst>
+                          </p:cTn>
+                        </p:par>
+                      </p:childTnLst>
+                    </p:cTn>
+                  </p:par>
+                  <p:par>
+                    <p:cTn id="11" fill="hold">
+                      <p:stCondLst>
+                        <p:cond delay="indefinite"/>
+                      </p:stCondLst>
+                      <p:childTnLst>
+                        <p:par>
+                          <p:cTn id="12" fill="hold">
+                            <p:stCondLst>
+                              <p:cond delay="0"/>
+                            </p:stCondLst>
+                            <p:childTnLst>
+                              <p:par>
+                                <p:cTn id="13" presetID="10" presetClass="entr" presetSubtype="0" fill="hold" grpId="0" nodeType="clickEffect">
+                                  <p:stCondLst>
+                                    <p:cond delay="0"/>
+                                  </p:stCondLst>
+                                  <p:childTnLst>
+                                    <p:set>
+                                      <p:cBhvr>
+                                        <p:cTn id="14" dur="1" fill="hold">
+                                          <p:stCondLst>
+                                            <p:cond delay="0"/>
+                                          </p:stCondLst>
+                                        </p:cTn>
+                                        <p:tgtEl>
+                                          <p:spTgt spid="56"/>
+                                        </p:tgtEl>
+                                        <p:attrNameLst>
+                                          <p:attrName>style.visibility</p:attrName>
+                                        </p:attrNameLst>
+                                      </p:cBhvr>
+                                      <p:to>
+                                        <p:strVal val="visible"/>
+                                      </p:to>
+                                    </p:set>
+                                    <p:animEffect transition="in" filter="fade">
+                                      <p:cBhvr>
+                                        <p:cTn id="15" dur="250"/>
+                                        <p:tgtEl>
+                                          <p:spTgt spid="56"/>
+                                        </p:tgtEl>
+                                      </p:cBhvr>
+                                    </p:animEffect>
+                                  </p:childTnLst>
+                                </p:cTn>
+                              </p:par>
+                              <p:par>
+                                <p:cTn id="16" presetID="10" presetClass="entr" presetSubtype="0" fill="hold" grpId="0" nodeType="withEffect">
+                                  <p:stCondLst>
+                                    <p:cond delay="0"/>
+                                  </p:stCondLst>
+                                  <p:childTnLst>
+                                    <p:set>
+                                      <p:cBhvr>
+                                        <p:cTn id="17" dur="1" fill="hold">
+                                          <p:stCondLst>
+                                            <p:cond delay="0"/>
+                                          </p:stCondLst>
+                                        </p:cTn>
+                                        <p:tgtEl>
+                                          <p:spTgt spid="57"/>
+                                        </p:tgtEl>
+                                        <p:attrNameLst>
+                                          <p:attrName>style.visibility</p:attrName>
+                                        </p:attrNameLst>
+                                      </p:cBhvr>
+                                      <p:to>
+                                        <p:strVal val="visible"/>
+                                      </p:to>
+                                    </p:set>
+                                    <p:animEffect transition="in" filter="fade">
+                                      <p:cBhvr>
+                                        <p:cTn id="18" dur="250"/>
+                                        <p:tgtEl>
+                                          <p:spTgt spid="57"/>
+                                        </p:tgtEl>
+                                      </p:cBhvr>
+                                    </p:animEffect>
+                                  </p:childTnLst>
+                                </p:cTn>
+                              </p:par>
+                            </p:childTnLst>
+                          </p:cTn>
+                        </p:par>
+                      </p:childTnLst>
+                    </p:cTn>
+                  </p:par>
+                  <p:par>
+                    <p:cTn id="19" fill="hold">
+                      <p:stCondLst>
+                        <p:cond delay="indefinite"/>
+                      </p:stCondLst>
+                      <p:childTnLst>
+                        <p:par>
+                          <p:cTn id="20" fill="hold">
+                            <p:stCondLst>
+                              <p:cond delay="0"/>
+                            </p:stCondLst>
+                            <p:childTnLst>
+                              <p:par>
+                                <p:cTn id="21" presetID="14" presetClass="entr" presetSubtype="10" fill="hold" nodeType="clickEffect">
+                                  <p:stCondLst>
+                                    <p:cond delay="0"/>
+                                  </p:stCondLst>
+                                  <p:childTnLst>
+                                    <p:set>
+                                      <p:cBhvr>
+                                        <p:cTn id="22" dur="1" fill="hold">
+                                          <p:stCondLst>
+                                            <p:cond delay="0"/>
+                                          </p:stCondLst>
+                                        </p:cTn>
+                                        <p:tgtEl>
+                                          <p:spTgt spid="58"/>
+                                        </p:tgtEl>
+                                        <p:attrNameLst>
+                                          <p:attrName>style.visibility</p:attrName>
+                                        </p:attrNameLst>
+                                      </p:cBhvr>
+                                      <p:to>
+                                        <p:strVal val="visible"/>
+                                      </p:to>
+                                    </p:set>
+                                    <p:animEffect transition="in" filter="randombar(horizontal)">
+                                      <p:cBhvr>
+                                        <p:cTn id="23" dur="500"/>
+                                        <p:tgtEl>
+                                          <p:spTgt spid="58"/>
+                                        </p:tgtEl>
+                                      </p:cBhvr>
+                                    </p:animEffect>
+                                  </p:childTnLst>
+                                </p:cTn>
+                              </p:par>
+                              <p:par>
+                                <p:cTn id="24" presetID="10" presetClass="entr" presetSubtype="0" fill="hold" grpId="0" nodeType="withEffect">
+                                  <p:stCondLst>
+                                    <p:cond delay="0"/>
+                                  </p:stCondLst>
+                                  <p:childTnLst>
+                                    <p:set>
+                                      <p:cBhvr>
+                                        <p:cTn id="25" dur="1" fill="hold">
+                                          <p:stCondLst>
+                                            <p:cond delay="0"/>
+                                          </p:stCondLst>
+                                        </p:cTn>
+                                        <p:tgtEl>
+                                          <p:spTgt spid="2"/>
+                                        </p:tgtEl>
+                                        <p:attrNameLst>
+                                          <p:attrName>style.visibility</p:attrName>
+                                        </p:attrNameLst>
+                                      </p:cBhvr>
+                                      <p:to>
+                                        <p:strVal val="visible"/>
+                                      </p:to>
+                                    </p:set>
+                                    <p:animEffect transition="in" filter="fade">
+                                      <p:cBhvr>
+                                        <p:cTn id="26" dur="500"/>
+                                        <p:tgtEl>
+                                          <p:spTgt spid="2"/>
+                                        </p:tgtEl>
+                                      </p:cBhvr>
+                                    </p:animEffect>
+                                  </p:childTnLst>
+                                </p:cTn>
+                              </p:par>
+                            </p:childTnLst>
+                          </p:cTn>
+                        </p:par>
+                      </p:childTnLst>
+                    </p:cTn>
+                  </p:par>
+                </p:childTnLst>
+              </p:cTn>
+              <p:prevCondLst>
+                <p:cond evt="onPrev" delay="0">
+                  <p:tgtEl>
+                    <p:sldTgt/>
+                  </p:tgtEl>
+                </p:cond>
+              </p:prevCondLst>
+              <p:nextCondLst>
+                <p:cond evt="onNext" delay="0">
+                  <p:tgtEl>
+                    <p:sldTgt/>
+                  </p:tgtEl>
+                </p:cond>
+              </p:nextCondLst>
+            </p:seq>
+          </p:childTnLst>
+        </p:cTn>
+      </p:par>
+    </p:tnLst>
+    <p:bldLst>
+      <p:bldP spid="54" grpId="0"/>
+      <p:bldP spid="55" grpId="0" animBg="1"/>
+      <p:bldP spid="56" grpId="0" animBg="1"/>
+      <p:bldP spid="57" grpId="0"/>
+      <p:bldP spid="2" grpId="0"/>
+    </p:bldLst>
+  </p:timing>
+</p:sld>
+</file>
+
+<file path=ppt/slides/slide22.xml><?xml version="1.0" encoding="utf-8"?>
+<p:sld xmlns:a="http://schemas.openxmlformats.org/drawingml/2006/main" xmlns:r="http://schemas.openxmlformats.org/officeDocument/2006/relationships" xmlns:p="http://schemas.openxmlformats.org/presentationml/2006/main">
+  <p:cSld>
+    <p:spTree>
+      <p:nvGrpSpPr>
+        <p:cNvPr id="1" name=""/>
+        <p:cNvGrpSpPr/>
+        <p:nvPr/>
+      </p:nvGrpSpPr>
+      <p:grpSpPr>
+        <a:xfrm>
+          <a:off x="0" y="0"/>
+          <a:ext cx="0" cy="0"/>
+          <a:chOff x="0" y="0"/>
+          <a:chExt cx="0" cy="0"/>
+        </a:xfrm>
+      </p:grpSpPr>
+      <p:grpSp>
+        <p:nvGrpSpPr>
+          <p:cNvPr id="50" name="Group 49">
+            <a:extLst>
+              <a:ext uri="{FF2B5EF4-FFF2-40B4-BE49-F238E27FC236}">
+                <a16:creationId xmlns:a16="http://schemas.microsoft.com/office/drawing/2014/main" id="{6F1035B7-39D8-4F19-BE25-0257A3A586C8}"/>
+              </a:ext>
+            </a:extLst>
+          </p:cNvPr>
+          <p:cNvGrpSpPr/>
+          <p:nvPr/>
+        </p:nvGrpSpPr>
+        <p:grpSpPr>
+          <a:xfrm>
+            <a:off x="5289163" y="1646002"/>
+            <a:ext cx="6488657" cy="3183449"/>
+            <a:chOff x="6166685" y="1885700"/>
+            <a:chExt cx="5593375" cy="2744208"/>
+          </a:xfrm>
+        </p:grpSpPr>
+        <p:pic>
+          <p:nvPicPr>
+            <p:cNvPr id="51" name="Picture 50" descr="Chart, scatter chart&#10;&#10;Description automatically generated">
+              <a:extLst>
+                <a:ext uri="{FF2B5EF4-FFF2-40B4-BE49-F238E27FC236}">
+                  <a16:creationId xmlns:a16="http://schemas.microsoft.com/office/drawing/2014/main" id="{41194A6B-D3EF-49AD-94A3-0745BF7A9DF4}"/>
+                </a:ext>
+              </a:extLst>
+            </p:cNvPr>
+            <p:cNvPicPr>
+              <a:picLocks noChangeAspect="1"/>
+            </p:cNvPicPr>
+            <p:nvPr/>
+          </p:nvPicPr>
+          <p:blipFill>
+            <a:blip r:embed="rId2">
+              <a:extLst>
+                <a:ext uri="{28A0092B-C50C-407E-A947-70E740481C1C}">
+                  <a14:useLocalDpi xmlns:a14="http://schemas.microsoft.com/office/drawing/2010/main" val="0"/>
+                </a:ext>
+              </a:extLst>
+            </a:blip>
+            <a:stretch>
+              <a:fillRect/>
+            </a:stretch>
+          </p:blipFill>
+          <p:spPr>
+            <a:xfrm>
+              <a:off x="6166685" y="1981585"/>
+              <a:ext cx="5593375" cy="2648323"/>
+            </a:xfrm>
+            <a:prstGeom prst="rect">
+              <a:avLst/>
+            </a:prstGeom>
+          </p:spPr>
+        </p:pic>
+        <p:grpSp>
+          <p:nvGrpSpPr>
+            <p:cNvPr id="52" name="Group 51">
+              <a:extLst>
+                <a:ext uri="{FF2B5EF4-FFF2-40B4-BE49-F238E27FC236}">
+                  <a16:creationId xmlns:a16="http://schemas.microsoft.com/office/drawing/2014/main" id="{A5060BAB-4EEA-492D-9EF3-9189030A6F97}"/>
+                </a:ext>
+              </a:extLst>
+            </p:cNvPr>
+            <p:cNvGrpSpPr/>
+            <p:nvPr/>
+          </p:nvGrpSpPr>
+          <p:grpSpPr>
+            <a:xfrm>
+              <a:off x="6408819" y="1885700"/>
+              <a:ext cx="4568899" cy="1602240"/>
+              <a:chOff x="6408819" y="1885700"/>
+              <a:chExt cx="4568899" cy="1602240"/>
+            </a:xfrm>
+          </p:grpSpPr>
+          <p:sp>
+            <p:nvSpPr>
+              <p:cNvPr id="53" name="TextBox 52">
+                <a:extLst>
+                  <a:ext uri="{FF2B5EF4-FFF2-40B4-BE49-F238E27FC236}">
+                    <a16:creationId xmlns:a16="http://schemas.microsoft.com/office/drawing/2014/main" id="{C4D942C7-D1E5-492F-8D0C-E5F41B01C790}"/>
+                  </a:ext>
+                </a:extLst>
+              </p:cNvPr>
+              <p:cNvSpPr txBox="1"/>
+              <p:nvPr/>
+            </p:nvSpPr>
+            <p:spPr>
+              <a:xfrm>
+                <a:off x="6692166" y="2650811"/>
+                <a:ext cx="1105270" cy="400110"/>
+              </a:xfrm>
+              <a:prstGeom prst="rect">
+                <a:avLst/>
+              </a:prstGeom>
+              <a:noFill/>
+            </p:spPr>
+            <p:txBody>
+              <a:bodyPr wrap="square">
+                <a:spAutoFit/>
+              </a:bodyPr>
+              <a:lstStyle/>
+              <a:p>
+                <a:pPr algn="ctr"/>
+                <a:r>
+                  <a:rPr lang="en-GB" sz="1000" dirty="0"/>
+                  <a:t>YL1 nuclear family protein</a:t>
+                </a:r>
+              </a:p>
+            </p:txBody>
+          </p:sp>
+          <p:sp>
+            <p:nvSpPr>
+              <p:cNvPr id="54" name="TextBox 53">
+                <a:extLst>
+                  <a:ext uri="{FF2B5EF4-FFF2-40B4-BE49-F238E27FC236}">
+                    <a16:creationId xmlns:a16="http://schemas.microsoft.com/office/drawing/2014/main" id="{55FE4450-6CFF-4283-BA80-EAC1142620D5}"/>
+                  </a:ext>
+                </a:extLst>
+              </p:cNvPr>
+              <p:cNvSpPr txBox="1"/>
+              <p:nvPr/>
+            </p:nvSpPr>
+            <p:spPr>
+              <a:xfrm>
+                <a:off x="7960642" y="2397101"/>
+                <a:ext cx="1318914" cy="430887"/>
+              </a:xfrm>
+              <a:prstGeom prst="rect">
+                <a:avLst/>
+              </a:prstGeom>
+              <a:noFill/>
+            </p:spPr>
+            <p:txBody>
+              <a:bodyPr wrap="square">
+                <a:spAutoFit/>
+              </a:bodyPr>
+              <a:lstStyle/>
+              <a:p>
+                <a:pPr algn="ctr"/>
+                <a:r>
+                  <a:rPr lang="en-GB" sz="1100" dirty="0"/>
+                  <a:t>Serine Threonine Protein Kinase</a:t>
+                </a:r>
+              </a:p>
+            </p:txBody>
+          </p:sp>
+          <p:sp>
+            <p:nvSpPr>
+              <p:cNvPr id="55" name="Oval 54">
+                <a:extLst>
+                  <a:ext uri="{FF2B5EF4-FFF2-40B4-BE49-F238E27FC236}">
+                    <a16:creationId xmlns:a16="http://schemas.microsoft.com/office/drawing/2014/main" id="{3A3E2C67-69BA-4648-A3A4-E908D387D8BB}"/>
+                  </a:ext>
+                </a:extLst>
+              </p:cNvPr>
+              <p:cNvSpPr/>
+              <p:nvPr/>
+            </p:nvSpPr>
+            <p:spPr>
+              <a:xfrm>
+                <a:off x="8323570" y="2801864"/>
+                <a:ext cx="574059" cy="249057"/>
+              </a:xfrm>
+              <a:prstGeom prst="ellipse">
+                <a:avLst/>
+              </a:prstGeom>
+              <a:noFill/>
+              <a:ln w="28575"/>
+            </p:spPr>
+            <p:style>
+              <a:lnRef idx="2">
+                <a:schemeClr val="accent1">
+                  <a:shade val="50000"/>
+                </a:schemeClr>
+              </a:lnRef>
+              <a:fillRef idx="1">
+                <a:schemeClr val="accent1"/>
+              </a:fillRef>
+              <a:effectRef idx="0">
+                <a:schemeClr val="accent1"/>
+              </a:effectRef>
+              <a:fontRef idx="minor">
+                <a:schemeClr val="lt1"/>
+              </a:fontRef>
+            </p:style>
+            <p:txBody>
+              <a:bodyPr rtlCol="0" anchor="ctr"/>
+              <a:lstStyle/>
+              <a:p>
+                <a:pPr algn="ctr"/>
+                <a:endParaRPr lang="en-GB"/>
+              </a:p>
+            </p:txBody>
+          </p:sp>
+          <p:sp>
+            <p:nvSpPr>
+              <p:cNvPr id="56" name="TextBox 55">
+                <a:extLst>
+                  <a:ext uri="{FF2B5EF4-FFF2-40B4-BE49-F238E27FC236}">
+                    <a16:creationId xmlns:a16="http://schemas.microsoft.com/office/drawing/2014/main" id="{AEED54AD-7B45-4484-8805-9F3051AB0CE7}"/>
+                  </a:ext>
+                </a:extLst>
+              </p:cNvPr>
+              <p:cNvSpPr txBox="1"/>
+              <p:nvPr/>
+            </p:nvSpPr>
+            <p:spPr>
+              <a:xfrm>
+                <a:off x="8986681" y="1981585"/>
+                <a:ext cx="1991037" cy="507831"/>
+              </a:xfrm>
+              <a:prstGeom prst="rect">
+                <a:avLst/>
+              </a:prstGeom>
+              <a:noFill/>
+            </p:spPr>
+            <p:txBody>
+              <a:bodyPr wrap="square">
+                <a:spAutoFit/>
+              </a:bodyPr>
+              <a:lstStyle/>
+              <a:p>
+                <a:r>
+                  <a:rPr lang="en-GB" sz="900" dirty="0"/>
+                  <a:t>- Triose-phosphate Transporter family</a:t>
+                </a:r>
+              </a:p>
+              <a:p>
+                <a:r>
+                  <a:rPr lang="en-GB" sz="900" dirty="0"/>
+                  <a:t>- Acetyltransferase (GNAT) family</a:t>
+                </a:r>
+              </a:p>
+              <a:p>
+                <a:r>
+                  <a:rPr lang="en-GB" sz="900" dirty="0"/>
+                  <a:t>- Glycosyl hydrolases family 16</a:t>
+                </a:r>
+              </a:p>
+            </p:txBody>
+          </p:sp>
+          <p:cxnSp>
+            <p:nvCxnSpPr>
+              <p:cNvPr id="57" name="Straight Arrow Connector 56">
+                <a:extLst>
+                  <a:ext uri="{FF2B5EF4-FFF2-40B4-BE49-F238E27FC236}">
+                    <a16:creationId xmlns:a16="http://schemas.microsoft.com/office/drawing/2014/main" id="{AD3073E3-6EEB-4EE6-9ACA-2B7C69A44283}"/>
+                  </a:ext>
+                </a:extLst>
+              </p:cNvPr>
+              <p:cNvCxnSpPr/>
+              <p:nvPr/>
+            </p:nvCxnSpPr>
+            <p:spPr>
+              <a:xfrm flipH="1">
+                <a:off x="9142936" y="2501816"/>
+                <a:ext cx="839264" cy="424576"/>
+              </a:xfrm>
+              <a:prstGeom prst="straightConnector1">
+                <a:avLst/>
+              </a:prstGeom>
+              <a:ln>
+                <a:tailEnd type="triangle"/>
+              </a:ln>
+            </p:spPr>
+            <p:style>
+              <a:lnRef idx="1">
+                <a:schemeClr val="accent1"/>
+              </a:lnRef>
+              <a:fillRef idx="0">
+                <a:schemeClr val="accent1"/>
+              </a:fillRef>
+              <a:effectRef idx="0">
+                <a:schemeClr val="accent1"/>
+              </a:effectRef>
+              <a:fontRef idx="minor">
+                <a:schemeClr val="tx1"/>
+              </a:fontRef>
+            </p:style>
+          </p:cxnSp>
+          <p:sp>
+            <p:nvSpPr>
+              <p:cNvPr id="58" name="TextBox 57">
+                <a:extLst>
+                  <a:ext uri="{FF2B5EF4-FFF2-40B4-BE49-F238E27FC236}">
+                    <a16:creationId xmlns:a16="http://schemas.microsoft.com/office/drawing/2014/main" id="{92C1C089-EF9E-4F93-BFC3-17F026CAD011}"/>
+                  </a:ext>
+                </a:extLst>
+              </p:cNvPr>
+              <p:cNvSpPr txBox="1"/>
+              <p:nvPr/>
+            </p:nvSpPr>
+            <p:spPr>
+              <a:xfrm>
+                <a:off x="9142936" y="3087830"/>
+                <a:ext cx="1105270" cy="400110"/>
+              </a:xfrm>
+              <a:prstGeom prst="rect">
+                <a:avLst/>
+              </a:prstGeom>
+              <a:noFill/>
+            </p:spPr>
+            <p:txBody>
+              <a:bodyPr wrap="square">
+                <a:spAutoFit/>
+              </a:bodyPr>
+              <a:lstStyle/>
+              <a:p>
+                <a:pPr algn="ctr"/>
+                <a:r>
+                  <a:rPr lang="en-GB" sz="1000" dirty="0"/>
+                  <a:t>Flavonoid biosynthesis</a:t>
+                </a:r>
+              </a:p>
+            </p:txBody>
+          </p:sp>
+          <p:sp>
+            <p:nvSpPr>
+              <p:cNvPr id="59" name="TextBox 58">
+                <a:extLst>
+                  <a:ext uri="{FF2B5EF4-FFF2-40B4-BE49-F238E27FC236}">
+                    <a16:creationId xmlns:a16="http://schemas.microsoft.com/office/drawing/2014/main" id="{BB57E539-0020-46A0-A3DD-1C0865E465EF}"/>
+                  </a:ext>
+                </a:extLst>
+              </p:cNvPr>
+              <p:cNvSpPr txBox="1"/>
+              <p:nvPr/>
+            </p:nvSpPr>
+            <p:spPr>
+              <a:xfrm>
+                <a:off x="9855848" y="2633969"/>
+                <a:ext cx="1014063" cy="600164"/>
+              </a:xfrm>
+              <a:prstGeom prst="rect">
+                <a:avLst/>
+              </a:prstGeom>
+              <a:noFill/>
+            </p:spPr>
+            <p:txBody>
+              <a:bodyPr wrap="square">
+                <a:spAutoFit/>
+              </a:bodyPr>
+              <a:lstStyle/>
+              <a:p>
+                <a:pPr algn="ctr"/>
+                <a:r>
+                  <a:rPr lang="en-GB" sz="1100" dirty="0"/>
+                  <a:t>Heavy-metal-associated domain</a:t>
+                </a:r>
+              </a:p>
+            </p:txBody>
+          </p:sp>
+          <p:sp>
+            <p:nvSpPr>
+              <p:cNvPr id="60" name="TextBox 59">
+                <a:extLst>
+                  <a:ext uri="{FF2B5EF4-FFF2-40B4-BE49-F238E27FC236}">
+                    <a16:creationId xmlns:a16="http://schemas.microsoft.com/office/drawing/2014/main" id="{13C38F12-7A38-4792-883F-89BF39545AA0}"/>
+                  </a:ext>
+                </a:extLst>
+              </p:cNvPr>
+              <p:cNvSpPr txBox="1"/>
+              <p:nvPr/>
+            </p:nvSpPr>
+            <p:spPr>
+              <a:xfrm>
+                <a:off x="6408819" y="1885700"/>
+                <a:ext cx="1598251" cy="276999"/>
+              </a:xfrm>
+              <a:prstGeom prst="rect">
+                <a:avLst/>
+              </a:prstGeom>
+              <a:ln>
+                <a:noFill/>
+              </a:ln>
+            </p:spPr>
+            <p:style>
+              <a:lnRef idx="2">
+                <a:schemeClr val="accent6"/>
+              </a:lnRef>
+              <a:fillRef idx="1">
+                <a:schemeClr val="lt1"/>
+              </a:fillRef>
+              <a:effectRef idx="0">
+                <a:schemeClr val="accent6"/>
+              </a:effectRef>
+              <a:fontRef idx="minor">
+                <a:schemeClr val="dk1"/>
+              </a:fontRef>
+            </p:style>
+            <p:txBody>
+              <a:bodyPr wrap="square" rtlCol="0">
+                <a:spAutoFit/>
+              </a:bodyPr>
+              <a:lstStyle/>
+              <a:p>
+                <a:r>
+                  <a:rPr lang="fr-FR" sz="1200" dirty="0"/>
+                  <a:t>Latent </a:t>
+                </a:r>
+                <a:r>
+                  <a:rPr lang="fr-FR" sz="1200" dirty="0" err="1"/>
+                  <a:t>period</a:t>
+                </a:r>
+                <a:r>
+                  <a:rPr lang="fr-FR" sz="1200" dirty="0"/>
+                  <a:t> P72</a:t>
+                </a:r>
+                <a:endParaRPr lang="en-GB" sz="1200" dirty="0"/>
+              </a:p>
+            </p:txBody>
+          </p:sp>
+        </p:grpSp>
+      </p:grpSp>
+      <p:sp>
+        <p:nvSpPr>
+          <p:cNvPr id="61" name="TextBox 60">
+            <a:extLst>
+              <a:ext uri="{FF2B5EF4-FFF2-40B4-BE49-F238E27FC236}">
+                <a16:creationId xmlns:a16="http://schemas.microsoft.com/office/drawing/2014/main" id="{3B7BA430-7E39-4D14-A84A-9A28893F7EC4}"/>
+              </a:ext>
+            </a:extLst>
+          </p:cNvPr>
+          <p:cNvSpPr txBox="1"/>
+          <p:nvPr/>
+        </p:nvSpPr>
+        <p:spPr>
+          <a:xfrm>
+            <a:off x="668879" y="1646003"/>
+            <a:ext cx="4367814" cy="338554"/>
+          </a:xfrm>
+          <a:prstGeom prst="rect">
+            <a:avLst/>
+          </a:prstGeom>
+          <a:solidFill>
+            <a:schemeClr val="tx2">
+              <a:lumMod val="75000"/>
+            </a:schemeClr>
+          </a:solidFill>
+        </p:spPr>
+        <p:txBody>
+          <a:bodyPr wrap="square" rtlCol="0">
+            <a:spAutoFit/>
+          </a:bodyPr>
+          <a:lstStyle/>
+          <a:p>
+            <a:r>
+              <a:rPr lang="fr-FR" sz="1600" dirty="0">
+                <a:solidFill>
+                  <a:schemeClr val="bg1"/>
+                </a:solidFill>
+                <a:latin typeface="Aharoni" panose="02010803020104030203" pitchFamily="2" charset="-79"/>
+                <a:cs typeface="Aharoni" panose="02010803020104030203" pitchFamily="2" charset="-79"/>
+              </a:rPr>
+              <a:t>The </a:t>
+            </a:r>
+            <a:r>
+              <a:rPr lang="fr-FR" sz="1600" dirty="0" err="1">
+                <a:solidFill>
+                  <a:schemeClr val="bg1"/>
+                </a:solidFill>
+                <a:latin typeface="Aharoni" panose="02010803020104030203" pitchFamily="2" charset="-79"/>
+                <a:cs typeface="Aharoni" panose="02010803020104030203" pitchFamily="2" charset="-79"/>
+              </a:rPr>
+              <a:t>results</a:t>
+            </a:r>
+            <a:endParaRPr lang="en-GB" sz="1600" dirty="0">
+              <a:solidFill>
+                <a:schemeClr val="bg1"/>
+              </a:solidFill>
+              <a:latin typeface="Aharoni" panose="02010803020104030203" pitchFamily="2" charset="-79"/>
+              <a:cs typeface="Aharoni" panose="02010803020104030203" pitchFamily="2" charset="-79"/>
+            </a:endParaRPr>
+          </a:p>
+        </p:txBody>
+      </p:sp>
+      <p:sp>
+        <p:nvSpPr>
+          <p:cNvPr id="62" name="TextBox 61">
+            <a:extLst>
+              <a:ext uri="{FF2B5EF4-FFF2-40B4-BE49-F238E27FC236}">
+                <a16:creationId xmlns:a16="http://schemas.microsoft.com/office/drawing/2014/main" id="{9E1E1F97-6CA5-4EED-8541-BFFCE7863CA0}"/>
+              </a:ext>
+            </a:extLst>
+          </p:cNvPr>
+          <p:cNvSpPr txBox="1"/>
+          <p:nvPr/>
+        </p:nvSpPr>
+        <p:spPr>
+          <a:xfrm>
+            <a:off x="668879" y="2097883"/>
+            <a:ext cx="4550863" cy="830997"/>
+          </a:xfrm>
+          <a:prstGeom prst="rect">
+            <a:avLst/>
+          </a:prstGeom>
+          <a:noFill/>
+        </p:spPr>
+        <p:txBody>
+          <a:bodyPr wrap="square" rtlCol="0">
+            <a:spAutoFit/>
+          </a:bodyPr>
+          <a:lstStyle/>
+          <a:p>
+            <a:pPr marL="285750" indent="-285750">
+              <a:buFont typeface="Wingdings" panose="05000000000000000000" pitchFamily="2" charset="2"/>
+              <a:buChar char="q"/>
+            </a:pPr>
+            <a:r>
+              <a:rPr lang="fr-FR" sz="1600" dirty="0"/>
+              <a:t>P-value </a:t>
+            </a:r>
+            <a:r>
+              <a:rPr lang="fr-FR" sz="1600" dirty="0" err="1"/>
+              <a:t>threshold</a:t>
+            </a:r>
+            <a:r>
+              <a:rPr lang="en-GB" sz="1600" dirty="0"/>
+              <a:t>: 0.001, -log10(0.001) = -3</a:t>
+            </a:r>
+          </a:p>
+          <a:p>
+            <a:pPr marL="285750" indent="-285750">
+              <a:buFont typeface="Wingdings" panose="05000000000000000000" pitchFamily="2" charset="2"/>
+              <a:buChar char="q"/>
+            </a:pPr>
+            <a:r>
+              <a:rPr lang="en-GB" sz="1600" dirty="0"/>
+              <a:t>Found 80 candidate genes in total for all the resistance components and rust pathogens</a:t>
+            </a:r>
+          </a:p>
+        </p:txBody>
+      </p:sp>
+      <p:sp>
+        <p:nvSpPr>
+          <p:cNvPr id="2" name="Arrow: Down 1">
+            <a:extLst>
+              <a:ext uri="{FF2B5EF4-FFF2-40B4-BE49-F238E27FC236}">
+                <a16:creationId xmlns:a16="http://schemas.microsoft.com/office/drawing/2014/main" id="{BFE2291F-0D82-45A5-84B3-EC36CE0ED6EF}"/>
+              </a:ext>
+            </a:extLst>
+          </p:cNvPr>
+          <p:cNvSpPr/>
+          <p:nvPr/>
+        </p:nvSpPr>
+        <p:spPr>
+          <a:xfrm>
+            <a:off x="2669102" y="3020913"/>
+            <a:ext cx="550416" cy="464152"/>
+          </a:xfrm>
+          <a:prstGeom prst="downArrow">
+            <a:avLst/>
+          </a:prstGeom>
+        </p:spPr>
+        <p:style>
+          <a:lnRef idx="2">
+            <a:schemeClr val="accent1">
+              <a:shade val="50000"/>
+            </a:schemeClr>
+          </a:lnRef>
+          <a:fillRef idx="1">
+            <a:schemeClr val="accent1"/>
+          </a:fillRef>
+          <a:effectRef idx="0">
+            <a:schemeClr val="accent1"/>
+          </a:effectRef>
+          <a:fontRef idx="minor">
+            <a:schemeClr val="lt1"/>
+          </a:fontRef>
+        </p:style>
+        <p:txBody>
+          <a:bodyPr rtlCol="0" anchor="ctr"/>
+          <a:lstStyle/>
+          <a:p>
+            <a:pPr algn="ctr"/>
+            <a:endParaRPr lang="en-GB"/>
+          </a:p>
+        </p:txBody>
+      </p:sp>
+      <p:sp>
+        <p:nvSpPr>
+          <p:cNvPr id="63" name="TextBox 62">
+            <a:extLst>
+              <a:ext uri="{FF2B5EF4-FFF2-40B4-BE49-F238E27FC236}">
+                <a16:creationId xmlns:a16="http://schemas.microsoft.com/office/drawing/2014/main" id="{5390ABB0-A8BF-4E36-A48D-E3D4548DF022}"/>
+              </a:ext>
+            </a:extLst>
+          </p:cNvPr>
+          <p:cNvSpPr txBox="1"/>
+          <p:nvPr/>
+        </p:nvSpPr>
+        <p:spPr>
+          <a:xfrm>
+            <a:off x="668879" y="3606954"/>
+            <a:ext cx="4550863" cy="338554"/>
+          </a:xfrm>
+          <a:prstGeom prst="rect">
+            <a:avLst/>
+          </a:prstGeom>
+          <a:noFill/>
+        </p:spPr>
+        <p:txBody>
+          <a:bodyPr wrap="square" rtlCol="0">
+            <a:spAutoFit/>
+          </a:bodyPr>
+          <a:lstStyle/>
+          <a:p>
+            <a:pPr marL="285750" indent="-285750">
+              <a:buFont typeface="Wingdings" panose="05000000000000000000" pitchFamily="2" charset="2"/>
+              <a:buChar char="q"/>
+            </a:pPr>
+            <a:r>
+              <a:rPr lang="fr-FR" sz="1600" dirty="0" err="1"/>
+              <a:t>Evaluate</a:t>
+            </a:r>
+            <a:r>
+              <a:rPr lang="fr-FR" sz="1600" dirty="0"/>
+              <a:t> the candidate </a:t>
+            </a:r>
+            <a:r>
+              <a:rPr lang="fr-FR" sz="1600" dirty="0" err="1"/>
+              <a:t>genes</a:t>
+            </a:r>
+            <a:r>
+              <a:rPr lang="fr-FR" sz="1600" dirty="0"/>
+              <a:t> in BLAST</a:t>
+            </a:r>
+            <a:endParaRPr lang="en-GB" sz="1600" dirty="0"/>
+          </a:p>
+        </p:txBody>
+      </p:sp>
+      <p:sp>
+        <p:nvSpPr>
+          <p:cNvPr id="64" name="Arrow: Down 63">
+            <a:extLst>
+              <a:ext uri="{FF2B5EF4-FFF2-40B4-BE49-F238E27FC236}">
+                <a16:creationId xmlns:a16="http://schemas.microsoft.com/office/drawing/2014/main" id="{DD816537-8FE1-43AE-ADDA-4337D1BC45D9}"/>
+              </a:ext>
+            </a:extLst>
+          </p:cNvPr>
+          <p:cNvSpPr/>
+          <p:nvPr/>
+        </p:nvSpPr>
+        <p:spPr>
+          <a:xfrm>
+            <a:off x="2669102" y="4163139"/>
+            <a:ext cx="550416" cy="464152"/>
+          </a:xfrm>
+          <a:prstGeom prst="downArrow">
+            <a:avLst/>
+          </a:prstGeom>
+        </p:spPr>
+        <p:style>
+          <a:lnRef idx="2">
+            <a:schemeClr val="accent1">
+              <a:shade val="50000"/>
+            </a:schemeClr>
+          </a:lnRef>
+          <a:fillRef idx="1">
+            <a:schemeClr val="accent1"/>
+          </a:fillRef>
+          <a:effectRef idx="0">
+            <a:schemeClr val="accent1"/>
+          </a:effectRef>
+          <a:fontRef idx="minor">
+            <a:schemeClr val="lt1"/>
+          </a:fontRef>
+        </p:style>
+        <p:txBody>
+          <a:bodyPr rtlCol="0" anchor="ctr"/>
+          <a:lstStyle/>
+          <a:p>
+            <a:pPr algn="ctr"/>
+            <a:endParaRPr lang="en-GB"/>
+          </a:p>
+        </p:txBody>
+      </p:sp>
+      <p:sp>
+        <p:nvSpPr>
+          <p:cNvPr id="65" name="TextBox 64">
+            <a:extLst>
+              <a:ext uri="{FF2B5EF4-FFF2-40B4-BE49-F238E27FC236}">
+                <a16:creationId xmlns:a16="http://schemas.microsoft.com/office/drawing/2014/main" id="{B65DA7E8-B3D1-4023-84CF-02D06353FB7D}"/>
+              </a:ext>
+            </a:extLst>
+          </p:cNvPr>
+          <p:cNvSpPr txBox="1"/>
+          <p:nvPr/>
+        </p:nvSpPr>
+        <p:spPr>
+          <a:xfrm>
+            <a:off x="668879" y="4770528"/>
+            <a:ext cx="4550863" cy="1077218"/>
+          </a:xfrm>
+          <a:prstGeom prst="rect">
+            <a:avLst/>
+          </a:prstGeom>
+          <a:noFill/>
+        </p:spPr>
+        <p:txBody>
+          <a:bodyPr wrap="square" rtlCol="0">
+            <a:spAutoFit/>
+          </a:bodyPr>
+          <a:lstStyle/>
+          <a:p>
+            <a:pPr marL="285750" indent="-285750">
+              <a:buFont typeface="Wingdings" panose="05000000000000000000" pitchFamily="2" charset="2"/>
+              <a:buChar char="q"/>
+            </a:pPr>
+            <a:r>
+              <a:rPr lang="fr-FR" sz="1600" dirty="0"/>
+              <a:t>Serine </a:t>
+            </a:r>
+            <a:r>
+              <a:rPr lang="fr-FR" sz="1600" dirty="0" err="1"/>
+              <a:t>threonine</a:t>
+            </a:r>
+            <a:r>
+              <a:rPr lang="fr-FR" sz="1600" dirty="0"/>
+              <a:t> </a:t>
+            </a:r>
+            <a:r>
+              <a:rPr lang="fr-FR" sz="1600" dirty="0" err="1"/>
+              <a:t>protein</a:t>
+            </a:r>
+            <a:r>
+              <a:rPr lang="fr-FR" sz="1600" dirty="0"/>
+              <a:t> kinase: </a:t>
+            </a:r>
+            <a:r>
+              <a:rPr lang="fr-FR" sz="1600" dirty="0" err="1"/>
+              <a:t>related</a:t>
+            </a:r>
+            <a:r>
+              <a:rPr lang="fr-FR" sz="1600" dirty="0"/>
+              <a:t> to plant </a:t>
+            </a:r>
+            <a:r>
+              <a:rPr lang="fr-FR" sz="1600" dirty="0" err="1"/>
+              <a:t>resistance</a:t>
+            </a:r>
+            <a:endParaRPr lang="fr-FR" sz="1600" dirty="0"/>
+          </a:p>
+          <a:p>
+            <a:pPr marL="285750" indent="-285750">
+              <a:buFont typeface="Wingdings" panose="05000000000000000000" pitchFamily="2" charset="2"/>
+              <a:buChar char="q"/>
+            </a:pPr>
+            <a:r>
+              <a:rPr lang="en-GB" sz="1600" dirty="0"/>
+              <a:t>Leucine rich repeat (LRR) protein family: mediators for plant defence mechanism</a:t>
+            </a:r>
+            <a:endParaRPr lang="fr-FR" sz="1600" dirty="0"/>
+          </a:p>
+        </p:txBody>
+      </p:sp>
+      <p:sp>
+        <p:nvSpPr>
+          <p:cNvPr id="66" name="TextBox 65">
+            <a:extLst>
+              <a:ext uri="{FF2B5EF4-FFF2-40B4-BE49-F238E27FC236}">
+                <a16:creationId xmlns:a16="http://schemas.microsoft.com/office/drawing/2014/main" id="{A5AA8417-FB02-4F75-B711-6DB88B026FA0}"/>
+              </a:ext>
+            </a:extLst>
+          </p:cNvPr>
+          <p:cNvSpPr txBox="1"/>
+          <p:nvPr/>
+        </p:nvSpPr>
+        <p:spPr>
+          <a:xfrm>
+            <a:off x="584589" y="356961"/>
+            <a:ext cx="4367814" cy="338554"/>
+          </a:xfrm>
+          <a:prstGeom prst="rect">
+            <a:avLst/>
+          </a:prstGeom>
+          <a:noFill/>
+        </p:spPr>
+        <p:txBody>
+          <a:bodyPr wrap="square" rtlCol="0">
+            <a:spAutoFit/>
+          </a:bodyPr>
+          <a:lstStyle/>
+          <a:p>
+            <a:r>
+              <a:rPr lang="en-US" sz="1600" dirty="0">
+                <a:solidFill>
+                  <a:schemeClr val="tx1">
+                    <a:lumMod val="65000"/>
+                    <a:lumOff val="35000"/>
+                  </a:schemeClr>
+                </a:solidFill>
+                <a:latin typeface="Aharoni" panose="02010803020104030203" pitchFamily="2" charset="-79"/>
+                <a:cs typeface="Aharoni" panose="02010803020104030203" pitchFamily="2" charset="-79"/>
+              </a:rPr>
+              <a:t>Analyses and Results</a:t>
+            </a:r>
+          </a:p>
+        </p:txBody>
+      </p:sp>
+      <p:sp>
+        <p:nvSpPr>
+          <p:cNvPr id="67" name="TextBox 66">
+            <a:extLst>
+              <a:ext uri="{FF2B5EF4-FFF2-40B4-BE49-F238E27FC236}">
+                <a16:creationId xmlns:a16="http://schemas.microsoft.com/office/drawing/2014/main" id="{0D2853E3-68B9-48C9-B4A7-04861D063C00}"/>
+              </a:ext>
+            </a:extLst>
+          </p:cNvPr>
+          <p:cNvSpPr txBox="1"/>
+          <p:nvPr/>
+        </p:nvSpPr>
+        <p:spPr>
+          <a:xfrm>
+            <a:off x="584588" y="712173"/>
+            <a:ext cx="4550864" cy="707886"/>
+          </a:xfrm>
+          <a:prstGeom prst="rect">
+            <a:avLst/>
+          </a:prstGeom>
+          <a:noFill/>
+        </p:spPr>
+        <p:txBody>
+          <a:bodyPr wrap="square" rtlCol="0">
+            <a:spAutoFit/>
+          </a:bodyPr>
+          <a:lstStyle/>
+          <a:p>
+            <a:pPr algn="just"/>
+            <a:r>
+              <a:rPr lang="fr-FR" sz="2000" dirty="0">
+                <a:solidFill>
+                  <a:schemeClr val="tx2">
+                    <a:lumMod val="75000"/>
+                  </a:schemeClr>
+                </a:solidFill>
+                <a:latin typeface="Arial Black" panose="020B0A04020102020204" pitchFamily="34" charset="0"/>
+              </a:rPr>
+              <a:t>DEPICTING THE GENETICS OF RESISTANCE USING GWAS</a:t>
+            </a:r>
+          </a:p>
+        </p:txBody>
+      </p:sp>
+      <p:cxnSp>
+        <p:nvCxnSpPr>
+          <p:cNvPr id="68" name="Straight Connector 67">
+            <a:extLst>
+              <a:ext uri="{FF2B5EF4-FFF2-40B4-BE49-F238E27FC236}">
+                <a16:creationId xmlns:a16="http://schemas.microsoft.com/office/drawing/2014/main" id="{5536CA8D-E3A6-4FAD-85BC-5197C3948584}"/>
+              </a:ext>
+            </a:extLst>
+          </p:cNvPr>
+          <p:cNvCxnSpPr>
+            <a:cxnSpLocks/>
+          </p:cNvCxnSpPr>
+          <p:nvPr/>
+        </p:nvCxnSpPr>
+        <p:spPr>
+          <a:xfrm flipH="1">
+            <a:off x="668879" y="695515"/>
+            <a:ext cx="1430224" cy="9765"/>
+          </a:xfrm>
+          <a:prstGeom prst="line">
+            <a:avLst/>
+          </a:prstGeom>
+          <a:ln w="57150">
+            <a:solidFill>
+              <a:srgbClr val="00CC99"/>
+            </a:solidFill>
+          </a:ln>
+        </p:spPr>
+        <p:style>
+          <a:lnRef idx="1">
+            <a:schemeClr val="accent1"/>
+          </a:lnRef>
+          <a:fillRef idx="0">
+            <a:schemeClr val="accent1"/>
+          </a:fillRef>
+          <a:effectRef idx="0">
+            <a:schemeClr val="accent1"/>
+          </a:effectRef>
+          <a:fontRef idx="minor">
+            <a:schemeClr val="tx1"/>
+          </a:fontRef>
+        </p:style>
+      </p:cxnSp>
+    </p:spTree>
+    <p:extLst>
+      <p:ext uri="{BB962C8B-B14F-4D97-AF65-F5344CB8AC3E}">
+        <p14:creationId xmlns:p14="http://schemas.microsoft.com/office/powerpoint/2010/main" val="2339373853"/>
+      </p:ext>
+    </p:extLst>
+  </p:cSld>
+  <p:clrMapOvr>
+    <a:masterClrMapping/>
+  </p:clrMapOvr>
+  <p:timing>
+    <p:tnLst>
+      <p:par>
+        <p:cTn id="1" dur="indefinite" restart="never" nodeType="tmRoot">
+          <p:childTnLst>
+            <p:seq concurrent="1" nextAc="seek">
+              <p:cTn id="2" dur="indefinite" nodeType="mainSeq">
+                <p:childTnLst>
+                  <p:par>
+                    <p:cTn id="3" fill="hold">
+                      <p:stCondLst>
+                        <p:cond delay="indefinite"/>
+                      </p:stCondLst>
+                      <p:childTnLst>
+                        <p:par>
+                          <p:cTn id="4" fill="hold">
+                            <p:stCondLst>
+                              <p:cond delay="0"/>
+                            </p:stCondLst>
+                            <p:childTnLst>
+                              <p:par>
+                                <p:cTn id="5" presetID="14" presetClass="entr" presetSubtype="10" fill="hold" nodeType="clickEffect">
+                                  <p:stCondLst>
+                                    <p:cond delay="0"/>
+                                  </p:stCondLst>
+                                  <p:childTnLst>
+                                    <p:set>
+                                      <p:cBhvr>
+                                        <p:cTn id="6" dur="1" fill="hold">
+                                          <p:stCondLst>
+                                            <p:cond delay="0"/>
+                                          </p:stCondLst>
+                                        </p:cTn>
+                                        <p:tgtEl>
+                                          <p:spTgt spid="50"/>
+                                        </p:tgtEl>
+                                        <p:attrNameLst>
+                                          <p:attrName>style.visibility</p:attrName>
+                                        </p:attrNameLst>
+                                      </p:cBhvr>
+                                      <p:to>
+                                        <p:strVal val="visible"/>
+                                      </p:to>
+                                    </p:set>
+                                    <p:animEffect transition="in" filter="randombar(horizontal)">
+                                      <p:cBhvr>
+                                        <p:cTn id="7" dur="500"/>
+                                        <p:tgtEl>
+                                          <p:spTgt spid="50"/>
+                                        </p:tgtEl>
+                                      </p:cBhvr>
+                                    </p:animEffect>
+                                  </p:childTnLst>
+                                </p:cTn>
+                              </p:par>
+                              <p:par>
+                                <p:cTn id="8" presetID="10" presetClass="entr" presetSubtype="0" fill="hold" grpId="0" nodeType="withEffect">
+                                  <p:stCondLst>
+                                    <p:cond delay="0"/>
+                                  </p:stCondLst>
+                                  <p:childTnLst>
+                                    <p:set>
+                                      <p:cBhvr>
+                                        <p:cTn id="9" dur="1" fill="hold">
+                                          <p:stCondLst>
+                                            <p:cond delay="0"/>
+                                          </p:stCondLst>
+                                        </p:cTn>
+                                        <p:tgtEl>
+                                          <p:spTgt spid="61"/>
+                                        </p:tgtEl>
+                                        <p:attrNameLst>
+                                          <p:attrName>style.visibility</p:attrName>
+                                        </p:attrNameLst>
+                                      </p:cBhvr>
+                                      <p:to>
+                                        <p:strVal val="visible"/>
+                                      </p:to>
+                                    </p:set>
+                                    <p:animEffect transition="in" filter="fade">
+                                      <p:cBhvr>
+                                        <p:cTn id="10" dur="250"/>
+                                        <p:tgtEl>
+                                          <p:spTgt spid="61"/>
+                                        </p:tgtEl>
+                                      </p:cBhvr>
+                                    </p:animEffect>
+                                  </p:childTnLst>
+                                </p:cTn>
+                              </p:par>
+                              <p:par>
+                                <p:cTn id="11" presetID="10" presetClass="entr" presetSubtype="0" fill="hold" grpId="0" nodeType="withEffect">
+                                  <p:stCondLst>
+                                    <p:cond delay="0"/>
+                                  </p:stCondLst>
+                                  <p:childTnLst>
+                                    <p:set>
+                                      <p:cBhvr>
+                                        <p:cTn id="12" dur="1" fill="hold">
+                                          <p:stCondLst>
+                                            <p:cond delay="0"/>
+                                          </p:stCondLst>
+                                        </p:cTn>
+                                        <p:tgtEl>
+                                          <p:spTgt spid="62"/>
+                                        </p:tgtEl>
+                                        <p:attrNameLst>
+                                          <p:attrName>style.visibility</p:attrName>
+                                        </p:attrNameLst>
+                                      </p:cBhvr>
+                                      <p:to>
+                                        <p:strVal val="visible"/>
+                                      </p:to>
+                                    </p:set>
+                                    <p:animEffect transition="in" filter="fade">
+                                      <p:cBhvr>
+                                        <p:cTn id="13" dur="250"/>
+                                        <p:tgtEl>
+                                          <p:spTgt spid="62"/>
+                                        </p:tgtEl>
+                                      </p:cBhvr>
+                                    </p:animEffect>
+                                  </p:childTnLst>
+                                </p:cTn>
+                              </p:par>
+                            </p:childTnLst>
+                          </p:cTn>
+                        </p:par>
+                      </p:childTnLst>
+                    </p:cTn>
+                  </p:par>
+                  <p:par>
+                    <p:cTn id="14" fill="hold">
+                      <p:stCondLst>
+                        <p:cond delay="indefinite"/>
+                      </p:stCondLst>
+                      <p:childTnLst>
+                        <p:par>
+                          <p:cTn id="15" fill="hold">
+                            <p:stCondLst>
+                              <p:cond delay="0"/>
+                            </p:stCondLst>
+                            <p:childTnLst>
+                              <p:par>
+                                <p:cTn id="16" presetID="10" presetClass="entr" presetSubtype="0" fill="hold" grpId="0" nodeType="clickEffect">
+                                  <p:stCondLst>
+                                    <p:cond delay="0"/>
+                                  </p:stCondLst>
+                                  <p:childTnLst>
+                                    <p:set>
+                                      <p:cBhvr>
+                                        <p:cTn id="17" dur="1" fill="hold">
+                                          <p:stCondLst>
+                                            <p:cond delay="0"/>
+                                          </p:stCondLst>
+                                        </p:cTn>
+                                        <p:tgtEl>
+                                          <p:spTgt spid="2"/>
+                                        </p:tgtEl>
+                                        <p:attrNameLst>
+                                          <p:attrName>style.visibility</p:attrName>
+                                        </p:attrNameLst>
+                                      </p:cBhvr>
+                                      <p:to>
+                                        <p:strVal val="visible"/>
+                                      </p:to>
+                                    </p:set>
+                                    <p:animEffect transition="in" filter="fade">
+                                      <p:cBhvr>
+                                        <p:cTn id="18" dur="500"/>
+                                        <p:tgtEl>
+                                          <p:spTgt spid="2"/>
+                                        </p:tgtEl>
+                                      </p:cBhvr>
+                                    </p:animEffect>
+                                  </p:childTnLst>
+                                </p:cTn>
+                              </p:par>
+                              <p:par>
+                                <p:cTn id="19" presetID="10" presetClass="entr" presetSubtype="0" fill="hold" grpId="0" nodeType="withEffect">
+                                  <p:stCondLst>
+                                    <p:cond delay="0"/>
+                                  </p:stCondLst>
+                                  <p:childTnLst>
+                                    <p:set>
+                                      <p:cBhvr>
+                                        <p:cTn id="20" dur="1" fill="hold">
+                                          <p:stCondLst>
+                                            <p:cond delay="0"/>
+                                          </p:stCondLst>
+                                        </p:cTn>
+                                        <p:tgtEl>
+                                          <p:spTgt spid="63"/>
+                                        </p:tgtEl>
+                                        <p:attrNameLst>
+                                          <p:attrName>style.visibility</p:attrName>
+                                        </p:attrNameLst>
+                                      </p:cBhvr>
+                                      <p:to>
+                                        <p:strVal val="visible"/>
+                                      </p:to>
+                                    </p:set>
+                                    <p:animEffect transition="in" filter="fade">
+                                      <p:cBhvr>
+                                        <p:cTn id="21" dur="250"/>
+                                        <p:tgtEl>
+                                          <p:spTgt spid="63"/>
+                                        </p:tgtEl>
+                                      </p:cBhvr>
+                                    </p:animEffect>
+                                  </p:childTnLst>
+                                </p:cTn>
+                              </p:par>
+                            </p:childTnLst>
+                          </p:cTn>
+                        </p:par>
+                      </p:childTnLst>
+                    </p:cTn>
+                  </p:par>
+                  <p:par>
+                    <p:cTn id="22" fill="hold">
+                      <p:stCondLst>
+                        <p:cond delay="indefinite"/>
+                      </p:stCondLst>
+                      <p:childTnLst>
+                        <p:par>
+                          <p:cTn id="23" fill="hold">
+                            <p:stCondLst>
+                              <p:cond delay="0"/>
+                            </p:stCondLst>
+                            <p:childTnLst>
+                              <p:par>
+                                <p:cTn id="24" presetID="10" presetClass="entr" presetSubtype="0" fill="hold" grpId="0" nodeType="clickEffect">
+                                  <p:stCondLst>
+                                    <p:cond delay="0"/>
+                                  </p:stCondLst>
+                                  <p:childTnLst>
+                                    <p:set>
+                                      <p:cBhvr>
+                                        <p:cTn id="25" dur="1" fill="hold">
+                                          <p:stCondLst>
+                                            <p:cond delay="0"/>
+                                          </p:stCondLst>
+                                        </p:cTn>
+                                        <p:tgtEl>
+                                          <p:spTgt spid="64"/>
+                                        </p:tgtEl>
+                                        <p:attrNameLst>
+                                          <p:attrName>style.visibility</p:attrName>
+                                        </p:attrNameLst>
+                                      </p:cBhvr>
+                                      <p:to>
+                                        <p:strVal val="visible"/>
+                                      </p:to>
+                                    </p:set>
+                                    <p:animEffect transition="in" filter="fade">
+                                      <p:cBhvr>
+                                        <p:cTn id="26" dur="500"/>
+                                        <p:tgtEl>
+                                          <p:spTgt spid="64"/>
+                                        </p:tgtEl>
+                                      </p:cBhvr>
+                                    </p:animEffect>
+                                  </p:childTnLst>
+                                </p:cTn>
+                              </p:par>
+                              <p:par>
+                                <p:cTn id="27" presetID="10" presetClass="entr" presetSubtype="0" fill="hold" grpId="0" nodeType="withEffect">
+                                  <p:stCondLst>
+                                    <p:cond delay="0"/>
+                                  </p:stCondLst>
+                                  <p:childTnLst>
+                                    <p:set>
+                                      <p:cBhvr>
+                                        <p:cTn id="28" dur="1" fill="hold">
+                                          <p:stCondLst>
+                                            <p:cond delay="0"/>
+                                          </p:stCondLst>
+                                        </p:cTn>
+                                        <p:tgtEl>
+                                          <p:spTgt spid="65"/>
+                                        </p:tgtEl>
+                                        <p:attrNameLst>
+                                          <p:attrName>style.visibility</p:attrName>
+                                        </p:attrNameLst>
+                                      </p:cBhvr>
+                                      <p:to>
+                                        <p:strVal val="visible"/>
+                                      </p:to>
+                                    </p:set>
+                                    <p:animEffect transition="in" filter="fade">
+                                      <p:cBhvr>
+                                        <p:cTn id="29" dur="250"/>
+                                        <p:tgtEl>
+                                          <p:spTgt spid="65"/>
+                                        </p:tgtEl>
+                                      </p:cBhvr>
+                                    </p:animEffect>
+                                  </p:childTnLst>
+                                </p:cTn>
+                              </p:par>
+                            </p:childTnLst>
+                          </p:cTn>
+                        </p:par>
+                      </p:childTnLst>
+                    </p:cTn>
+                  </p:par>
+                </p:childTnLst>
+              </p:cTn>
+              <p:prevCondLst>
+                <p:cond evt="onPrev" delay="0">
+                  <p:tgtEl>
+                    <p:sldTgt/>
+                  </p:tgtEl>
+                </p:cond>
+              </p:prevCondLst>
+              <p:nextCondLst>
+                <p:cond evt="onNext" delay="0">
+                  <p:tgtEl>
+                    <p:sldTgt/>
+                  </p:tgtEl>
+                </p:cond>
+              </p:nextCondLst>
+            </p:seq>
+          </p:childTnLst>
+        </p:cTn>
+      </p:par>
+    </p:tnLst>
+    <p:bldLst>
+      <p:bldP spid="61" grpId="0" animBg="1"/>
+      <p:bldP spid="62" grpId="0"/>
+      <p:bldP spid="2" grpId="0" animBg="1"/>
+      <p:bldP spid="63" grpId="0"/>
+      <p:bldP spid="64" grpId="0" animBg="1"/>
+      <p:bldP spid="65" grpId="0"/>
+    </p:bldLst>
+  </p:timing>
+</p:sld>
+</file>
+
+<file path=ppt/slides/slide23.xml><?xml version="1.0" encoding="utf-8"?>
+<p:sld xmlns:a="http://schemas.openxmlformats.org/drawingml/2006/main" xmlns:r="http://schemas.openxmlformats.org/officeDocument/2006/relationships" xmlns:p="http://schemas.openxmlformats.org/presentationml/2006/main">
+  <p:cSld>
+    <p:spTree>
+      <p:nvGrpSpPr>
+        <p:cNvPr id="1" name=""/>
+        <p:cNvGrpSpPr/>
+        <p:nvPr/>
+      </p:nvGrpSpPr>
+      <p:grpSpPr>
+        <a:xfrm>
+          <a:off x="0" y="0"/>
+          <a:ext cx="0" cy="0"/>
+          <a:chOff x="0" y="0"/>
+          <a:chExt cx="0" cy="0"/>
+        </a:xfrm>
+      </p:grpSpPr>
+      <p:sp>
+        <p:nvSpPr>
+          <p:cNvPr id="38" name="TextBox 37">
+            <a:extLst>
+              <a:ext uri="{FF2B5EF4-FFF2-40B4-BE49-F238E27FC236}">
+                <a16:creationId xmlns:a16="http://schemas.microsoft.com/office/drawing/2014/main" id="{92DB9DAF-ABE6-46D1-BB60-A7978DE38DC9}"/>
+              </a:ext>
+            </a:extLst>
+          </p:cNvPr>
+          <p:cNvSpPr txBox="1"/>
+          <p:nvPr/>
+        </p:nvSpPr>
+        <p:spPr>
+          <a:xfrm>
+            <a:off x="300920" y="320448"/>
+            <a:ext cx="4367814" cy="338554"/>
+          </a:xfrm>
+          <a:prstGeom prst="rect">
+            <a:avLst/>
+          </a:prstGeom>
+          <a:noFill/>
+        </p:spPr>
+        <p:txBody>
+          <a:bodyPr wrap="square" rtlCol="0">
+            <a:spAutoFit/>
+          </a:bodyPr>
+          <a:lstStyle/>
+          <a:p>
+            <a:r>
+              <a:rPr lang="en-US" sz="1600" dirty="0">
+                <a:solidFill>
+                  <a:schemeClr val="tx1">
+                    <a:lumMod val="65000"/>
+                    <a:lumOff val="35000"/>
+                  </a:schemeClr>
+                </a:solidFill>
+                <a:latin typeface="Aharoni" panose="02010803020104030203" pitchFamily="2" charset="-79"/>
+                <a:cs typeface="Aharoni" panose="02010803020104030203" pitchFamily="2" charset="-79"/>
+              </a:rPr>
+              <a:t>Future Perspectives</a:t>
+            </a:r>
+          </a:p>
+        </p:txBody>
+      </p:sp>
+      <p:sp>
+        <p:nvSpPr>
+          <p:cNvPr id="39" name="TextBox 38">
+            <a:extLst>
+              <a:ext uri="{FF2B5EF4-FFF2-40B4-BE49-F238E27FC236}">
+                <a16:creationId xmlns:a16="http://schemas.microsoft.com/office/drawing/2014/main" id="{63434650-0CAC-4703-831B-D263798363D0}"/>
+              </a:ext>
+            </a:extLst>
+          </p:cNvPr>
+          <p:cNvSpPr txBox="1"/>
+          <p:nvPr/>
+        </p:nvSpPr>
+        <p:spPr>
+          <a:xfrm>
+            <a:off x="300919" y="675660"/>
+            <a:ext cx="5052316" cy="707886"/>
+          </a:xfrm>
+          <a:prstGeom prst="rect">
+            <a:avLst/>
+          </a:prstGeom>
+          <a:noFill/>
+        </p:spPr>
+        <p:txBody>
+          <a:bodyPr wrap="square" rtlCol="0">
+            <a:spAutoFit/>
+          </a:bodyPr>
+          <a:lstStyle/>
+          <a:p>
+            <a:pPr algn="just"/>
+            <a:r>
+              <a:rPr lang="fr-FR" sz="2000" dirty="0">
+                <a:solidFill>
+                  <a:schemeClr val="tx2">
+                    <a:lumMod val="75000"/>
+                  </a:schemeClr>
+                </a:solidFill>
+                <a:latin typeface="Arial Black" panose="020B0A04020102020204" pitchFamily="34" charset="0"/>
+              </a:rPr>
+              <a:t>THE IMPACTS OF THE STUDY FOR POPLAR’S BREEDING PROGRAM</a:t>
+            </a:r>
+          </a:p>
+        </p:txBody>
+      </p:sp>
+      <p:cxnSp>
+        <p:nvCxnSpPr>
+          <p:cNvPr id="40" name="Straight Connector 39">
+            <a:extLst>
+              <a:ext uri="{FF2B5EF4-FFF2-40B4-BE49-F238E27FC236}">
+                <a16:creationId xmlns:a16="http://schemas.microsoft.com/office/drawing/2014/main" id="{903CDCD9-D314-4F5E-95F3-6F065D845EA1}"/>
+              </a:ext>
+            </a:extLst>
+          </p:cNvPr>
+          <p:cNvCxnSpPr>
+            <a:cxnSpLocks/>
+          </p:cNvCxnSpPr>
+          <p:nvPr/>
+        </p:nvCxnSpPr>
+        <p:spPr>
+          <a:xfrm flipH="1">
+            <a:off x="385210" y="659002"/>
+            <a:ext cx="1430224" cy="9765"/>
+          </a:xfrm>
+          <a:prstGeom prst="line">
+            <a:avLst/>
+          </a:prstGeom>
+          <a:ln w="57150">
+            <a:solidFill>
+              <a:srgbClr val="00CC99"/>
+            </a:solidFill>
+          </a:ln>
+        </p:spPr>
+        <p:style>
+          <a:lnRef idx="1">
+            <a:schemeClr val="accent1"/>
+          </a:lnRef>
+          <a:fillRef idx="0">
+            <a:schemeClr val="accent1"/>
+          </a:fillRef>
+          <a:effectRef idx="0">
+            <a:schemeClr val="accent1"/>
+          </a:effectRef>
+          <a:fontRef idx="minor">
+            <a:schemeClr val="tx1"/>
+          </a:fontRef>
+        </p:style>
+      </p:cxnSp>
+      <p:cxnSp>
+        <p:nvCxnSpPr>
+          <p:cNvPr id="41" name="Straight Connector 40">
+            <a:extLst>
+              <a:ext uri="{FF2B5EF4-FFF2-40B4-BE49-F238E27FC236}">
+                <a16:creationId xmlns:a16="http://schemas.microsoft.com/office/drawing/2014/main" id="{AE077CB2-02CD-4D70-9164-40B781B4CE35}"/>
+              </a:ext>
+            </a:extLst>
+          </p:cNvPr>
+          <p:cNvCxnSpPr/>
+          <p:nvPr/>
+        </p:nvCxnSpPr>
+        <p:spPr>
+          <a:xfrm flipV="1">
+            <a:off x="7519386" y="1482575"/>
+            <a:ext cx="0" cy="2168371"/>
+          </a:xfrm>
+          <a:prstGeom prst="line">
+            <a:avLst/>
+          </a:prstGeom>
+          <a:ln w="38100">
+            <a:solidFill>
+              <a:srgbClr val="00CC99"/>
+            </a:solidFill>
+          </a:ln>
+        </p:spPr>
+        <p:style>
+          <a:lnRef idx="1">
+            <a:schemeClr val="accent1"/>
+          </a:lnRef>
+          <a:fillRef idx="0">
+            <a:schemeClr val="accent1"/>
+          </a:fillRef>
+          <a:effectRef idx="0">
+            <a:schemeClr val="accent1"/>
+          </a:effectRef>
+          <a:fontRef idx="minor">
+            <a:schemeClr val="tx1"/>
+          </a:fontRef>
+        </p:style>
+      </p:cxnSp>
+      <p:cxnSp>
+        <p:nvCxnSpPr>
+          <p:cNvPr id="42" name="Straight Connector 41">
+            <a:extLst>
+              <a:ext uri="{FF2B5EF4-FFF2-40B4-BE49-F238E27FC236}">
+                <a16:creationId xmlns:a16="http://schemas.microsoft.com/office/drawing/2014/main" id="{2AD04C0A-1308-45A5-B878-81085FF5D034}"/>
+              </a:ext>
+            </a:extLst>
+          </p:cNvPr>
+          <p:cNvCxnSpPr/>
+          <p:nvPr/>
+        </p:nvCxnSpPr>
+        <p:spPr>
+          <a:xfrm flipV="1">
+            <a:off x="4675572" y="3678581"/>
+            <a:ext cx="0" cy="2168371"/>
+          </a:xfrm>
+          <a:prstGeom prst="line">
+            <a:avLst/>
+          </a:prstGeom>
+          <a:ln w="38100">
+            <a:solidFill>
+              <a:srgbClr val="00CC99"/>
+            </a:solidFill>
+          </a:ln>
+        </p:spPr>
+        <p:style>
+          <a:lnRef idx="1">
+            <a:schemeClr val="accent1"/>
+          </a:lnRef>
+          <a:fillRef idx="0">
+            <a:schemeClr val="accent1"/>
+          </a:fillRef>
+          <a:effectRef idx="0">
+            <a:schemeClr val="accent1"/>
+          </a:effectRef>
+          <a:fontRef idx="minor">
+            <a:schemeClr val="tx1"/>
+          </a:fontRef>
+        </p:style>
+      </p:cxnSp>
+      <p:cxnSp>
+        <p:nvCxnSpPr>
+          <p:cNvPr id="43" name="Straight Connector 42">
+            <a:extLst>
+              <a:ext uri="{FF2B5EF4-FFF2-40B4-BE49-F238E27FC236}">
+                <a16:creationId xmlns:a16="http://schemas.microsoft.com/office/drawing/2014/main" id="{01849C68-3229-4A84-8CB2-BFA6E9325027}"/>
+              </a:ext>
+            </a:extLst>
+          </p:cNvPr>
+          <p:cNvCxnSpPr/>
+          <p:nvPr/>
+        </p:nvCxnSpPr>
+        <p:spPr>
+          <a:xfrm flipV="1">
+            <a:off x="2506460" y="1500331"/>
+            <a:ext cx="0" cy="2168371"/>
+          </a:xfrm>
+          <a:prstGeom prst="line">
+            <a:avLst/>
+          </a:prstGeom>
+          <a:ln w="38100">
+            <a:solidFill>
+              <a:srgbClr val="00CC99"/>
+            </a:solidFill>
+          </a:ln>
+        </p:spPr>
+        <p:style>
+          <a:lnRef idx="1">
+            <a:schemeClr val="accent1"/>
+          </a:lnRef>
+          <a:fillRef idx="0">
+            <a:schemeClr val="accent1"/>
+          </a:fillRef>
+          <a:effectRef idx="0">
+            <a:schemeClr val="accent1"/>
+          </a:effectRef>
+          <a:fontRef idx="minor">
+            <a:schemeClr val="tx1"/>
+          </a:fontRef>
+        </p:style>
+      </p:cxnSp>
+      <p:cxnSp>
+        <p:nvCxnSpPr>
+          <p:cNvPr id="44" name="Straight Connector 43">
+            <a:extLst>
+              <a:ext uri="{FF2B5EF4-FFF2-40B4-BE49-F238E27FC236}">
+                <a16:creationId xmlns:a16="http://schemas.microsoft.com/office/drawing/2014/main" id="{06FB7B75-5BA5-4876-9264-80F162B11421}"/>
+              </a:ext>
+            </a:extLst>
+          </p:cNvPr>
+          <p:cNvCxnSpPr/>
+          <p:nvPr/>
+        </p:nvCxnSpPr>
+        <p:spPr>
+          <a:xfrm flipV="1">
+            <a:off x="398527" y="3669703"/>
+            <a:ext cx="0" cy="2168371"/>
+          </a:xfrm>
+          <a:prstGeom prst="line">
+            <a:avLst/>
+          </a:prstGeom>
+          <a:ln w="38100">
+            <a:solidFill>
+              <a:srgbClr val="00CC99"/>
+            </a:solidFill>
+          </a:ln>
+        </p:spPr>
+        <p:style>
+          <a:lnRef idx="1">
+            <a:schemeClr val="accent1"/>
+          </a:lnRef>
+          <a:fillRef idx="0">
+            <a:schemeClr val="accent1"/>
+          </a:fillRef>
+          <a:effectRef idx="0">
+            <a:schemeClr val="accent1"/>
+          </a:effectRef>
+          <a:fontRef idx="minor">
+            <a:schemeClr val="tx1"/>
+          </a:fontRef>
+        </p:style>
+      </p:cxnSp>
+      <p:sp>
+        <p:nvSpPr>
+          <p:cNvPr id="45" name="TextBox 44">
+            <a:extLst>
+              <a:ext uri="{FF2B5EF4-FFF2-40B4-BE49-F238E27FC236}">
+                <a16:creationId xmlns:a16="http://schemas.microsoft.com/office/drawing/2014/main" id="{6FF6C6BA-B00B-4660-80AB-9E6D4D5370A1}"/>
+              </a:ext>
+            </a:extLst>
+          </p:cNvPr>
+          <p:cNvSpPr txBox="1"/>
+          <p:nvPr/>
+        </p:nvSpPr>
+        <p:spPr>
+          <a:xfrm>
+            <a:off x="411845" y="3828611"/>
+            <a:ext cx="3263510" cy="769441"/>
+          </a:xfrm>
+          <a:prstGeom prst="rect">
+            <a:avLst/>
+          </a:prstGeom>
+          <a:noFill/>
+        </p:spPr>
+        <p:txBody>
+          <a:bodyPr wrap="square" rtlCol="0">
+            <a:spAutoFit/>
+          </a:bodyPr>
+          <a:lstStyle/>
+          <a:p>
+            <a:pPr algn="just"/>
+            <a:r>
+              <a:rPr lang="en-US" sz="1600" dirty="0">
+                <a:solidFill>
+                  <a:schemeClr val="tx1">
+                    <a:lumMod val="65000"/>
+                    <a:lumOff val="35000"/>
+                  </a:schemeClr>
+                </a:solidFill>
+                <a:latin typeface="Aharoni" panose="02010803020104030203" pitchFamily="2" charset="-79"/>
+                <a:cs typeface="Aharoni" panose="02010803020104030203" pitchFamily="2" charset="-79"/>
+              </a:rPr>
+              <a:t>Improving GWAS</a:t>
+            </a:r>
+          </a:p>
+          <a:p>
+            <a:pPr algn="just"/>
+            <a:r>
+              <a:rPr lang="en-US" sz="1400" dirty="0">
+                <a:cs typeface="Aharoni" panose="02010803020104030203" pitchFamily="2" charset="-79"/>
+              </a:rPr>
+              <a:t>By testing more genotypes with more rust strains to increase the statistical power. </a:t>
+            </a:r>
+          </a:p>
+        </p:txBody>
+      </p:sp>
+      <p:sp>
+        <p:nvSpPr>
+          <p:cNvPr id="46" name="TextBox 45">
+            <a:extLst>
+              <a:ext uri="{FF2B5EF4-FFF2-40B4-BE49-F238E27FC236}">
+                <a16:creationId xmlns:a16="http://schemas.microsoft.com/office/drawing/2014/main" id="{2859D5F6-7DEA-44B2-81BE-BED10EFC3F8C}"/>
+              </a:ext>
+            </a:extLst>
+          </p:cNvPr>
+          <p:cNvSpPr txBox="1"/>
+          <p:nvPr/>
+        </p:nvSpPr>
+        <p:spPr>
+          <a:xfrm>
+            <a:off x="2529472" y="1536845"/>
+            <a:ext cx="4182033" cy="1015663"/>
+          </a:xfrm>
+          <a:prstGeom prst="rect">
+            <a:avLst/>
+          </a:prstGeom>
+          <a:noFill/>
+        </p:spPr>
+        <p:txBody>
+          <a:bodyPr wrap="square" rtlCol="0">
+            <a:spAutoFit/>
+          </a:bodyPr>
+          <a:lstStyle/>
+          <a:p>
+            <a:pPr algn="just"/>
+            <a:r>
+              <a:rPr lang="en-US" sz="1600" dirty="0">
+                <a:solidFill>
+                  <a:schemeClr val="tx1">
+                    <a:lumMod val="65000"/>
+                    <a:lumOff val="35000"/>
+                  </a:schemeClr>
+                </a:solidFill>
+                <a:latin typeface="Aharoni" panose="02010803020104030203" pitchFamily="2" charset="-79"/>
+                <a:cs typeface="Aharoni" panose="02010803020104030203" pitchFamily="2" charset="-79"/>
+              </a:rPr>
+              <a:t>Confirming the candidate genes for marker-assisted selection</a:t>
+            </a:r>
+          </a:p>
+          <a:p>
+            <a:pPr algn="just"/>
+            <a:r>
+              <a:rPr lang="en-US" sz="1400" dirty="0">
+                <a:cs typeface="Aharoni" panose="02010803020104030203" pitchFamily="2" charset="-79"/>
+              </a:rPr>
+              <a:t>Through further research on the genes’ regulation pathways and functions</a:t>
+            </a:r>
+          </a:p>
+        </p:txBody>
+      </p:sp>
+      <p:sp>
+        <p:nvSpPr>
+          <p:cNvPr id="47" name="TextBox 46">
+            <a:extLst>
+              <a:ext uri="{FF2B5EF4-FFF2-40B4-BE49-F238E27FC236}">
+                <a16:creationId xmlns:a16="http://schemas.microsoft.com/office/drawing/2014/main" id="{7D42A899-B331-4EE8-9092-D1726D36C449}"/>
+              </a:ext>
+            </a:extLst>
+          </p:cNvPr>
+          <p:cNvSpPr txBox="1"/>
+          <p:nvPr/>
+        </p:nvSpPr>
+        <p:spPr>
+          <a:xfrm>
+            <a:off x="4732317" y="3819733"/>
+            <a:ext cx="4429433" cy="1231106"/>
+          </a:xfrm>
+          <a:prstGeom prst="rect">
+            <a:avLst/>
+          </a:prstGeom>
+          <a:noFill/>
+        </p:spPr>
+        <p:txBody>
+          <a:bodyPr wrap="square" rtlCol="0">
+            <a:spAutoFit/>
+          </a:bodyPr>
+          <a:lstStyle/>
+          <a:p>
+            <a:pPr algn="just"/>
+            <a:r>
+              <a:rPr lang="en-US" sz="1600" dirty="0">
+                <a:solidFill>
+                  <a:schemeClr val="tx1">
+                    <a:lumMod val="65000"/>
+                    <a:lumOff val="35000"/>
+                  </a:schemeClr>
+                </a:solidFill>
+                <a:latin typeface="Aharoni" panose="02010803020104030203" pitchFamily="2" charset="-79"/>
+                <a:cs typeface="Aharoni" panose="02010803020104030203" pitchFamily="2" charset="-79"/>
+              </a:rPr>
+              <a:t>Confirming the genetic control of the resistance’s strain-specificity</a:t>
+            </a:r>
+          </a:p>
+          <a:p>
+            <a:pPr algn="just"/>
+            <a:r>
+              <a:rPr lang="en-US" sz="1400" dirty="0">
+                <a:cs typeface="Aharoni" panose="02010803020104030203" pitchFamily="2" charset="-79"/>
+              </a:rPr>
+              <a:t>To see if the specificity is genetically controlled or not by modeling the association between interaction parameters and SNPs</a:t>
+            </a:r>
+          </a:p>
+        </p:txBody>
+      </p:sp>
+      <p:sp>
+        <p:nvSpPr>
+          <p:cNvPr id="48" name="TextBox 47">
+            <a:extLst>
+              <a:ext uri="{FF2B5EF4-FFF2-40B4-BE49-F238E27FC236}">
+                <a16:creationId xmlns:a16="http://schemas.microsoft.com/office/drawing/2014/main" id="{9810F8C5-8AE5-43C2-934A-5B2D5AFE6AC0}"/>
+              </a:ext>
+            </a:extLst>
+          </p:cNvPr>
+          <p:cNvSpPr txBox="1"/>
+          <p:nvPr/>
+        </p:nvSpPr>
+        <p:spPr>
+          <a:xfrm>
+            <a:off x="7558776" y="1482575"/>
+            <a:ext cx="4429433" cy="1231106"/>
+          </a:xfrm>
+          <a:prstGeom prst="rect">
+            <a:avLst/>
+          </a:prstGeom>
+          <a:noFill/>
+        </p:spPr>
+        <p:txBody>
+          <a:bodyPr wrap="square" rtlCol="0">
+            <a:spAutoFit/>
+          </a:bodyPr>
+          <a:lstStyle/>
+          <a:p>
+            <a:pPr algn="just"/>
+            <a:r>
+              <a:rPr lang="en-US" sz="1600" dirty="0">
+                <a:solidFill>
+                  <a:schemeClr val="tx1">
+                    <a:lumMod val="65000"/>
+                    <a:lumOff val="35000"/>
+                  </a:schemeClr>
+                </a:solidFill>
+                <a:latin typeface="Aharoni" panose="02010803020104030203" pitchFamily="2" charset="-79"/>
+                <a:cs typeface="Aharoni" panose="02010803020104030203" pitchFamily="2" charset="-79"/>
+              </a:rPr>
+              <a:t>Selecting a group of poplars with various resistance across the strains</a:t>
+            </a:r>
+          </a:p>
+          <a:p>
+            <a:pPr algn="just"/>
+            <a:r>
+              <a:rPr lang="en-US" sz="1400" dirty="0">
+                <a:cs typeface="Aharoni" panose="02010803020104030203" pitchFamily="2" charset="-79"/>
+              </a:rPr>
+              <a:t>A group of poplars </a:t>
+            </a:r>
+            <a:r>
+              <a:rPr lang="en-GB" sz="1400" dirty="0"/>
+              <a:t>with resistance and with various degree of interaction to reduce the possibility of inducing evolution in rust.</a:t>
+            </a:r>
+          </a:p>
+        </p:txBody>
+      </p:sp>
+      <p:grpSp>
+        <p:nvGrpSpPr>
+          <p:cNvPr id="49" name="Group 48">
+            <a:extLst>
+              <a:ext uri="{FF2B5EF4-FFF2-40B4-BE49-F238E27FC236}">
+                <a16:creationId xmlns:a16="http://schemas.microsoft.com/office/drawing/2014/main" id="{6522F27E-701D-477B-907B-B5EA899E9CA4}"/>
+              </a:ext>
+            </a:extLst>
+          </p:cNvPr>
+          <p:cNvGrpSpPr/>
+          <p:nvPr/>
+        </p:nvGrpSpPr>
+        <p:grpSpPr>
+          <a:xfrm>
+            <a:off x="265177" y="3553033"/>
+            <a:ext cx="11240283" cy="266700"/>
+            <a:chOff x="265177" y="3473131"/>
+            <a:chExt cx="11240283" cy="266700"/>
+          </a:xfrm>
+        </p:grpSpPr>
+        <p:cxnSp>
+          <p:nvCxnSpPr>
+            <p:cNvPr id="66" name="Straight Connector 65">
+              <a:extLst>
+                <a:ext uri="{FF2B5EF4-FFF2-40B4-BE49-F238E27FC236}">
+                  <a16:creationId xmlns:a16="http://schemas.microsoft.com/office/drawing/2014/main" id="{82C8A433-0D66-42F6-9A57-4ADF4C2BAFB2}"/>
+                </a:ext>
+              </a:extLst>
+            </p:cNvPr>
+            <p:cNvCxnSpPr>
+              <a:cxnSpLocks/>
+            </p:cNvCxnSpPr>
+            <p:nvPr/>
+          </p:nvCxnSpPr>
+          <p:spPr>
+            <a:xfrm>
+              <a:off x="385210" y="3607557"/>
+              <a:ext cx="11120250" cy="0"/>
+            </a:xfrm>
+            <a:prstGeom prst="line">
+              <a:avLst/>
+            </a:prstGeom>
+            <a:ln w="76200">
+              <a:solidFill>
+                <a:schemeClr val="tx2">
+                  <a:lumMod val="75000"/>
+                </a:schemeClr>
+              </a:solidFill>
+            </a:ln>
+          </p:spPr>
+          <p:style>
+            <a:lnRef idx="1">
+              <a:schemeClr val="accent1"/>
+            </a:lnRef>
+            <a:fillRef idx="0">
+              <a:schemeClr val="accent1"/>
+            </a:fillRef>
+            <a:effectRef idx="0">
+              <a:schemeClr val="accent1"/>
+            </a:effectRef>
+            <a:fontRef idx="minor">
+              <a:schemeClr val="tx1"/>
+            </a:fontRef>
+          </p:style>
+        </p:cxnSp>
+        <p:pic>
+          <p:nvPicPr>
+            <p:cNvPr id="67" name="Graphic 66" descr="Harvey Balls 100%">
+              <a:extLst>
+                <a:ext uri="{FF2B5EF4-FFF2-40B4-BE49-F238E27FC236}">
+                  <a16:creationId xmlns:a16="http://schemas.microsoft.com/office/drawing/2014/main" id="{EA02E453-BECD-411F-B317-ACC940371C3B}"/>
+                </a:ext>
+              </a:extLst>
+            </p:cNvPr>
+            <p:cNvPicPr>
+              <a:picLocks noChangeAspect="1"/>
+            </p:cNvPicPr>
+            <p:nvPr/>
+          </p:nvPicPr>
+          <p:blipFill>
+            <a:blip r:embed="rId2">
+              <a:extLst>
+                <a:ext uri="{28A0092B-C50C-407E-A947-70E740481C1C}">
+                  <a14:useLocalDpi xmlns:a14="http://schemas.microsoft.com/office/drawing/2010/main" val="0"/>
+                </a:ext>
+                <a:ext uri="{96DAC541-7B7A-43D3-8B79-37D633B846F1}">
+                  <asvg:svgBlip xmlns:asvg="http://schemas.microsoft.com/office/drawing/2016/SVG/main" r:embed="rId3"/>
+                </a:ext>
+              </a:extLst>
+            </a:blip>
+            <a:stretch>
+              <a:fillRect/>
+            </a:stretch>
+          </p:blipFill>
+          <p:spPr>
+            <a:xfrm>
+              <a:off x="265177" y="3473131"/>
+              <a:ext cx="266700" cy="266700"/>
+            </a:xfrm>
+            <a:prstGeom prst="rect">
+              <a:avLst/>
+            </a:prstGeom>
+          </p:spPr>
+        </p:pic>
+        <p:pic>
+          <p:nvPicPr>
+            <p:cNvPr id="68" name="Graphic 67" descr="Harvey Balls 100%">
+              <a:extLst>
+                <a:ext uri="{FF2B5EF4-FFF2-40B4-BE49-F238E27FC236}">
+                  <a16:creationId xmlns:a16="http://schemas.microsoft.com/office/drawing/2014/main" id="{43EECFF8-A96F-456A-AFFA-247C34CE161D}"/>
+                </a:ext>
+              </a:extLst>
+            </p:cNvPr>
+            <p:cNvPicPr>
+              <a:picLocks noChangeAspect="1"/>
+            </p:cNvPicPr>
+            <p:nvPr/>
+          </p:nvPicPr>
+          <p:blipFill>
+            <a:blip r:embed="rId2">
+              <a:extLst>
+                <a:ext uri="{28A0092B-C50C-407E-A947-70E740481C1C}">
+                  <a14:useLocalDpi xmlns:a14="http://schemas.microsoft.com/office/drawing/2010/main" val="0"/>
+                </a:ext>
+                <a:ext uri="{96DAC541-7B7A-43D3-8B79-37D633B846F1}">
+                  <asvg:svgBlip xmlns:asvg="http://schemas.microsoft.com/office/drawing/2016/SVG/main" r:embed="rId3"/>
+                </a:ext>
+              </a:extLst>
+            </a:blip>
+            <a:stretch>
+              <a:fillRect/>
+            </a:stretch>
+          </p:blipFill>
+          <p:spPr>
+            <a:xfrm>
+              <a:off x="2373110" y="3473131"/>
+              <a:ext cx="266700" cy="266700"/>
+            </a:xfrm>
+            <a:prstGeom prst="rect">
+              <a:avLst/>
+            </a:prstGeom>
+          </p:spPr>
+        </p:pic>
+        <p:pic>
+          <p:nvPicPr>
+            <p:cNvPr id="69" name="Graphic 68" descr="Harvey Balls 100%">
+              <a:extLst>
+                <a:ext uri="{FF2B5EF4-FFF2-40B4-BE49-F238E27FC236}">
+                  <a16:creationId xmlns:a16="http://schemas.microsoft.com/office/drawing/2014/main" id="{D94B8868-57DC-4FA4-97D8-7AB932429C13}"/>
+                </a:ext>
+              </a:extLst>
+            </p:cNvPr>
+            <p:cNvPicPr>
+              <a:picLocks noChangeAspect="1"/>
+            </p:cNvPicPr>
+            <p:nvPr/>
+          </p:nvPicPr>
+          <p:blipFill>
+            <a:blip r:embed="rId2">
+              <a:extLst>
+                <a:ext uri="{28A0092B-C50C-407E-A947-70E740481C1C}">
+                  <a14:useLocalDpi xmlns:a14="http://schemas.microsoft.com/office/drawing/2010/main" val="0"/>
+                </a:ext>
+                <a:ext uri="{96DAC541-7B7A-43D3-8B79-37D633B846F1}">
+                  <asvg:svgBlip xmlns:asvg="http://schemas.microsoft.com/office/drawing/2016/SVG/main" r:embed="rId3"/>
+                </a:ext>
+              </a:extLst>
+            </a:blip>
+            <a:stretch>
+              <a:fillRect/>
+            </a:stretch>
+          </p:blipFill>
+          <p:spPr>
+            <a:xfrm>
+              <a:off x="4542003" y="3473131"/>
+              <a:ext cx="266700" cy="266700"/>
+            </a:xfrm>
+            <a:prstGeom prst="rect">
+              <a:avLst/>
+            </a:prstGeom>
+          </p:spPr>
+        </p:pic>
+        <p:pic>
+          <p:nvPicPr>
+            <p:cNvPr id="70" name="Graphic 69" descr="Harvey Balls 100%">
+              <a:extLst>
+                <a:ext uri="{FF2B5EF4-FFF2-40B4-BE49-F238E27FC236}">
+                  <a16:creationId xmlns:a16="http://schemas.microsoft.com/office/drawing/2014/main" id="{D41422E7-EB1E-44F7-B9FD-5B3D7CC3FDED}"/>
+                </a:ext>
+              </a:extLst>
+            </p:cNvPr>
+            <p:cNvPicPr>
+              <a:picLocks noChangeAspect="1"/>
+            </p:cNvPicPr>
+            <p:nvPr/>
+          </p:nvPicPr>
+          <p:blipFill>
+            <a:blip r:embed="rId2">
+              <a:extLst>
+                <a:ext uri="{28A0092B-C50C-407E-A947-70E740481C1C}">
+                  <a14:useLocalDpi xmlns:a14="http://schemas.microsoft.com/office/drawing/2010/main" val="0"/>
+                </a:ext>
+                <a:ext uri="{96DAC541-7B7A-43D3-8B79-37D633B846F1}">
+                  <asvg:svgBlip xmlns:asvg="http://schemas.microsoft.com/office/drawing/2016/SVG/main" r:embed="rId3"/>
+                </a:ext>
+              </a:extLst>
+            </a:blip>
+            <a:stretch>
+              <a:fillRect/>
+            </a:stretch>
+          </p:blipFill>
+          <p:spPr>
+            <a:xfrm>
+              <a:off x="7389076" y="3473131"/>
+              <a:ext cx="266700" cy="266700"/>
+            </a:xfrm>
+            <a:prstGeom prst="rect">
+              <a:avLst/>
+            </a:prstGeom>
+          </p:spPr>
+        </p:pic>
+      </p:grpSp>
+    </p:spTree>
+    <p:extLst>
+      <p:ext uri="{BB962C8B-B14F-4D97-AF65-F5344CB8AC3E}">
+        <p14:creationId xmlns:p14="http://schemas.microsoft.com/office/powerpoint/2010/main" val="3463580881"/>
+      </p:ext>
+    </p:extLst>
+  </p:cSld>
+  <p:clrMapOvr>
+    <a:masterClrMapping/>
+  </p:clrMapOvr>
+  <p:timing>
+    <p:tnLst>
+      <p:par>
+        <p:cTn id="1" dur="indefinite" restart="never" nodeType="tmRoot">
+          <p:childTnLst>
+            <p:seq concurrent="1" nextAc="seek">
+              <p:cTn id="2" dur="indefinite" nodeType="mainSeq">
+                <p:childTnLst>
+                  <p:par>
+                    <p:cTn id="3" fill="hold">
+                      <p:stCondLst>
+                        <p:cond delay="indefinite"/>
+                      </p:stCondLst>
+                      <p:childTnLst>
+                        <p:par>
+                          <p:cTn id="4" fill="hold">
+                            <p:stCondLst>
+                              <p:cond delay="0"/>
+                            </p:stCondLst>
+                            <p:childTnLst>
+                              <p:par>
+                                <p:cTn id="5" presetID="22" presetClass="entr" presetSubtype="8" fill="hold" nodeType="clickEffect">
+                                  <p:stCondLst>
+                                    <p:cond delay="0"/>
+                                  </p:stCondLst>
+                                  <p:childTnLst>
+                                    <p:set>
+                                      <p:cBhvr>
+                                        <p:cTn id="6" dur="1" fill="hold">
+                                          <p:stCondLst>
+                                            <p:cond delay="0"/>
+                                          </p:stCondLst>
+                                        </p:cTn>
+                                        <p:tgtEl>
+                                          <p:spTgt spid="49"/>
+                                        </p:tgtEl>
+                                        <p:attrNameLst>
+                                          <p:attrName>style.visibility</p:attrName>
+                                        </p:attrNameLst>
+                                      </p:cBhvr>
+                                      <p:to>
+                                        <p:strVal val="visible"/>
+                                      </p:to>
+                                    </p:set>
+                                    <p:animEffect transition="in" filter="wipe(left)">
+                                      <p:cBhvr>
+                                        <p:cTn id="7" dur="1000"/>
+                                        <p:tgtEl>
+                                          <p:spTgt spid="49"/>
+                                        </p:tgtEl>
+                                      </p:cBhvr>
+                                    </p:animEffect>
+                                  </p:childTnLst>
+                                </p:cTn>
+                              </p:par>
+                              <p:par>
+                                <p:cTn id="8" presetID="22" presetClass="entr" presetSubtype="1" fill="hold" nodeType="withEffect">
+                                  <p:stCondLst>
+                                    <p:cond delay="250"/>
+                                  </p:stCondLst>
+                                  <p:childTnLst>
+                                    <p:set>
+                                      <p:cBhvr>
+                                        <p:cTn id="9" dur="1" fill="hold">
+                                          <p:stCondLst>
+                                            <p:cond delay="0"/>
+                                          </p:stCondLst>
+                                        </p:cTn>
+                                        <p:tgtEl>
+                                          <p:spTgt spid="44"/>
+                                        </p:tgtEl>
+                                        <p:attrNameLst>
+                                          <p:attrName>style.visibility</p:attrName>
+                                        </p:attrNameLst>
+                                      </p:cBhvr>
+                                      <p:to>
+                                        <p:strVal val="visible"/>
+                                      </p:to>
+                                    </p:set>
+                                    <p:animEffect transition="in" filter="wipe(up)">
+                                      <p:cBhvr>
+                                        <p:cTn id="10" dur="1000"/>
+                                        <p:tgtEl>
+                                          <p:spTgt spid="44"/>
+                                        </p:tgtEl>
+                                      </p:cBhvr>
+                                    </p:animEffect>
+                                  </p:childTnLst>
+                                </p:cTn>
+                              </p:par>
+                              <p:par>
+                                <p:cTn id="11" presetID="22" presetClass="entr" presetSubtype="1" fill="hold" grpId="0" nodeType="withEffect">
+                                  <p:stCondLst>
+                                    <p:cond delay="250"/>
+                                  </p:stCondLst>
+                                  <p:childTnLst>
+                                    <p:set>
+                                      <p:cBhvr>
+                                        <p:cTn id="12" dur="1" fill="hold">
+                                          <p:stCondLst>
+                                            <p:cond delay="0"/>
+                                          </p:stCondLst>
+                                        </p:cTn>
+                                        <p:tgtEl>
+                                          <p:spTgt spid="45"/>
+                                        </p:tgtEl>
+                                        <p:attrNameLst>
+                                          <p:attrName>style.visibility</p:attrName>
+                                        </p:attrNameLst>
+                                      </p:cBhvr>
+                                      <p:to>
+                                        <p:strVal val="visible"/>
+                                      </p:to>
+                                    </p:set>
+                                    <p:animEffect transition="in" filter="wipe(up)">
+                                      <p:cBhvr>
+                                        <p:cTn id="13" dur="1000"/>
+                                        <p:tgtEl>
+                                          <p:spTgt spid="45"/>
+                                        </p:tgtEl>
+                                      </p:cBhvr>
+                                    </p:animEffect>
+                                  </p:childTnLst>
+                                </p:cTn>
+                              </p:par>
+                            </p:childTnLst>
+                          </p:cTn>
+                        </p:par>
+                      </p:childTnLst>
+                    </p:cTn>
+                  </p:par>
+                  <p:par>
+                    <p:cTn id="14" fill="hold">
+                      <p:stCondLst>
+                        <p:cond delay="indefinite"/>
+                      </p:stCondLst>
+                      <p:childTnLst>
+                        <p:par>
+                          <p:cTn id="15" fill="hold">
+                            <p:stCondLst>
+                              <p:cond delay="0"/>
+                            </p:stCondLst>
+                            <p:childTnLst>
+                              <p:par>
+                                <p:cTn id="16" presetID="22" presetClass="entr" presetSubtype="4" fill="hold" nodeType="clickEffect">
+                                  <p:stCondLst>
+                                    <p:cond delay="0"/>
+                                  </p:stCondLst>
+                                  <p:childTnLst>
+                                    <p:set>
+                                      <p:cBhvr>
+                                        <p:cTn id="17" dur="1" fill="hold">
+                                          <p:stCondLst>
+                                            <p:cond delay="0"/>
+                                          </p:stCondLst>
+                                        </p:cTn>
+                                        <p:tgtEl>
+                                          <p:spTgt spid="43"/>
+                                        </p:tgtEl>
+                                        <p:attrNameLst>
+                                          <p:attrName>style.visibility</p:attrName>
+                                        </p:attrNameLst>
+                                      </p:cBhvr>
+                                      <p:to>
+                                        <p:strVal val="visible"/>
+                                      </p:to>
+                                    </p:set>
+                                    <p:animEffect transition="in" filter="wipe(down)">
+                                      <p:cBhvr>
+                                        <p:cTn id="18" dur="1000"/>
+                                        <p:tgtEl>
+                                          <p:spTgt spid="43"/>
+                                        </p:tgtEl>
+                                      </p:cBhvr>
+                                    </p:animEffect>
+                                  </p:childTnLst>
+                                </p:cTn>
+                              </p:par>
+                              <p:par>
+                                <p:cTn id="19" presetID="22" presetClass="entr" presetSubtype="4" fill="hold" grpId="0" nodeType="withEffect">
+                                  <p:stCondLst>
+                                    <p:cond delay="0"/>
+                                  </p:stCondLst>
+                                  <p:childTnLst>
+                                    <p:set>
+                                      <p:cBhvr>
+                                        <p:cTn id="20" dur="1" fill="hold">
+                                          <p:stCondLst>
+                                            <p:cond delay="0"/>
+                                          </p:stCondLst>
+                                        </p:cTn>
+                                        <p:tgtEl>
+                                          <p:spTgt spid="46"/>
+                                        </p:tgtEl>
+                                        <p:attrNameLst>
+                                          <p:attrName>style.visibility</p:attrName>
+                                        </p:attrNameLst>
+                                      </p:cBhvr>
+                                      <p:to>
+                                        <p:strVal val="visible"/>
+                                      </p:to>
+                                    </p:set>
+                                    <p:animEffect transition="in" filter="wipe(down)">
+                                      <p:cBhvr>
+                                        <p:cTn id="21" dur="1000"/>
+                                        <p:tgtEl>
+                                          <p:spTgt spid="46"/>
+                                        </p:tgtEl>
+                                      </p:cBhvr>
+                                    </p:animEffect>
+                                  </p:childTnLst>
+                                </p:cTn>
+                              </p:par>
+                            </p:childTnLst>
+                          </p:cTn>
+                        </p:par>
+                      </p:childTnLst>
+                    </p:cTn>
+                  </p:par>
+                  <p:par>
+                    <p:cTn id="22" fill="hold">
+                      <p:stCondLst>
+                        <p:cond delay="indefinite"/>
+                      </p:stCondLst>
+                      <p:childTnLst>
+                        <p:par>
+                          <p:cTn id="23" fill="hold">
+                            <p:stCondLst>
+                              <p:cond delay="0"/>
+                            </p:stCondLst>
+                            <p:childTnLst>
+                              <p:par>
+                                <p:cTn id="24" presetID="22" presetClass="entr" presetSubtype="1" fill="hold" nodeType="clickEffect">
+                                  <p:stCondLst>
+                                    <p:cond delay="0"/>
+                                  </p:stCondLst>
+                                  <p:childTnLst>
+                                    <p:set>
+                                      <p:cBhvr>
+                                        <p:cTn id="25" dur="1" fill="hold">
+                                          <p:stCondLst>
+                                            <p:cond delay="0"/>
+                                          </p:stCondLst>
+                                        </p:cTn>
+                                        <p:tgtEl>
+                                          <p:spTgt spid="42"/>
+                                        </p:tgtEl>
+                                        <p:attrNameLst>
+                                          <p:attrName>style.visibility</p:attrName>
+                                        </p:attrNameLst>
+                                      </p:cBhvr>
+                                      <p:to>
+                                        <p:strVal val="visible"/>
+                                      </p:to>
+                                    </p:set>
+                                    <p:animEffect transition="in" filter="wipe(up)">
+                                      <p:cBhvr>
+                                        <p:cTn id="26" dur="1000"/>
+                                        <p:tgtEl>
+                                          <p:spTgt spid="42"/>
+                                        </p:tgtEl>
+                                      </p:cBhvr>
+                                    </p:animEffect>
+                                  </p:childTnLst>
+                                </p:cTn>
+                              </p:par>
+                              <p:par>
+                                <p:cTn id="27" presetID="22" presetClass="entr" presetSubtype="1" fill="hold" grpId="0" nodeType="withEffect">
+                                  <p:stCondLst>
+                                    <p:cond delay="0"/>
+                                  </p:stCondLst>
+                                  <p:childTnLst>
+                                    <p:set>
+                                      <p:cBhvr>
+                                        <p:cTn id="28" dur="1" fill="hold">
+                                          <p:stCondLst>
+                                            <p:cond delay="0"/>
+                                          </p:stCondLst>
+                                        </p:cTn>
+                                        <p:tgtEl>
+                                          <p:spTgt spid="47"/>
+                                        </p:tgtEl>
+                                        <p:attrNameLst>
+                                          <p:attrName>style.visibility</p:attrName>
+                                        </p:attrNameLst>
+                                      </p:cBhvr>
+                                      <p:to>
+                                        <p:strVal val="visible"/>
+                                      </p:to>
+                                    </p:set>
+                                    <p:animEffect transition="in" filter="wipe(up)">
+                                      <p:cBhvr>
+                                        <p:cTn id="29" dur="1000"/>
+                                        <p:tgtEl>
+                                          <p:spTgt spid="47"/>
+                                        </p:tgtEl>
+                                      </p:cBhvr>
+                                    </p:animEffect>
+                                  </p:childTnLst>
+                                </p:cTn>
+                              </p:par>
+                            </p:childTnLst>
+                          </p:cTn>
+                        </p:par>
+                      </p:childTnLst>
+                    </p:cTn>
+                  </p:par>
+                  <p:par>
+                    <p:cTn id="30" fill="hold">
+                      <p:stCondLst>
+                        <p:cond delay="indefinite"/>
+                      </p:stCondLst>
+                      <p:childTnLst>
+                        <p:par>
+                          <p:cTn id="31" fill="hold">
+                            <p:stCondLst>
+                              <p:cond delay="0"/>
+                            </p:stCondLst>
+                            <p:childTnLst>
+                              <p:par>
+                                <p:cTn id="32" presetID="22" presetClass="entr" presetSubtype="4" fill="hold" nodeType="clickEffect">
+                                  <p:stCondLst>
+                                    <p:cond delay="0"/>
+                                  </p:stCondLst>
+                                  <p:childTnLst>
+                                    <p:set>
+                                      <p:cBhvr>
+                                        <p:cTn id="33" dur="1" fill="hold">
+                                          <p:stCondLst>
+                                            <p:cond delay="0"/>
+                                          </p:stCondLst>
+                                        </p:cTn>
+                                        <p:tgtEl>
+                                          <p:spTgt spid="41"/>
+                                        </p:tgtEl>
+                                        <p:attrNameLst>
+                                          <p:attrName>style.visibility</p:attrName>
+                                        </p:attrNameLst>
+                                      </p:cBhvr>
+                                      <p:to>
+                                        <p:strVal val="visible"/>
+                                      </p:to>
+                                    </p:set>
+                                    <p:animEffect transition="in" filter="wipe(down)">
+                                      <p:cBhvr>
+                                        <p:cTn id="34" dur="1000"/>
+                                        <p:tgtEl>
+                                          <p:spTgt spid="41"/>
+                                        </p:tgtEl>
+                                      </p:cBhvr>
+                                    </p:animEffect>
+                                  </p:childTnLst>
+                                </p:cTn>
+                              </p:par>
+                              <p:par>
+                                <p:cTn id="35" presetID="22" presetClass="entr" presetSubtype="4" fill="hold" grpId="0" nodeType="withEffect">
+                                  <p:stCondLst>
+                                    <p:cond delay="0"/>
+                                  </p:stCondLst>
+                                  <p:childTnLst>
+                                    <p:set>
+                                      <p:cBhvr>
+                                        <p:cTn id="36" dur="1" fill="hold">
+                                          <p:stCondLst>
+                                            <p:cond delay="0"/>
+                                          </p:stCondLst>
+                                        </p:cTn>
+                                        <p:tgtEl>
+                                          <p:spTgt spid="48"/>
+                                        </p:tgtEl>
+                                        <p:attrNameLst>
+                                          <p:attrName>style.visibility</p:attrName>
+                                        </p:attrNameLst>
+                                      </p:cBhvr>
+                                      <p:to>
+                                        <p:strVal val="visible"/>
+                                      </p:to>
+                                    </p:set>
+                                    <p:animEffect transition="in" filter="wipe(down)">
+                                      <p:cBhvr>
+                                        <p:cTn id="37" dur="1000"/>
+                                        <p:tgtEl>
+                                          <p:spTgt spid="48"/>
+                                        </p:tgtEl>
+                                      </p:cBhvr>
+                                    </p:animEffect>
+                                  </p:childTnLst>
+                                </p:cTn>
+                              </p:par>
+                            </p:childTnLst>
+                          </p:cTn>
+                        </p:par>
+                      </p:childTnLst>
+                    </p:cTn>
+                  </p:par>
+                </p:childTnLst>
+              </p:cTn>
+              <p:prevCondLst>
+                <p:cond evt="onPrev" delay="0">
+                  <p:tgtEl>
+                    <p:sldTgt/>
+                  </p:tgtEl>
+                </p:cond>
+              </p:prevCondLst>
+              <p:nextCondLst>
+                <p:cond evt="onNext" delay="0">
+                  <p:tgtEl>
+                    <p:sldTgt/>
+                  </p:tgtEl>
+                </p:cond>
+              </p:nextCondLst>
+            </p:seq>
+          </p:childTnLst>
+        </p:cTn>
+      </p:par>
+    </p:tnLst>
+    <p:bldLst>
+      <p:bldP spid="45" grpId="0"/>
+      <p:bldP spid="46" grpId="0"/>
+      <p:bldP spid="47" grpId="0"/>
+      <p:bldP spid="48" grpId="0"/>
+    </p:bldLst>
+  </p:timing>
+</p:sld>
+</file>
+
+<file path=ppt/slides/slide24.xml><?xml version="1.0" encoding="utf-8"?>
+<p:sld xmlns:a="http://schemas.openxmlformats.org/drawingml/2006/main" xmlns:r="http://schemas.openxmlformats.org/officeDocument/2006/relationships" xmlns:p="http://schemas.openxmlformats.org/presentationml/2006/main">
+  <p:cSld>
+    <p:spTree>
+      <p:nvGrpSpPr>
+        <p:cNvPr id="1" name=""/>
+        <p:cNvGrpSpPr/>
+        <p:nvPr/>
+      </p:nvGrpSpPr>
+      <p:grpSpPr>
+        <a:xfrm>
+          <a:off x="0" y="0"/>
+          <a:ext cx="0" cy="0"/>
+          <a:chOff x="0" y="0"/>
+          <a:chExt cx="0" cy="0"/>
+        </a:xfrm>
+      </p:grpSpPr>
+      <p:sp>
+        <p:nvSpPr>
           <p:cNvPr id="2" name="Title 1">
             <a:extLst>
               <a:ext uri="{FF2B5EF4-FFF2-40B4-BE49-F238E27FC236}">
@@ -19022,37 +24949,139 @@
             <p:ph type="ctrTitle"/>
           </p:nvPr>
         </p:nvSpPr>
-        <p:spPr/>
+        <p:spPr>
+          <a:xfrm>
+            <a:off x="6217331" y="2191798"/>
+            <a:ext cx="4965575" cy="2143788"/>
+          </a:xfrm>
+        </p:spPr>
         <p:txBody>
-          <a:bodyPr/>
+          <a:bodyPr anchor="ctr">
+            <a:normAutofit fontScale="90000"/>
+          </a:bodyPr>
           <a:lstStyle/>
           <a:p>
-            <a:endParaRPr lang="en-GB" dirty="0"/>
-          </a:p>
-        </p:txBody>
-      </p:sp>
-      <p:sp>
-        <p:nvSpPr>
-          <p:cNvPr id="3" name="Subtitle 2">
-            <a:extLst>
-              <a:ext uri="{FF2B5EF4-FFF2-40B4-BE49-F238E27FC236}">
-                <a16:creationId xmlns:a16="http://schemas.microsoft.com/office/drawing/2014/main" id="{14F5E4FA-3FA3-4BE7-89DC-F815B9DA97D8}"/>
-              </a:ext>
-            </a:extLst>
-          </p:cNvPr>
-          <p:cNvSpPr>
-            <a:spLocks noGrp="1"/>
-          </p:cNvSpPr>
-          <p:nvPr>
-            <p:ph type="subTitle" idx="1"/>
-          </p:nvPr>
-        </p:nvSpPr>
-        <p:spPr/>
-        <p:txBody>
-          <a:bodyPr/>
-          <a:lstStyle/>
-          <a:p>
-            <a:endParaRPr lang="en-GB"/>
+            <a:pPr algn="l"/>
+            <a:r>
+              <a:rPr lang="fr-FR" sz="1800" b="1" dirty="0">
+                <a:latin typeface="+mn-lt"/>
+              </a:rPr>
+              <a:t>So, contact me!</a:t>
+            </a:r>
+            <a:br>
+              <a:rPr lang="fr-FR" sz="1600" dirty="0">
+                <a:latin typeface="+mn-lt"/>
+              </a:rPr>
+            </a:br>
+            <a:br>
+              <a:rPr lang="fr-FR" sz="1600" dirty="0">
+                <a:latin typeface="+mn-lt"/>
+              </a:rPr>
+            </a:br>
+            <a:r>
+              <a:rPr lang="fr-FR" sz="1600" dirty="0" err="1">
+                <a:latin typeface="+mn-lt"/>
+              </a:rPr>
+              <a:t>Send</a:t>
+            </a:r>
+            <a:r>
+              <a:rPr lang="fr-FR" sz="1600" dirty="0">
+                <a:latin typeface="+mn-lt"/>
+              </a:rPr>
+              <a:t> me an email: </a:t>
+            </a:r>
+            <a:r>
+              <a:rPr lang="fr-FR" sz="1600" dirty="0">
+                <a:latin typeface="+mn-lt"/>
+                <a:hlinkClick r:id="rId2"/>
+              </a:rPr>
+              <a:t>firzariany2@gmail.com</a:t>
+            </a:r>
+            <a:br>
+              <a:rPr lang="fr-FR" sz="1600" dirty="0">
+                <a:latin typeface="+mn-lt"/>
+              </a:rPr>
+            </a:br>
+            <a:br>
+              <a:rPr lang="fr-FR" sz="1600" dirty="0">
+                <a:latin typeface="+mn-lt"/>
+              </a:rPr>
+            </a:br>
+            <a:r>
+              <a:rPr lang="fr-FR" sz="1600" dirty="0" err="1">
+                <a:latin typeface="+mn-lt"/>
+              </a:rPr>
+              <a:t>Find</a:t>
+            </a:r>
+            <a:r>
+              <a:rPr lang="fr-FR" sz="1600" dirty="0">
+                <a:latin typeface="+mn-lt"/>
+              </a:rPr>
+              <a:t> me on LinkedIn: </a:t>
+            </a:r>
+            <a:r>
+              <a:rPr lang="en-GB" sz="1600" dirty="0">
+                <a:latin typeface="+mn-lt"/>
+                <a:hlinkClick r:id="rId3"/>
+              </a:rPr>
+              <a:t>Firza Riany | LinkedIn</a:t>
+            </a:r>
+            <a:br>
+              <a:rPr lang="en-GB" sz="1600" dirty="0">
+                <a:latin typeface="+mn-lt"/>
+              </a:rPr>
+            </a:br>
+            <a:br>
+              <a:rPr lang="en-GB" sz="1600" dirty="0">
+                <a:latin typeface="+mn-lt"/>
+              </a:rPr>
+            </a:br>
+            <a:r>
+              <a:rPr lang="en-GB" sz="1600" dirty="0">
+                <a:latin typeface="+mn-lt"/>
+              </a:rPr>
+              <a:t>Read my blog about data and environmental science: </a:t>
+            </a:r>
+            <a:r>
+              <a:rPr lang="en-GB" sz="1600" dirty="0">
+                <a:latin typeface="+mn-lt"/>
+                <a:hlinkClick r:id="rId4"/>
+              </a:rPr>
+              <a:t>Firza Riany – Medium</a:t>
+            </a:r>
+            <a:br>
+              <a:rPr lang="en-GB" sz="1600" dirty="0">
+                <a:latin typeface="+mn-lt"/>
+              </a:rPr>
+            </a:br>
+            <a:br>
+              <a:rPr lang="en-GB" sz="1600" dirty="0">
+                <a:latin typeface="+mn-lt"/>
+              </a:rPr>
+            </a:br>
+            <a:r>
+              <a:rPr lang="en-GB" sz="1600" dirty="0">
+                <a:latin typeface="+mn-lt"/>
+              </a:rPr>
+              <a:t>Check my projects: </a:t>
+            </a:r>
+            <a:r>
+              <a:rPr lang="en-GB" sz="1600" dirty="0" err="1">
+                <a:latin typeface="+mn-lt"/>
+                <a:hlinkClick r:id="rId5"/>
+              </a:rPr>
+              <a:t>firzaariany</a:t>
+            </a:r>
+            <a:r>
+              <a:rPr lang="en-GB" sz="1600" dirty="0">
+                <a:latin typeface="+mn-lt"/>
+                <a:hlinkClick r:id="rId5"/>
+              </a:rPr>
+              <a:t> (Firza Riany) (github.com)</a:t>
+            </a:r>
+            <a:endParaRPr lang="en-GB" sz="1600" dirty="0">
+              <a:latin typeface="+mn-lt"/>
+            </a:endParaRPr>
           </a:p>
         </p:txBody>
       </p:sp>
@@ -19071,7 +25100,7 @@
           <p:nvPr/>
         </p:nvPicPr>
         <p:blipFill>
-          <a:blip r:embed="rId2">
+          <a:blip r:embed="rId6">
             <a:extLst>
               <a:ext uri="{28A0092B-C50C-407E-A947-70E740481C1C}">
                 <a14:useLocalDpi xmlns:a14="http://schemas.microsoft.com/office/drawing/2010/main" val="0"/>
@@ -19085,8 +25114,8 @@
         </p:blipFill>
         <p:spPr bwMode="auto">
           <a:xfrm>
-            <a:off x="4281488" y="2047875"/>
-            <a:ext cx="3629025" cy="2762250"/>
+            <a:off x="1009094" y="1373905"/>
+            <a:ext cx="4965576" cy="3779574"/>
           </a:xfrm>
           <a:prstGeom prst="rect">
             <a:avLst/>

--- a/Advances in quantitative genetics.pptx
+++ b/Advances in quantitative genetics.pptx
@@ -18847,6 +18847,168 @@
           </a:p>
         </p:txBody>
       </p:sp>
+      <p:sp>
+        <p:nvSpPr>
+          <p:cNvPr id="6" name="Rectangle 5">
+            <a:extLst>
+              <a:ext uri="{FF2B5EF4-FFF2-40B4-BE49-F238E27FC236}">
+                <a16:creationId xmlns:a16="http://schemas.microsoft.com/office/drawing/2014/main" id="{D2324B9F-34FA-4859-9132-5F4F136F807A}"/>
+              </a:ext>
+            </a:extLst>
+          </p:cNvPr>
+          <p:cNvSpPr/>
+          <p:nvPr/>
+        </p:nvSpPr>
+        <p:spPr>
+          <a:xfrm>
+            <a:off x="180975" y="4285821"/>
+            <a:ext cx="12011025" cy="2490451"/>
+          </a:xfrm>
+          <a:prstGeom prst="rect">
+            <a:avLst/>
+          </a:prstGeom>
+          <a:solidFill>
+            <a:schemeClr val="bg1">
+              <a:alpha val="81000"/>
+            </a:schemeClr>
+          </a:solidFill>
+          <a:ln>
+            <a:noFill/>
+          </a:ln>
+        </p:spPr>
+        <p:style>
+          <a:lnRef idx="2">
+            <a:schemeClr val="accent1">
+              <a:shade val="50000"/>
+            </a:schemeClr>
+          </a:lnRef>
+          <a:fillRef idx="1">
+            <a:schemeClr val="accent1"/>
+          </a:fillRef>
+          <a:effectRef idx="0">
+            <a:schemeClr val="accent1"/>
+          </a:effectRef>
+          <a:fontRef idx="minor">
+            <a:schemeClr val="lt1"/>
+          </a:fontRef>
+        </p:style>
+        <p:txBody>
+          <a:bodyPr rtlCol="0" anchor="ctr"/>
+          <a:lstStyle/>
+          <a:p>
+            <a:pPr algn="ctr"/>
+            <a:endParaRPr lang="en-GB"/>
+          </a:p>
+        </p:txBody>
+      </p:sp>
+      <p:sp>
+        <p:nvSpPr>
+          <p:cNvPr id="7" name="Rectangle 6">
+            <a:extLst>
+              <a:ext uri="{FF2B5EF4-FFF2-40B4-BE49-F238E27FC236}">
+                <a16:creationId xmlns:a16="http://schemas.microsoft.com/office/drawing/2014/main" id="{EDC3258F-4BC3-4944-BF98-9625BE79D884}"/>
+              </a:ext>
+            </a:extLst>
+          </p:cNvPr>
+          <p:cNvSpPr/>
+          <p:nvPr/>
+        </p:nvSpPr>
+        <p:spPr>
+          <a:xfrm>
+            <a:off x="90487" y="3319634"/>
+            <a:ext cx="12011025" cy="3004529"/>
+          </a:xfrm>
+          <a:prstGeom prst="rect">
+            <a:avLst/>
+          </a:prstGeom>
+          <a:solidFill>
+            <a:schemeClr val="bg1">
+              <a:alpha val="81000"/>
+            </a:schemeClr>
+          </a:solidFill>
+          <a:ln>
+            <a:noFill/>
+          </a:ln>
+        </p:spPr>
+        <p:style>
+          <a:lnRef idx="2">
+            <a:schemeClr val="accent1">
+              <a:shade val="50000"/>
+            </a:schemeClr>
+          </a:lnRef>
+          <a:fillRef idx="1">
+            <a:schemeClr val="accent1"/>
+          </a:fillRef>
+          <a:effectRef idx="0">
+            <a:schemeClr val="accent1"/>
+          </a:effectRef>
+          <a:fontRef idx="minor">
+            <a:schemeClr val="lt1"/>
+          </a:fontRef>
+        </p:style>
+        <p:txBody>
+          <a:bodyPr rtlCol="0" anchor="ctr"/>
+          <a:lstStyle/>
+          <a:p>
+            <a:pPr algn="ctr"/>
+            <a:endParaRPr lang="en-GB"/>
+          </a:p>
+        </p:txBody>
+      </p:sp>
+      <p:sp>
+        <p:nvSpPr>
+          <p:cNvPr id="8" name="Rectangle 7">
+            <a:extLst>
+              <a:ext uri="{FF2B5EF4-FFF2-40B4-BE49-F238E27FC236}">
+                <a16:creationId xmlns:a16="http://schemas.microsoft.com/office/drawing/2014/main" id="{562AB487-68C1-4BDA-B35C-2E34A1B200CF}"/>
+              </a:ext>
+            </a:extLst>
+          </p:cNvPr>
+          <p:cNvSpPr/>
+          <p:nvPr/>
+        </p:nvSpPr>
+        <p:spPr>
+          <a:xfrm>
+            <a:off x="0" y="2689972"/>
+            <a:ext cx="12011025" cy="3004529"/>
+          </a:xfrm>
+          <a:prstGeom prst="rect">
+            <a:avLst/>
+          </a:prstGeom>
+          <a:solidFill>
+            <a:schemeClr val="bg1">
+              <a:alpha val="81000"/>
+            </a:schemeClr>
+          </a:solidFill>
+          <a:ln>
+            <a:noFill/>
+          </a:ln>
+        </p:spPr>
+        <p:style>
+          <a:lnRef idx="2">
+            <a:schemeClr val="accent1">
+              <a:shade val="50000"/>
+            </a:schemeClr>
+          </a:lnRef>
+          <a:fillRef idx="1">
+            <a:schemeClr val="accent1"/>
+          </a:fillRef>
+          <a:effectRef idx="0">
+            <a:schemeClr val="accent1"/>
+          </a:effectRef>
+          <a:fontRef idx="minor">
+            <a:schemeClr val="lt1"/>
+          </a:fontRef>
+        </p:style>
+        <p:txBody>
+          <a:bodyPr rtlCol="0" anchor="ctr"/>
+          <a:lstStyle/>
+          <a:p>
+            <a:pPr algn="ctr"/>
+            <a:endParaRPr lang="en-GB"/>
+          </a:p>
+        </p:txBody>
+      </p:sp>
     </p:spTree>
     <p:extLst>
       <p:ext uri="{BB962C8B-B14F-4D97-AF65-F5344CB8AC3E}">
@@ -18857,6 +19019,200 @@
   <p:clrMapOvr>
     <a:masterClrMapping/>
   </p:clrMapOvr>
+  <p:timing>
+    <p:tnLst>
+      <p:par>
+        <p:cTn id="1" dur="indefinite" restart="never" nodeType="tmRoot">
+          <p:childTnLst>
+            <p:seq concurrent="1" nextAc="seek">
+              <p:cTn id="2" dur="indefinite" nodeType="mainSeq">
+                <p:childTnLst>
+                  <p:par>
+                    <p:cTn id="3" fill="hold">
+                      <p:stCondLst>
+                        <p:cond delay="indefinite"/>
+                      </p:stCondLst>
+                      <p:childTnLst>
+                        <p:par>
+                          <p:cTn id="4" fill="hold">
+                            <p:stCondLst>
+                              <p:cond delay="0"/>
+                            </p:stCondLst>
+                            <p:childTnLst>
+                              <p:par>
+                                <p:cTn id="5" presetID="22" presetClass="exit" presetSubtype="1" fill="hold" grpId="0" nodeType="clickEffect">
+                                  <p:stCondLst>
+                                    <p:cond delay="0"/>
+                                  </p:stCondLst>
+                                  <p:childTnLst>
+                                    <p:animEffect transition="out" filter="wipe(up)">
+                                      <p:cBhvr>
+                                        <p:cTn id="6" dur="500"/>
+                                        <p:tgtEl>
+                                          <p:spTgt spid="8"/>
+                                        </p:tgtEl>
+                                      </p:cBhvr>
+                                    </p:animEffect>
+                                    <p:set>
+                                      <p:cBhvr>
+                                        <p:cTn id="7" dur="1" fill="hold">
+                                          <p:stCondLst>
+                                            <p:cond delay="499"/>
+                                          </p:stCondLst>
+                                        </p:cTn>
+                                        <p:tgtEl>
+                                          <p:spTgt spid="8"/>
+                                        </p:tgtEl>
+                                        <p:attrNameLst>
+                                          <p:attrName>style.visibility</p:attrName>
+                                        </p:attrNameLst>
+                                      </p:cBhvr>
+                                      <p:to>
+                                        <p:strVal val="hidden"/>
+                                      </p:to>
+                                    </p:set>
+                                  </p:childTnLst>
+                                </p:cTn>
+                              </p:par>
+                            </p:childTnLst>
+                          </p:cTn>
+                        </p:par>
+                      </p:childTnLst>
+                    </p:cTn>
+                  </p:par>
+                  <p:par>
+                    <p:cTn id="8" fill="hold">
+                      <p:stCondLst>
+                        <p:cond delay="indefinite"/>
+                      </p:stCondLst>
+                      <p:childTnLst>
+                        <p:par>
+                          <p:cTn id="9" fill="hold">
+                            <p:stCondLst>
+                              <p:cond delay="0"/>
+                            </p:stCondLst>
+                            <p:childTnLst>
+                              <p:par>
+                                <p:cTn id="10" presetID="22" presetClass="exit" presetSubtype="1" fill="hold" grpId="0" nodeType="clickEffect">
+                                  <p:stCondLst>
+                                    <p:cond delay="0"/>
+                                  </p:stCondLst>
+                                  <p:childTnLst>
+                                    <p:animEffect transition="out" filter="wipe(up)">
+                                      <p:cBhvr>
+                                        <p:cTn id="11" dur="500"/>
+                                        <p:tgtEl>
+                                          <p:spTgt spid="7"/>
+                                        </p:tgtEl>
+                                      </p:cBhvr>
+                                    </p:animEffect>
+                                    <p:set>
+                                      <p:cBhvr>
+                                        <p:cTn id="12" dur="1" fill="hold">
+                                          <p:stCondLst>
+                                            <p:cond delay="499"/>
+                                          </p:stCondLst>
+                                        </p:cTn>
+                                        <p:tgtEl>
+                                          <p:spTgt spid="7"/>
+                                        </p:tgtEl>
+                                        <p:attrNameLst>
+                                          <p:attrName>style.visibility</p:attrName>
+                                        </p:attrNameLst>
+                                      </p:cBhvr>
+                                      <p:to>
+                                        <p:strVal val="hidden"/>
+                                      </p:to>
+                                    </p:set>
+                                  </p:childTnLst>
+                                </p:cTn>
+                              </p:par>
+                            </p:childTnLst>
+                          </p:cTn>
+                        </p:par>
+                      </p:childTnLst>
+                    </p:cTn>
+                  </p:par>
+                  <p:par>
+                    <p:cTn id="13" fill="hold">
+                      <p:stCondLst>
+                        <p:cond delay="indefinite"/>
+                      </p:stCondLst>
+                      <p:childTnLst>
+                        <p:par>
+                          <p:cTn id="14" fill="hold">
+                            <p:stCondLst>
+                              <p:cond delay="0"/>
+                            </p:stCondLst>
+                            <p:childTnLst>
+                              <p:par>
+                                <p:cTn id="15" presetID="22" presetClass="exit" presetSubtype="1" fill="hold" grpId="0" nodeType="clickEffect">
+                                  <p:stCondLst>
+                                    <p:cond delay="0"/>
+                                  </p:stCondLst>
+                                  <p:childTnLst>
+                                    <p:animEffect transition="out" filter="wipe(up)">
+                                      <p:cBhvr>
+                                        <p:cTn id="16" dur="500"/>
+                                        <p:tgtEl>
+                                          <p:spTgt spid="6"/>
+                                        </p:tgtEl>
+                                      </p:cBhvr>
+                                    </p:animEffect>
+                                    <p:set>
+                                      <p:cBhvr>
+                                        <p:cTn id="17" dur="1" fill="hold">
+                                          <p:stCondLst>
+                                            <p:cond delay="499"/>
+                                          </p:stCondLst>
+                                        </p:cTn>
+                                        <p:tgtEl>
+                                          <p:spTgt spid="6"/>
+                                        </p:tgtEl>
+                                        <p:attrNameLst>
+                                          <p:attrName>style.visibility</p:attrName>
+                                        </p:attrNameLst>
+                                      </p:cBhvr>
+                                      <p:to>
+                                        <p:strVal val="hidden"/>
+                                      </p:to>
+                                    </p:set>
+                                  </p:childTnLst>
+                                </p:cTn>
+                              </p:par>
+                            </p:childTnLst>
+                          </p:cTn>
+                        </p:par>
+                      </p:childTnLst>
+                    </p:cTn>
+                  </p:par>
+                </p:childTnLst>
+              </p:cTn>
+              <p:prevCondLst>
+                <p:cond evt="onPrev" delay="0">
+                  <p:tgtEl>
+                    <p:sldTgt/>
+                  </p:tgtEl>
+                </p:cond>
+              </p:prevCondLst>
+              <p:nextCondLst>
+                <p:cond evt="onNext" delay="0">
+                  <p:tgtEl>
+                    <p:sldTgt/>
+                  </p:tgtEl>
+                </p:cond>
+              </p:nextCondLst>
+            </p:seq>
+          </p:childTnLst>
+        </p:cTn>
+      </p:par>
+    </p:tnLst>
+    <p:bldLst>
+      <p:bldP spid="6" grpId="0" animBg="1"/>
+      <p:bldP spid="7" grpId="0" animBg="1"/>
+      <p:bldP spid="8" grpId="0" animBg="1"/>
+    </p:bldLst>
+  </p:timing>
 </p:sld>
 </file>
 
@@ -21703,8 +22059,8 @@
           </a:p>
         </p:txBody>
       </p:sp>
-      <mc:AlternateContent xmlns:mc="http://schemas.openxmlformats.org/markup-compatibility/2006">
-        <mc:Choice xmlns:a14="http://schemas.microsoft.com/office/drawing/2010/main" Requires="a14">
+      <mc:AlternateContent xmlns:mc="http://schemas.openxmlformats.org/markup-compatibility/2006" xmlns:a14="http://schemas.microsoft.com/office/drawing/2010/main">
+        <mc:Choice Requires="a14">
           <p:sp>
             <p:nvSpPr>
               <p:cNvPr id="57" name="TextBox 56">
@@ -21912,7 +22268,7 @@
             </p:txBody>
           </p:sp>
         </mc:Choice>
-        <mc:Fallback>
+        <mc:Fallback xmlns="">
           <p:sp>
             <p:nvSpPr>
               <p:cNvPr id="57" name="TextBox 56">
